--- a/talks/DappDev 2018/Four Dimensional Blockchain Scaling.pptx
+++ b/talks/DappDev 2018/Four Dimensional Blockchain Scaling.pptx
@@ -13035,8 +13035,8 @@
         </p:nvSpPr>
         <p:spPr>
           <a:xfrm>
-            <a:off x="9594276" y="8272192"/>
-            <a:ext cx="5195461" cy="553998"/>
+            <a:off x="9737200" y="8272192"/>
+            <a:ext cx="4909614" cy="553998"/>
           </a:xfrm>
           <a:prstGeom prst="rect">
             <a:avLst/>
@@ -13057,26 +13057,11 @@
               <a:t>DappDev</a:t>
             </a:r>
             <a:r>
-              <a:rPr lang="en-US" sz="3000" spc="-20">
-                <a:latin typeface="Avenir Next" panose="020B0503020202020204" pitchFamily="34" charset="0"/>
-              </a:rPr>
-              <a:t>, </a:t>
-            </a:r>
-            <a:r>
               <a:rPr lang="en-US" sz="3000" spc="-20" dirty="0">
                 <a:latin typeface="Avenir Next" panose="020B0503020202020204" pitchFamily="34" charset="0"/>
               </a:rPr>
-              <a:t>Berlin</a:t>
-            </a:r>
-            <a:r>
-              <a:rPr lang="en-US" sz="3000" spc="-20">
-                <a:latin typeface="Avenir Next" panose="020B0503020202020204" pitchFamily="34" charset="0"/>
-              </a:rPr>
-              <a:t>, 2018-04-16</a:t>
-            </a:r>
-            <a:endParaRPr lang="en-US" sz="3000" spc="-20" dirty="0">
-              <a:latin typeface="Avenir Next" panose="020B0503020202020204" pitchFamily="34" charset="0"/>
-            </a:endParaRPr>
+              <a:t>, Kiev, 2018-04-16</a:t>
+            </a:r>
           </a:p>
         </p:txBody>
       </p:sp>
@@ -15399,7 +15384,7 @@
         </p:nvSpPr>
         <p:spPr>
           <a:xfrm>
-            <a:off x="10982855" y="8225445"/>
+            <a:off x="9530373" y="8198731"/>
             <a:ext cx="2661626" cy="553998"/>
           </a:xfrm>
           <a:prstGeom prst="rect">
@@ -15505,6 +15490,54 @@
           </a:fontRef>
         </p:style>
       </p:cxnSp>
+      <p:sp>
+        <p:nvSpPr>
+          <p:cNvPr id="7" name="pole tekstowe 5">
+            <a:extLst>
+              <a:ext uri="{FF2B5EF4-FFF2-40B4-BE49-F238E27FC236}">
+                <a16:creationId xmlns:a16="http://schemas.microsoft.com/office/drawing/2014/main" id="{9D6E7F2F-25A2-014F-A1A7-580D49158BA9}"/>
+              </a:ext>
+            </a:extLst>
+          </p:cNvPr>
+          <p:cNvSpPr txBox="1"/>
+          <p:nvPr/>
+        </p:nvSpPr>
+        <p:spPr>
+          <a:xfrm>
+            <a:off x="12191999" y="8198731"/>
+            <a:ext cx="3014928" cy="553998"/>
+          </a:xfrm>
+          <a:prstGeom prst="rect">
+            <a:avLst/>
+          </a:prstGeom>
+          <a:noFill/>
+        </p:spPr>
+        <p:txBody>
+          <a:bodyPr wrap="none" rtlCol="0" anchor="ctr">
+            <a:spAutoFit/>
+          </a:bodyPr>
+          <a:lstStyle/>
+          <a:p>
+            <a:pPr algn="ctr"/>
+            <a:r>
+              <a:rPr lang="en-US" sz="3000" spc="-20" dirty="0">
+                <a:solidFill>
+                  <a:srgbClr val="00D4B9"/>
+                </a:solidFill>
+                <a:latin typeface="Avenir Next" panose="020B0503020202020204" pitchFamily="34" charset="0"/>
+                <a:hlinkClick r:id="rId4"/>
+              </a:rPr>
+              <a:t>cosmos.network</a:t>
+            </a:r>
+            <a:endParaRPr lang="en-US" sz="3000" spc="-20" dirty="0">
+              <a:solidFill>
+                <a:srgbClr val="00D4B9"/>
+              </a:solidFill>
+              <a:latin typeface="Avenir Next" panose="020B0503020202020204" pitchFamily="34" charset="0"/>
+            </a:endParaRPr>
+          </a:p>
+        </p:txBody>
+      </p:sp>
     </p:spTree>
     <p:extLst>
       <p:ext uri="{BB962C8B-B14F-4D97-AF65-F5344CB8AC3E}">
@@ -20239,7 +20272,7 @@
         <p:spPr>
           <a:xfrm>
             <a:off x="13572480" y="2969181"/>
-            <a:ext cx="10080000" cy="5016758"/>
+            <a:ext cx="10080000" cy="6093976"/>
           </a:xfrm>
           <a:prstGeom prst="rect">
             <a:avLst/>
@@ -20310,6 +20343,21 @@
                 <a:latin typeface="Avenir Next" panose="020B0503020202020204" pitchFamily="34" charset="0"/>
               </a:rPr>
               <a:t>DKG construction</a:t>
+            </a:r>
+          </a:p>
+          <a:p>
+            <a:pPr marL="571500" indent="-571500">
+              <a:lnSpc>
+                <a:spcPct val="200000"/>
+              </a:lnSpc>
+              <a:buFont typeface="Wingdings" pitchFamily="2" charset="2"/>
+              <a:buChar char="§"/>
+            </a:pPr>
+            <a:r>
+              <a:rPr lang="en-GB" sz="4000" dirty="0">
+                <a:latin typeface="Avenir Next" panose="020B0503020202020204" pitchFamily="34" charset="0"/>
+              </a:rPr>
+              <a:t>Liveness through synchrony assumption</a:t>
             </a:r>
           </a:p>
         </p:txBody>

--- a/talks/DappDev 2018/Four Dimensional Blockchain Scaling.pptx
+++ b/talks/DappDev 2018/Four Dimensional Blockchain Scaling.pptx
@@ -8,10 +8,10 @@
     <p:sldMasterId id="2147484056" r:id="rId4"/>
   </p:sldMasterIdLst>
   <p:notesMasterIdLst>
-    <p:notesMasterId r:id="rId19"/>
+    <p:notesMasterId r:id="rId21"/>
   </p:notesMasterIdLst>
   <p:handoutMasterIdLst>
-    <p:handoutMasterId r:id="rId20"/>
+    <p:handoutMasterId r:id="rId22"/>
   </p:handoutMasterIdLst>
   <p:sldIdLst>
     <p:sldId id="260" r:id="rId5"/>
@@ -20,28 +20,30 @@
     <p:sldId id="312" r:id="rId8"/>
     <p:sldId id="314" r:id="rId9"/>
     <p:sldId id="310" r:id="rId10"/>
-    <p:sldId id="306" r:id="rId11"/>
-    <p:sldId id="311" r:id="rId12"/>
-    <p:sldId id="307" r:id="rId13"/>
-    <p:sldId id="313" r:id="rId14"/>
-    <p:sldId id="308" r:id="rId15"/>
-    <p:sldId id="309" r:id="rId16"/>
-    <p:sldId id="262" r:id="rId17"/>
-    <p:sldId id="302" r:id="rId18"/>
+    <p:sldId id="315" r:id="rId11"/>
+    <p:sldId id="316" r:id="rId12"/>
+    <p:sldId id="306" r:id="rId13"/>
+    <p:sldId id="311" r:id="rId14"/>
+    <p:sldId id="307" r:id="rId15"/>
+    <p:sldId id="313" r:id="rId16"/>
+    <p:sldId id="308" r:id="rId17"/>
+    <p:sldId id="309" r:id="rId18"/>
+    <p:sldId id="262" r:id="rId19"/>
+    <p:sldId id="302" r:id="rId20"/>
   </p:sldIdLst>
   <p:sldSz cx="24384000" cy="13716000"/>
   <p:notesSz cx="6858000" cy="9144000"/>
   <p:embeddedFontLst>
     <p:embeddedFont>
-      <p:font typeface="Quicksand" panose="02000503000000000000" pitchFamily="2" charset="0"/>
-      <p:regular r:id="rId21"/>
-      <p:bold r:id="rId22"/>
-      <p:italic r:id="rId23"/>
-      <p:boldItalic r:id="rId24"/>
+      <p:font typeface="Quicksand Bold" panose="02000803000000000000" pitchFamily="2" charset="0"/>
+      <p:bold r:id="rId23"/>
     </p:embeddedFont>
     <p:embeddedFont>
-      <p:font typeface="Quicksand Bold" panose="02000803000000000000" pitchFamily="2" charset="0"/>
+      <p:font typeface="Quicksand" panose="02000503000000000000" pitchFamily="2" charset="0"/>
+      <p:regular r:id="rId24"/>
       <p:bold r:id="rId25"/>
+      <p:italic r:id="rId26"/>
+      <p:boldItalic r:id="rId27"/>
     </p:embeddedFont>
   </p:embeddedFontLst>
   <p:defaultTextStyle>
@@ -562,7 +564,7 @@
               <a:rPr lang="pl-PL" smtClean="0">
                 <a:latin typeface="Arial" panose="020B0604020202020204" pitchFamily="34" charset="0"/>
               </a:rPr>
-              <a:t>16.04.2018</a:t>
+              <a:t>19.04.2018</a:t>
             </a:fld>
             <a:endParaRPr lang="pl-PL" dirty="0">
               <a:latin typeface="Arial" panose="020B0604020202020204" pitchFamily="34" charset="0"/>
@@ -740,7 +742,7 @@
             <a:fld id="{F2A49511-3997-4EDE-8622-AC2374502CA6}" type="datetimeFigureOut">
               <a:rPr lang="en-US" smtClean="0"/>
               <a:pPr/>
-              <a:t>4/16/18</a:t>
+              <a:t>4/19/18</a:t>
             </a:fld>
             <a:endParaRPr lang="en-US" dirty="0"/>
           </a:p>
@@ -1177,30 +1179,22 @@
           <a:bodyPr/>
           <a:lstStyle/>
           <a:p>
-            <a:pPr marL="0" lvl="0" indent="0">
-              <a:buFont typeface="Arial" panose="020B0604020202020204" pitchFamily="34" charset="0"/>
-              <a:buNone/>
-            </a:pPr>
             <a:r>
               <a:rPr lang="en-GB" b="1" dirty="0"/>
-              <a:t>Social Scaling – 5 minutes</a:t>
-            </a:r>
-          </a:p>
-          <a:p>
-            <a:pPr marL="171450" lvl="0" indent="-171450">
-              <a:buFont typeface="Arial" panose="020B0604020202020204" pitchFamily="34" charset="0"/>
-              <a:buChar char="•"/>
-            </a:pPr>
+              <a:t>State Machine Scaling – 5 minutes</a:t>
+            </a:r>
+          </a:p>
+          <a:p>
             <a:endParaRPr lang="en-GB" b="0" dirty="0"/>
           </a:p>
           <a:p>
-            <a:pPr marL="171450" lvl="0" indent="-171450">
+            <a:pPr marL="171450" indent="-171450">
               <a:buFont typeface="Arial" panose="020B0604020202020204" pitchFamily="34" charset="0"/>
               <a:buChar char="•"/>
             </a:pPr>
             <a:r>
               <a:rPr lang="en-GB" b="0" dirty="0"/>
-              <a:t>Development</a:t>
+              <a:t>General idea is that we make the state machine much faster</a:t>
             </a:r>
           </a:p>
           <a:p>
@@ -1210,7 +1204,22 @@
             </a:pPr>
             <a:r>
               <a:rPr lang="en-GB" b="0" dirty="0"/>
-              <a:t>Scaling the development process and the amount of people that understand and verify the protocol</a:t>
+              <a:t>Parity is 2.5x faster than </a:t>
+            </a:r>
+            <a:r>
+              <a:rPr lang="en-GB" b="0" dirty="0" err="1"/>
+              <a:t>Geth</a:t>
+            </a:r>
+            <a:endParaRPr lang="en-GB" b="0" dirty="0"/>
+          </a:p>
+          <a:p>
+            <a:pPr marL="171450" indent="-171450">
+              <a:buFont typeface="Arial" panose="020B0604020202020204" pitchFamily="34" charset="0"/>
+              <a:buChar char="•"/>
+            </a:pPr>
+            <a:r>
+              <a:rPr lang="en-GB" b="0" dirty="0"/>
+              <a:t>Currently everyone builds on top of the EVM</a:t>
             </a:r>
           </a:p>
           <a:p>
@@ -1220,7 +1229,87 @@
             </a:pPr>
             <a:r>
               <a:rPr lang="en-GB" b="0" dirty="0"/>
-              <a:t>Being able to harness the power of many different people in developing protocols</a:t>
+              <a:t>Most applications don’t need to be build on top of the EVM</a:t>
+            </a:r>
+          </a:p>
+          <a:p>
+            <a:pPr marL="1085850" lvl="2" indent="-171450">
+              <a:buFont typeface="Arial" panose="020B0604020202020204" pitchFamily="34" charset="0"/>
+              <a:buChar char="•"/>
+            </a:pPr>
+            <a:r>
+              <a:rPr lang="en-GB" b="0" dirty="0"/>
+              <a:t>Only useful if you need user level </a:t>
+            </a:r>
+            <a:r>
+              <a:rPr lang="en-GB" b="0" dirty="0" err="1"/>
+              <a:t>turing</a:t>
+            </a:r>
+            <a:r>
+              <a:rPr lang="en-GB" b="0" dirty="0"/>
+              <a:t> completeness</a:t>
+            </a:r>
+          </a:p>
+          <a:p>
+            <a:pPr marL="1085850" lvl="2" indent="-171450">
+              <a:buFont typeface="Arial" panose="020B0604020202020204" pitchFamily="34" charset="0"/>
+              <a:buChar char="•"/>
+            </a:pPr>
+            <a:r>
+              <a:rPr lang="en-GB" b="0" dirty="0"/>
+              <a:t>If you users aren’t going to deploy their own smart contracts to interact with your </a:t>
+            </a:r>
+            <a:r>
+              <a:rPr lang="en-GB" b="0" dirty="0" err="1"/>
+              <a:t>dApp</a:t>
+            </a:r>
+            <a:r>
+              <a:rPr lang="en-GB" b="0" dirty="0"/>
+              <a:t> I have doubts whether the EVM is the right deployment environment</a:t>
+            </a:r>
+          </a:p>
+          <a:p>
+            <a:pPr marL="1085850" lvl="2" indent="-171450">
+              <a:buFont typeface="Arial" panose="020B0604020202020204" pitchFamily="34" charset="0"/>
+              <a:buChar char="•"/>
+            </a:pPr>
+            <a:r>
+              <a:rPr lang="en-GB" b="0" dirty="0"/>
+              <a:t>Not secure</a:t>
+            </a:r>
+          </a:p>
+          <a:p>
+            <a:pPr marL="1085850" lvl="2" indent="-171450">
+              <a:buFont typeface="Arial" panose="020B0604020202020204" pitchFamily="34" charset="0"/>
+              <a:buChar char="•"/>
+            </a:pPr>
+            <a:r>
+              <a:rPr lang="en-GB" b="0" dirty="0"/>
+              <a:t>Not scalable</a:t>
+            </a:r>
+          </a:p>
+          <a:p>
+            <a:pPr marL="1085850" lvl="2" indent="-171450">
+              <a:buFont typeface="Arial" panose="020B0604020202020204" pitchFamily="34" charset="0"/>
+              <a:buChar char="•"/>
+            </a:pPr>
+            <a:r>
+              <a:rPr lang="en-GB" b="0" dirty="0"/>
+              <a:t>Not easily customizable</a:t>
+            </a:r>
+          </a:p>
+          <a:p>
+            <a:pPr marL="171450" indent="-171450">
+              <a:buFont typeface="Arial" panose="020B0604020202020204" pitchFamily="34" charset="0"/>
+              <a:buChar char="•"/>
+            </a:pPr>
+            <a:r>
+              <a:rPr lang="en-GB" b="0" dirty="0" err="1"/>
+              <a:t>Ethermint</a:t>
+            </a:r>
+            <a:r>
+              <a:rPr lang="en-GB" b="0" dirty="0"/>
+              <a:t> is a state machine that takes advantage of the underlying consensus improvements</a:t>
             </a:r>
           </a:p>
           <a:p>
@@ -1228,40 +1317,204 @@
               <a:buFont typeface="Arial" panose="020B0604020202020204" pitchFamily="34" charset="0"/>
               <a:buChar char="•"/>
             </a:pPr>
+            <a:r>
+              <a:rPr lang="en-GB" b="0" dirty="0"/>
+              <a:t>An EVM that is build as a </a:t>
+            </a:r>
+            <a:r>
+              <a:rPr lang="en-GB" b="0" dirty="0" err="1"/>
+              <a:t>blockchain</a:t>
+            </a:r>
+            <a:r>
+              <a:rPr lang="en-GB" b="0" dirty="0"/>
+              <a:t> application on top of </a:t>
+            </a:r>
+            <a:r>
+              <a:rPr lang="en-GB" b="0" dirty="0" err="1"/>
+              <a:t>Tendermint</a:t>
+            </a:r>
+            <a:r>
+              <a:rPr lang="en-GB" b="0" dirty="0"/>
+              <a:t> Core</a:t>
+            </a:r>
+          </a:p>
+          <a:p>
+            <a:pPr marL="628650" lvl="1" indent="-171450">
+              <a:buFont typeface="Arial" panose="020B0604020202020204" pitchFamily="34" charset="0"/>
+              <a:buChar char="•"/>
+            </a:pPr>
+            <a:r>
+              <a:rPr lang="en-GB" b="0" dirty="0"/>
+              <a:t>Full support for Web3</a:t>
+            </a:r>
+          </a:p>
+          <a:p>
+            <a:pPr marL="628650" lvl="1" indent="-171450">
+              <a:buFont typeface="Arial" panose="020B0604020202020204" pitchFamily="34" charset="0"/>
+              <a:buChar char="•"/>
+            </a:pPr>
+            <a:r>
+              <a:rPr lang="en-GB" b="0" dirty="0"/>
+              <a:t>Provides extremely efficient light-clients</a:t>
+            </a:r>
+          </a:p>
+          <a:p>
+            <a:pPr marL="628650" lvl="1" indent="-171450">
+              <a:buFont typeface="Arial" panose="020B0604020202020204" pitchFamily="34" charset="0"/>
+              <a:buChar char="•"/>
+            </a:pPr>
+            <a:r>
+              <a:rPr lang="en-GB" b="0" dirty="0"/>
+              <a:t>Runs 15x as fast </a:t>
+            </a:r>
+          </a:p>
+          <a:p>
+            <a:pPr marL="1085850" lvl="2" indent="-171450">
+              <a:buFont typeface="Arial" panose="020B0604020202020204" pitchFamily="34" charset="0"/>
+              <a:buChar char="•"/>
+            </a:pPr>
+            <a:r>
+              <a:rPr lang="en-GB" b="0" dirty="0"/>
+              <a:t>1 block a second which gives me 15x throughput</a:t>
+            </a:r>
+          </a:p>
+          <a:p>
+            <a:pPr marL="1085850" lvl="2" indent="-171450">
+              <a:buFont typeface="Arial" panose="020B0604020202020204" pitchFamily="34" charset="0"/>
+              <a:buChar char="•"/>
+            </a:pPr>
+            <a:r>
+              <a:rPr lang="en-GB" b="0" dirty="0"/>
+              <a:t>Could potentially increase the block gas limit to get another 4x</a:t>
+            </a:r>
+          </a:p>
+          <a:p>
+            <a:pPr marL="171450" indent="-171450">
+              <a:buFont typeface="Arial" panose="020B0604020202020204" pitchFamily="34" charset="0"/>
+              <a:buChar char="•"/>
+            </a:pPr>
+            <a:r>
+              <a:rPr lang="en-GB" b="0" dirty="0"/>
+              <a:t>Cosmos-</a:t>
+            </a:r>
+            <a:r>
+              <a:rPr lang="en-GB" b="0" dirty="0" err="1"/>
+              <a:t>Sdk</a:t>
+            </a:r>
+            <a:r>
+              <a:rPr lang="en-GB" b="0" dirty="0"/>
+              <a:t> as a framework for building your own </a:t>
+            </a:r>
+            <a:r>
+              <a:rPr lang="en-GB" b="0" dirty="0" err="1"/>
+              <a:t>blockchain</a:t>
+            </a:r>
+            <a:r>
+              <a:rPr lang="en-GB" b="0" dirty="0"/>
+              <a:t> application</a:t>
+            </a:r>
+          </a:p>
+          <a:p>
+            <a:pPr marL="628650" lvl="1" indent="-171450">
+              <a:buFont typeface="Arial" panose="020B0604020202020204" pitchFamily="34" charset="0"/>
+              <a:buChar char="•"/>
+            </a:pPr>
+            <a:r>
+              <a:rPr lang="en-GB" b="0" dirty="0"/>
+              <a:t>Everything is a module and modules can be combined</a:t>
+            </a:r>
+          </a:p>
+          <a:p>
+            <a:pPr marL="628650" lvl="1" indent="-171450">
+              <a:buFont typeface="Arial" panose="020B0604020202020204" pitchFamily="34" charset="0"/>
+              <a:buChar char="•"/>
+            </a:pPr>
+            <a:r>
+              <a:rPr lang="en-GB" b="0" dirty="0"/>
+              <a:t>It used to be very hard to build your own </a:t>
+            </a:r>
+            <a:r>
+              <a:rPr lang="en-GB" b="0" dirty="0" err="1"/>
+              <a:t>blockchain</a:t>
+            </a:r>
+            <a:r>
+              <a:rPr lang="en-GB" b="0" dirty="0"/>
+              <a:t> application, most people just forked bitcoin</a:t>
+            </a:r>
+          </a:p>
+          <a:p>
+            <a:pPr marL="628650" lvl="1" indent="-171450">
+              <a:buFont typeface="Arial" panose="020B0604020202020204" pitchFamily="34" charset="0"/>
+              <a:buChar char="•"/>
+            </a:pPr>
+            <a:r>
+              <a:rPr lang="en-GB" b="0" dirty="0"/>
+              <a:t>Allows developers to build their own version of Bitcoin in probably around 200 lines of code</a:t>
+            </a:r>
+          </a:p>
+          <a:p>
+            <a:pPr marL="628650" lvl="1" indent="-171450">
+              <a:buFont typeface="Arial" panose="020B0604020202020204" pitchFamily="34" charset="0"/>
+              <a:buChar char="•"/>
+            </a:pPr>
+            <a:r>
+              <a:rPr lang="en-GB" b="0" dirty="0"/>
+              <a:t>Future improvements:</a:t>
+            </a:r>
+          </a:p>
+          <a:p>
+            <a:pPr marL="1085850" lvl="2" indent="-171450">
+              <a:buFont typeface="Arial" panose="020B0604020202020204" pitchFamily="34" charset="0"/>
+              <a:buChar char="•"/>
+            </a:pPr>
+            <a:r>
+              <a:rPr lang="en-GB" b="0" dirty="0"/>
+              <a:t>Enabling different VMs as modules</a:t>
+            </a:r>
+          </a:p>
+          <a:p>
+            <a:pPr marL="1085850" lvl="2" indent="-171450">
+              <a:buFont typeface="Arial" panose="020B0604020202020204" pitchFamily="34" charset="0"/>
+              <a:buChar char="•"/>
+            </a:pPr>
+            <a:r>
+              <a:rPr lang="en-GB" b="0" dirty="0"/>
+              <a:t>Multi-language support</a:t>
+            </a:r>
+          </a:p>
+          <a:p>
+            <a:pPr marL="171450" indent="-171450">
+              <a:buFont typeface="Arial" panose="020B0604020202020204" pitchFamily="34" charset="0"/>
+              <a:buChar char="•"/>
+            </a:pPr>
+            <a:r>
+              <a:rPr lang="en-GB" b="0" dirty="0"/>
+              <a:t>Not the the answer to all vertical scaling needs, but it’s fully compatible with other solutions such as:</a:t>
+            </a:r>
+          </a:p>
+          <a:p>
+            <a:pPr marL="628650" lvl="1" indent="-171450">
+              <a:buFont typeface="Arial" panose="020B0604020202020204" pitchFamily="34" charset="0"/>
+              <a:buChar char="•"/>
+            </a:pPr>
+            <a:r>
+              <a:rPr lang="en-GB" b="0" dirty="0"/>
+              <a:t>State Channels</a:t>
+            </a:r>
+          </a:p>
+          <a:p>
+            <a:pPr marL="628650" lvl="1" indent="-171450">
+              <a:buFont typeface="Arial" panose="020B0604020202020204" pitchFamily="34" charset="0"/>
+              <a:buChar char="•"/>
+            </a:pPr>
+            <a:r>
+              <a:rPr lang="en-GB" b="0" dirty="0" err="1"/>
+              <a:t>Zk-Snarks</a:t>
+            </a:r>
             <a:endParaRPr lang="en-GB" b="0" dirty="0"/>
           </a:p>
           <a:p>
-            <a:pPr marL="171450" lvl="0" indent="-171450">
-              <a:buFont typeface="Arial" panose="020B0604020202020204" pitchFamily="34" charset="0"/>
-              <a:buChar char="•"/>
-            </a:pPr>
-            <a:r>
-              <a:rPr lang="en-GB" b="0" dirty="0"/>
-              <a:t>Governance</a:t>
-            </a:r>
-          </a:p>
-          <a:p>
-            <a:pPr marL="628650" lvl="1" indent="-171450">
-              <a:buFont typeface="Arial" panose="020B0604020202020204" pitchFamily="34" charset="0"/>
-              <a:buChar char="•"/>
-            </a:pPr>
-            <a:r>
-              <a:rPr lang="en-GB" b="0" dirty="0"/>
-              <a:t>Being able to effectively evolve the protocol</a:t>
-            </a:r>
-          </a:p>
-          <a:p>
-            <a:pPr marL="628650" lvl="1" indent="-171450">
-              <a:buFont typeface="Arial" panose="020B0604020202020204" pitchFamily="34" charset="0"/>
-              <a:buChar char="•"/>
-            </a:pPr>
-            <a:r>
-              <a:rPr lang="en-GB" b="0" dirty="0"/>
-              <a:t>The ability to decide on changes (even to state) based on social consensus</a:t>
-            </a:r>
-          </a:p>
-          <a:p>
-            <a:pPr marL="628650" lvl="1" indent="-171450">
+            <a:pPr marL="171450" indent="-171450">
               <a:buFont typeface="Arial" panose="020B0604020202020204" pitchFamily="34" charset="0"/>
               <a:buChar char="•"/>
             </a:pPr>
@@ -1296,7 +1549,7 @@
     </p:spTree>
     <p:extLst>
       <p:ext uri="{BB962C8B-B14F-4D97-AF65-F5344CB8AC3E}">
-        <p14:creationId xmlns:p14="http://schemas.microsoft.com/office/powerpoint/2010/main" val="1276292493"/>
+        <p14:creationId xmlns:p14="http://schemas.microsoft.com/office/powerpoint/2010/main" val="963128696"/>
       </p:ext>
     </p:extLst>
   </p:cSld>
@@ -1351,189 +1604,166 @@
           <a:lstStyle/>
           <a:p>
             <a:r>
+              <a:rPr lang="en-GB" b="1" dirty="0" err="1"/>
+              <a:t>Interchain</a:t>
+            </a:r>
+            <a:r>
               <a:rPr lang="en-GB" b="1" dirty="0"/>
-              <a:t>Modes of Security – 5 minutes</a:t>
-            </a:r>
+              <a:t> Scaling – 5 minutes</a:t>
+            </a:r>
+          </a:p>
+          <a:p>
+            <a:endParaRPr lang="en-GB" b="0" dirty="0"/>
           </a:p>
           <a:p>
             <a:pPr marL="171450" indent="-171450">
               <a:buFont typeface="Arial" panose="020B0604020202020204" pitchFamily="34" charset="0"/>
               <a:buChar char="•"/>
             </a:pPr>
+            <a:r>
+              <a:rPr lang="en-GB" b="0" dirty="0"/>
+              <a:t>There are limits to vertical scalability</a:t>
+            </a:r>
+          </a:p>
+          <a:p>
+            <a:pPr marL="171450" indent="-171450">
+              <a:buFont typeface="Arial" panose="020B0604020202020204" pitchFamily="34" charset="0"/>
+              <a:buChar char="•"/>
+            </a:pPr>
+            <a:r>
+              <a:rPr lang="en-GB" b="0" dirty="0" err="1"/>
+              <a:t>Interchain</a:t>
+            </a:r>
+            <a:r>
+              <a:rPr lang="en-GB" b="0" dirty="0"/>
+              <a:t> scaling enables horizontal scaling and allows for heterogeneous chains to connect</a:t>
+            </a:r>
+          </a:p>
+          <a:p>
+            <a:pPr marL="171450" indent="-171450">
+              <a:buFont typeface="Arial" panose="020B0604020202020204" pitchFamily="34" charset="0"/>
+              <a:buChar char="•"/>
+            </a:pPr>
+            <a:r>
+              <a:rPr lang="en-GB" b="0" dirty="0"/>
+              <a:t>IBC</a:t>
+            </a:r>
+          </a:p>
+          <a:p>
+            <a:pPr marL="628650" lvl="1" indent="-171450">
+              <a:buFont typeface="Arial" panose="020B0604020202020204" pitchFamily="34" charset="0"/>
+              <a:buChar char="•"/>
+            </a:pPr>
+            <a:r>
+              <a:rPr lang="en-GB" b="0" dirty="0"/>
+              <a:t>Locks tokens to the consensus of the other chain</a:t>
+            </a:r>
+          </a:p>
+          <a:p>
+            <a:pPr marL="628650" lvl="1" indent="-171450">
+              <a:buFont typeface="Arial" panose="020B0604020202020204" pitchFamily="34" charset="0"/>
+              <a:buChar char="•"/>
+            </a:pPr>
+            <a:r>
+              <a:rPr lang="en-GB" b="0" dirty="0"/>
+              <a:t>Allows for secure transfers between implementing chains</a:t>
+            </a:r>
+          </a:p>
+          <a:p>
+            <a:pPr marL="628650" lvl="1" indent="-171450">
+              <a:buFont typeface="Arial" panose="020B0604020202020204" pitchFamily="34" charset="0"/>
+              <a:buChar char="•"/>
+            </a:pPr>
+            <a:r>
+              <a:rPr lang="en-GB" b="0" dirty="0"/>
+              <a:t>Starts with tokens, then NFTs, then complex objects</a:t>
+            </a:r>
+          </a:p>
+          <a:p>
+            <a:pPr marL="171450" lvl="0" indent="-171450">
+              <a:buFont typeface="Arial" panose="020B0604020202020204" pitchFamily="34" charset="0"/>
+              <a:buChar char="•"/>
+            </a:pPr>
+            <a:r>
+              <a:rPr lang="en-GB" b="0" dirty="0"/>
+              <a:t>Peggy</a:t>
+            </a:r>
+          </a:p>
+          <a:p>
+            <a:pPr marL="628650" lvl="1" indent="-171450">
+              <a:buFont typeface="Arial" panose="020B0604020202020204" pitchFamily="34" charset="0"/>
+              <a:buChar char="•"/>
+            </a:pPr>
+            <a:r>
+              <a:rPr lang="en-GB" b="0" dirty="0"/>
+              <a:t>A way to connect non-finality chains</a:t>
+            </a:r>
+          </a:p>
+          <a:p>
+            <a:pPr marL="628650" lvl="1" indent="-171450">
+              <a:buFont typeface="Arial" panose="020B0604020202020204" pitchFamily="34" charset="0"/>
+              <a:buChar char="•"/>
+            </a:pPr>
+            <a:r>
+              <a:rPr lang="en-GB" b="0" dirty="0"/>
+              <a:t>Enforce pseudo-finality</a:t>
+            </a:r>
+          </a:p>
+          <a:p>
+            <a:pPr marL="628650" lvl="1" indent="-171450">
+              <a:buFont typeface="Arial" panose="020B0604020202020204" pitchFamily="34" charset="0"/>
+              <a:buChar char="•"/>
+            </a:pPr>
+            <a:r>
+              <a:rPr lang="en-GB" b="0" dirty="0"/>
+              <a:t>Bad things happen when a reorg happens after the finality threshold</a:t>
+            </a:r>
+          </a:p>
+          <a:p>
+            <a:pPr marL="171450" lvl="0" indent="-171450">
+              <a:buFont typeface="Arial" panose="020B0604020202020204" pitchFamily="34" charset="0"/>
+              <a:buChar char="•"/>
+            </a:pPr>
+            <a:r>
+              <a:rPr lang="en-GB" b="0" dirty="0"/>
+              <a:t>Cosmos Hub</a:t>
+            </a:r>
+          </a:p>
+          <a:p>
+            <a:pPr marL="628650" lvl="1" indent="-171450">
+              <a:buFont typeface="Arial" panose="020B0604020202020204" pitchFamily="34" charset="0"/>
+              <a:buChar char="•"/>
+            </a:pPr>
+            <a:r>
+              <a:rPr lang="en-GB" b="0" dirty="0"/>
+              <a:t>In a world of multiple chains, we need a liquidity aggregator that other chains can use</a:t>
+            </a:r>
+          </a:p>
+          <a:p>
+            <a:pPr marL="628650" lvl="1" indent="-171450">
+              <a:buFont typeface="Arial" panose="020B0604020202020204" pitchFamily="34" charset="0"/>
+              <a:buChar char="•"/>
+            </a:pPr>
+            <a:r>
+              <a:rPr lang="en-GB" b="0" dirty="0"/>
+              <a:t>Maintains the double spend protection of a normal </a:t>
+            </a:r>
+            <a:r>
+              <a:rPr lang="en-GB" b="0" dirty="0" err="1"/>
+              <a:t>blockchain</a:t>
+            </a:r>
+            <a:r>
+              <a:rPr lang="en-GB" b="0" dirty="0"/>
+              <a:t> but between multiple </a:t>
+            </a:r>
+            <a:r>
+              <a:rPr lang="en-GB" b="0" dirty="0" err="1"/>
+              <a:t>blockchains</a:t>
+            </a:r>
             <a:endParaRPr lang="en-GB" b="0" dirty="0"/>
           </a:p>
           <a:p>
             <a:pPr marL="171450" indent="-171450">
-              <a:buFont typeface="Arial" panose="020B0604020202020204" pitchFamily="34" charset="0"/>
-              <a:buChar char="•"/>
-            </a:pPr>
-            <a:r>
-              <a:rPr lang="en-GB" b="0" dirty="0"/>
-              <a:t>Sovereign</a:t>
-            </a:r>
-          </a:p>
-          <a:p>
-            <a:pPr marL="628650" lvl="1" indent="-171450">
-              <a:buFont typeface="Arial" panose="020B0604020202020204" pitchFamily="34" charset="0"/>
-              <a:buChar char="•"/>
-            </a:pPr>
-            <a:r>
-              <a:rPr lang="en-GB" b="0" dirty="0"/>
-              <a:t>Own validator set</a:t>
-            </a:r>
-          </a:p>
-          <a:p>
-            <a:pPr marL="628650" lvl="1" indent="-171450">
-              <a:buFont typeface="Arial" panose="020B0604020202020204" pitchFamily="34" charset="0"/>
-              <a:buChar char="•"/>
-            </a:pPr>
-            <a:r>
-              <a:rPr lang="en-GB" b="0" dirty="0"/>
-              <a:t>Full control over the application</a:t>
-            </a:r>
-          </a:p>
-          <a:p>
-            <a:pPr marL="628650" lvl="1" indent="-171450">
-              <a:buFont typeface="Arial" panose="020B0604020202020204" pitchFamily="34" charset="0"/>
-              <a:buChar char="•"/>
-            </a:pPr>
-            <a:r>
-              <a:rPr lang="en-GB" b="0" dirty="0"/>
-              <a:t>Needs to figure out their own security model in terms of </a:t>
-            </a:r>
-            <a:r>
-              <a:rPr lang="en-GB" b="0" dirty="0" err="1"/>
-              <a:t>PoS</a:t>
-            </a:r>
-            <a:endParaRPr lang="en-GB" b="0" dirty="0"/>
-          </a:p>
-          <a:p>
-            <a:pPr marL="171450" indent="-171450">
-              <a:buFont typeface="Arial" panose="020B0604020202020204" pitchFamily="34" charset="0"/>
-              <a:buChar char="•"/>
-            </a:pPr>
-            <a:r>
-              <a:rPr lang="en-GB" b="0" dirty="0"/>
-              <a:t>Hosted</a:t>
-            </a:r>
-          </a:p>
-          <a:p>
-            <a:pPr marL="628650" lvl="1" indent="-171450">
-              <a:buFont typeface="Arial" panose="020B0604020202020204" pitchFamily="34" charset="0"/>
-              <a:buChar char="•"/>
-            </a:pPr>
-            <a:r>
-              <a:rPr lang="en-GB" b="0" dirty="0"/>
-              <a:t>Akin to </a:t>
-            </a:r>
-            <a:r>
-              <a:rPr lang="en-GB" b="0" dirty="0" err="1"/>
-              <a:t>Polkadot</a:t>
-            </a:r>
-            <a:endParaRPr lang="en-GB" b="0" dirty="0"/>
-          </a:p>
-          <a:p>
-            <a:pPr marL="628650" lvl="1" indent="-171450">
-              <a:buFont typeface="Arial" panose="020B0604020202020204" pitchFamily="34" charset="0"/>
-              <a:buChar char="•"/>
-            </a:pPr>
-            <a:r>
-              <a:rPr lang="en-GB" b="0" dirty="0"/>
-              <a:t>Guest is validated by the same validator set as some other chain</a:t>
-            </a:r>
-          </a:p>
-          <a:p>
-            <a:pPr marL="628650" lvl="1" indent="-171450">
-              <a:buFont typeface="Arial" panose="020B0604020202020204" pitchFamily="34" charset="0"/>
-              <a:buChar char="•"/>
-            </a:pPr>
-            <a:r>
-              <a:rPr lang="en-GB" b="0" dirty="0"/>
-              <a:t>Staking and slashing happens on the host</a:t>
-            </a:r>
-          </a:p>
-          <a:p>
-            <a:pPr marL="628650" lvl="1" indent="-171450">
-              <a:buFont typeface="Arial" panose="020B0604020202020204" pitchFamily="34" charset="0"/>
-              <a:buChar char="•"/>
-            </a:pPr>
-            <a:r>
-              <a:rPr lang="en-GB" b="0" dirty="0"/>
-              <a:t>Control is given to the host validators</a:t>
-            </a:r>
-          </a:p>
-          <a:p>
-            <a:pPr marL="628650" lvl="1" indent="-171450">
-              <a:buFont typeface="Arial" panose="020B0604020202020204" pitchFamily="34" charset="0"/>
-              <a:buChar char="•"/>
-            </a:pPr>
-            <a:r>
-              <a:rPr lang="en-GB" b="0" dirty="0"/>
-              <a:t>Host validators might require a higher fee in order to run the guest zone</a:t>
-            </a:r>
-          </a:p>
-          <a:p>
-            <a:pPr marL="171450" indent="-171450">
-              <a:buFont typeface="Arial" panose="020B0604020202020204" pitchFamily="34" charset="0"/>
-              <a:buChar char="•"/>
-            </a:pPr>
-            <a:r>
-              <a:rPr lang="en-GB" b="0" dirty="0"/>
-              <a:t>Plasma</a:t>
-            </a:r>
-          </a:p>
-          <a:p>
-            <a:pPr marL="628650" lvl="1" indent="-171450">
-              <a:buFont typeface="Arial" panose="020B0604020202020204" pitchFamily="34" charset="0"/>
-              <a:buChar char="•"/>
-            </a:pPr>
-            <a:r>
-              <a:rPr lang="en-GB" b="0" dirty="0"/>
-              <a:t>V1 only requires working consensus on child chain</a:t>
-            </a:r>
-          </a:p>
-          <a:p>
-            <a:pPr marL="1085850" lvl="2" indent="-171450">
-              <a:buFont typeface="Arial" panose="020B0604020202020204" pitchFamily="34" charset="0"/>
-              <a:buChar char="•"/>
-            </a:pPr>
-            <a:r>
-              <a:rPr lang="en-GB" b="0" dirty="0"/>
-              <a:t>Validators can always unbound</a:t>
-            </a:r>
-          </a:p>
-          <a:p>
-            <a:pPr marL="628650" lvl="1" indent="-171450">
-              <a:buFont typeface="Arial" panose="020B0604020202020204" pitchFamily="34" charset="0"/>
-              <a:buChar char="•"/>
-            </a:pPr>
-            <a:r>
-              <a:rPr lang="en-GB" b="0" dirty="0"/>
-              <a:t>V2 once fraud proofs for arbitrary applications are solved</a:t>
-            </a:r>
-          </a:p>
-          <a:p>
-            <a:pPr marL="1085850" lvl="2" indent="-171450">
-              <a:buFont typeface="Arial" panose="020B0604020202020204" pitchFamily="34" charset="0"/>
-              <a:buChar char="•"/>
-            </a:pPr>
-            <a:r>
-              <a:rPr lang="en-GB" b="0" dirty="0"/>
-              <a:t>Allows anyone to hard exit</a:t>
-            </a:r>
-          </a:p>
-          <a:p>
-            <a:pPr marL="628650" lvl="1" indent="-171450">
-              <a:buFont typeface="Arial" panose="020B0604020202020204" pitchFamily="34" charset="0"/>
-              <a:buChar char="•"/>
-            </a:pPr>
-            <a:r>
-              <a:rPr lang="en-GB" b="0" dirty="0"/>
-              <a:t>Limited by throughput of the root chain</a:t>
-            </a:r>
-          </a:p>
-          <a:p>
-            <a:pPr marL="628650" lvl="1" indent="-171450">
               <a:buFont typeface="Arial" panose="020B0604020202020204" pitchFamily="34" charset="0"/>
               <a:buChar char="•"/>
             </a:pPr>
@@ -1568,7 +1798,7 @@
     </p:spTree>
     <p:extLst>
       <p:ext uri="{BB962C8B-B14F-4D97-AF65-F5344CB8AC3E}">
-        <p14:creationId xmlns:p14="http://schemas.microsoft.com/office/powerpoint/2010/main" val="2995665998"/>
+        <p14:creationId xmlns:p14="http://schemas.microsoft.com/office/powerpoint/2010/main" val="936098678"/>
       </p:ext>
     </p:extLst>
   </p:cSld>
@@ -1622,74 +1852,87 @@
           <a:bodyPr/>
           <a:lstStyle/>
           <a:p>
+            <a:pPr marL="0" lvl="0" indent="0">
+              <a:buFont typeface="Arial" panose="020B0604020202020204" pitchFamily="34" charset="0"/>
+              <a:buNone/>
+            </a:pPr>
             <a:r>
               <a:rPr lang="en-GB" b="1" dirty="0"/>
-              <a:t>Goals – 1 minute</a:t>
-            </a:r>
-          </a:p>
-          <a:p>
+              <a:t>Social Scaling – 5 minutes</a:t>
+            </a:r>
+          </a:p>
+          <a:p>
+            <a:pPr marL="171450" lvl="0" indent="-171450">
+              <a:buFont typeface="Arial" panose="020B0604020202020204" pitchFamily="34" charset="0"/>
+              <a:buChar char="•"/>
+            </a:pPr>
             <a:endParaRPr lang="en-GB" b="0" dirty="0"/>
           </a:p>
           <a:p>
-            <a:pPr marL="171450" indent="-171450">
+            <a:pPr marL="171450" lvl="0" indent="-171450">
               <a:buFont typeface="Arial" panose="020B0604020202020204" pitchFamily="34" charset="0"/>
               <a:buChar char="•"/>
             </a:pPr>
             <a:r>
               <a:rPr lang="en-GB" b="0" dirty="0"/>
-              <a:t>I hope that you took something away from this and that you enjoyed it – If you have any feedback, I’d welcome it later </a:t>
-            </a:r>
-            <a:r>
-              <a:rPr lang="en-GB" b="0"/>
-              <a:t>over Twitter DMs</a:t>
-            </a:r>
-          </a:p>
-          <a:p>
-            <a:pPr marL="171450" indent="-171450">
+              <a:t>Development</a:t>
+            </a:r>
+          </a:p>
+          <a:p>
+            <a:pPr marL="628650" lvl="1" indent="-171450">
               <a:buFont typeface="Arial" panose="020B0604020202020204" pitchFamily="34" charset="0"/>
               <a:buChar char="•"/>
             </a:pPr>
             <a:r>
               <a:rPr lang="en-GB" b="0" dirty="0"/>
-              <a:t>Go through them and tell people to remember them as we go through the presentation</a:t>
-            </a:r>
-          </a:p>
-          <a:p>
-            <a:pPr marL="171450" indent="-171450">
+              <a:t>Scaling the development process and the amount of people that understand and verify the protocol</a:t>
+            </a:r>
+          </a:p>
+          <a:p>
+            <a:pPr marL="628650" lvl="1" indent="-171450">
               <a:buFont typeface="Arial" panose="020B0604020202020204" pitchFamily="34" charset="0"/>
               <a:buChar char="•"/>
             </a:pPr>
             <a:r>
               <a:rPr lang="en-GB" b="0" dirty="0"/>
-              <a:t>These are the most important take-</a:t>
-            </a:r>
-            <a:r>
-              <a:rPr lang="en-GB" b="0" dirty="0" err="1"/>
-              <a:t>aways</a:t>
-            </a:r>
+              <a:t>Being able to harness the power of many different people in developing protocols</a:t>
+            </a:r>
+          </a:p>
+          <a:p>
+            <a:pPr marL="628650" lvl="1" indent="-171450">
+              <a:buFont typeface="Arial" panose="020B0604020202020204" pitchFamily="34" charset="0"/>
+              <a:buChar char="•"/>
+            </a:pPr>
+            <a:endParaRPr lang="en-GB" b="0" dirty="0"/>
+          </a:p>
+          <a:p>
+            <a:pPr marL="171450" lvl="0" indent="-171450">
+              <a:buFont typeface="Arial" panose="020B0604020202020204" pitchFamily="34" charset="0"/>
+              <a:buChar char="•"/>
+            </a:pPr>
             <a:r>
               <a:rPr lang="en-GB" b="0" dirty="0"/>
-              <a:t> from the presentation</a:t>
-            </a:r>
-          </a:p>
-          <a:p>
-            <a:pPr marL="171450" indent="-171450">
+              <a:t>Governance</a:t>
+            </a:r>
+          </a:p>
+          <a:p>
+            <a:pPr marL="628650" lvl="1" indent="-171450">
               <a:buFont typeface="Arial" panose="020B0604020202020204" pitchFamily="34" charset="0"/>
               <a:buChar char="•"/>
             </a:pPr>
             <a:r>
               <a:rPr lang="en-GB" b="0" dirty="0"/>
-              <a:t>If you remember nothing else, just remember this</a:t>
-            </a:r>
-          </a:p>
-          <a:p>
-            <a:pPr marL="171450" indent="-171450">
+              <a:t>Being able to effectively evolve the protocol</a:t>
+            </a:r>
+          </a:p>
+          <a:p>
+            <a:pPr marL="628650" lvl="1" indent="-171450">
               <a:buFont typeface="Arial" panose="020B0604020202020204" pitchFamily="34" charset="0"/>
               <a:buChar char="•"/>
             </a:pPr>
             <a:r>
               <a:rPr lang="en-GB" b="0" dirty="0"/>
-              <a:t>The general sentiment seems to be that everyone really wants scalability but only very few people are looking for potential solutions or are working on any</a:t>
+              <a:t>The ability to decide on changes (even to state) based on social consensus</a:t>
             </a:r>
           </a:p>
           <a:p>
@@ -1728,7 +1971,7 @@
     </p:spTree>
     <p:extLst>
       <p:ext uri="{BB962C8B-B14F-4D97-AF65-F5344CB8AC3E}">
-        <p14:creationId xmlns:p14="http://schemas.microsoft.com/office/powerpoint/2010/main" val="2378084942"/>
+        <p14:creationId xmlns:p14="http://schemas.microsoft.com/office/powerpoint/2010/main" val="1276292493"/>
       </p:ext>
     </p:extLst>
   </p:cSld>
@@ -1783,30 +2026,193 @@
           <a:lstStyle/>
           <a:p>
             <a:r>
-              <a:rPr lang="en-US" b="1" dirty="0"/>
-              <a:t>Call to Action - 1 minute</a:t>
-            </a:r>
-          </a:p>
-          <a:p>
-            <a:endParaRPr lang="en-US" b="0" dirty="0"/>
+              <a:rPr lang="en-GB" b="1" dirty="0"/>
+              <a:t>Modes of Security – 5 minutes</a:t>
+            </a:r>
           </a:p>
           <a:p>
             <a:pPr marL="171450" indent="-171450">
               <a:buFont typeface="Arial" panose="020B0604020202020204" pitchFamily="34" charset="0"/>
               <a:buChar char="•"/>
             </a:pPr>
-            <a:r>
-              <a:rPr lang="en-US" b="0" dirty="0"/>
-              <a:t>Big shout out to </a:t>
-            </a:r>
-            <a:r>
-              <a:rPr lang="en-US" b="0" dirty="0" err="1"/>
-              <a:t>FunFair</a:t>
-            </a:r>
-            <a:r>
-              <a:rPr lang="en-US" b="0" dirty="0"/>
-              <a:t> – they actually implemented their own scaling solution</a:t>
-            </a:r>
+            <a:endParaRPr lang="en-GB" b="0" dirty="0"/>
+          </a:p>
+          <a:p>
+            <a:pPr marL="171450" indent="-171450">
+              <a:buFont typeface="Arial" panose="020B0604020202020204" pitchFamily="34" charset="0"/>
+              <a:buChar char="•"/>
+            </a:pPr>
+            <a:r>
+              <a:rPr lang="en-GB" b="0" dirty="0"/>
+              <a:t>Sovereign</a:t>
+            </a:r>
+          </a:p>
+          <a:p>
+            <a:pPr marL="628650" lvl="1" indent="-171450">
+              <a:buFont typeface="Arial" panose="020B0604020202020204" pitchFamily="34" charset="0"/>
+              <a:buChar char="•"/>
+            </a:pPr>
+            <a:r>
+              <a:rPr lang="en-GB" b="0" dirty="0"/>
+              <a:t>Own validator set</a:t>
+            </a:r>
+          </a:p>
+          <a:p>
+            <a:pPr marL="628650" lvl="1" indent="-171450">
+              <a:buFont typeface="Arial" panose="020B0604020202020204" pitchFamily="34" charset="0"/>
+              <a:buChar char="•"/>
+            </a:pPr>
+            <a:r>
+              <a:rPr lang="en-GB" b="0" dirty="0"/>
+              <a:t>Full control over the application</a:t>
+            </a:r>
+          </a:p>
+          <a:p>
+            <a:pPr marL="628650" lvl="1" indent="-171450">
+              <a:buFont typeface="Arial" panose="020B0604020202020204" pitchFamily="34" charset="0"/>
+              <a:buChar char="•"/>
+            </a:pPr>
+            <a:r>
+              <a:rPr lang="en-GB" b="0" dirty="0"/>
+              <a:t>Needs to figure out their own security model in terms of </a:t>
+            </a:r>
+            <a:r>
+              <a:rPr lang="en-GB" b="0" dirty="0" err="1"/>
+              <a:t>PoS</a:t>
+            </a:r>
+            <a:endParaRPr lang="en-GB" b="0" dirty="0"/>
+          </a:p>
+          <a:p>
+            <a:pPr marL="171450" indent="-171450">
+              <a:buFont typeface="Arial" panose="020B0604020202020204" pitchFamily="34" charset="0"/>
+              <a:buChar char="•"/>
+            </a:pPr>
+            <a:r>
+              <a:rPr lang="en-GB" b="0" dirty="0"/>
+              <a:t>Hosted</a:t>
+            </a:r>
+          </a:p>
+          <a:p>
+            <a:pPr marL="628650" lvl="1" indent="-171450">
+              <a:buFont typeface="Arial" panose="020B0604020202020204" pitchFamily="34" charset="0"/>
+              <a:buChar char="•"/>
+            </a:pPr>
+            <a:r>
+              <a:rPr lang="en-GB" b="0" dirty="0"/>
+              <a:t>Akin to </a:t>
+            </a:r>
+            <a:r>
+              <a:rPr lang="en-GB" b="0" dirty="0" err="1"/>
+              <a:t>Polkadot</a:t>
+            </a:r>
+            <a:endParaRPr lang="en-GB" b="0" dirty="0"/>
+          </a:p>
+          <a:p>
+            <a:pPr marL="628650" lvl="1" indent="-171450">
+              <a:buFont typeface="Arial" panose="020B0604020202020204" pitchFamily="34" charset="0"/>
+              <a:buChar char="•"/>
+            </a:pPr>
+            <a:r>
+              <a:rPr lang="en-GB" b="0" dirty="0"/>
+              <a:t>Guest is validated by the same validator set as some other chain</a:t>
+            </a:r>
+          </a:p>
+          <a:p>
+            <a:pPr marL="628650" lvl="1" indent="-171450">
+              <a:buFont typeface="Arial" panose="020B0604020202020204" pitchFamily="34" charset="0"/>
+              <a:buChar char="•"/>
+            </a:pPr>
+            <a:r>
+              <a:rPr lang="en-GB" b="0" dirty="0"/>
+              <a:t>Staking and slashing happens on the host</a:t>
+            </a:r>
+          </a:p>
+          <a:p>
+            <a:pPr marL="628650" lvl="1" indent="-171450">
+              <a:buFont typeface="Arial" panose="020B0604020202020204" pitchFamily="34" charset="0"/>
+              <a:buChar char="•"/>
+            </a:pPr>
+            <a:r>
+              <a:rPr lang="en-GB" b="0" dirty="0"/>
+              <a:t>Control is given to the host validators</a:t>
+            </a:r>
+          </a:p>
+          <a:p>
+            <a:pPr marL="628650" lvl="1" indent="-171450">
+              <a:buFont typeface="Arial" panose="020B0604020202020204" pitchFamily="34" charset="0"/>
+              <a:buChar char="•"/>
+            </a:pPr>
+            <a:r>
+              <a:rPr lang="en-GB" b="0" dirty="0"/>
+              <a:t>Host validators might require a higher fee in order to run the guest zone</a:t>
+            </a:r>
+          </a:p>
+          <a:p>
+            <a:pPr marL="171450" indent="-171450">
+              <a:buFont typeface="Arial" panose="020B0604020202020204" pitchFamily="34" charset="0"/>
+              <a:buChar char="•"/>
+            </a:pPr>
+            <a:r>
+              <a:rPr lang="en-GB" b="0" dirty="0"/>
+              <a:t>Plasma</a:t>
+            </a:r>
+          </a:p>
+          <a:p>
+            <a:pPr marL="628650" lvl="1" indent="-171450">
+              <a:buFont typeface="Arial" panose="020B0604020202020204" pitchFamily="34" charset="0"/>
+              <a:buChar char="•"/>
+            </a:pPr>
+            <a:r>
+              <a:rPr lang="en-GB" b="0" dirty="0"/>
+              <a:t>V1 only requires working consensus on child chain</a:t>
+            </a:r>
+          </a:p>
+          <a:p>
+            <a:pPr marL="1085850" lvl="2" indent="-171450">
+              <a:buFont typeface="Arial" panose="020B0604020202020204" pitchFamily="34" charset="0"/>
+              <a:buChar char="•"/>
+            </a:pPr>
+            <a:r>
+              <a:rPr lang="en-GB" b="0" dirty="0"/>
+              <a:t>Validators can always unbound</a:t>
+            </a:r>
+          </a:p>
+          <a:p>
+            <a:pPr marL="628650" lvl="1" indent="-171450">
+              <a:buFont typeface="Arial" panose="020B0604020202020204" pitchFamily="34" charset="0"/>
+              <a:buChar char="•"/>
+            </a:pPr>
+            <a:r>
+              <a:rPr lang="en-GB" b="0" dirty="0"/>
+              <a:t>V2 once fraud proofs for arbitrary applications are solved</a:t>
+            </a:r>
+          </a:p>
+          <a:p>
+            <a:pPr marL="1085850" lvl="2" indent="-171450">
+              <a:buFont typeface="Arial" panose="020B0604020202020204" pitchFamily="34" charset="0"/>
+              <a:buChar char="•"/>
+            </a:pPr>
+            <a:r>
+              <a:rPr lang="en-GB" b="0" dirty="0"/>
+              <a:t>Allows anyone to hard exit</a:t>
+            </a:r>
+          </a:p>
+          <a:p>
+            <a:pPr marL="628650" lvl="1" indent="-171450">
+              <a:buFont typeface="Arial" panose="020B0604020202020204" pitchFamily="34" charset="0"/>
+              <a:buChar char="•"/>
+            </a:pPr>
+            <a:r>
+              <a:rPr lang="en-GB" b="0" dirty="0"/>
+              <a:t>Limited by throughput of the root chain</a:t>
+            </a:r>
+          </a:p>
+          <a:p>
+            <a:pPr marL="628650" lvl="1" indent="-171450">
+              <a:buFont typeface="Arial" panose="020B0604020202020204" pitchFamily="34" charset="0"/>
+              <a:buChar char="•"/>
+            </a:pPr>
+            <a:endParaRPr lang="en-GB" b="0" dirty="0"/>
           </a:p>
         </p:txBody>
       </p:sp>
@@ -1837,7 +2243,7 @@
     </p:spTree>
     <p:extLst>
       <p:ext uri="{BB962C8B-B14F-4D97-AF65-F5344CB8AC3E}">
-        <p14:creationId xmlns:p14="http://schemas.microsoft.com/office/powerpoint/2010/main" val="1597116758"/>
+        <p14:creationId xmlns:p14="http://schemas.microsoft.com/office/powerpoint/2010/main" val="2995665998"/>
       </p:ext>
     </p:extLst>
   </p:cSld>
@@ -1893,10 +2299,79 @@
           <a:p>
             <a:r>
               <a:rPr lang="en-GB" b="1" dirty="0"/>
-              <a:t>Questions – 5 minutes</a:t>
-            </a:r>
-          </a:p>
-          <a:p>
+              <a:t>Goals – 1 minute</a:t>
+            </a:r>
+          </a:p>
+          <a:p>
+            <a:endParaRPr lang="en-GB" b="0" dirty="0"/>
+          </a:p>
+          <a:p>
+            <a:pPr marL="171450" indent="-171450">
+              <a:buFont typeface="Arial" panose="020B0604020202020204" pitchFamily="34" charset="0"/>
+              <a:buChar char="•"/>
+            </a:pPr>
+            <a:r>
+              <a:rPr lang="en-GB" b="0" dirty="0"/>
+              <a:t>I hope that you took something away from this and that you enjoyed it – If you have any feedback, I’d welcome it later </a:t>
+            </a:r>
+            <a:r>
+              <a:rPr lang="en-GB" b="0"/>
+              <a:t>over Twitter DMs</a:t>
+            </a:r>
+          </a:p>
+          <a:p>
+            <a:pPr marL="171450" indent="-171450">
+              <a:buFont typeface="Arial" panose="020B0604020202020204" pitchFamily="34" charset="0"/>
+              <a:buChar char="•"/>
+            </a:pPr>
+            <a:r>
+              <a:rPr lang="en-GB" b="0" dirty="0"/>
+              <a:t>Go through them and tell people to remember them as we go through the presentation</a:t>
+            </a:r>
+          </a:p>
+          <a:p>
+            <a:pPr marL="171450" indent="-171450">
+              <a:buFont typeface="Arial" panose="020B0604020202020204" pitchFamily="34" charset="0"/>
+              <a:buChar char="•"/>
+            </a:pPr>
+            <a:r>
+              <a:rPr lang="en-GB" b="0" dirty="0"/>
+              <a:t>These are the most important take-</a:t>
+            </a:r>
+            <a:r>
+              <a:rPr lang="en-GB" b="0" dirty="0" err="1"/>
+              <a:t>aways</a:t>
+            </a:r>
+            <a:r>
+              <a:rPr lang="en-GB" b="0" dirty="0"/>
+              <a:t> from the presentation</a:t>
+            </a:r>
+          </a:p>
+          <a:p>
+            <a:pPr marL="171450" indent="-171450">
+              <a:buFont typeface="Arial" panose="020B0604020202020204" pitchFamily="34" charset="0"/>
+              <a:buChar char="•"/>
+            </a:pPr>
+            <a:r>
+              <a:rPr lang="en-GB" b="0" dirty="0"/>
+              <a:t>If you remember nothing else, just remember this</a:t>
+            </a:r>
+          </a:p>
+          <a:p>
+            <a:pPr marL="171450" indent="-171450">
+              <a:buFont typeface="Arial" panose="020B0604020202020204" pitchFamily="34" charset="0"/>
+              <a:buChar char="•"/>
+            </a:pPr>
+            <a:r>
+              <a:rPr lang="en-GB" b="0" dirty="0"/>
+              <a:t>The general sentiment seems to be that everyone really wants scalability but only very few people are looking for potential solutions or are working on any</a:t>
+            </a:r>
+          </a:p>
+          <a:p>
+            <a:pPr marL="628650" lvl="1" indent="-171450">
+              <a:buFont typeface="Arial" panose="020B0604020202020204" pitchFamily="34" charset="0"/>
+              <a:buChar char="•"/>
+            </a:pPr>
             <a:endParaRPr lang="en-GB" b="0" dirty="0"/>
           </a:p>
         </p:txBody>
@@ -1920,6 +2395,206 @@
               <a:rPr lang="en-US" smtClean="0"/>
               <a:pPr/>
               <a:t>14</a:t>
+            </a:fld>
+            <a:endParaRPr lang="en-US" dirty="0"/>
+          </a:p>
+        </p:txBody>
+      </p:sp>
+    </p:spTree>
+    <p:extLst>
+      <p:ext uri="{BB962C8B-B14F-4D97-AF65-F5344CB8AC3E}">
+        <p14:creationId xmlns:p14="http://schemas.microsoft.com/office/powerpoint/2010/main" val="2378084942"/>
+      </p:ext>
+    </p:extLst>
+  </p:cSld>
+  <p:clrMapOvr>
+    <a:masterClrMapping/>
+  </p:clrMapOvr>
+</p:notes>
+</file>
+
+<file path=ppt/notesSlides/notesSlide15.xml><?xml version="1.0" encoding="utf-8"?>
+<p:notes xmlns:a="http://schemas.openxmlformats.org/drawingml/2006/main" xmlns:r="http://schemas.openxmlformats.org/officeDocument/2006/relationships" xmlns:p="http://schemas.openxmlformats.org/presentationml/2006/main">
+  <p:cSld>
+    <p:spTree>
+      <p:nvGrpSpPr>
+        <p:cNvPr id="1" name=""/>
+        <p:cNvGrpSpPr/>
+        <p:nvPr/>
+      </p:nvGrpSpPr>
+      <p:grpSpPr>
+        <a:xfrm>
+          <a:off x="0" y="0"/>
+          <a:ext cx="0" cy="0"/>
+          <a:chOff x="0" y="0"/>
+          <a:chExt cx="0" cy="0"/>
+        </a:xfrm>
+      </p:grpSpPr>
+      <p:sp>
+        <p:nvSpPr>
+          <p:cNvPr id="2" name="Slide Image Placeholder 1"/>
+          <p:cNvSpPr>
+            <a:spLocks noGrp="1" noRot="1" noChangeAspect="1"/>
+          </p:cNvSpPr>
+          <p:nvPr>
+            <p:ph type="sldImg"/>
+          </p:nvPr>
+        </p:nvSpPr>
+        <p:spPr/>
+      </p:sp>
+      <p:sp>
+        <p:nvSpPr>
+          <p:cNvPr id="3" name="Notes Placeholder 2"/>
+          <p:cNvSpPr>
+            <a:spLocks noGrp="1"/>
+          </p:cNvSpPr>
+          <p:nvPr>
+            <p:ph type="body" idx="1"/>
+          </p:nvPr>
+        </p:nvSpPr>
+        <p:spPr/>
+        <p:txBody>
+          <a:bodyPr/>
+          <a:lstStyle/>
+          <a:p>
+            <a:r>
+              <a:rPr lang="en-US" b="1" dirty="0"/>
+              <a:t>Call to Action - 1 minute</a:t>
+            </a:r>
+          </a:p>
+          <a:p>
+            <a:endParaRPr lang="en-US" b="0" dirty="0"/>
+          </a:p>
+          <a:p>
+            <a:pPr marL="171450" indent="-171450">
+              <a:buFont typeface="Arial" panose="020B0604020202020204" pitchFamily="34" charset="0"/>
+              <a:buChar char="•"/>
+            </a:pPr>
+            <a:r>
+              <a:rPr lang="en-US" b="0" dirty="0"/>
+              <a:t>Big shout out to </a:t>
+            </a:r>
+            <a:r>
+              <a:rPr lang="en-US" b="0" dirty="0" err="1"/>
+              <a:t>FunFair</a:t>
+            </a:r>
+            <a:r>
+              <a:rPr lang="en-US" b="0" dirty="0"/>
+              <a:t> – they actually implemented their own scaling solution</a:t>
+            </a:r>
+          </a:p>
+        </p:txBody>
+      </p:sp>
+      <p:sp>
+        <p:nvSpPr>
+          <p:cNvPr id="4" name="Slide Number Placeholder 3"/>
+          <p:cNvSpPr>
+            <a:spLocks noGrp="1"/>
+          </p:cNvSpPr>
+          <p:nvPr>
+            <p:ph type="sldNum" sz="quarter" idx="10"/>
+          </p:nvPr>
+        </p:nvSpPr>
+        <p:spPr/>
+        <p:txBody>
+          <a:bodyPr/>
+          <a:lstStyle/>
+          <a:p>
+            <a:fld id="{A0F3D57C-B218-4DAC-9BE0-23BF8380B47B}" type="slidenum">
+              <a:rPr lang="en-US" smtClean="0"/>
+              <a:pPr/>
+              <a:t>15</a:t>
+            </a:fld>
+            <a:endParaRPr lang="en-US" dirty="0"/>
+          </a:p>
+        </p:txBody>
+      </p:sp>
+    </p:spTree>
+    <p:extLst>
+      <p:ext uri="{BB962C8B-B14F-4D97-AF65-F5344CB8AC3E}">
+        <p14:creationId xmlns:p14="http://schemas.microsoft.com/office/powerpoint/2010/main" val="1597116758"/>
+      </p:ext>
+    </p:extLst>
+  </p:cSld>
+  <p:clrMapOvr>
+    <a:masterClrMapping/>
+  </p:clrMapOvr>
+</p:notes>
+</file>
+
+<file path=ppt/notesSlides/notesSlide16.xml><?xml version="1.0" encoding="utf-8"?>
+<p:notes xmlns:a="http://schemas.openxmlformats.org/drawingml/2006/main" xmlns:r="http://schemas.openxmlformats.org/officeDocument/2006/relationships" xmlns:p="http://schemas.openxmlformats.org/presentationml/2006/main">
+  <p:cSld>
+    <p:spTree>
+      <p:nvGrpSpPr>
+        <p:cNvPr id="1" name=""/>
+        <p:cNvGrpSpPr/>
+        <p:nvPr/>
+      </p:nvGrpSpPr>
+      <p:grpSpPr>
+        <a:xfrm>
+          <a:off x="0" y="0"/>
+          <a:ext cx="0" cy="0"/>
+          <a:chOff x="0" y="0"/>
+          <a:chExt cx="0" cy="0"/>
+        </a:xfrm>
+      </p:grpSpPr>
+      <p:sp>
+        <p:nvSpPr>
+          <p:cNvPr id="2" name="Slide Image Placeholder 1"/>
+          <p:cNvSpPr>
+            <a:spLocks noGrp="1" noRot="1" noChangeAspect="1"/>
+          </p:cNvSpPr>
+          <p:nvPr>
+            <p:ph type="sldImg"/>
+          </p:nvPr>
+        </p:nvSpPr>
+        <p:spPr/>
+      </p:sp>
+      <p:sp>
+        <p:nvSpPr>
+          <p:cNvPr id="3" name="Notes Placeholder 2"/>
+          <p:cNvSpPr>
+            <a:spLocks noGrp="1"/>
+          </p:cNvSpPr>
+          <p:nvPr>
+            <p:ph type="body" idx="1"/>
+          </p:nvPr>
+        </p:nvSpPr>
+        <p:spPr/>
+        <p:txBody>
+          <a:bodyPr/>
+          <a:lstStyle/>
+          <a:p>
+            <a:r>
+              <a:rPr lang="en-GB" b="1" dirty="0"/>
+              <a:t>Questions – 5 minutes</a:t>
+            </a:r>
+          </a:p>
+          <a:p>
+            <a:endParaRPr lang="en-GB" b="0" dirty="0"/>
+          </a:p>
+        </p:txBody>
+      </p:sp>
+      <p:sp>
+        <p:nvSpPr>
+          <p:cNvPr id="4" name="Slide Number Placeholder 3"/>
+          <p:cNvSpPr>
+            <a:spLocks noGrp="1"/>
+          </p:cNvSpPr>
+          <p:nvPr>
+            <p:ph type="sldNum" sz="quarter" idx="10"/>
+          </p:nvPr>
+        </p:nvSpPr>
+        <p:spPr/>
+        <p:txBody>
+          <a:bodyPr/>
+          <a:lstStyle/>
+          <a:p>
+            <a:fld id="{A0F3D57C-B218-4DAC-9BE0-23BF8380B47B}" type="slidenum">
+              <a:rPr lang="en-US" smtClean="0"/>
+              <a:pPr/>
+              <a:t>16</a:t>
             </a:fld>
             <a:endParaRPr lang="en-US" dirty="0"/>
           </a:p>
@@ -3133,7 +3808,7 @@
     </p:spTree>
     <p:extLst>
       <p:ext uri="{BB962C8B-B14F-4D97-AF65-F5344CB8AC3E}">
-        <p14:creationId xmlns:p14="http://schemas.microsoft.com/office/powerpoint/2010/main" val="2377412554"/>
+        <p14:creationId xmlns:p14="http://schemas.microsoft.com/office/powerpoint/2010/main" val="1816103382"/>
       </p:ext>
     </p:extLst>
   </p:cSld>
@@ -3187,162 +3862,233 @@
           <a:bodyPr/>
           <a:lstStyle/>
           <a:p>
+            <a:pPr marL="0" lvl="0" indent="0">
+              <a:buFont typeface="Arial" panose="020B0604020202020204" pitchFamily="34" charset="0"/>
+              <a:buNone/>
+            </a:pPr>
             <a:r>
               <a:rPr lang="en-GB" b="1" dirty="0"/>
-              <a:t>State Machine Scaling – 5 minutes</a:t>
-            </a:r>
-          </a:p>
-          <a:p>
+              <a:t>Consensus Scaling – 5 minutes</a:t>
+            </a:r>
+          </a:p>
+          <a:p>
+            <a:pPr marL="171450" lvl="0" indent="-171450">
+              <a:buFont typeface="Arial" panose="020B0604020202020204" pitchFamily="34" charset="0"/>
+              <a:buChar char="•"/>
+            </a:pPr>
             <a:endParaRPr lang="en-GB" b="0" dirty="0"/>
           </a:p>
           <a:p>
-            <a:pPr marL="171450" indent="-171450">
-              <a:buFont typeface="Arial" panose="020B0604020202020204" pitchFamily="34" charset="0"/>
-              <a:buChar char="•"/>
-            </a:pPr>
-            <a:r>
-              <a:rPr lang="en-GB" b="0" dirty="0"/>
-              <a:t>General idea is that we make the state machine much faster</a:t>
-            </a:r>
-          </a:p>
-          <a:p>
-            <a:pPr marL="628650" lvl="1" indent="-171450">
-              <a:buFont typeface="Arial" panose="020B0604020202020204" pitchFamily="34" charset="0"/>
-              <a:buChar char="•"/>
-            </a:pPr>
-            <a:r>
-              <a:rPr lang="en-GB" b="0" dirty="0"/>
-              <a:t>Parity is 2.5x faster than </a:t>
-            </a:r>
-            <a:r>
-              <a:rPr lang="en-GB" b="0" dirty="0" err="1"/>
-              <a:t>Geth</a:t>
-            </a:r>
-            <a:endParaRPr lang="en-GB" b="0" dirty="0"/>
-          </a:p>
-          <a:p>
-            <a:pPr marL="171450" indent="-171450">
-              <a:buFont typeface="Arial" panose="020B0604020202020204" pitchFamily="34" charset="0"/>
-              <a:buChar char="•"/>
-            </a:pPr>
-            <a:r>
-              <a:rPr lang="en-GB" b="0" dirty="0"/>
-              <a:t>Currently everyone builds on top of the EVM</a:t>
-            </a:r>
-          </a:p>
-          <a:p>
-            <a:pPr marL="628650" lvl="1" indent="-171450">
-              <a:buFont typeface="Arial" panose="020B0604020202020204" pitchFamily="34" charset="0"/>
-              <a:buChar char="•"/>
-            </a:pPr>
-            <a:r>
-              <a:rPr lang="en-GB" b="0" dirty="0"/>
-              <a:t>Most applications don’t need to be build on top of the EVM</a:t>
-            </a:r>
-          </a:p>
-          <a:p>
-            <a:pPr marL="1085850" lvl="2" indent="-171450">
-              <a:buFont typeface="Arial" panose="020B0604020202020204" pitchFamily="34" charset="0"/>
-              <a:buChar char="•"/>
-            </a:pPr>
-            <a:r>
-              <a:rPr lang="en-GB" b="0" dirty="0"/>
-              <a:t>Only useful if you need user level </a:t>
-            </a:r>
-            <a:r>
-              <a:rPr lang="en-GB" b="0" dirty="0" err="1"/>
-              <a:t>turing</a:t>
-            </a:r>
-            <a:r>
-              <a:rPr lang="en-GB" b="0" dirty="0"/>
-              <a:t> completeness</a:t>
-            </a:r>
-          </a:p>
-          <a:p>
-            <a:pPr marL="1085850" lvl="2" indent="-171450">
-              <a:buFont typeface="Arial" panose="020B0604020202020204" pitchFamily="34" charset="0"/>
-              <a:buChar char="•"/>
-            </a:pPr>
-            <a:r>
-              <a:rPr lang="en-GB" b="0" dirty="0"/>
-              <a:t>If you users aren’t going to deploy their own smart contracts to interact with your </a:t>
-            </a:r>
-            <a:r>
-              <a:rPr lang="en-GB" b="0" dirty="0" err="1"/>
-              <a:t>dApp</a:t>
-            </a:r>
-            <a:r>
-              <a:rPr lang="en-GB" b="0" dirty="0"/>
-              <a:t> I have doubts whether the EVM is the right deployment environment</a:t>
-            </a:r>
-          </a:p>
-          <a:p>
-            <a:pPr marL="1085850" lvl="2" indent="-171450">
-              <a:buFont typeface="Arial" panose="020B0604020202020204" pitchFamily="34" charset="0"/>
-              <a:buChar char="•"/>
-            </a:pPr>
-            <a:r>
-              <a:rPr lang="en-GB" b="0" dirty="0"/>
-              <a:t>Not secure</a:t>
-            </a:r>
-          </a:p>
-          <a:p>
-            <a:pPr marL="1085850" lvl="2" indent="-171450">
-              <a:buFont typeface="Arial" panose="020B0604020202020204" pitchFamily="34" charset="0"/>
-              <a:buChar char="•"/>
-            </a:pPr>
-            <a:r>
-              <a:rPr lang="en-GB" b="0" dirty="0"/>
-              <a:t>Not scalable</a:t>
-            </a:r>
-          </a:p>
-          <a:p>
-            <a:pPr marL="1085850" lvl="2" indent="-171450">
-              <a:buFont typeface="Arial" panose="020B0604020202020204" pitchFamily="34" charset="0"/>
-              <a:buChar char="•"/>
-            </a:pPr>
-            <a:r>
-              <a:rPr lang="en-GB" b="0" dirty="0"/>
-              <a:t>Not easily customizable</a:t>
-            </a:r>
-          </a:p>
-          <a:p>
-            <a:pPr marL="171450" indent="-171450">
-              <a:buFont typeface="Arial" panose="020B0604020202020204" pitchFamily="34" charset="0"/>
-              <a:buChar char="•"/>
-            </a:pPr>
-            <a:r>
-              <a:rPr lang="en-GB" b="0" dirty="0" err="1"/>
-              <a:t>Ethermint</a:t>
-            </a:r>
-            <a:r>
-              <a:rPr lang="en-GB" b="0" dirty="0"/>
-              <a:t> is a state machine that takes advantage of the underlying consensus improvements</a:t>
-            </a:r>
-          </a:p>
-          <a:p>
-            <a:pPr marL="628650" lvl="1" indent="-171450">
-              <a:buFont typeface="Arial" panose="020B0604020202020204" pitchFamily="34" charset="0"/>
-              <a:buChar char="•"/>
-            </a:pPr>
-            <a:r>
-              <a:rPr lang="en-GB" b="0" dirty="0"/>
-              <a:t>An EVM that is build as a </a:t>
-            </a:r>
-            <a:r>
-              <a:rPr lang="en-GB" b="0" dirty="0" err="1"/>
-              <a:t>blockchain</a:t>
-            </a:r>
-            <a:r>
-              <a:rPr lang="en-GB" b="0" dirty="0"/>
-              <a:t> application on top of </a:t>
-            </a:r>
+            <a:pPr marL="171450" lvl="0" indent="-171450">
+              <a:buFont typeface="Arial" panose="020B0604020202020204" pitchFamily="34" charset="0"/>
+              <a:buChar char="•"/>
+            </a:pPr>
             <a:r>
               <a:rPr lang="en-GB" b="0" dirty="0" err="1"/>
               <a:t>Tendermint</a:t>
             </a:r>
             <a:r>
               <a:rPr lang="en-GB" b="0" dirty="0"/>
+              <a:t> Consensus</a:t>
+            </a:r>
+          </a:p>
+          <a:p>
+            <a:pPr marL="628650" lvl="1" indent="-171450">
+              <a:buFont typeface="Arial" panose="020B0604020202020204" pitchFamily="34" charset="0"/>
+              <a:buChar char="•"/>
+            </a:pPr>
+            <a:r>
+              <a:rPr lang="en-GB" b="0" dirty="0"/>
+              <a:t>Advantages</a:t>
+            </a:r>
+          </a:p>
+          <a:p>
+            <a:pPr marL="1085850" lvl="2" indent="-171450">
+              <a:buFont typeface="Arial" panose="020B0604020202020204" pitchFamily="34" charset="0"/>
+              <a:buChar char="•"/>
+            </a:pPr>
+            <a:r>
+              <a:rPr lang="en-GB" b="0" dirty="0"/>
+              <a:t>Instant finality</a:t>
+            </a:r>
+          </a:p>
+          <a:p>
+            <a:pPr marL="1085850" lvl="2" indent="-171450">
+              <a:buFont typeface="Arial" panose="020B0604020202020204" pitchFamily="34" charset="0"/>
+              <a:buChar char="•"/>
+            </a:pPr>
+            <a:r>
+              <a:rPr lang="en-GB" b="0" dirty="0"/>
+              <a:t>Efficient light client proofs – only need headers if the validator set changes &gt; 1/3</a:t>
+            </a:r>
+          </a:p>
+          <a:p>
+            <a:pPr marL="1085850" lvl="2" indent="-171450">
+              <a:buFont typeface="Arial" panose="020B0604020202020204" pitchFamily="34" charset="0"/>
+              <a:buChar char="•"/>
+            </a:pPr>
+            <a:r>
+              <a:rPr lang="en-GB" b="0" dirty="0"/>
+              <a:t>4,000 </a:t>
+            </a:r>
+            <a:r>
+              <a:rPr lang="en-GB" b="0" dirty="0" err="1"/>
+              <a:t>tps</a:t>
+            </a:r>
+            <a:r>
+              <a:rPr lang="en-GB" b="0" dirty="0"/>
+              <a:t> on 64 validators around the world in AWS </a:t>
+            </a:r>
+            <a:r>
+              <a:rPr lang="en-GB" b="0" dirty="0" err="1"/>
+              <a:t>datacenters</a:t>
+            </a:r>
+            <a:endParaRPr lang="en-GB" b="0" dirty="0"/>
+          </a:p>
+          <a:p>
+            <a:pPr marL="1543050" lvl="3" indent="-171450">
+              <a:buFont typeface="Arial" panose="020B0604020202020204" pitchFamily="34" charset="0"/>
+              <a:buChar char="•"/>
+            </a:pPr>
+            <a:r>
+              <a:rPr lang="en-GB" b="0" dirty="0"/>
+              <a:t>Extremely old benchmark from 3 years ago</a:t>
+            </a:r>
+          </a:p>
+          <a:p>
+            <a:pPr marL="628650" lvl="1" indent="-171450">
+              <a:buFont typeface="Arial" panose="020B0604020202020204" pitchFamily="34" charset="0"/>
+              <a:buChar char="•"/>
+            </a:pPr>
+            <a:r>
+              <a:rPr lang="en-GB" b="0" dirty="0"/>
+              <a:t>Disadvantages</a:t>
+            </a:r>
+          </a:p>
+          <a:p>
+            <a:pPr marL="1085850" lvl="2" indent="-171450">
+              <a:buFont typeface="Arial" panose="020B0604020202020204" pitchFamily="34" charset="0"/>
+              <a:buChar char="•"/>
+            </a:pPr>
+            <a:r>
+              <a:rPr lang="en-GB" b="0" dirty="0"/>
+              <a:t>High network overhead </a:t>
+            </a:r>
+          </a:p>
+          <a:p>
+            <a:pPr marL="628650" lvl="1" indent="-171450">
+              <a:buFont typeface="Arial" panose="020B0604020202020204" pitchFamily="34" charset="0"/>
+              <a:buChar char="•"/>
+            </a:pPr>
+            <a:r>
+              <a:rPr lang="en-GB" b="0" dirty="0"/>
+              <a:t>Future Improvements</a:t>
+            </a:r>
+          </a:p>
+          <a:p>
+            <a:pPr marL="1085850" lvl="2" indent="-171450">
+              <a:buFont typeface="Arial" panose="020B0604020202020204" pitchFamily="34" charset="0"/>
+              <a:buChar char="•"/>
+            </a:pPr>
+            <a:r>
+              <a:rPr lang="en-GB" b="0" dirty="0"/>
+              <a:t>BLS signatures to </a:t>
+            </a:r>
+            <a:r>
+              <a:rPr lang="en-GB" b="0" dirty="0" err="1"/>
+              <a:t>aggregrate</a:t>
+            </a:r>
+            <a:r>
+              <a:rPr lang="en-GB" b="0" dirty="0"/>
+              <a:t> votes on the P2P layer</a:t>
+            </a:r>
+          </a:p>
+          <a:p>
+            <a:pPr marL="1085850" lvl="2" indent="-171450">
+              <a:buFont typeface="Arial" panose="020B0604020202020204" pitchFamily="34" charset="0"/>
+              <a:buChar char="•"/>
+            </a:pPr>
+            <a:r>
+              <a:rPr lang="en-GB" b="0" dirty="0"/>
+              <a:t>Optimistic pipelining</a:t>
+            </a:r>
+          </a:p>
+          <a:p>
+            <a:pPr marL="1543050" lvl="3" indent="-171450">
+              <a:buFont typeface="Arial" panose="020B0604020202020204" pitchFamily="34" charset="0"/>
+              <a:buChar char="•"/>
+            </a:pPr>
+            <a:r>
+              <a:rPr lang="en-GB" b="0" dirty="0"/>
+              <a:t>Using </a:t>
+            </a:r>
+            <a:r>
+              <a:rPr lang="en-GB" b="0" dirty="0" err="1"/>
+              <a:t>prevote</a:t>
+            </a:r>
+            <a:r>
+              <a:rPr lang="en-GB" b="0" dirty="0"/>
+              <a:t> from previous block as </a:t>
+            </a:r>
+            <a:r>
+              <a:rPr lang="en-GB" b="0" dirty="0" err="1"/>
+              <a:t>precommit</a:t>
+            </a:r>
+            <a:r>
+              <a:rPr lang="en-GB" b="0" dirty="0"/>
+              <a:t> for next block</a:t>
+            </a:r>
+          </a:p>
+          <a:p>
+            <a:pPr marL="1085850" lvl="2" indent="-171450">
+              <a:buFont typeface="Arial" panose="020B0604020202020204" pitchFamily="34" charset="0"/>
+              <a:buChar char="•"/>
+            </a:pPr>
+            <a:r>
+              <a:rPr lang="en-GB" b="0" dirty="0"/>
+              <a:t>DKG extension ala </a:t>
+            </a:r>
+            <a:r>
+              <a:rPr lang="en-GB" b="0" dirty="0" err="1"/>
+              <a:t>Honeybadger</a:t>
+            </a:r>
+            <a:endParaRPr lang="en-GB" b="0" dirty="0"/>
+          </a:p>
+          <a:p>
+            <a:pPr marL="1543050" lvl="3" indent="-171450">
+              <a:buFont typeface="Arial" panose="020B0604020202020204" pitchFamily="34" charset="0"/>
+              <a:buChar char="•"/>
+            </a:pPr>
+            <a:r>
+              <a:rPr lang="en-GB" b="0" dirty="0"/>
+              <a:t>Prevents validators front-running</a:t>
+            </a:r>
+          </a:p>
+          <a:p>
+            <a:pPr marL="171450" lvl="0" indent="-171450">
+              <a:buFont typeface="Arial" panose="020B0604020202020204" pitchFamily="34" charset="0"/>
+              <a:buChar char="•"/>
+            </a:pPr>
+            <a:r>
+              <a:rPr lang="en-GB" b="0" dirty="0"/>
+              <a:t>Practical Takeaways:</a:t>
+            </a:r>
+          </a:p>
+          <a:p>
+            <a:pPr marL="628650" lvl="1" indent="-171450">
+              <a:buFont typeface="Arial" panose="020B0604020202020204" pitchFamily="34" charset="0"/>
+              <a:buChar char="•"/>
+            </a:pPr>
+            <a:r>
+              <a:rPr lang="en-GB" b="0" dirty="0"/>
+              <a:t>Usable today with an implementation as </a:t>
+            </a:r>
+            <a:r>
+              <a:rPr lang="en-GB" b="0" dirty="0" err="1"/>
+              <a:t>Tendermint</a:t>
+            </a:r>
+            <a:r>
+              <a:rPr lang="en-GB" b="0" dirty="0"/>
               <a:t> Core</a:t>
             </a:r>
           </a:p>
@@ -3353,180 +4099,18 @@
             </a:pPr>
             <a:r>
               <a:rPr lang="en-GB" b="0" dirty="0"/>
-              <a:t>Full support for Web3</a:t>
-            </a:r>
-          </a:p>
-          <a:p>
-            <a:pPr marL="628650" lvl="1" indent="-171450">
+              <a:t>Parity client also includes an implementation</a:t>
+            </a:r>
+          </a:p>
+          <a:p>
+            <a:pPr marL="1085850" lvl="2" indent="-171450">
               <a:buFont typeface="Arial" panose="020B0604020202020204" pitchFamily="34" charset="0"/>
               <a:buChar char="•"/>
             </a:pPr>
             <a:r>
               <a:rPr lang="en-GB" b="0" dirty="0"/>
-              <a:t>Provides extremely efficient light-clients</a:t>
-            </a:r>
-          </a:p>
-          <a:p>
-            <a:pPr marL="628650" lvl="1" indent="-171450">
-              <a:buFont typeface="Arial" panose="020B0604020202020204" pitchFamily="34" charset="0"/>
-              <a:buChar char="•"/>
-            </a:pPr>
-            <a:r>
-              <a:rPr lang="en-GB" b="0" dirty="0"/>
-              <a:t>Runs 15x as fast </a:t>
-            </a:r>
-          </a:p>
-          <a:p>
-            <a:pPr marL="1085850" lvl="2" indent="-171450">
-              <a:buFont typeface="Arial" panose="020B0604020202020204" pitchFamily="34" charset="0"/>
-              <a:buChar char="•"/>
-            </a:pPr>
-            <a:r>
-              <a:rPr lang="en-GB" b="0" dirty="0"/>
-              <a:t>1 block a second which gives me 15x throughput</a:t>
-            </a:r>
-          </a:p>
-          <a:p>
-            <a:pPr marL="1085850" lvl="2" indent="-171450">
-              <a:buFont typeface="Arial" panose="020B0604020202020204" pitchFamily="34" charset="0"/>
-              <a:buChar char="•"/>
-            </a:pPr>
-            <a:r>
-              <a:rPr lang="en-GB" b="0" dirty="0"/>
-              <a:t>Could potentially increase the block gas limit to get another 4x</a:t>
-            </a:r>
-          </a:p>
-          <a:p>
-            <a:pPr marL="171450" indent="-171450">
-              <a:buFont typeface="Arial" panose="020B0604020202020204" pitchFamily="34" charset="0"/>
-              <a:buChar char="•"/>
-            </a:pPr>
-            <a:r>
-              <a:rPr lang="en-GB" b="0" dirty="0"/>
-              <a:t>Cosmos-</a:t>
-            </a:r>
-            <a:r>
-              <a:rPr lang="en-GB" b="0" dirty="0" err="1"/>
-              <a:t>Sdk</a:t>
-            </a:r>
-            <a:r>
-              <a:rPr lang="en-GB" b="0" dirty="0"/>
-              <a:t> as a framework for building your own </a:t>
-            </a:r>
-            <a:r>
-              <a:rPr lang="en-GB" b="0" dirty="0" err="1"/>
-              <a:t>blockchain</a:t>
-            </a:r>
-            <a:r>
-              <a:rPr lang="en-GB" b="0" dirty="0"/>
-              <a:t> application</a:t>
-            </a:r>
-          </a:p>
-          <a:p>
-            <a:pPr marL="628650" lvl="1" indent="-171450">
-              <a:buFont typeface="Arial" panose="020B0604020202020204" pitchFamily="34" charset="0"/>
-              <a:buChar char="•"/>
-            </a:pPr>
-            <a:r>
-              <a:rPr lang="en-GB" b="0" dirty="0"/>
-              <a:t>Everything is a module and modules can be combined</a:t>
-            </a:r>
-          </a:p>
-          <a:p>
-            <a:pPr marL="628650" lvl="1" indent="-171450">
-              <a:buFont typeface="Arial" panose="020B0604020202020204" pitchFamily="34" charset="0"/>
-              <a:buChar char="•"/>
-            </a:pPr>
-            <a:r>
-              <a:rPr lang="en-GB" b="0" dirty="0"/>
-              <a:t>It used to be very hard to build your own </a:t>
-            </a:r>
-            <a:r>
-              <a:rPr lang="en-GB" b="0" dirty="0" err="1"/>
-              <a:t>blockchain</a:t>
-            </a:r>
-            <a:r>
-              <a:rPr lang="en-GB" b="0" dirty="0"/>
-              <a:t> application, most people just forked bitcoin</a:t>
-            </a:r>
-          </a:p>
-          <a:p>
-            <a:pPr marL="628650" lvl="1" indent="-171450">
-              <a:buFont typeface="Arial" panose="020B0604020202020204" pitchFamily="34" charset="0"/>
-              <a:buChar char="•"/>
-            </a:pPr>
-            <a:r>
-              <a:rPr lang="en-GB" b="0" dirty="0"/>
-              <a:t>Allows developers to build their own version of Bitcoin in probably around 200 lines of code</a:t>
-            </a:r>
-          </a:p>
-          <a:p>
-            <a:pPr marL="628650" lvl="1" indent="-171450">
-              <a:buFont typeface="Arial" panose="020B0604020202020204" pitchFamily="34" charset="0"/>
-              <a:buChar char="•"/>
-            </a:pPr>
-            <a:r>
-              <a:rPr lang="en-GB" b="0" dirty="0"/>
-              <a:t>Future improvements:</a:t>
-            </a:r>
-          </a:p>
-          <a:p>
-            <a:pPr marL="1085850" lvl="2" indent="-171450">
-              <a:buFont typeface="Arial" panose="020B0604020202020204" pitchFamily="34" charset="0"/>
-              <a:buChar char="•"/>
-            </a:pPr>
-            <a:r>
-              <a:rPr lang="en-GB" b="0" dirty="0"/>
-              <a:t>Enabling different VMs as modules</a:t>
-            </a:r>
-          </a:p>
-          <a:p>
-            <a:pPr marL="1085850" lvl="2" indent="-171450">
-              <a:buFont typeface="Arial" panose="020B0604020202020204" pitchFamily="34" charset="0"/>
-              <a:buChar char="•"/>
-            </a:pPr>
-            <a:r>
-              <a:rPr lang="en-GB" b="0" dirty="0"/>
-              <a:t>Multi-language support</a:t>
-            </a:r>
-          </a:p>
-          <a:p>
-            <a:pPr marL="171450" indent="-171450">
-              <a:buFont typeface="Arial" panose="020B0604020202020204" pitchFamily="34" charset="0"/>
-              <a:buChar char="•"/>
-            </a:pPr>
-            <a:r>
-              <a:rPr lang="en-GB" b="0" dirty="0"/>
-              <a:t>Not the the answer to all vertical scaling needs, but it’s fully compatible with other solutions such as:</a:t>
-            </a:r>
-          </a:p>
-          <a:p>
-            <a:pPr marL="628650" lvl="1" indent="-171450">
-              <a:buFont typeface="Arial" panose="020B0604020202020204" pitchFamily="34" charset="0"/>
-              <a:buChar char="•"/>
-            </a:pPr>
-            <a:r>
-              <a:rPr lang="en-GB" b="0" dirty="0"/>
-              <a:t>State Channels</a:t>
-            </a:r>
-          </a:p>
-          <a:p>
-            <a:pPr marL="628650" lvl="1" indent="-171450">
-              <a:buFont typeface="Arial" panose="020B0604020202020204" pitchFamily="34" charset="0"/>
-              <a:buChar char="•"/>
-            </a:pPr>
-            <a:r>
-              <a:rPr lang="en-GB" b="0" dirty="0" err="1"/>
-              <a:t>Zk-Snarks</a:t>
-            </a:r>
-            <a:endParaRPr lang="en-GB" b="0" dirty="0"/>
-          </a:p>
-          <a:p>
-            <a:pPr marL="171450" indent="-171450">
-              <a:buFont typeface="Arial" panose="020B0604020202020204" pitchFamily="34" charset="0"/>
-              <a:buChar char="•"/>
-            </a:pPr>
-            <a:endParaRPr lang="en-GB" b="0" dirty="0"/>
+              <a:t>I haven’t looked into it too much, you should speak to Robert if you are interested in it</a:t>
+            </a:r>
           </a:p>
         </p:txBody>
       </p:sp>
@@ -3557,7 +4141,7 @@
     </p:spTree>
     <p:extLst>
       <p:ext uri="{BB962C8B-B14F-4D97-AF65-F5344CB8AC3E}">
-        <p14:creationId xmlns:p14="http://schemas.microsoft.com/office/powerpoint/2010/main" val="963128696"/>
+        <p14:creationId xmlns:p14="http://schemas.microsoft.com/office/powerpoint/2010/main" val="776713827"/>
       </p:ext>
     </p:extLst>
   </p:cSld>
@@ -3611,50 +4195,97 @@
           <a:bodyPr/>
           <a:lstStyle/>
           <a:p>
-            <a:r>
-              <a:rPr lang="en-GB" b="1" dirty="0" err="1"/>
-              <a:t>Interchain</a:t>
-            </a:r>
+            <a:pPr marL="0" lvl="0" indent="0">
+              <a:buFont typeface="Arial" panose="020B0604020202020204" pitchFamily="34" charset="0"/>
+              <a:buNone/>
+            </a:pPr>
             <a:r>
               <a:rPr lang="en-GB" b="1" dirty="0"/>
-              <a:t> Scaling – 5 minutes</a:t>
-            </a:r>
-          </a:p>
-          <a:p>
+              <a:t>Consensus Scaling – 5 minutes</a:t>
+            </a:r>
+          </a:p>
+          <a:p>
+            <a:pPr marL="171450" lvl="0" indent="-171450">
+              <a:buFont typeface="Arial" panose="020B0604020202020204" pitchFamily="34" charset="0"/>
+              <a:buChar char="•"/>
+            </a:pPr>
             <a:endParaRPr lang="en-GB" b="0" dirty="0"/>
           </a:p>
           <a:p>
-            <a:pPr marL="171450" indent="-171450">
-              <a:buFont typeface="Arial" panose="020B0604020202020204" pitchFamily="34" charset="0"/>
-              <a:buChar char="•"/>
-            </a:pPr>
+            <a:pPr marL="171450" lvl="0" indent="-171450">
+              <a:buFont typeface="Arial" panose="020B0604020202020204" pitchFamily="34" charset="0"/>
+              <a:buChar char="•"/>
+            </a:pPr>
+            <a:r>
+              <a:rPr lang="en-GB" b="0" dirty="0" err="1"/>
+              <a:t>Tendermint</a:t>
+            </a:r>
             <a:r>
               <a:rPr lang="en-GB" b="0" dirty="0"/>
-              <a:t>There are limits to vertical scalability</a:t>
-            </a:r>
-          </a:p>
-          <a:p>
-            <a:pPr marL="171450" indent="-171450">
-              <a:buFont typeface="Arial" panose="020B0604020202020204" pitchFamily="34" charset="0"/>
-              <a:buChar char="•"/>
-            </a:pPr>
+              <a:t> Consensus</a:t>
+            </a:r>
+          </a:p>
+          <a:p>
+            <a:pPr marL="628650" lvl="1" indent="-171450">
+              <a:buFont typeface="Arial" panose="020B0604020202020204" pitchFamily="34" charset="0"/>
+              <a:buChar char="•"/>
+            </a:pPr>
+            <a:r>
+              <a:rPr lang="en-GB" b="0" dirty="0"/>
+              <a:t>Advantages</a:t>
+            </a:r>
+          </a:p>
+          <a:p>
+            <a:pPr marL="1085850" lvl="2" indent="-171450">
+              <a:buFont typeface="Arial" panose="020B0604020202020204" pitchFamily="34" charset="0"/>
+              <a:buChar char="•"/>
+            </a:pPr>
+            <a:r>
+              <a:rPr lang="en-GB" b="0" dirty="0"/>
+              <a:t>Instant finality</a:t>
+            </a:r>
+          </a:p>
+          <a:p>
+            <a:pPr marL="1085850" lvl="2" indent="-171450">
+              <a:buFont typeface="Arial" panose="020B0604020202020204" pitchFamily="34" charset="0"/>
+              <a:buChar char="•"/>
+            </a:pPr>
+            <a:r>
+              <a:rPr lang="en-GB" b="0" dirty="0"/>
+              <a:t>Efficient light client proofs – only need headers if the validator set changes &gt; 1/3</a:t>
+            </a:r>
+          </a:p>
+          <a:p>
+            <a:pPr marL="1085850" lvl="2" indent="-171450">
+              <a:buFont typeface="Arial" panose="020B0604020202020204" pitchFamily="34" charset="0"/>
+              <a:buChar char="•"/>
+            </a:pPr>
+            <a:r>
+              <a:rPr lang="en-GB" b="0" dirty="0"/>
+              <a:t>4,000 </a:t>
+            </a:r>
             <a:r>
               <a:rPr lang="en-GB" b="0" dirty="0" err="1"/>
-              <a:t>Interchain</a:t>
+              <a:t>tps</a:t>
             </a:r>
             <a:r>
               <a:rPr lang="en-GB" b="0" dirty="0"/>
-              <a:t> scaling enables horizontal scaling and allows for heterogeneous chains to connect</a:t>
-            </a:r>
-          </a:p>
-          <a:p>
-            <a:pPr marL="171450" indent="-171450">
+              <a:t> on 64 validators around the world in AWS </a:t>
+            </a:r>
+            <a:r>
+              <a:rPr lang="en-GB" b="0" dirty="0" err="1"/>
+              <a:t>datacenters</a:t>
+            </a:r>
+            <a:endParaRPr lang="en-GB" b="0" dirty="0"/>
+          </a:p>
+          <a:p>
+            <a:pPr marL="1543050" lvl="3" indent="-171450">
               <a:buFont typeface="Arial" panose="020B0604020202020204" pitchFamily="34" charset="0"/>
               <a:buChar char="•"/>
             </a:pPr>
             <a:r>
               <a:rPr lang="en-GB" b="0" dirty="0"/>
-              <a:t>IBC</a:t>
+              <a:t>Extremely old benchmark from 3 years ago</a:t>
             </a:r>
           </a:p>
           <a:p>
@@ -3664,7 +4295,17 @@
             </a:pPr>
             <a:r>
               <a:rPr lang="en-GB" b="0" dirty="0"/>
-              <a:t>Locks tokens to the consensus of the other chain</a:t>
+              <a:t>Disadvantages</a:t>
+            </a:r>
+          </a:p>
+          <a:p>
+            <a:pPr marL="1085850" lvl="2" indent="-171450">
+              <a:buFont typeface="Arial" panose="020B0604020202020204" pitchFamily="34" charset="0"/>
+              <a:buChar char="•"/>
+            </a:pPr>
+            <a:r>
+              <a:rPr lang="en-GB" b="0" dirty="0"/>
+              <a:t>High network overhead </a:t>
             </a:r>
           </a:p>
           <a:p>
@@ -3674,7 +4315,96 @@
             </a:pPr>
             <a:r>
               <a:rPr lang="en-GB" b="0" dirty="0"/>
-              <a:t>Allows for secure transfers between implementing chains</a:t>
+              <a:t>Future Improvements</a:t>
+            </a:r>
+          </a:p>
+          <a:p>
+            <a:pPr marL="1085850" lvl="2" indent="-171450">
+              <a:buFont typeface="Arial" panose="020B0604020202020204" pitchFamily="34" charset="0"/>
+              <a:buChar char="•"/>
+            </a:pPr>
+            <a:r>
+              <a:rPr lang="en-GB" b="0" dirty="0"/>
+              <a:t>BLS signatures to </a:t>
+            </a:r>
+            <a:r>
+              <a:rPr lang="en-GB" b="0" dirty="0" err="1"/>
+              <a:t>aggregrate</a:t>
+            </a:r>
+            <a:r>
+              <a:rPr lang="en-GB" b="0" dirty="0"/>
+              <a:t> votes on the P2P layer</a:t>
+            </a:r>
+          </a:p>
+          <a:p>
+            <a:pPr marL="1085850" lvl="2" indent="-171450">
+              <a:buFont typeface="Arial" panose="020B0604020202020204" pitchFamily="34" charset="0"/>
+              <a:buChar char="•"/>
+            </a:pPr>
+            <a:r>
+              <a:rPr lang="en-GB" b="0" dirty="0"/>
+              <a:t>Optimistic pipelining</a:t>
+            </a:r>
+          </a:p>
+          <a:p>
+            <a:pPr marL="1543050" lvl="3" indent="-171450">
+              <a:buFont typeface="Arial" panose="020B0604020202020204" pitchFamily="34" charset="0"/>
+              <a:buChar char="•"/>
+            </a:pPr>
+            <a:r>
+              <a:rPr lang="en-GB" b="0" dirty="0"/>
+              <a:t>Using </a:t>
+            </a:r>
+            <a:r>
+              <a:rPr lang="en-GB" b="0" dirty="0" err="1"/>
+              <a:t>prevote</a:t>
+            </a:r>
+            <a:r>
+              <a:rPr lang="en-GB" b="0" dirty="0"/>
+              <a:t> from previous block as </a:t>
+            </a:r>
+            <a:r>
+              <a:rPr lang="en-GB" b="0" dirty="0" err="1"/>
+              <a:t>precommit</a:t>
+            </a:r>
+            <a:r>
+              <a:rPr lang="en-GB" b="0" dirty="0"/>
+              <a:t> for next block</a:t>
+            </a:r>
+          </a:p>
+          <a:p>
+            <a:pPr marL="1085850" lvl="2" indent="-171450">
+              <a:buFont typeface="Arial" panose="020B0604020202020204" pitchFamily="34" charset="0"/>
+              <a:buChar char="•"/>
+            </a:pPr>
+            <a:r>
+              <a:rPr lang="en-GB" b="0" dirty="0"/>
+              <a:t>DKG extension ala </a:t>
+            </a:r>
+            <a:r>
+              <a:rPr lang="en-GB" b="0" dirty="0" err="1"/>
+              <a:t>Honeybadger</a:t>
+            </a:r>
+            <a:endParaRPr lang="en-GB" b="0" dirty="0"/>
+          </a:p>
+          <a:p>
+            <a:pPr marL="1543050" lvl="3" indent="-171450">
+              <a:buFont typeface="Arial" panose="020B0604020202020204" pitchFamily="34" charset="0"/>
+              <a:buChar char="•"/>
+            </a:pPr>
+            <a:r>
+              <a:rPr lang="en-GB" b="0" dirty="0"/>
+              <a:t>Prevents validators front-running</a:t>
+            </a:r>
+          </a:p>
+          <a:p>
+            <a:pPr marL="171450" lvl="0" indent="-171450">
+              <a:buFont typeface="Arial" panose="020B0604020202020204" pitchFamily="34" charset="0"/>
+              <a:buChar char="•"/>
+            </a:pPr>
+            <a:r>
+              <a:rPr lang="en-GB" b="0" dirty="0"/>
+              <a:t>Practical Takeaways:</a:t>
             </a:r>
           </a:p>
           <a:p>
@@ -3684,17 +4414,15 @@
             </a:pPr>
             <a:r>
               <a:rPr lang="en-GB" b="0" dirty="0"/>
-              <a:t>Starts with tokens, then NFTs, then complex objects</a:t>
-            </a:r>
-          </a:p>
-          <a:p>
-            <a:pPr marL="171450" lvl="0" indent="-171450">
-              <a:buFont typeface="Arial" panose="020B0604020202020204" pitchFamily="34" charset="0"/>
-              <a:buChar char="•"/>
-            </a:pPr>
+              <a:t>Usable today with an implementation as </a:t>
+            </a:r>
+            <a:r>
+              <a:rPr lang="en-GB" b="0" dirty="0" err="1"/>
+              <a:t>Tendermint</a:t>
+            </a:r>
             <a:r>
               <a:rPr lang="en-GB" b="0" dirty="0"/>
-              <a:t>Peggy</a:t>
+              <a:t> Core</a:t>
             </a:r>
           </a:p>
           <a:p>
@@ -3704,78 +4432,18 @@
             </a:pPr>
             <a:r>
               <a:rPr lang="en-GB" b="0" dirty="0"/>
-              <a:t>A way to connect non-finality chains</a:t>
-            </a:r>
-          </a:p>
-          <a:p>
-            <a:pPr marL="628650" lvl="1" indent="-171450">
+              <a:t>Parity client also includes an implementation</a:t>
+            </a:r>
+          </a:p>
+          <a:p>
+            <a:pPr marL="1085850" lvl="2" indent="-171450">
               <a:buFont typeface="Arial" panose="020B0604020202020204" pitchFamily="34" charset="0"/>
               <a:buChar char="•"/>
             </a:pPr>
             <a:r>
               <a:rPr lang="en-GB" b="0" dirty="0"/>
-              <a:t>Enforce pseudo-finality</a:t>
-            </a:r>
-          </a:p>
-          <a:p>
-            <a:pPr marL="628650" lvl="1" indent="-171450">
-              <a:buFont typeface="Arial" panose="020B0604020202020204" pitchFamily="34" charset="0"/>
-              <a:buChar char="•"/>
-            </a:pPr>
-            <a:r>
-              <a:rPr lang="en-GB" b="0" dirty="0"/>
-              <a:t>Bad things happen when a reorg happens after the finality threshold</a:t>
-            </a:r>
-          </a:p>
-          <a:p>
-            <a:pPr marL="171450" lvl="0" indent="-171450">
-              <a:buFont typeface="Arial" panose="020B0604020202020204" pitchFamily="34" charset="0"/>
-              <a:buChar char="•"/>
-            </a:pPr>
-            <a:r>
-              <a:rPr lang="en-GB" b="0" dirty="0"/>
-              <a:t>Cosmos Hub</a:t>
-            </a:r>
-          </a:p>
-          <a:p>
-            <a:pPr marL="628650" lvl="1" indent="-171450">
-              <a:buFont typeface="Arial" panose="020B0604020202020204" pitchFamily="34" charset="0"/>
-              <a:buChar char="•"/>
-            </a:pPr>
-            <a:r>
-              <a:rPr lang="en-GB" b="0" dirty="0"/>
-              <a:t>In a world of multiple chains, we need a liquidity aggregator that other chains can use</a:t>
-            </a:r>
-          </a:p>
-          <a:p>
-            <a:pPr marL="628650" lvl="1" indent="-171450">
-              <a:buFont typeface="Arial" panose="020B0604020202020204" pitchFamily="34" charset="0"/>
-              <a:buChar char="•"/>
-            </a:pPr>
-            <a:r>
-              <a:rPr lang="en-GB" b="0" dirty="0"/>
-              <a:t>Maintains the double spend protection of a normal </a:t>
-            </a:r>
-            <a:r>
-              <a:rPr lang="en-GB" b="0" dirty="0" err="1"/>
-              <a:t>blockchain</a:t>
-            </a:r>
-            <a:r>
-              <a:rPr lang="en-GB" b="0" dirty="0"/>
-              <a:t> but between multiple </a:t>
-            </a:r>
-            <a:r>
-              <a:rPr lang="en-GB" b="0" dirty="0" err="1"/>
-              <a:t>blockchains</a:t>
-            </a:r>
-            <a:endParaRPr lang="en-GB" b="0" dirty="0"/>
-          </a:p>
-          <a:p>
-            <a:pPr marL="171450" indent="-171450">
-              <a:buFont typeface="Arial" panose="020B0604020202020204" pitchFamily="34" charset="0"/>
-              <a:buChar char="•"/>
-            </a:pPr>
-            <a:endParaRPr lang="en-GB" b="0" dirty="0"/>
+              <a:t>I haven’t looked into it too much, you should speak to Robert if you are interested in it</a:t>
+            </a:r>
           </a:p>
         </p:txBody>
       </p:sp>
@@ -3806,7 +4474,7 @@
     </p:spTree>
     <p:extLst>
       <p:ext uri="{BB962C8B-B14F-4D97-AF65-F5344CB8AC3E}">
-        <p14:creationId xmlns:p14="http://schemas.microsoft.com/office/powerpoint/2010/main" val="936098678"/>
+        <p14:creationId xmlns:p14="http://schemas.microsoft.com/office/powerpoint/2010/main" val="2377412554"/>
       </p:ext>
     </p:extLst>
   </p:cSld>
@@ -13035,8 +13703,8 @@
         </p:nvSpPr>
         <p:spPr>
           <a:xfrm>
-            <a:off x="9737200" y="8272192"/>
-            <a:ext cx="4909614" cy="553998"/>
+            <a:off x="10340636" y="8272192"/>
+            <a:ext cx="3702745" cy="553998"/>
           </a:xfrm>
           <a:prstGeom prst="rect">
             <a:avLst/>
@@ -13051,16 +13719,10 @@
           <a:p>
             <a:pPr algn="ctr"/>
             <a:r>
-              <a:rPr lang="en-US" sz="3000" spc="-20" dirty="0" err="1">
-                <a:latin typeface="Avenir Next" panose="020B0503020202020204" pitchFamily="34" charset="0"/>
-              </a:rPr>
-              <a:t>DappDev</a:t>
-            </a:r>
-            <a:r>
               <a:rPr lang="en-US" sz="3000" spc="-20" dirty="0">
                 <a:latin typeface="Avenir Next" panose="020B0503020202020204" pitchFamily="34" charset="0"/>
               </a:rPr>
-              <a:t>, Kiev, 2018-04-16</a:t>
+              <a:t>London, 2018-04-19</a:t>
             </a:r>
           </a:p>
         </p:txBody>
@@ -13169,6 +13831,896 @@
       </p:grpSpPr>
       <p:sp>
         <p:nvSpPr>
+          <p:cNvPr id="2" name="Title 1">
+            <a:extLst>
+              <a:ext uri="{FF2B5EF4-FFF2-40B4-BE49-F238E27FC236}">
+                <a16:creationId xmlns:a16="http://schemas.microsoft.com/office/drawing/2014/main" id="{BB5DB68C-3F5D-284C-AC2B-8E0C1980DD86}"/>
+              </a:ext>
+            </a:extLst>
+          </p:cNvPr>
+          <p:cNvSpPr>
+            <a:spLocks noGrp="1"/>
+          </p:cNvSpPr>
+          <p:nvPr>
+            <p:ph type="title"/>
+          </p:nvPr>
+        </p:nvSpPr>
+        <p:spPr>
+          <a:xfrm>
+            <a:off x="846846" y="872628"/>
+            <a:ext cx="6366565" cy="969151"/>
+          </a:xfrm>
+        </p:spPr>
+        <p:txBody>
+          <a:bodyPr/>
+          <a:lstStyle/>
+          <a:p>
+            <a:pPr algn="ctr"/>
+            <a:r>
+              <a:rPr lang="en-GB" b="1" dirty="0">
+                <a:solidFill>
+                  <a:schemeClr val="accent4"/>
+                </a:solidFill>
+                <a:latin typeface="Avenir Next" panose="020B0503020202020204" pitchFamily="34" charset="0"/>
+              </a:rPr>
+              <a:t>STATE MACHINE</a:t>
+            </a:r>
+            <a:r>
+              <a:rPr lang="en-GB" b="1" dirty="0">
+                <a:latin typeface="Avenir Next" panose="020B0503020202020204" pitchFamily="34" charset="0"/>
+              </a:rPr>
+              <a:t> SCALING</a:t>
+            </a:r>
+          </a:p>
+        </p:txBody>
+      </p:sp>
+      <p:sp>
+        <p:nvSpPr>
+          <p:cNvPr id="6" name="Text Placeholder 8">
+            <a:extLst>
+              <a:ext uri="{FF2B5EF4-FFF2-40B4-BE49-F238E27FC236}">
+                <a16:creationId xmlns:a16="http://schemas.microsoft.com/office/drawing/2014/main" id="{ABADFE56-E46C-A644-BA33-A22234BFD7DA}"/>
+              </a:ext>
+            </a:extLst>
+          </p:cNvPr>
+          <p:cNvSpPr txBox="1">
+            <a:spLocks/>
+          </p:cNvSpPr>
+          <p:nvPr/>
+        </p:nvSpPr>
+        <p:spPr>
+          <a:xfrm>
+            <a:off x="5234156" y="5030894"/>
+            <a:ext cx="5400000" cy="5400000"/>
+          </a:xfrm>
+          <a:prstGeom prst="roundRect">
+            <a:avLst>
+              <a:gd name="adj" fmla="val 7255"/>
+            </a:avLst>
+          </a:prstGeom>
+          <a:solidFill>
+            <a:schemeClr val="bg2">
+              <a:alpha val="40000"/>
+            </a:schemeClr>
+          </a:solidFill>
+          <a:ln w="25400">
+            <a:solidFill>
+              <a:schemeClr val="tx1">
+                <a:alpha val="2000"/>
+              </a:schemeClr>
+            </a:solidFill>
+            <a:round/>
+          </a:ln>
+        </p:spPr>
+        <p:style>
+          <a:lnRef idx="2">
+            <a:schemeClr val="dk1"/>
+          </a:lnRef>
+          <a:fillRef idx="1">
+            <a:schemeClr val="lt1"/>
+          </a:fillRef>
+          <a:effectRef idx="0">
+            <a:schemeClr val="dk1"/>
+          </a:effectRef>
+          <a:fontRef idx="minor">
+            <a:schemeClr val="dk1"/>
+          </a:fontRef>
+        </p:style>
+        <p:txBody>
+          <a:bodyPr anchor="ctr"/>
+          <a:lstStyle>
+            <a:lvl1pPr marL="457200" indent="-457200" algn="l" defTabSz="1828800" rtl="0" eaLnBrk="1" latinLnBrk="0" hangingPunct="1">
+              <a:lnSpc>
+                <a:spcPct val="90000"/>
+              </a:lnSpc>
+              <a:spcBef>
+                <a:spcPts val="2000"/>
+              </a:spcBef>
+              <a:buFont typeface="Arial" panose="020B0604020202020204" pitchFamily="34" charset="0"/>
+              <a:buChar char="•"/>
+              <a:defRPr sz="5600" kern="1200">
+                <a:solidFill>
+                  <a:schemeClr val="tx1"/>
+                </a:solidFill>
+                <a:latin typeface="+mn-lt"/>
+                <a:ea typeface="+mn-ea"/>
+                <a:cs typeface="+mn-cs"/>
+              </a:defRPr>
+            </a:lvl1pPr>
+            <a:lvl2pPr marL="1371600" indent="-457200" algn="l" defTabSz="1828800" rtl="0" eaLnBrk="1" latinLnBrk="0" hangingPunct="1">
+              <a:lnSpc>
+                <a:spcPct val="90000"/>
+              </a:lnSpc>
+              <a:spcBef>
+                <a:spcPts val="1000"/>
+              </a:spcBef>
+              <a:buFont typeface="Arial" panose="020B0604020202020204" pitchFamily="34" charset="0"/>
+              <a:buChar char="•"/>
+              <a:defRPr sz="4800" kern="1200">
+                <a:solidFill>
+                  <a:schemeClr val="tx1"/>
+                </a:solidFill>
+                <a:latin typeface="+mn-lt"/>
+                <a:ea typeface="+mn-ea"/>
+                <a:cs typeface="+mn-cs"/>
+              </a:defRPr>
+            </a:lvl2pPr>
+            <a:lvl3pPr marL="2286000" indent="-457200" algn="l" defTabSz="1828800" rtl="0" eaLnBrk="1" latinLnBrk="0" hangingPunct="1">
+              <a:lnSpc>
+                <a:spcPct val="90000"/>
+              </a:lnSpc>
+              <a:spcBef>
+                <a:spcPts val="1000"/>
+              </a:spcBef>
+              <a:buFont typeface="Arial" panose="020B0604020202020204" pitchFamily="34" charset="0"/>
+              <a:buChar char="•"/>
+              <a:defRPr sz="4000" kern="1200">
+                <a:solidFill>
+                  <a:schemeClr val="tx1"/>
+                </a:solidFill>
+                <a:latin typeface="+mn-lt"/>
+                <a:ea typeface="+mn-ea"/>
+                <a:cs typeface="+mn-cs"/>
+              </a:defRPr>
+            </a:lvl3pPr>
+            <a:lvl4pPr marL="3200400" indent="-457200" algn="l" defTabSz="1828800" rtl="0" eaLnBrk="1" latinLnBrk="0" hangingPunct="1">
+              <a:lnSpc>
+                <a:spcPct val="90000"/>
+              </a:lnSpc>
+              <a:spcBef>
+                <a:spcPts val="1000"/>
+              </a:spcBef>
+              <a:buFont typeface="Arial" panose="020B0604020202020204" pitchFamily="34" charset="0"/>
+              <a:buChar char="•"/>
+              <a:defRPr sz="3600" kern="1200">
+                <a:solidFill>
+                  <a:schemeClr val="tx1"/>
+                </a:solidFill>
+                <a:latin typeface="+mn-lt"/>
+                <a:ea typeface="+mn-ea"/>
+                <a:cs typeface="+mn-cs"/>
+              </a:defRPr>
+            </a:lvl4pPr>
+            <a:lvl5pPr marL="4114800" indent="-457200" algn="l" defTabSz="1828800" rtl="0" eaLnBrk="1" latinLnBrk="0" hangingPunct="1">
+              <a:lnSpc>
+                <a:spcPct val="90000"/>
+              </a:lnSpc>
+              <a:spcBef>
+                <a:spcPts val="1000"/>
+              </a:spcBef>
+              <a:buFont typeface="Arial" panose="020B0604020202020204" pitchFamily="34" charset="0"/>
+              <a:buChar char="•"/>
+              <a:defRPr sz="3600" kern="1200">
+                <a:solidFill>
+                  <a:schemeClr val="tx1"/>
+                </a:solidFill>
+                <a:latin typeface="+mn-lt"/>
+                <a:ea typeface="+mn-ea"/>
+                <a:cs typeface="+mn-cs"/>
+              </a:defRPr>
+            </a:lvl5pPr>
+            <a:lvl6pPr marL="5029200" indent="-457200" algn="l" defTabSz="1828800" rtl="0" eaLnBrk="1" latinLnBrk="0" hangingPunct="1">
+              <a:lnSpc>
+                <a:spcPct val="90000"/>
+              </a:lnSpc>
+              <a:spcBef>
+                <a:spcPts val="1000"/>
+              </a:spcBef>
+              <a:buFont typeface="Arial" panose="020B0604020202020204" pitchFamily="34" charset="0"/>
+              <a:buChar char="•"/>
+              <a:defRPr sz="3600" kern="1200">
+                <a:solidFill>
+                  <a:schemeClr val="tx1"/>
+                </a:solidFill>
+                <a:latin typeface="+mn-lt"/>
+                <a:ea typeface="+mn-ea"/>
+                <a:cs typeface="+mn-cs"/>
+              </a:defRPr>
+            </a:lvl6pPr>
+            <a:lvl7pPr marL="5943600" indent="-457200" algn="l" defTabSz="1828800" rtl="0" eaLnBrk="1" latinLnBrk="0" hangingPunct="1">
+              <a:lnSpc>
+                <a:spcPct val="90000"/>
+              </a:lnSpc>
+              <a:spcBef>
+                <a:spcPts val="1000"/>
+              </a:spcBef>
+              <a:buFont typeface="Arial" panose="020B0604020202020204" pitchFamily="34" charset="0"/>
+              <a:buChar char="•"/>
+              <a:defRPr sz="3600" kern="1200">
+                <a:solidFill>
+                  <a:schemeClr val="tx1"/>
+                </a:solidFill>
+                <a:latin typeface="+mn-lt"/>
+                <a:ea typeface="+mn-ea"/>
+                <a:cs typeface="+mn-cs"/>
+              </a:defRPr>
+            </a:lvl7pPr>
+            <a:lvl8pPr marL="6858000" indent="-457200" algn="l" defTabSz="1828800" rtl="0" eaLnBrk="1" latinLnBrk="0" hangingPunct="1">
+              <a:lnSpc>
+                <a:spcPct val="90000"/>
+              </a:lnSpc>
+              <a:spcBef>
+                <a:spcPts val="1000"/>
+              </a:spcBef>
+              <a:buFont typeface="Arial" panose="020B0604020202020204" pitchFamily="34" charset="0"/>
+              <a:buChar char="•"/>
+              <a:defRPr sz="3600" kern="1200">
+                <a:solidFill>
+                  <a:schemeClr val="tx1"/>
+                </a:solidFill>
+                <a:latin typeface="+mn-lt"/>
+                <a:ea typeface="+mn-ea"/>
+                <a:cs typeface="+mn-cs"/>
+              </a:defRPr>
+            </a:lvl8pPr>
+            <a:lvl9pPr marL="7772400" indent="-457200" algn="l" defTabSz="1828800" rtl="0" eaLnBrk="1" latinLnBrk="0" hangingPunct="1">
+              <a:lnSpc>
+                <a:spcPct val="90000"/>
+              </a:lnSpc>
+              <a:spcBef>
+                <a:spcPts val="1000"/>
+              </a:spcBef>
+              <a:buFont typeface="Arial" panose="020B0604020202020204" pitchFamily="34" charset="0"/>
+              <a:buChar char="•"/>
+              <a:defRPr sz="3600" kern="1200">
+                <a:solidFill>
+                  <a:schemeClr val="tx1"/>
+                </a:solidFill>
+                <a:latin typeface="+mn-lt"/>
+                <a:ea typeface="+mn-ea"/>
+                <a:cs typeface="+mn-cs"/>
+              </a:defRPr>
+            </a:lvl9pPr>
+          </a:lstStyle>
+          <a:p>
+            <a:pPr marL="0" indent="0" algn="ctr">
+              <a:buNone/>
+            </a:pPr>
+            <a:r>
+              <a:rPr lang="en-US" sz="3600" b="1" dirty="0">
+                <a:solidFill>
+                  <a:schemeClr val="accent1"/>
+                </a:solidFill>
+                <a:latin typeface="Avenir Next" panose="020B0503020202020204" pitchFamily="34" charset="0"/>
+              </a:rPr>
+              <a:t>ETHERMINT</a:t>
+            </a:r>
+          </a:p>
+        </p:txBody>
+      </p:sp>
+      <p:sp>
+        <p:nvSpPr>
+          <p:cNvPr id="7" name="Text Placeholder 8">
+            <a:extLst>
+              <a:ext uri="{FF2B5EF4-FFF2-40B4-BE49-F238E27FC236}">
+                <a16:creationId xmlns:a16="http://schemas.microsoft.com/office/drawing/2014/main" id="{4C9D709C-9D01-0B44-9F2A-5189EE9E3516}"/>
+              </a:ext>
+            </a:extLst>
+          </p:cNvPr>
+          <p:cNvSpPr txBox="1">
+            <a:spLocks/>
+          </p:cNvSpPr>
+          <p:nvPr/>
+        </p:nvSpPr>
+        <p:spPr>
+          <a:xfrm>
+            <a:off x="13489224" y="5030894"/>
+            <a:ext cx="5400000" cy="5400000"/>
+          </a:xfrm>
+          <a:prstGeom prst="roundRect">
+            <a:avLst>
+              <a:gd name="adj" fmla="val 7255"/>
+            </a:avLst>
+          </a:prstGeom>
+          <a:solidFill>
+            <a:schemeClr val="bg2">
+              <a:alpha val="40000"/>
+            </a:schemeClr>
+          </a:solidFill>
+          <a:ln w="25400">
+            <a:solidFill>
+              <a:schemeClr val="tx1">
+                <a:alpha val="2000"/>
+              </a:schemeClr>
+            </a:solidFill>
+            <a:round/>
+          </a:ln>
+        </p:spPr>
+        <p:style>
+          <a:lnRef idx="2">
+            <a:schemeClr val="dk1"/>
+          </a:lnRef>
+          <a:fillRef idx="1">
+            <a:schemeClr val="lt1"/>
+          </a:fillRef>
+          <a:effectRef idx="0">
+            <a:schemeClr val="dk1"/>
+          </a:effectRef>
+          <a:fontRef idx="minor">
+            <a:schemeClr val="dk1"/>
+          </a:fontRef>
+        </p:style>
+        <p:txBody>
+          <a:bodyPr anchor="ctr"/>
+          <a:lstStyle>
+            <a:lvl1pPr marL="457200" indent="-457200" algn="l" defTabSz="1828800" rtl="0" eaLnBrk="1" latinLnBrk="0" hangingPunct="1">
+              <a:lnSpc>
+                <a:spcPct val="90000"/>
+              </a:lnSpc>
+              <a:spcBef>
+                <a:spcPts val="2000"/>
+              </a:spcBef>
+              <a:buFont typeface="Arial" panose="020B0604020202020204" pitchFamily="34" charset="0"/>
+              <a:buChar char="•"/>
+              <a:defRPr sz="5600" kern="1200">
+                <a:solidFill>
+                  <a:schemeClr val="tx1"/>
+                </a:solidFill>
+                <a:latin typeface="+mn-lt"/>
+                <a:ea typeface="+mn-ea"/>
+                <a:cs typeface="+mn-cs"/>
+              </a:defRPr>
+            </a:lvl1pPr>
+            <a:lvl2pPr marL="1371600" indent="-457200" algn="l" defTabSz="1828800" rtl="0" eaLnBrk="1" latinLnBrk="0" hangingPunct="1">
+              <a:lnSpc>
+                <a:spcPct val="90000"/>
+              </a:lnSpc>
+              <a:spcBef>
+                <a:spcPts val="1000"/>
+              </a:spcBef>
+              <a:buFont typeface="Arial" panose="020B0604020202020204" pitchFamily="34" charset="0"/>
+              <a:buChar char="•"/>
+              <a:defRPr sz="4800" kern="1200">
+                <a:solidFill>
+                  <a:schemeClr val="tx1"/>
+                </a:solidFill>
+                <a:latin typeface="+mn-lt"/>
+                <a:ea typeface="+mn-ea"/>
+                <a:cs typeface="+mn-cs"/>
+              </a:defRPr>
+            </a:lvl2pPr>
+            <a:lvl3pPr marL="2286000" indent="-457200" algn="l" defTabSz="1828800" rtl="0" eaLnBrk="1" latinLnBrk="0" hangingPunct="1">
+              <a:lnSpc>
+                <a:spcPct val="90000"/>
+              </a:lnSpc>
+              <a:spcBef>
+                <a:spcPts val="1000"/>
+              </a:spcBef>
+              <a:buFont typeface="Arial" panose="020B0604020202020204" pitchFamily="34" charset="0"/>
+              <a:buChar char="•"/>
+              <a:defRPr sz="4000" kern="1200">
+                <a:solidFill>
+                  <a:schemeClr val="tx1"/>
+                </a:solidFill>
+                <a:latin typeface="+mn-lt"/>
+                <a:ea typeface="+mn-ea"/>
+                <a:cs typeface="+mn-cs"/>
+              </a:defRPr>
+            </a:lvl3pPr>
+            <a:lvl4pPr marL="3200400" indent="-457200" algn="l" defTabSz="1828800" rtl="0" eaLnBrk="1" latinLnBrk="0" hangingPunct="1">
+              <a:lnSpc>
+                <a:spcPct val="90000"/>
+              </a:lnSpc>
+              <a:spcBef>
+                <a:spcPts val="1000"/>
+              </a:spcBef>
+              <a:buFont typeface="Arial" panose="020B0604020202020204" pitchFamily="34" charset="0"/>
+              <a:buChar char="•"/>
+              <a:defRPr sz="3600" kern="1200">
+                <a:solidFill>
+                  <a:schemeClr val="tx1"/>
+                </a:solidFill>
+                <a:latin typeface="+mn-lt"/>
+                <a:ea typeface="+mn-ea"/>
+                <a:cs typeface="+mn-cs"/>
+              </a:defRPr>
+            </a:lvl4pPr>
+            <a:lvl5pPr marL="4114800" indent="-457200" algn="l" defTabSz="1828800" rtl="0" eaLnBrk="1" latinLnBrk="0" hangingPunct="1">
+              <a:lnSpc>
+                <a:spcPct val="90000"/>
+              </a:lnSpc>
+              <a:spcBef>
+                <a:spcPts val="1000"/>
+              </a:spcBef>
+              <a:buFont typeface="Arial" panose="020B0604020202020204" pitchFamily="34" charset="0"/>
+              <a:buChar char="•"/>
+              <a:defRPr sz="3600" kern="1200">
+                <a:solidFill>
+                  <a:schemeClr val="tx1"/>
+                </a:solidFill>
+                <a:latin typeface="+mn-lt"/>
+                <a:ea typeface="+mn-ea"/>
+                <a:cs typeface="+mn-cs"/>
+              </a:defRPr>
+            </a:lvl5pPr>
+            <a:lvl6pPr marL="5029200" indent="-457200" algn="l" defTabSz="1828800" rtl="0" eaLnBrk="1" latinLnBrk="0" hangingPunct="1">
+              <a:lnSpc>
+                <a:spcPct val="90000"/>
+              </a:lnSpc>
+              <a:spcBef>
+                <a:spcPts val="1000"/>
+              </a:spcBef>
+              <a:buFont typeface="Arial" panose="020B0604020202020204" pitchFamily="34" charset="0"/>
+              <a:buChar char="•"/>
+              <a:defRPr sz="3600" kern="1200">
+                <a:solidFill>
+                  <a:schemeClr val="tx1"/>
+                </a:solidFill>
+                <a:latin typeface="+mn-lt"/>
+                <a:ea typeface="+mn-ea"/>
+                <a:cs typeface="+mn-cs"/>
+              </a:defRPr>
+            </a:lvl6pPr>
+            <a:lvl7pPr marL="5943600" indent="-457200" algn="l" defTabSz="1828800" rtl="0" eaLnBrk="1" latinLnBrk="0" hangingPunct="1">
+              <a:lnSpc>
+                <a:spcPct val="90000"/>
+              </a:lnSpc>
+              <a:spcBef>
+                <a:spcPts val="1000"/>
+              </a:spcBef>
+              <a:buFont typeface="Arial" panose="020B0604020202020204" pitchFamily="34" charset="0"/>
+              <a:buChar char="•"/>
+              <a:defRPr sz="3600" kern="1200">
+                <a:solidFill>
+                  <a:schemeClr val="tx1"/>
+                </a:solidFill>
+                <a:latin typeface="+mn-lt"/>
+                <a:ea typeface="+mn-ea"/>
+                <a:cs typeface="+mn-cs"/>
+              </a:defRPr>
+            </a:lvl7pPr>
+            <a:lvl8pPr marL="6858000" indent="-457200" algn="l" defTabSz="1828800" rtl="0" eaLnBrk="1" latinLnBrk="0" hangingPunct="1">
+              <a:lnSpc>
+                <a:spcPct val="90000"/>
+              </a:lnSpc>
+              <a:spcBef>
+                <a:spcPts val="1000"/>
+              </a:spcBef>
+              <a:buFont typeface="Arial" panose="020B0604020202020204" pitchFamily="34" charset="0"/>
+              <a:buChar char="•"/>
+              <a:defRPr sz="3600" kern="1200">
+                <a:solidFill>
+                  <a:schemeClr val="tx1"/>
+                </a:solidFill>
+                <a:latin typeface="+mn-lt"/>
+                <a:ea typeface="+mn-ea"/>
+                <a:cs typeface="+mn-cs"/>
+              </a:defRPr>
+            </a:lvl8pPr>
+            <a:lvl9pPr marL="7772400" indent="-457200" algn="l" defTabSz="1828800" rtl="0" eaLnBrk="1" latinLnBrk="0" hangingPunct="1">
+              <a:lnSpc>
+                <a:spcPct val="90000"/>
+              </a:lnSpc>
+              <a:spcBef>
+                <a:spcPts val="1000"/>
+              </a:spcBef>
+              <a:buFont typeface="Arial" panose="020B0604020202020204" pitchFamily="34" charset="0"/>
+              <a:buChar char="•"/>
+              <a:defRPr sz="3600" kern="1200">
+                <a:solidFill>
+                  <a:schemeClr val="tx1"/>
+                </a:solidFill>
+                <a:latin typeface="+mn-lt"/>
+                <a:ea typeface="+mn-ea"/>
+                <a:cs typeface="+mn-cs"/>
+              </a:defRPr>
+            </a:lvl9pPr>
+          </a:lstStyle>
+          <a:p>
+            <a:pPr marL="0" indent="0" algn="ctr">
+              <a:buNone/>
+            </a:pPr>
+            <a:r>
+              <a:rPr lang="en-US" sz="3600" b="1" dirty="0">
+                <a:solidFill>
+                  <a:schemeClr val="accent1"/>
+                </a:solidFill>
+                <a:latin typeface="Avenir Next" panose="020B0503020202020204" pitchFamily="34" charset="0"/>
+              </a:rPr>
+              <a:t>COSMOS-SDK</a:t>
+            </a:r>
+          </a:p>
+        </p:txBody>
+      </p:sp>
+    </p:spTree>
+    <p:extLst>
+      <p:ext uri="{BB962C8B-B14F-4D97-AF65-F5344CB8AC3E}">
+        <p14:creationId xmlns:p14="http://schemas.microsoft.com/office/powerpoint/2010/main" val="3688145258"/>
+      </p:ext>
+    </p:extLst>
+  </p:cSld>
+  <p:clrMapOvr>
+    <a:masterClrMapping/>
+  </p:clrMapOvr>
+</p:sld>
+</file>
+
+<file path=ppt/slides/slide11.xml><?xml version="1.0" encoding="utf-8"?>
+<p:sld xmlns:a="http://schemas.openxmlformats.org/drawingml/2006/main" xmlns:r="http://schemas.openxmlformats.org/officeDocument/2006/relationships" xmlns:p="http://schemas.openxmlformats.org/presentationml/2006/main">
+  <p:cSld>
+    <p:spTree>
+      <p:nvGrpSpPr>
+        <p:cNvPr id="1" name=""/>
+        <p:cNvGrpSpPr/>
+        <p:nvPr/>
+      </p:nvGrpSpPr>
+      <p:grpSpPr>
+        <a:xfrm>
+          <a:off x="0" y="0"/>
+          <a:ext cx="0" cy="0"/>
+          <a:chOff x="0" y="0"/>
+          <a:chExt cx="0" cy="0"/>
+        </a:xfrm>
+      </p:grpSpPr>
+      <p:sp>
+        <p:nvSpPr>
+          <p:cNvPr id="2" name="Title 1">
+            <a:extLst>
+              <a:ext uri="{FF2B5EF4-FFF2-40B4-BE49-F238E27FC236}">
+                <a16:creationId xmlns:a16="http://schemas.microsoft.com/office/drawing/2014/main" id="{BB5DB68C-3F5D-284C-AC2B-8E0C1980DD86}"/>
+              </a:ext>
+            </a:extLst>
+          </p:cNvPr>
+          <p:cNvSpPr>
+            <a:spLocks noGrp="1"/>
+          </p:cNvSpPr>
+          <p:nvPr>
+            <p:ph type="title"/>
+          </p:nvPr>
+        </p:nvSpPr>
+        <p:spPr>
+          <a:xfrm>
+            <a:off x="839919" y="872628"/>
+            <a:ext cx="5533876" cy="969151"/>
+          </a:xfrm>
+        </p:spPr>
+        <p:txBody>
+          <a:bodyPr/>
+          <a:lstStyle/>
+          <a:p>
+            <a:pPr algn="ctr"/>
+            <a:r>
+              <a:rPr lang="en-GB" b="1" dirty="0">
+                <a:solidFill>
+                  <a:srgbClr val="00D4B9"/>
+                </a:solidFill>
+                <a:latin typeface="Avenir Next" panose="020B0503020202020204" pitchFamily="34" charset="0"/>
+              </a:rPr>
+              <a:t>INTERCHAIN</a:t>
+            </a:r>
+            <a:r>
+              <a:rPr lang="en-GB" b="1" dirty="0">
+                <a:latin typeface="Avenir Next" panose="020B0503020202020204" pitchFamily="34" charset="0"/>
+              </a:rPr>
+              <a:t> SCALING</a:t>
+            </a:r>
+          </a:p>
+        </p:txBody>
+      </p:sp>
+      <p:pic>
+        <p:nvPicPr>
+          <p:cNvPr id="1026" name="Picture 2" descr="https://lh5.googleusercontent.com/v6Oy1Pln1nP0zhf8bO1SQ3aOx_su67MpWIKEmWZcei2bcQ0OjE1bqvoCH_xggweHfMWYY_ETHDzkAZ2kDYPDnFqCooBFq0NThGzYGYfwUaIk2IPDL-SQ0M-euZEJvHLawrK3TFpLuXg">
+            <a:extLst>
+              <a:ext uri="{FF2B5EF4-FFF2-40B4-BE49-F238E27FC236}">
+                <a16:creationId xmlns:a16="http://schemas.microsoft.com/office/drawing/2014/main" id="{3D6EDA0D-3ECF-1A49-8174-F2EC08CBD300}"/>
+              </a:ext>
+            </a:extLst>
+          </p:cNvPr>
+          <p:cNvPicPr>
+            <a:picLocks noChangeAspect="1" noChangeArrowheads="1"/>
+          </p:cNvPicPr>
+          <p:nvPr/>
+        </p:nvPicPr>
+        <p:blipFill>
+          <a:blip r:embed="rId3">
+            <a:extLst>
+              <a:ext uri="{28A0092B-C50C-407E-A947-70E740481C1C}">
+                <a14:useLocalDpi xmlns:a14="http://schemas.microsoft.com/office/drawing/2010/main" val="0"/>
+              </a:ext>
+            </a:extLst>
+          </a:blip>
+          <a:srcRect/>
+          <a:stretch>
+            <a:fillRect/>
+          </a:stretch>
+        </p:blipFill>
+        <p:spPr bwMode="auto">
+          <a:xfrm>
+            <a:off x="8076408" y="6750050"/>
+            <a:ext cx="8304210" cy="6217778"/>
+          </a:xfrm>
+          <a:prstGeom prst="roundRect">
+            <a:avLst/>
+          </a:prstGeom>
+          <a:noFill/>
+          <a:extLst>
+            <a:ext uri="{909E8E84-426E-40DD-AFC4-6F175D3DCCD1}">
+              <a14:hiddenFill xmlns:a14="http://schemas.microsoft.com/office/drawing/2010/main">
+                <a:solidFill>
+                  <a:srgbClr val="FFFFFF"/>
+                </a:solidFill>
+              </a14:hiddenFill>
+            </a:ext>
+          </a:extLst>
+        </p:spPr>
+      </p:pic>
+      <p:sp>
+        <p:nvSpPr>
+          <p:cNvPr id="6" name="TextBox 5">
+            <a:extLst>
+              <a:ext uri="{FF2B5EF4-FFF2-40B4-BE49-F238E27FC236}">
+                <a16:creationId xmlns:a16="http://schemas.microsoft.com/office/drawing/2014/main" id="{1F74A7EF-69E2-CF41-9EAD-F0FD726FECF0}"/>
+              </a:ext>
+            </a:extLst>
+          </p:cNvPr>
+          <p:cNvSpPr txBox="1"/>
+          <p:nvPr/>
+        </p:nvSpPr>
+        <p:spPr>
+          <a:xfrm>
+            <a:off x="1584960" y="2964398"/>
+            <a:ext cx="7200000" cy="3785652"/>
+          </a:xfrm>
+          <a:prstGeom prst="rect">
+            <a:avLst/>
+          </a:prstGeom>
+          <a:noFill/>
+        </p:spPr>
+        <p:txBody>
+          <a:bodyPr wrap="square" rtlCol="0" anchor="ctr">
+            <a:spAutoFit/>
+          </a:bodyPr>
+          <a:lstStyle/>
+          <a:p>
+            <a:r>
+              <a:rPr lang="en-GB" sz="4000" b="1" dirty="0">
+                <a:latin typeface="Avenir Next" panose="020B0503020202020204" pitchFamily="34" charset="0"/>
+              </a:rPr>
+              <a:t>IBC</a:t>
+            </a:r>
+          </a:p>
+          <a:p>
+            <a:endParaRPr lang="en-GB" sz="4000" dirty="0">
+              <a:latin typeface="Avenir Next" panose="020B0503020202020204" pitchFamily="34" charset="0"/>
+            </a:endParaRPr>
+          </a:p>
+          <a:p>
+            <a:pPr marL="571500" indent="-571500">
+              <a:buFont typeface="Wingdings" pitchFamily="2" charset="2"/>
+              <a:buChar char="§"/>
+            </a:pPr>
+            <a:r>
+              <a:rPr lang="en-GB" sz="4000" dirty="0">
+                <a:latin typeface="Avenir Next" panose="020B0503020202020204" pitchFamily="34" charset="0"/>
+              </a:rPr>
+              <a:t>Secure transfers between heterogeneous </a:t>
+            </a:r>
+            <a:r>
+              <a:rPr lang="en-GB" sz="4000" dirty="0" err="1">
+                <a:latin typeface="Avenir Next" panose="020B0503020202020204" pitchFamily="34" charset="0"/>
+              </a:rPr>
+              <a:t>blockchains</a:t>
+            </a:r>
+            <a:endParaRPr lang="en-GB" sz="4000" dirty="0">
+              <a:latin typeface="Avenir Next" panose="020B0503020202020204" pitchFamily="34" charset="0"/>
+            </a:endParaRPr>
+          </a:p>
+          <a:p>
+            <a:pPr marL="571500" indent="-571500">
+              <a:buFont typeface="Wingdings" pitchFamily="2" charset="2"/>
+              <a:buChar char="§"/>
+            </a:pPr>
+            <a:r>
+              <a:rPr lang="en-GB" sz="4000" dirty="0">
+                <a:latin typeface="Avenir Next" panose="020B0503020202020204" pitchFamily="34" charset="0"/>
+              </a:rPr>
+              <a:t>Tokens -&gt; NFTs -&gt; Complex Objects</a:t>
+            </a:r>
+          </a:p>
+        </p:txBody>
+      </p:sp>
+      <p:sp>
+        <p:nvSpPr>
+          <p:cNvPr id="7" name="TextBox 6">
+            <a:extLst>
+              <a:ext uri="{FF2B5EF4-FFF2-40B4-BE49-F238E27FC236}">
+                <a16:creationId xmlns:a16="http://schemas.microsoft.com/office/drawing/2014/main" id="{37F68D02-8BD6-1A4C-9A1F-78E2BAEFD4F6}"/>
+              </a:ext>
+            </a:extLst>
+          </p:cNvPr>
+          <p:cNvSpPr txBox="1"/>
+          <p:nvPr/>
+        </p:nvSpPr>
+        <p:spPr>
+          <a:xfrm>
+            <a:off x="9384480" y="2964398"/>
+            <a:ext cx="7200000" cy="3170099"/>
+          </a:xfrm>
+          <a:prstGeom prst="rect">
+            <a:avLst/>
+          </a:prstGeom>
+          <a:noFill/>
+        </p:spPr>
+        <p:txBody>
+          <a:bodyPr wrap="square" rtlCol="0">
+            <a:spAutoFit/>
+          </a:bodyPr>
+          <a:lstStyle/>
+          <a:p>
+            <a:r>
+              <a:rPr lang="en-GB" sz="4000" b="1" dirty="0">
+                <a:latin typeface="Avenir Next" panose="020B0503020202020204" pitchFamily="34" charset="0"/>
+              </a:rPr>
+              <a:t>IBC + Adaptors</a:t>
+            </a:r>
+          </a:p>
+          <a:p>
+            <a:endParaRPr lang="en-GB" sz="4000" dirty="0">
+              <a:latin typeface="Avenir Next" panose="020B0503020202020204" pitchFamily="34" charset="0"/>
+            </a:endParaRPr>
+          </a:p>
+          <a:p>
+            <a:pPr marL="571500" indent="-571500">
+              <a:buFont typeface="Wingdings" pitchFamily="2" charset="2"/>
+              <a:buChar char="§"/>
+            </a:pPr>
+            <a:r>
+              <a:rPr lang="en-GB" sz="4000" dirty="0">
+                <a:latin typeface="Avenir Next" panose="020B0503020202020204" pitchFamily="34" charset="0"/>
+              </a:rPr>
+              <a:t>Adapter to enforce finality</a:t>
+            </a:r>
+          </a:p>
+          <a:p>
+            <a:pPr marL="571500" indent="-571500">
+              <a:buFont typeface="Wingdings" pitchFamily="2" charset="2"/>
+              <a:buChar char="§"/>
+            </a:pPr>
+            <a:r>
+              <a:rPr lang="en-GB" sz="4000" dirty="0">
+                <a:latin typeface="Avenir Next" panose="020B0503020202020204" pitchFamily="34" charset="0"/>
+              </a:rPr>
+              <a:t>Allows IBC connections to non-finality chains</a:t>
+            </a:r>
+          </a:p>
+        </p:txBody>
+      </p:sp>
+      <p:sp>
+        <p:nvSpPr>
+          <p:cNvPr id="8" name="TextBox 7">
+            <a:extLst>
+              <a:ext uri="{FF2B5EF4-FFF2-40B4-BE49-F238E27FC236}">
+                <a16:creationId xmlns:a16="http://schemas.microsoft.com/office/drawing/2014/main" id="{8B82376D-A7D4-E044-B7CF-80D2C89AFC5D}"/>
+              </a:ext>
+            </a:extLst>
+          </p:cNvPr>
+          <p:cNvSpPr txBox="1"/>
+          <p:nvPr/>
+        </p:nvSpPr>
+        <p:spPr>
+          <a:xfrm>
+            <a:off x="17184000" y="2964398"/>
+            <a:ext cx="6834240" cy="4401205"/>
+          </a:xfrm>
+          <a:prstGeom prst="rect">
+            <a:avLst/>
+          </a:prstGeom>
+          <a:noFill/>
+        </p:spPr>
+        <p:txBody>
+          <a:bodyPr wrap="square" rtlCol="0">
+            <a:spAutoFit/>
+          </a:bodyPr>
+          <a:lstStyle/>
+          <a:p>
+            <a:r>
+              <a:rPr lang="en-GB" sz="4000" b="1" dirty="0">
+                <a:latin typeface="Avenir Next" panose="020B0503020202020204" pitchFamily="34" charset="0"/>
+              </a:rPr>
+              <a:t>Cosmos Hub</a:t>
+            </a:r>
+          </a:p>
+          <a:p>
+            <a:endParaRPr lang="en-GB" sz="4000" dirty="0">
+              <a:latin typeface="Avenir Next" panose="020B0503020202020204" pitchFamily="34" charset="0"/>
+            </a:endParaRPr>
+          </a:p>
+          <a:p>
+            <a:pPr marL="571500" indent="-571500">
+              <a:buFont typeface="Wingdings" pitchFamily="2" charset="2"/>
+              <a:buChar char="§"/>
+            </a:pPr>
+            <a:r>
+              <a:rPr lang="en-GB" sz="4000" dirty="0">
+                <a:latin typeface="Avenir Next" panose="020B0503020202020204" pitchFamily="34" charset="0"/>
+              </a:rPr>
+              <a:t>Liquidity provider for all connected </a:t>
+            </a:r>
+            <a:r>
+              <a:rPr lang="en-GB" sz="4000" dirty="0" err="1">
+                <a:latin typeface="Avenir Next" panose="020B0503020202020204" pitchFamily="34" charset="0"/>
+              </a:rPr>
+              <a:t>blockchains</a:t>
+            </a:r>
+            <a:endParaRPr lang="en-GB" sz="4000" dirty="0">
+              <a:latin typeface="Avenir Next" panose="020B0503020202020204" pitchFamily="34" charset="0"/>
+            </a:endParaRPr>
+          </a:p>
+          <a:p>
+            <a:pPr marL="571500" indent="-571500">
+              <a:buFont typeface="Wingdings" pitchFamily="2" charset="2"/>
+              <a:buChar char="§"/>
+            </a:pPr>
+            <a:r>
+              <a:rPr lang="en-GB" sz="4000" dirty="0">
+                <a:latin typeface="Avenir Next" panose="020B0503020202020204" pitchFamily="34" charset="0"/>
+              </a:rPr>
+              <a:t>Maintains double-spend protection between </a:t>
+            </a:r>
+            <a:r>
+              <a:rPr lang="en-GB" sz="4000" dirty="0" err="1">
+                <a:latin typeface="Avenir Next" panose="020B0503020202020204" pitchFamily="34" charset="0"/>
+              </a:rPr>
+              <a:t>blockchains</a:t>
+            </a:r>
+            <a:endParaRPr lang="en-GB" sz="4000" dirty="0">
+              <a:latin typeface="Avenir Next" panose="020B0503020202020204" pitchFamily="34" charset="0"/>
+            </a:endParaRPr>
+          </a:p>
+        </p:txBody>
+      </p:sp>
+    </p:spTree>
+    <p:extLst>
+      <p:ext uri="{BB962C8B-B14F-4D97-AF65-F5344CB8AC3E}">
+        <p14:creationId xmlns:p14="http://schemas.microsoft.com/office/powerpoint/2010/main" val="1565826006"/>
+      </p:ext>
+    </p:extLst>
+  </p:cSld>
+  <p:clrMapOvr>
+    <a:masterClrMapping/>
+  </p:clrMapOvr>
+</p:sld>
+</file>
+
+<file path=ppt/slides/slide12.xml><?xml version="1.0" encoding="utf-8"?>
+<p:sld xmlns:a="http://schemas.openxmlformats.org/drawingml/2006/main" xmlns:r="http://schemas.openxmlformats.org/officeDocument/2006/relationships" xmlns:p="http://schemas.openxmlformats.org/presentationml/2006/main">
+  <p:cSld>
+    <p:spTree>
+      <p:nvGrpSpPr>
+        <p:cNvPr id="1" name=""/>
+        <p:cNvGrpSpPr/>
+        <p:nvPr/>
+      </p:nvGrpSpPr>
+      <p:grpSpPr>
+        <a:xfrm>
+          <a:off x="0" y="0"/>
+          <a:ext cx="0" cy="0"/>
+          <a:chOff x="0" y="0"/>
+          <a:chExt cx="0" cy="0"/>
+        </a:xfrm>
+      </p:grpSpPr>
+      <p:sp>
+        <p:nvSpPr>
           <p:cNvPr id="4" name="TextBox 3">
             <a:extLst>
               <a:ext uri="{FF2B5EF4-FFF2-40B4-BE49-F238E27FC236}">
@@ -13402,7 +14954,7 @@
 </p:sld>
 </file>
 
-<file path=ppt/slides/slide11.xml><?xml version="1.0" encoding="utf-8"?>
+<file path=ppt/slides/slide13.xml><?xml version="1.0" encoding="utf-8"?>
 <p:sld xmlns:a="http://schemas.openxmlformats.org/drawingml/2006/main" xmlns:r="http://schemas.openxmlformats.org/officeDocument/2006/relationships" xmlns:p="http://schemas.openxmlformats.org/presentationml/2006/main">
   <p:cSld>
     <p:spTree>
@@ -14170,7 +15722,7 @@
 </p:sld>
 </file>
 
-<file path=ppt/slides/slide12.xml><?xml version="1.0" encoding="utf-8"?>
+<file path=ppt/slides/slide14.xml><?xml version="1.0" encoding="utf-8"?>
 <p:sld xmlns:a="http://schemas.openxmlformats.org/drawingml/2006/main" xmlns:r="http://schemas.openxmlformats.org/officeDocument/2006/relationships" xmlns:p="http://schemas.openxmlformats.org/presentationml/2006/main">
   <p:cSld>
     <p:spTree>
@@ -15121,7 +16673,7 @@
 </p:sld>
 </file>
 
-<file path=ppt/slides/slide13.xml><?xml version="1.0" encoding="utf-8"?>
+<file path=ppt/slides/slide15.xml><?xml version="1.0" encoding="utf-8"?>
 <p:sld xmlns:a="http://schemas.openxmlformats.org/drawingml/2006/main" xmlns:r="http://schemas.openxmlformats.org/officeDocument/2006/relationships" xmlns:p="http://schemas.openxmlformats.org/presentationml/2006/main">
   <p:cSld>
     <p:spTree>
@@ -15298,7 +16850,7 @@
 </p:sld>
 </file>
 
-<file path=ppt/slides/slide14.xml><?xml version="1.0" encoding="utf-8"?>
+<file path=ppt/slides/slide16.xml><?xml version="1.0" encoding="utf-8"?>
 <p:sld xmlns:a="http://schemas.openxmlformats.org/drawingml/2006/main" xmlns:r="http://schemas.openxmlformats.org/officeDocument/2006/relationships" xmlns:p="http://schemas.openxmlformats.org/presentationml/2006/main">
   <p:cSld>
     <p:spTree>
@@ -20112,258 +21664,6 @@
       </p:grpSpPr>
       <p:sp>
         <p:nvSpPr>
-          <p:cNvPr id="4" name="TextBox 3">
-            <a:extLst>
-              <a:ext uri="{FF2B5EF4-FFF2-40B4-BE49-F238E27FC236}">
-                <a16:creationId xmlns:a16="http://schemas.microsoft.com/office/drawing/2014/main" id="{DA343987-45A6-F74B-913E-9D01009C33B5}"/>
-              </a:ext>
-            </a:extLst>
-          </p:cNvPr>
-          <p:cNvSpPr txBox="1"/>
-          <p:nvPr/>
-        </p:nvSpPr>
-        <p:spPr>
-          <a:xfrm>
-            <a:off x="1399105" y="2969181"/>
-            <a:ext cx="10616048" cy="8710077"/>
-          </a:xfrm>
-          <a:prstGeom prst="rect">
-            <a:avLst/>
-          </a:prstGeom>
-          <a:noFill/>
-        </p:spPr>
-        <p:txBody>
-          <a:bodyPr wrap="none" rtlCol="0">
-            <a:spAutoFit/>
-          </a:bodyPr>
-          <a:lstStyle/>
-          <a:p>
-            <a:pPr>
-              <a:lnSpc>
-                <a:spcPct val="200000"/>
-              </a:lnSpc>
-            </a:pPr>
-            <a:r>
-              <a:rPr lang="en-GB" sz="4000" b="1" dirty="0">
-                <a:solidFill>
-                  <a:srgbClr val="00D4B9"/>
-                </a:solidFill>
-                <a:latin typeface="Avenir Next" panose="020B0503020202020204" pitchFamily="34" charset="0"/>
-              </a:rPr>
-              <a:t>Current</a:t>
-            </a:r>
-          </a:p>
-          <a:p>
-            <a:pPr marL="571500" indent="-571500">
-              <a:lnSpc>
-                <a:spcPct val="200000"/>
-              </a:lnSpc>
-              <a:buFont typeface="Wingdings" pitchFamily="2" charset="2"/>
-              <a:buChar char="§"/>
-            </a:pPr>
-            <a:r>
-              <a:rPr lang="en-GB" sz="4000" dirty="0">
-                <a:latin typeface="Avenir Next" panose="020B0503020202020204" pitchFamily="34" charset="0"/>
-              </a:rPr>
-              <a:t>Instant Finality</a:t>
-            </a:r>
-          </a:p>
-          <a:p>
-            <a:pPr marL="571500" indent="-571500">
-              <a:lnSpc>
-                <a:spcPct val="200000"/>
-              </a:lnSpc>
-              <a:buFont typeface="Wingdings" pitchFamily="2" charset="2"/>
-              <a:buChar char="§"/>
-            </a:pPr>
-            <a:r>
-              <a:rPr lang="en-GB" sz="4000" dirty="0">
-                <a:latin typeface="Avenir Next" panose="020B0503020202020204" pitchFamily="34" charset="0"/>
-              </a:rPr>
-              <a:t>Efficient light-client proofs</a:t>
-            </a:r>
-          </a:p>
-          <a:p>
-            <a:pPr marL="571500" indent="-571500">
-              <a:lnSpc>
-                <a:spcPct val="200000"/>
-              </a:lnSpc>
-              <a:buFont typeface="Wingdings" pitchFamily="2" charset="2"/>
-              <a:buChar char="§"/>
-            </a:pPr>
-            <a:r>
-              <a:rPr lang="en-GB" sz="4000" dirty="0">
-                <a:latin typeface="Avenir Next" panose="020B0503020202020204" pitchFamily="34" charset="0"/>
-              </a:rPr>
-              <a:t>Safety in asynchronous networks</a:t>
-            </a:r>
-          </a:p>
-          <a:p>
-            <a:pPr marL="571500" indent="-571500">
-              <a:lnSpc>
-                <a:spcPct val="200000"/>
-              </a:lnSpc>
-              <a:buFont typeface="Wingdings" pitchFamily="2" charset="2"/>
-              <a:buChar char="§"/>
-            </a:pPr>
-            <a:r>
-              <a:rPr lang="en-GB" sz="4000" dirty="0">
-                <a:latin typeface="Avenir Next" panose="020B0503020202020204" pitchFamily="34" charset="0"/>
-              </a:rPr>
-              <a:t>Liveness in partially synchronous networks</a:t>
-            </a:r>
-          </a:p>
-          <a:p>
-            <a:pPr marL="571500" indent="-571500">
-              <a:lnSpc>
-                <a:spcPct val="200000"/>
-              </a:lnSpc>
-              <a:buFont typeface="Wingdings" pitchFamily="2" charset="2"/>
-              <a:buChar char="§"/>
-            </a:pPr>
-            <a:r>
-              <a:rPr lang="en-GB" sz="4000" dirty="0">
-                <a:latin typeface="Avenir Next" panose="020B0503020202020204" pitchFamily="34" charset="0"/>
-              </a:rPr>
-              <a:t>4,000 </a:t>
-            </a:r>
-            <a:r>
-              <a:rPr lang="en-GB" sz="4000" dirty="0" err="1">
-                <a:latin typeface="Avenir Next" panose="020B0503020202020204" pitchFamily="34" charset="0"/>
-              </a:rPr>
-              <a:t>tps</a:t>
-            </a:r>
-            <a:r>
-              <a:rPr lang="en-GB" sz="4000" dirty="0">
-                <a:latin typeface="Avenir Next" panose="020B0503020202020204" pitchFamily="34" charset="0"/>
-              </a:rPr>
-              <a:t> on 64 validators</a:t>
-            </a:r>
-          </a:p>
-          <a:p>
-            <a:pPr marL="571500" indent="-571500">
-              <a:lnSpc>
-                <a:spcPct val="200000"/>
-              </a:lnSpc>
-              <a:buFont typeface="Wingdings" pitchFamily="2" charset="2"/>
-              <a:buChar char="§"/>
-            </a:pPr>
-            <a:r>
-              <a:rPr lang="en-GB" sz="4000" dirty="0">
-                <a:latin typeface="Avenir Next" panose="020B0503020202020204" pitchFamily="34" charset="0"/>
-              </a:rPr>
-              <a:t>High network overhead - O(N^2)</a:t>
-            </a:r>
-          </a:p>
-        </p:txBody>
-      </p:sp>
-      <p:sp>
-        <p:nvSpPr>
-          <p:cNvPr id="5" name="TextBox 4">
-            <a:extLst>
-              <a:ext uri="{FF2B5EF4-FFF2-40B4-BE49-F238E27FC236}">
-                <a16:creationId xmlns:a16="http://schemas.microsoft.com/office/drawing/2014/main" id="{29A46E92-D1C0-F843-B271-BE80061ED586}"/>
-              </a:ext>
-            </a:extLst>
-          </p:cNvPr>
-          <p:cNvSpPr txBox="1"/>
-          <p:nvPr/>
-        </p:nvSpPr>
-        <p:spPr>
-          <a:xfrm>
-            <a:off x="13572480" y="2969181"/>
-            <a:ext cx="10080000" cy="6093976"/>
-          </a:xfrm>
-          <a:prstGeom prst="rect">
-            <a:avLst/>
-          </a:prstGeom>
-          <a:noFill/>
-        </p:spPr>
-        <p:txBody>
-          <a:bodyPr wrap="square" rtlCol="0">
-            <a:spAutoFit/>
-          </a:bodyPr>
-          <a:lstStyle/>
-          <a:p>
-            <a:pPr>
-              <a:lnSpc>
-                <a:spcPct val="200000"/>
-              </a:lnSpc>
-            </a:pPr>
-            <a:r>
-              <a:rPr lang="en-GB" sz="4000" b="1" dirty="0">
-                <a:solidFill>
-                  <a:srgbClr val="00D4B9"/>
-                </a:solidFill>
-                <a:latin typeface="Avenir Next" panose="020B0503020202020204" pitchFamily="34" charset="0"/>
-              </a:rPr>
-              <a:t>Future Improvements</a:t>
-            </a:r>
-          </a:p>
-          <a:p>
-            <a:pPr marL="571500" indent="-571500">
-              <a:lnSpc>
-                <a:spcPct val="200000"/>
-              </a:lnSpc>
-              <a:buFont typeface="Wingdings" pitchFamily="2" charset="2"/>
-              <a:buChar char="§"/>
-            </a:pPr>
-            <a:r>
-              <a:rPr lang="en-GB" sz="4000" dirty="0">
-                <a:latin typeface="Avenir Next" panose="020B0503020202020204" pitchFamily="34" charset="0"/>
-              </a:rPr>
-              <a:t>BLS signatures</a:t>
-            </a:r>
-          </a:p>
-          <a:p>
-            <a:pPr marL="571500" indent="-571500">
-              <a:lnSpc>
-                <a:spcPct val="200000"/>
-              </a:lnSpc>
-              <a:buFont typeface="Wingdings" pitchFamily="2" charset="2"/>
-              <a:buChar char="§"/>
-            </a:pPr>
-            <a:r>
-              <a:rPr lang="en-GB" sz="4000" dirty="0">
-                <a:latin typeface="Avenir Next" panose="020B0503020202020204" pitchFamily="34" charset="0"/>
-              </a:rPr>
-              <a:t>Optimistic pipelining</a:t>
-            </a:r>
-          </a:p>
-          <a:p>
-            <a:pPr marL="571500" indent="-571500">
-              <a:lnSpc>
-                <a:spcPct val="200000"/>
-              </a:lnSpc>
-              <a:buFont typeface="Wingdings" pitchFamily="2" charset="2"/>
-              <a:buChar char="§"/>
-            </a:pPr>
-            <a:r>
-              <a:rPr lang="en-GB" sz="4000" dirty="0">
-                <a:latin typeface="Avenir Next" panose="020B0503020202020204" pitchFamily="34" charset="0"/>
-              </a:rPr>
-              <a:t>DKG construction</a:t>
-            </a:r>
-          </a:p>
-          <a:p>
-            <a:pPr marL="571500" indent="-571500">
-              <a:lnSpc>
-                <a:spcPct val="200000"/>
-              </a:lnSpc>
-              <a:buFont typeface="Wingdings" pitchFamily="2" charset="2"/>
-              <a:buChar char="§"/>
-            </a:pPr>
-            <a:r>
-              <a:rPr lang="en-GB" sz="4000" dirty="0">
-                <a:latin typeface="Avenir Next" panose="020B0503020202020204" pitchFamily="34" charset="0"/>
-              </a:rPr>
-              <a:t>Liveness through synchrony assumption</a:t>
-            </a:r>
-          </a:p>
-        </p:txBody>
-      </p:sp>
-      <p:sp>
-        <p:nvSpPr>
           <p:cNvPr id="8" name="Title 1">
             <a:extLst>
               <a:ext uri="{FF2B5EF4-FFF2-40B4-BE49-F238E27FC236}">
@@ -20407,10 +21707,45 @@
           </a:p>
         </p:txBody>
       </p:sp>
+      <p:pic>
+        <p:nvPicPr>
+          <p:cNvPr id="6" name="Picture 2" descr="Picture 2">
+            <a:extLst>
+              <a:ext uri="{FF2B5EF4-FFF2-40B4-BE49-F238E27FC236}">
+                <a16:creationId xmlns:a16="http://schemas.microsoft.com/office/drawing/2014/main" id="{28F7C231-039D-8540-A02E-5F59E7180BA8}"/>
+              </a:ext>
+            </a:extLst>
+          </p:cNvPr>
+          <p:cNvPicPr>
+            <a:picLocks noChangeAspect="1"/>
+          </p:cNvPicPr>
+          <p:nvPr/>
+        </p:nvPicPr>
+        <p:blipFill>
+          <a:blip r:embed="rId3">
+            <a:extLst/>
+          </a:blip>
+          <a:stretch>
+            <a:fillRect/>
+          </a:stretch>
+        </p:blipFill>
+        <p:spPr>
+          <a:xfrm>
+            <a:off x="3576914" y="2920132"/>
+            <a:ext cx="16955803" cy="10427818"/>
+          </a:xfrm>
+          <a:prstGeom prst="rect">
+            <a:avLst/>
+          </a:prstGeom>
+          <a:ln w="12700">
+            <a:miter lim="400000"/>
+          </a:ln>
+        </p:spPr>
+      </p:pic>
     </p:spTree>
     <p:extLst>
       <p:ext uri="{BB962C8B-B14F-4D97-AF65-F5344CB8AC3E}">
-        <p14:creationId xmlns:p14="http://schemas.microsoft.com/office/powerpoint/2010/main" val="4009093969"/>
+        <p14:creationId xmlns:p14="http://schemas.microsoft.com/office/powerpoint/2010/main" val="942968974"/>
       </p:ext>
     </p:extLst>
   </p:cSld>
@@ -20439,10 +21774,10 @@
       </p:grpSpPr>
       <p:sp>
         <p:nvSpPr>
-          <p:cNvPr id="2" name="Title 1">
+          <p:cNvPr id="8" name="Title 1">
             <a:extLst>
               <a:ext uri="{FF2B5EF4-FFF2-40B4-BE49-F238E27FC236}">
-                <a16:creationId xmlns:a16="http://schemas.microsoft.com/office/drawing/2014/main" id="{BB5DB68C-3F5D-284C-AC2B-8E0C1980DD86}"/>
+                <a16:creationId xmlns:a16="http://schemas.microsoft.com/office/drawing/2014/main" id="{E3639C17-E47E-E243-BD66-4B3D29B18E42}"/>
               </a:ext>
             </a:extLst>
           </p:cNvPr>
@@ -20455,8 +21790,8 @@
         </p:nvSpPr>
         <p:spPr>
           <a:xfrm>
-            <a:off x="846846" y="872628"/>
-            <a:ext cx="6366565" cy="969151"/>
+            <a:off x="813213" y="872628"/>
+            <a:ext cx="5527402" cy="969151"/>
           </a:xfrm>
         </p:spPr>
         <p:txBody>
@@ -20467,11 +21802,11 @@
             <a:r>
               <a:rPr lang="en-GB" b="1" dirty="0">
                 <a:solidFill>
-                  <a:schemeClr val="accent4"/>
+                  <a:schemeClr val="accent2"/>
                 </a:solidFill>
                 <a:latin typeface="Avenir Next" panose="020B0503020202020204" pitchFamily="34" charset="0"/>
               </a:rPr>
-              <a:t>STATE MACHINE</a:t>
+              <a:t>CONSENSUS</a:t>
             </a:r>
             <a:r>
               <a:rPr lang="en-GB" b="1" dirty="0">
@@ -20482,478 +21817,80 @@
           </a:p>
         </p:txBody>
       </p:sp>
-      <p:sp>
-        <p:nvSpPr>
-          <p:cNvPr id="6" name="Text Placeholder 8">
+      <p:pic>
+        <p:nvPicPr>
+          <p:cNvPr id="4" name="Picture 2" descr="Picture 2">
             <a:extLst>
               <a:ext uri="{FF2B5EF4-FFF2-40B4-BE49-F238E27FC236}">
-                <a16:creationId xmlns:a16="http://schemas.microsoft.com/office/drawing/2014/main" id="{ABADFE56-E46C-A644-BA33-A22234BFD7DA}"/>
+                <a16:creationId xmlns:a16="http://schemas.microsoft.com/office/drawing/2014/main" id="{2217214A-5B93-1945-9FC3-4D24BBBB760C}"/>
               </a:ext>
             </a:extLst>
           </p:cNvPr>
-          <p:cNvSpPr txBox="1">
-            <a:spLocks/>
-          </p:cNvSpPr>
+          <p:cNvPicPr>
+            <a:picLocks noChangeAspect="1"/>
+          </p:cNvPicPr>
           <p:nvPr/>
-        </p:nvSpPr>
+        </p:nvPicPr>
+        <p:blipFill>
+          <a:blip r:embed="rId3">
+            <a:extLst/>
+          </a:blip>
+          <a:stretch>
+            <a:fillRect/>
+          </a:stretch>
+        </p:blipFill>
         <p:spPr>
           <a:xfrm>
-            <a:off x="5234156" y="5030894"/>
-            <a:ext cx="5400000" cy="5400000"/>
+            <a:off x="821699" y="3345307"/>
+            <a:ext cx="11037831" cy="8278374"/>
           </a:xfrm>
-          <a:prstGeom prst="roundRect">
-            <a:avLst>
-              <a:gd name="adj" fmla="val 7255"/>
-            </a:avLst>
+          <a:prstGeom prst="rect">
+            <a:avLst/>
           </a:prstGeom>
-          <a:solidFill>
-            <a:schemeClr val="bg2">
-              <a:alpha val="40000"/>
-            </a:schemeClr>
-          </a:solidFill>
-          <a:ln w="25400">
-            <a:solidFill>
-              <a:schemeClr val="tx1">
-                <a:alpha val="2000"/>
-              </a:schemeClr>
-            </a:solidFill>
-            <a:round/>
+          <a:ln w="12700">
+            <a:miter lim="400000"/>
           </a:ln>
         </p:spPr>
-        <p:style>
-          <a:lnRef idx="2">
-            <a:schemeClr val="dk1"/>
-          </a:lnRef>
-          <a:fillRef idx="1">
-            <a:schemeClr val="lt1"/>
-          </a:fillRef>
-          <a:effectRef idx="0">
-            <a:schemeClr val="dk1"/>
-          </a:effectRef>
-          <a:fontRef idx="minor">
-            <a:schemeClr val="dk1"/>
-          </a:fontRef>
-        </p:style>
-        <p:txBody>
-          <a:bodyPr anchor="ctr"/>
-          <a:lstStyle>
-            <a:lvl1pPr marL="457200" indent="-457200" algn="l" defTabSz="1828800" rtl="0" eaLnBrk="1" latinLnBrk="0" hangingPunct="1">
-              <a:lnSpc>
-                <a:spcPct val="90000"/>
-              </a:lnSpc>
-              <a:spcBef>
-                <a:spcPts val="2000"/>
-              </a:spcBef>
-              <a:buFont typeface="Arial" panose="020B0604020202020204" pitchFamily="34" charset="0"/>
-              <a:buChar char="•"/>
-              <a:defRPr sz="5600" kern="1200">
-                <a:solidFill>
-                  <a:schemeClr val="tx1"/>
-                </a:solidFill>
-                <a:latin typeface="+mn-lt"/>
-                <a:ea typeface="+mn-ea"/>
-                <a:cs typeface="+mn-cs"/>
-              </a:defRPr>
-            </a:lvl1pPr>
-            <a:lvl2pPr marL="1371600" indent="-457200" algn="l" defTabSz="1828800" rtl="0" eaLnBrk="1" latinLnBrk="0" hangingPunct="1">
-              <a:lnSpc>
-                <a:spcPct val="90000"/>
-              </a:lnSpc>
-              <a:spcBef>
-                <a:spcPts val="1000"/>
-              </a:spcBef>
-              <a:buFont typeface="Arial" panose="020B0604020202020204" pitchFamily="34" charset="0"/>
-              <a:buChar char="•"/>
-              <a:defRPr sz="4800" kern="1200">
-                <a:solidFill>
-                  <a:schemeClr val="tx1"/>
-                </a:solidFill>
-                <a:latin typeface="+mn-lt"/>
-                <a:ea typeface="+mn-ea"/>
-                <a:cs typeface="+mn-cs"/>
-              </a:defRPr>
-            </a:lvl2pPr>
-            <a:lvl3pPr marL="2286000" indent="-457200" algn="l" defTabSz="1828800" rtl="0" eaLnBrk="1" latinLnBrk="0" hangingPunct="1">
-              <a:lnSpc>
-                <a:spcPct val="90000"/>
-              </a:lnSpc>
-              <a:spcBef>
-                <a:spcPts val="1000"/>
-              </a:spcBef>
-              <a:buFont typeface="Arial" panose="020B0604020202020204" pitchFamily="34" charset="0"/>
-              <a:buChar char="•"/>
-              <a:defRPr sz="4000" kern="1200">
-                <a:solidFill>
-                  <a:schemeClr val="tx1"/>
-                </a:solidFill>
-                <a:latin typeface="+mn-lt"/>
-                <a:ea typeface="+mn-ea"/>
-                <a:cs typeface="+mn-cs"/>
-              </a:defRPr>
-            </a:lvl3pPr>
-            <a:lvl4pPr marL="3200400" indent="-457200" algn="l" defTabSz="1828800" rtl="0" eaLnBrk="1" latinLnBrk="0" hangingPunct="1">
-              <a:lnSpc>
-                <a:spcPct val="90000"/>
-              </a:lnSpc>
-              <a:spcBef>
-                <a:spcPts val="1000"/>
-              </a:spcBef>
-              <a:buFont typeface="Arial" panose="020B0604020202020204" pitchFamily="34" charset="0"/>
-              <a:buChar char="•"/>
-              <a:defRPr sz="3600" kern="1200">
-                <a:solidFill>
-                  <a:schemeClr val="tx1"/>
-                </a:solidFill>
-                <a:latin typeface="+mn-lt"/>
-                <a:ea typeface="+mn-ea"/>
-                <a:cs typeface="+mn-cs"/>
-              </a:defRPr>
-            </a:lvl4pPr>
-            <a:lvl5pPr marL="4114800" indent="-457200" algn="l" defTabSz="1828800" rtl="0" eaLnBrk="1" latinLnBrk="0" hangingPunct="1">
-              <a:lnSpc>
-                <a:spcPct val="90000"/>
-              </a:lnSpc>
-              <a:spcBef>
-                <a:spcPts val="1000"/>
-              </a:spcBef>
-              <a:buFont typeface="Arial" panose="020B0604020202020204" pitchFamily="34" charset="0"/>
-              <a:buChar char="•"/>
-              <a:defRPr sz="3600" kern="1200">
-                <a:solidFill>
-                  <a:schemeClr val="tx1"/>
-                </a:solidFill>
-                <a:latin typeface="+mn-lt"/>
-                <a:ea typeface="+mn-ea"/>
-                <a:cs typeface="+mn-cs"/>
-              </a:defRPr>
-            </a:lvl5pPr>
-            <a:lvl6pPr marL="5029200" indent="-457200" algn="l" defTabSz="1828800" rtl="0" eaLnBrk="1" latinLnBrk="0" hangingPunct="1">
-              <a:lnSpc>
-                <a:spcPct val="90000"/>
-              </a:lnSpc>
-              <a:spcBef>
-                <a:spcPts val="1000"/>
-              </a:spcBef>
-              <a:buFont typeface="Arial" panose="020B0604020202020204" pitchFamily="34" charset="0"/>
-              <a:buChar char="•"/>
-              <a:defRPr sz="3600" kern="1200">
-                <a:solidFill>
-                  <a:schemeClr val="tx1"/>
-                </a:solidFill>
-                <a:latin typeface="+mn-lt"/>
-                <a:ea typeface="+mn-ea"/>
-                <a:cs typeface="+mn-cs"/>
-              </a:defRPr>
-            </a:lvl6pPr>
-            <a:lvl7pPr marL="5943600" indent="-457200" algn="l" defTabSz="1828800" rtl="0" eaLnBrk="1" latinLnBrk="0" hangingPunct="1">
-              <a:lnSpc>
-                <a:spcPct val="90000"/>
-              </a:lnSpc>
-              <a:spcBef>
-                <a:spcPts val="1000"/>
-              </a:spcBef>
-              <a:buFont typeface="Arial" panose="020B0604020202020204" pitchFamily="34" charset="0"/>
-              <a:buChar char="•"/>
-              <a:defRPr sz="3600" kern="1200">
-                <a:solidFill>
-                  <a:schemeClr val="tx1"/>
-                </a:solidFill>
-                <a:latin typeface="+mn-lt"/>
-                <a:ea typeface="+mn-ea"/>
-                <a:cs typeface="+mn-cs"/>
-              </a:defRPr>
-            </a:lvl7pPr>
-            <a:lvl8pPr marL="6858000" indent="-457200" algn="l" defTabSz="1828800" rtl="0" eaLnBrk="1" latinLnBrk="0" hangingPunct="1">
-              <a:lnSpc>
-                <a:spcPct val="90000"/>
-              </a:lnSpc>
-              <a:spcBef>
-                <a:spcPts val="1000"/>
-              </a:spcBef>
-              <a:buFont typeface="Arial" panose="020B0604020202020204" pitchFamily="34" charset="0"/>
-              <a:buChar char="•"/>
-              <a:defRPr sz="3600" kern="1200">
-                <a:solidFill>
-                  <a:schemeClr val="tx1"/>
-                </a:solidFill>
-                <a:latin typeface="+mn-lt"/>
-                <a:ea typeface="+mn-ea"/>
-                <a:cs typeface="+mn-cs"/>
-              </a:defRPr>
-            </a:lvl8pPr>
-            <a:lvl9pPr marL="7772400" indent="-457200" algn="l" defTabSz="1828800" rtl="0" eaLnBrk="1" latinLnBrk="0" hangingPunct="1">
-              <a:lnSpc>
-                <a:spcPct val="90000"/>
-              </a:lnSpc>
-              <a:spcBef>
-                <a:spcPts val="1000"/>
-              </a:spcBef>
-              <a:buFont typeface="Arial" panose="020B0604020202020204" pitchFamily="34" charset="0"/>
-              <a:buChar char="•"/>
-              <a:defRPr sz="3600" kern="1200">
-                <a:solidFill>
-                  <a:schemeClr val="tx1"/>
-                </a:solidFill>
-                <a:latin typeface="+mn-lt"/>
-                <a:ea typeface="+mn-ea"/>
-                <a:cs typeface="+mn-cs"/>
-              </a:defRPr>
-            </a:lvl9pPr>
-          </a:lstStyle>
-          <a:p>
-            <a:pPr marL="0" indent="0" algn="ctr">
-              <a:buNone/>
-            </a:pPr>
-            <a:r>
-              <a:rPr lang="en-US" sz="3600" b="1" dirty="0">
-                <a:solidFill>
-                  <a:schemeClr val="accent1"/>
-                </a:solidFill>
-                <a:latin typeface="Avenir Next" panose="020B0503020202020204" pitchFamily="34" charset="0"/>
-              </a:rPr>
-              <a:t>ETHERMINT</a:t>
-            </a:r>
-          </a:p>
-        </p:txBody>
-      </p:sp>
-      <p:sp>
-        <p:nvSpPr>
-          <p:cNvPr id="7" name="Text Placeholder 8">
+      </p:pic>
+      <p:pic>
+        <p:nvPicPr>
+          <p:cNvPr id="5" name="Picture 6" descr="Picture 6">
             <a:extLst>
               <a:ext uri="{FF2B5EF4-FFF2-40B4-BE49-F238E27FC236}">
-                <a16:creationId xmlns:a16="http://schemas.microsoft.com/office/drawing/2014/main" id="{4C9D709C-9D01-0B44-9F2A-5189EE9E3516}"/>
+                <a16:creationId xmlns:a16="http://schemas.microsoft.com/office/drawing/2014/main" id="{1A9E842C-41F7-304E-B56C-F93B10CA9D56}"/>
               </a:ext>
             </a:extLst>
           </p:cNvPr>
-          <p:cNvSpPr txBox="1">
-            <a:spLocks/>
-          </p:cNvSpPr>
+          <p:cNvPicPr>
+            <a:picLocks noChangeAspect="1"/>
+          </p:cNvPicPr>
           <p:nvPr/>
-        </p:nvSpPr>
+        </p:nvPicPr>
+        <p:blipFill>
+          <a:blip r:embed="rId4">
+            <a:extLst/>
+          </a:blip>
+          <a:stretch>
+            <a:fillRect/>
+          </a:stretch>
+        </p:blipFill>
         <p:spPr>
           <a:xfrm>
-            <a:off x="13489224" y="5030894"/>
-            <a:ext cx="5400000" cy="5400000"/>
+            <a:off x="12489434" y="3345307"/>
+            <a:ext cx="11037831" cy="8278374"/>
           </a:xfrm>
-          <a:prstGeom prst="roundRect">
-            <a:avLst>
-              <a:gd name="adj" fmla="val 7255"/>
-            </a:avLst>
+          <a:prstGeom prst="rect">
+            <a:avLst/>
           </a:prstGeom>
-          <a:solidFill>
-            <a:schemeClr val="bg2">
-              <a:alpha val="40000"/>
-            </a:schemeClr>
-          </a:solidFill>
-          <a:ln w="25400">
-            <a:solidFill>
-              <a:schemeClr val="tx1">
-                <a:alpha val="2000"/>
-              </a:schemeClr>
-            </a:solidFill>
-            <a:round/>
+          <a:ln w="12700">
+            <a:miter lim="400000"/>
           </a:ln>
         </p:spPr>
-        <p:style>
-          <a:lnRef idx="2">
-            <a:schemeClr val="dk1"/>
-          </a:lnRef>
-          <a:fillRef idx="1">
-            <a:schemeClr val="lt1"/>
-          </a:fillRef>
-          <a:effectRef idx="0">
-            <a:schemeClr val="dk1"/>
-          </a:effectRef>
-          <a:fontRef idx="minor">
-            <a:schemeClr val="dk1"/>
-          </a:fontRef>
-        </p:style>
-        <p:txBody>
-          <a:bodyPr anchor="ctr"/>
-          <a:lstStyle>
-            <a:lvl1pPr marL="457200" indent="-457200" algn="l" defTabSz="1828800" rtl="0" eaLnBrk="1" latinLnBrk="0" hangingPunct="1">
-              <a:lnSpc>
-                <a:spcPct val="90000"/>
-              </a:lnSpc>
-              <a:spcBef>
-                <a:spcPts val="2000"/>
-              </a:spcBef>
-              <a:buFont typeface="Arial" panose="020B0604020202020204" pitchFamily="34" charset="0"/>
-              <a:buChar char="•"/>
-              <a:defRPr sz="5600" kern="1200">
-                <a:solidFill>
-                  <a:schemeClr val="tx1"/>
-                </a:solidFill>
-                <a:latin typeface="+mn-lt"/>
-                <a:ea typeface="+mn-ea"/>
-                <a:cs typeface="+mn-cs"/>
-              </a:defRPr>
-            </a:lvl1pPr>
-            <a:lvl2pPr marL="1371600" indent="-457200" algn="l" defTabSz="1828800" rtl="0" eaLnBrk="1" latinLnBrk="0" hangingPunct="1">
-              <a:lnSpc>
-                <a:spcPct val="90000"/>
-              </a:lnSpc>
-              <a:spcBef>
-                <a:spcPts val="1000"/>
-              </a:spcBef>
-              <a:buFont typeface="Arial" panose="020B0604020202020204" pitchFamily="34" charset="0"/>
-              <a:buChar char="•"/>
-              <a:defRPr sz="4800" kern="1200">
-                <a:solidFill>
-                  <a:schemeClr val="tx1"/>
-                </a:solidFill>
-                <a:latin typeface="+mn-lt"/>
-                <a:ea typeface="+mn-ea"/>
-                <a:cs typeface="+mn-cs"/>
-              </a:defRPr>
-            </a:lvl2pPr>
-            <a:lvl3pPr marL="2286000" indent="-457200" algn="l" defTabSz="1828800" rtl="0" eaLnBrk="1" latinLnBrk="0" hangingPunct="1">
-              <a:lnSpc>
-                <a:spcPct val="90000"/>
-              </a:lnSpc>
-              <a:spcBef>
-                <a:spcPts val="1000"/>
-              </a:spcBef>
-              <a:buFont typeface="Arial" panose="020B0604020202020204" pitchFamily="34" charset="0"/>
-              <a:buChar char="•"/>
-              <a:defRPr sz="4000" kern="1200">
-                <a:solidFill>
-                  <a:schemeClr val="tx1"/>
-                </a:solidFill>
-                <a:latin typeface="+mn-lt"/>
-                <a:ea typeface="+mn-ea"/>
-                <a:cs typeface="+mn-cs"/>
-              </a:defRPr>
-            </a:lvl3pPr>
-            <a:lvl4pPr marL="3200400" indent="-457200" algn="l" defTabSz="1828800" rtl="0" eaLnBrk="1" latinLnBrk="0" hangingPunct="1">
-              <a:lnSpc>
-                <a:spcPct val="90000"/>
-              </a:lnSpc>
-              <a:spcBef>
-                <a:spcPts val="1000"/>
-              </a:spcBef>
-              <a:buFont typeface="Arial" panose="020B0604020202020204" pitchFamily="34" charset="0"/>
-              <a:buChar char="•"/>
-              <a:defRPr sz="3600" kern="1200">
-                <a:solidFill>
-                  <a:schemeClr val="tx1"/>
-                </a:solidFill>
-                <a:latin typeface="+mn-lt"/>
-                <a:ea typeface="+mn-ea"/>
-                <a:cs typeface="+mn-cs"/>
-              </a:defRPr>
-            </a:lvl4pPr>
-            <a:lvl5pPr marL="4114800" indent="-457200" algn="l" defTabSz="1828800" rtl="0" eaLnBrk="1" latinLnBrk="0" hangingPunct="1">
-              <a:lnSpc>
-                <a:spcPct val="90000"/>
-              </a:lnSpc>
-              <a:spcBef>
-                <a:spcPts val="1000"/>
-              </a:spcBef>
-              <a:buFont typeface="Arial" panose="020B0604020202020204" pitchFamily="34" charset="0"/>
-              <a:buChar char="•"/>
-              <a:defRPr sz="3600" kern="1200">
-                <a:solidFill>
-                  <a:schemeClr val="tx1"/>
-                </a:solidFill>
-                <a:latin typeface="+mn-lt"/>
-                <a:ea typeface="+mn-ea"/>
-                <a:cs typeface="+mn-cs"/>
-              </a:defRPr>
-            </a:lvl5pPr>
-            <a:lvl6pPr marL="5029200" indent="-457200" algn="l" defTabSz="1828800" rtl="0" eaLnBrk="1" latinLnBrk="0" hangingPunct="1">
-              <a:lnSpc>
-                <a:spcPct val="90000"/>
-              </a:lnSpc>
-              <a:spcBef>
-                <a:spcPts val="1000"/>
-              </a:spcBef>
-              <a:buFont typeface="Arial" panose="020B0604020202020204" pitchFamily="34" charset="0"/>
-              <a:buChar char="•"/>
-              <a:defRPr sz="3600" kern="1200">
-                <a:solidFill>
-                  <a:schemeClr val="tx1"/>
-                </a:solidFill>
-                <a:latin typeface="+mn-lt"/>
-                <a:ea typeface="+mn-ea"/>
-                <a:cs typeface="+mn-cs"/>
-              </a:defRPr>
-            </a:lvl6pPr>
-            <a:lvl7pPr marL="5943600" indent="-457200" algn="l" defTabSz="1828800" rtl="0" eaLnBrk="1" latinLnBrk="0" hangingPunct="1">
-              <a:lnSpc>
-                <a:spcPct val="90000"/>
-              </a:lnSpc>
-              <a:spcBef>
-                <a:spcPts val="1000"/>
-              </a:spcBef>
-              <a:buFont typeface="Arial" panose="020B0604020202020204" pitchFamily="34" charset="0"/>
-              <a:buChar char="•"/>
-              <a:defRPr sz="3600" kern="1200">
-                <a:solidFill>
-                  <a:schemeClr val="tx1"/>
-                </a:solidFill>
-                <a:latin typeface="+mn-lt"/>
-                <a:ea typeface="+mn-ea"/>
-                <a:cs typeface="+mn-cs"/>
-              </a:defRPr>
-            </a:lvl7pPr>
-            <a:lvl8pPr marL="6858000" indent="-457200" algn="l" defTabSz="1828800" rtl="0" eaLnBrk="1" latinLnBrk="0" hangingPunct="1">
-              <a:lnSpc>
-                <a:spcPct val="90000"/>
-              </a:lnSpc>
-              <a:spcBef>
-                <a:spcPts val="1000"/>
-              </a:spcBef>
-              <a:buFont typeface="Arial" panose="020B0604020202020204" pitchFamily="34" charset="0"/>
-              <a:buChar char="•"/>
-              <a:defRPr sz="3600" kern="1200">
-                <a:solidFill>
-                  <a:schemeClr val="tx1"/>
-                </a:solidFill>
-                <a:latin typeface="+mn-lt"/>
-                <a:ea typeface="+mn-ea"/>
-                <a:cs typeface="+mn-cs"/>
-              </a:defRPr>
-            </a:lvl8pPr>
-            <a:lvl9pPr marL="7772400" indent="-457200" algn="l" defTabSz="1828800" rtl="0" eaLnBrk="1" latinLnBrk="0" hangingPunct="1">
-              <a:lnSpc>
-                <a:spcPct val="90000"/>
-              </a:lnSpc>
-              <a:spcBef>
-                <a:spcPts val="1000"/>
-              </a:spcBef>
-              <a:buFont typeface="Arial" panose="020B0604020202020204" pitchFamily="34" charset="0"/>
-              <a:buChar char="•"/>
-              <a:defRPr sz="3600" kern="1200">
-                <a:solidFill>
-                  <a:schemeClr val="tx1"/>
-                </a:solidFill>
-                <a:latin typeface="+mn-lt"/>
-                <a:ea typeface="+mn-ea"/>
-                <a:cs typeface="+mn-cs"/>
-              </a:defRPr>
-            </a:lvl9pPr>
-          </a:lstStyle>
-          <a:p>
-            <a:pPr marL="0" indent="0" algn="ctr">
-              <a:buNone/>
-            </a:pPr>
-            <a:r>
-              <a:rPr lang="en-US" sz="3600" b="1" dirty="0">
-                <a:solidFill>
-                  <a:schemeClr val="accent1"/>
-                </a:solidFill>
-                <a:latin typeface="Avenir Next" panose="020B0503020202020204" pitchFamily="34" charset="0"/>
-              </a:rPr>
-              <a:t>COSMOS-SDK</a:t>
-            </a:r>
-          </a:p>
-        </p:txBody>
-      </p:sp>
+      </p:pic>
     </p:spTree>
     <p:extLst>
       <p:ext uri="{BB962C8B-B14F-4D97-AF65-F5344CB8AC3E}">
-        <p14:creationId xmlns:p14="http://schemas.microsoft.com/office/powerpoint/2010/main" val="3688145258"/>
+        <p14:creationId xmlns:p14="http://schemas.microsoft.com/office/powerpoint/2010/main" val="2506049230"/>
       </p:ext>
     </p:extLst>
   </p:cSld>
@@ -20982,102 +21919,10 @@
       </p:grpSpPr>
       <p:sp>
         <p:nvSpPr>
-          <p:cNvPr id="2" name="Title 1">
+          <p:cNvPr id="4" name="TextBox 3">
             <a:extLst>
               <a:ext uri="{FF2B5EF4-FFF2-40B4-BE49-F238E27FC236}">
-                <a16:creationId xmlns:a16="http://schemas.microsoft.com/office/drawing/2014/main" id="{BB5DB68C-3F5D-284C-AC2B-8E0C1980DD86}"/>
-              </a:ext>
-            </a:extLst>
-          </p:cNvPr>
-          <p:cNvSpPr>
-            <a:spLocks noGrp="1"/>
-          </p:cNvSpPr>
-          <p:nvPr>
-            <p:ph type="title"/>
-          </p:nvPr>
-        </p:nvSpPr>
-        <p:spPr>
-          <a:xfrm>
-            <a:off x="839919" y="872628"/>
-            <a:ext cx="5533876" cy="969151"/>
-          </a:xfrm>
-        </p:spPr>
-        <p:txBody>
-          <a:bodyPr/>
-          <a:lstStyle/>
-          <a:p>
-            <a:pPr algn="ctr"/>
-            <a:r>
-              <a:rPr lang="en-GB" b="1" dirty="0">
-                <a:solidFill>
-                  <a:srgbClr val="00D4B9"/>
-                </a:solidFill>
-                <a:latin typeface="Avenir Next" panose="020B0503020202020204" pitchFamily="34" charset="0"/>
-              </a:rPr>
-              <a:t>INTERCHAIN</a:t>
-            </a:r>
-            <a:r>
-              <a:rPr lang="en-GB" b="1" dirty="0">
-                <a:latin typeface="Avenir Next" panose="020B0503020202020204" pitchFamily="34" charset="0"/>
-              </a:rPr>
-              <a:t> SCALING</a:t>
-            </a:r>
-          </a:p>
-        </p:txBody>
-      </p:sp>
-      <p:pic>
-        <p:nvPicPr>
-          <p:cNvPr id="1026" name="Picture 2" descr="https://lh5.googleusercontent.com/v6Oy1Pln1nP0zhf8bO1SQ3aOx_su67MpWIKEmWZcei2bcQ0OjE1bqvoCH_xggweHfMWYY_ETHDzkAZ2kDYPDnFqCooBFq0NThGzYGYfwUaIk2IPDL-SQ0M-euZEJvHLawrK3TFpLuXg">
-            <a:extLst>
-              <a:ext uri="{FF2B5EF4-FFF2-40B4-BE49-F238E27FC236}">
-                <a16:creationId xmlns:a16="http://schemas.microsoft.com/office/drawing/2014/main" id="{3D6EDA0D-3ECF-1A49-8174-F2EC08CBD300}"/>
-              </a:ext>
-            </a:extLst>
-          </p:cNvPr>
-          <p:cNvPicPr>
-            <a:picLocks noChangeAspect="1" noChangeArrowheads="1"/>
-          </p:cNvPicPr>
-          <p:nvPr/>
-        </p:nvPicPr>
-        <p:blipFill>
-          <a:blip r:embed="rId3">
-            <a:extLst>
-              <a:ext uri="{28A0092B-C50C-407E-A947-70E740481C1C}">
-                <a14:useLocalDpi xmlns:a14="http://schemas.microsoft.com/office/drawing/2010/main" val="0"/>
-              </a:ext>
-            </a:extLst>
-          </a:blip>
-          <a:srcRect/>
-          <a:stretch>
-            <a:fillRect/>
-          </a:stretch>
-        </p:blipFill>
-        <p:spPr bwMode="auto">
-          <a:xfrm>
-            <a:off x="8076408" y="6750050"/>
-            <a:ext cx="8304210" cy="6217778"/>
-          </a:xfrm>
-          <a:prstGeom prst="roundRect">
-            <a:avLst/>
-          </a:prstGeom>
-          <a:noFill/>
-          <a:extLst>
-            <a:ext uri="{909E8E84-426E-40DD-AFC4-6F175D3DCCD1}">
-              <a14:hiddenFill xmlns:a14="http://schemas.microsoft.com/office/drawing/2010/main">
-                <a:solidFill>
-                  <a:srgbClr val="FFFFFF"/>
-                </a:solidFill>
-              </a14:hiddenFill>
-            </a:ext>
-          </a:extLst>
-        </p:spPr>
-      </p:pic>
-      <p:sp>
-        <p:nvSpPr>
-          <p:cNvPr id="6" name="TextBox 5">
-            <a:extLst>
-              <a:ext uri="{FF2B5EF4-FFF2-40B4-BE49-F238E27FC236}">
-                <a16:creationId xmlns:a16="http://schemas.microsoft.com/office/drawing/2014/main" id="{1F74A7EF-69E2-CF41-9EAD-F0FD726FECF0}"/>
+                <a16:creationId xmlns:a16="http://schemas.microsoft.com/office/drawing/2014/main" id="{DA343987-45A6-F74B-913E-9D01009C33B5}"/>
               </a:ext>
             </a:extLst>
           </p:cNvPr>
@@ -21086,8 +21931,8 @@
         </p:nvSpPr>
         <p:spPr>
           <a:xfrm>
-            <a:off x="1584960" y="2964398"/>
-            <a:ext cx="7200000" cy="3785652"/>
+            <a:off x="1399105" y="2969181"/>
+            <a:ext cx="10616048" cy="8710077"/>
           </a:xfrm>
           <a:prstGeom prst="rect">
             <a:avLst/>
@@ -21095,25 +21940,31 @@
           <a:noFill/>
         </p:spPr>
         <p:txBody>
-          <a:bodyPr wrap="square" rtlCol="0" anchor="ctr">
+          <a:bodyPr wrap="none" rtlCol="0">
             <a:spAutoFit/>
           </a:bodyPr>
           <a:lstStyle/>
           <a:p>
+            <a:pPr>
+              <a:lnSpc>
+                <a:spcPct val="200000"/>
+              </a:lnSpc>
+            </a:pPr>
             <a:r>
               <a:rPr lang="en-GB" sz="4000" b="1" dirty="0">
+                <a:solidFill>
+                  <a:srgbClr val="00D4B9"/>
+                </a:solidFill>
                 <a:latin typeface="Avenir Next" panose="020B0503020202020204" pitchFamily="34" charset="0"/>
               </a:rPr>
-              <a:t>IBC</a:t>
-            </a:r>
-          </a:p>
-          <a:p>
-            <a:endParaRPr lang="en-GB" sz="4000" dirty="0">
-              <a:latin typeface="Avenir Next" panose="020B0503020202020204" pitchFamily="34" charset="0"/>
-            </a:endParaRPr>
+              <a:t>Current</a:t>
+            </a:r>
           </a:p>
           <a:p>
             <a:pPr marL="571500" indent="-571500">
+              <a:lnSpc>
+                <a:spcPct val="200000"/>
+              </a:lnSpc>
               <a:buFont typeface="Wingdings" pitchFamily="2" charset="2"/>
               <a:buChar char="§"/>
             </a:pPr>
@@ -21121,38 +21972,104 @@
               <a:rPr lang="en-GB" sz="4000" dirty="0">
                 <a:latin typeface="Avenir Next" panose="020B0503020202020204" pitchFamily="34" charset="0"/>
               </a:rPr>
-              <a:t>Secure transfers between heterogeneous </a:t>
+              <a:t>Instant Finality</a:t>
+            </a:r>
+          </a:p>
+          <a:p>
+            <a:pPr marL="571500" indent="-571500">
+              <a:lnSpc>
+                <a:spcPct val="200000"/>
+              </a:lnSpc>
+              <a:buFont typeface="Wingdings" pitchFamily="2" charset="2"/>
+              <a:buChar char="§"/>
+            </a:pPr>
+            <a:r>
+              <a:rPr lang="en-GB" sz="4000" dirty="0">
+                <a:latin typeface="Avenir Next" panose="020B0503020202020204" pitchFamily="34" charset="0"/>
+              </a:rPr>
+              <a:t>Efficient light-client proofs</a:t>
+            </a:r>
+          </a:p>
+          <a:p>
+            <a:pPr marL="571500" indent="-571500">
+              <a:lnSpc>
+                <a:spcPct val="200000"/>
+              </a:lnSpc>
+              <a:buFont typeface="Wingdings" pitchFamily="2" charset="2"/>
+              <a:buChar char="§"/>
+            </a:pPr>
+            <a:r>
+              <a:rPr lang="en-GB" sz="4000" dirty="0">
+                <a:latin typeface="Avenir Next" panose="020B0503020202020204" pitchFamily="34" charset="0"/>
+              </a:rPr>
+              <a:t>Safety in asynchronous networks</a:t>
+            </a:r>
+          </a:p>
+          <a:p>
+            <a:pPr marL="571500" indent="-571500">
+              <a:lnSpc>
+                <a:spcPct val="200000"/>
+              </a:lnSpc>
+              <a:buFont typeface="Wingdings" pitchFamily="2" charset="2"/>
+              <a:buChar char="§"/>
+            </a:pPr>
+            <a:r>
+              <a:rPr lang="en-GB" sz="4000" dirty="0">
+                <a:latin typeface="Avenir Next" panose="020B0503020202020204" pitchFamily="34" charset="0"/>
+              </a:rPr>
+              <a:t>Liveness in partially synchronous networks</a:t>
+            </a:r>
+          </a:p>
+          <a:p>
+            <a:pPr marL="571500" indent="-571500">
+              <a:lnSpc>
+                <a:spcPct val="200000"/>
+              </a:lnSpc>
+              <a:buFont typeface="Wingdings" pitchFamily="2" charset="2"/>
+              <a:buChar char="§"/>
+            </a:pPr>
+            <a:r>
+              <a:rPr lang="en-GB" sz="4000" dirty="0">
+                <a:latin typeface="Avenir Next" panose="020B0503020202020204" pitchFamily="34" charset="0"/>
+              </a:rPr>
+              <a:t>4,000 </a:t>
             </a:r>
             <a:r>
               <a:rPr lang="en-GB" sz="4000" dirty="0" err="1">
                 <a:latin typeface="Avenir Next" panose="020B0503020202020204" pitchFamily="34" charset="0"/>
               </a:rPr>
-              <a:t>blockchains</a:t>
-            </a:r>
-            <a:endParaRPr lang="en-GB" sz="4000" dirty="0">
-              <a:latin typeface="Avenir Next" panose="020B0503020202020204" pitchFamily="34" charset="0"/>
-            </a:endParaRPr>
-          </a:p>
-          <a:p>
-            <a:pPr marL="571500" indent="-571500">
-              <a:buFont typeface="Wingdings" pitchFamily="2" charset="2"/>
-              <a:buChar char="§"/>
-            </a:pPr>
+              <a:t>tps</a:t>
+            </a:r>
             <a:r>
               <a:rPr lang="en-GB" sz="4000" dirty="0">
                 <a:latin typeface="Avenir Next" panose="020B0503020202020204" pitchFamily="34" charset="0"/>
               </a:rPr>
-              <a:t>Tokens -&gt; NFTs -&gt; Complex Objects</a:t>
+              <a:t> on 64 validators</a:t>
+            </a:r>
+          </a:p>
+          <a:p>
+            <a:pPr marL="571500" indent="-571500">
+              <a:lnSpc>
+                <a:spcPct val="200000"/>
+              </a:lnSpc>
+              <a:buFont typeface="Wingdings" pitchFamily="2" charset="2"/>
+              <a:buChar char="§"/>
+            </a:pPr>
+            <a:r>
+              <a:rPr lang="en-GB" sz="4000" dirty="0">
+                <a:latin typeface="Avenir Next" panose="020B0503020202020204" pitchFamily="34" charset="0"/>
+              </a:rPr>
+              <a:t>High network overhead - O(N^2)</a:t>
             </a:r>
           </a:p>
         </p:txBody>
       </p:sp>
       <p:sp>
         <p:nvSpPr>
-          <p:cNvPr id="7" name="TextBox 6">
+          <p:cNvPr id="5" name="TextBox 4">
             <a:extLst>
               <a:ext uri="{FF2B5EF4-FFF2-40B4-BE49-F238E27FC236}">
-                <a16:creationId xmlns:a16="http://schemas.microsoft.com/office/drawing/2014/main" id="{37F68D02-8BD6-1A4C-9A1F-78E2BAEFD4F6}"/>
+                <a16:creationId xmlns:a16="http://schemas.microsoft.com/office/drawing/2014/main" id="{29A46E92-D1C0-F843-B271-BE80061ED586}"/>
               </a:ext>
             </a:extLst>
           </p:cNvPr>
@@ -21161,8 +22078,8 @@
         </p:nvSpPr>
         <p:spPr>
           <a:xfrm>
-            <a:off x="9384480" y="2964398"/>
-            <a:ext cx="7200000" cy="3170099"/>
+            <a:off x="13572480" y="2969181"/>
+            <a:ext cx="10080000" cy="6093976"/>
           </a:xfrm>
           <a:prstGeom prst="rect">
             <a:avLst/>
@@ -21175,20 +22092,26 @@
           </a:bodyPr>
           <a:lstStyle/>
           <a:p>
+            <a:pPr>
+              <a:lnSpc>
+                <a:spcPct val="200000"/>
+              </a:lnSpc>
+            </a:pPr>
             <a:r>
               <a:rPr lang="en-GB" sz="4000" b="1" dirty="0">
+                <a:solidFill>
+                  <a:srgbClr val="00D4B9"/>
+                </a:solidFill>
                 <a:latin typeface="Avenir Next" panose="020B0503020202020204" pitchFamily="34" charset="0"/>
               </a:rPr>
-              <a:t>IBC + Adaptors</a:t>
-            </a:r>
-          </a:p>
-          <a:p>
-            <a:endParaRPr lang="en-GB" sz="4000" dirty="0">
-              <a:latin typeface="Avenir Next" panose="020B0503020202020204" pitchFamily="34" charset="0"/>
-            </a:endParaRPr>
+              <a:t>Future Improvements</a:t>
+            </a:r>
           </a:p>
           <a:p>
             <a:pPr marL="571500" indent="-571500">
+              <a:lnSpc>
+                <a:spcPct val="200000"/>
+              </a:lnSpc>
               <a:buFont typeface="Wingdings" pitchFamily="2" charset="2"/>
               <a:buChar char="§"/>
             </a:pPr>
@@ -21196,11 +22119,14 @@
               <a:rPr lang="en-GB" sz="4000" dirty="0">
                 <a:latin typeface="Avenir Next" panose="020B0503020202020204" pitchFamily="34" charset="0"/>
               </a:rPr>
-              <a:t>Adapter to enforce finality</a:t>
+              <a:t>BLS signatures</a:t>
             </a:r>
           </a:p>
           <a:p>
             <a:pPr marL="571500" indent="-571500">
+              <a:lnSpc>
+                <a:spcPct val="200000"/>
+              </a:lnSpc>
               <a:buFont typeface="Wingdings" pitchFamily="2" charset="2"/>
               <a:buChar char="§"/>
             </a:pPr>
@@ -21208,99 +22134,90 @@
               <a:rPr lang="en-GB" sz="4000" dirty="0">
                 <a:latin typeface="Avenir Next" panose="020B0503020202020204" pitchFamily="34" charset="0"/>
               </a:rPr>
-              <a:t>Allows IBC connections to non-finality chains</a:t>
+              <a:t>Optimistic pipelining</a:t>
+            </a:r>
+          </a:p>
+          <a:p>
+            <a:pPr marL="571500" indent="-571500">
+              <a:lnSpc>
+                <a:spcPct val="200000"/>
+              </a:lnSpc>
+              <a:buFont typeface="Wingdings" pitchFamily="2" charset="2"/>
+              <a:buChar char="§"/>
+            </a:pPr>
+            <a:r>
+              <a:rPr lang="en-GB" sz="4000" dirty="0">
+                <a:latin typeface="Avenir Next" panose="020B0503020202020204" pitchFamily="34" charset="0"/>
+              </a:rPr>
+              <a:t>DKG construction</a:t>
+            </a:r>
+          </a:p>
+          <a:p>
+            <a:pPr marL="571500" indent="-571500">
+              <a:lnSpc>
+                <a:spcPct val="200000"/>
+              </a:lnSpc>
+              <a:buFont typeface="Wingdings" pitchFamily="2" charset="2"/>
+              <a:buChar char="§"/>
+            </a:pPr>
+            <a:r>
+              <a:rPr lang="en-GB" sz="4000" dirty="0">
+                <a:latin typeface="Avenir Next" panose="020B0503020202020204" pitchFamily="34" charset="0"/>
+              </a:rPr>
+              <a:t>Liveness through synchrony assumption</a:t>
             </a:r>
           </a:p>
         </p:txBody>
       </p:sp>
       <p:sp>
         <p:nvSpPr>
-          <p:cNvPr id="8" name="TextBox 7">
+          <p:cNvPr id="8" name="Title 1">
             <a:extLst>
               <a:ext uri="{FF2B5EF4-FFF2-40B4-BE49-F238E27FC236}">
-                <a16:creationId xmlns:a16="http://schemas.microsoft.com/office/drawing/2014/main" id="{8B82376D-A7D4-E044-B7CF-80D2C89AFC5D}"/>
+                <a16:creationId xmlns:a16="http://schemas.microsoft.com/office/drawing/2014/main" id="{E3639C17-E47E-E243-BD66-4B3D29B18E42}"/>
               </a:ext>
             </a:extLst>
           </p:cNvPr>
-          <p:cNvSpPr txBox="1"/>
-          <p:nvPr/>
+          <p:cNvSpPr>
+            <a:spLocks noGrp="1"/>
+          </p:cNvSpPr>
+          <p:nvPr>
+            <p:ph type="title"/>
+          </p:nvPr>
         </p:nvSpPr>
         <p:spPr>
           <a:xfrm>
-            <a:off x="17184000" y="2964398"/>
-            <a:ext cx="6834240" cy="4401205"/>
+            <a:off x="813213" y="872628"/>
+            <a:ext cx="5527402" cy="969151"/>
           </a:xfrm>
-          <a:prstGeom prst="rect">
-            <a:avLst/>
-          </a:prstGeom>
-          <a:noFill/>
         </p:spPr>
         <p:txBody>
-          <a:bodyPr wrap="square" rtlCol="0">
-            <a:spAutoFit/>
-          </a:bodyPr>
+          <a:bodyPr/>
           <a:lstStyle/>
           <a:p>
-            <a:r>
-              <a:rPr lang="en-GB" sz="4000" b="1" dirty="0">
+            <a:pPr algn="ctr"/>
+            <a:r>
+              <a:rPr lang="en-GB" b="1" dirty="0">
+                <a:solidFill>
+                  <a:schemeClr val="accent2"/>
+                </a:solidFill>
                 <a:latin typeface="Avenir Next" panose="020B0503020202020204" pitchFamily="34" charset="0"/>
               </a:rPr>
-              <a:t>Cosmos Hub</a:t>
-            </a:r>
-          </a:p>
-          <a:p>
-            <a:endParaRPr lang="en-GB" sz="4000" dirty="0">
-              <a:latin typeface="Avenir Next" panose="020B0503020202020204" pitchFamily="34" charset="0"/>
-            </a:endParaRPr>
-          </a:p>
-          <a:p>
-            <a:pPr marL="571500" indent="-571500">
-              <a:buFont typeface="Wingdings" pitchFamily="2" charset="2"/>
-              <a:buChar char="§"/>
-            </a:pPr>
-            <a:r>
-              <a:rPr lang="en-GB" sz="4000" dirty="0">
+              <a:t>CONSENSUS</a:t>
+            </a:r>
+            <a:r>
+              <a:rPr lang="en-GB" b="1" dirty="0">
                 <a:latin typeface="Avenir Next" panose="020B0503020202020204" pitchFamily="34" charset="0"/>
               </a:rPr>
-              <a:t>Liquidity provider for all connected </a:t>
-            </a:r>
-            <a:r>
-              <a:rPr lang="en-GB" sz="4000" dirty="0" err="1">
-                <a:latin typeface="Avenir Next" panose="020B0503020202020204" pitchFamily="34" charset="0"/>
-              </a:rPr>
-              <a:t>blockchains</a:t>
-            </a:r>
-            <a:endParaRPr lang="en-GB" sz="4000" dirty="0">
-              <a:latin typeface="Avenir Next" panose="020B0503020202020204" pitchFamily="34" charset="0"/>
-            </a:endParaRPr>
-          </a:p>
-          <a:p>
-            <a:pPr marL="571500" indent="-571500">
-              <a:buFont typeface="Wingdings" pitchFamily="2" charset="2"/>
-              <a:buChar char="§"/>
-            </a:pPr>
-            <a:r>
-              <a:rPr lang="en-GB" sz="4000" dirty="0">
-                <a:latin typeface="Avenir Next" panose="020B0503020202020204" pitchFamily="34" charset="0"/>
-              </a:rPr>
-              <a:t>Maintains double-spend protection between </a:t>
-            </a:r>
-            <a:r>
-              <a:rPr lang="en-GB" sz="4000" dirty="0" err="1">
-                <a:latin typeface="Avenir Next" panose="020B0503020202020204" pitchFamily="34" charset="0"/>
-              </a:rPr>
-              <a:t>blockchains</a:t>
-            </a:r>
-            <a:endParaRPr lang="en-GB" sz="4000" dirty="0">
-              <a:latin typeface="Avenir Next" panose="020B0503020202020204" pitchFamily="34" charset="0"/>
-            </a:endParaRPr>
+              <a:t> SCALING</a:t>
+            </a:r>
           </a:p>
         </p:txBody>
       </p:sp>
     </p:spTree>
     <p:extLst>
       <p:ext uri="{BB962C8B-B14F-4D97-AF65-F5344CB8AC3E}">
-        <p14:creationId xmlns:p14="http://schemas.microsoft.com/office/powerpoint/2010/main" val="1565826006"/>
+        <p14:creationId xmlns:p14="http://schemas.microsoft.com/office/powerpoint/2010/main" val="4009093969"/>
       </p:ext>
     </p:extLst>
   </p:cSld>

--- a/talks/DappDev 2018/Four Dimensional Blockchain Scaling.pptx
+++ b/talks/DappDev 2018/Four Dimensional Blockchain Scaling.pptx
@@ -8,10 +8,10 @@
     <p:sldMasterId id="2147484056" r:id="rId4"/>
   </p:sldMasterIdLst>
   <p:notesMasterIdLst>
-    <p:notesMasterId r:id="rId21"/>
+    <p:notesMasterId r:id="rId19"/>
   </p:notesMasterIdLst>
   <p:handoutMasterIdLst>
-    <p:handoutMasterId r:id="rId22"/>
+    <p:handoutMasterId r:id="rId20"/>
   </p:handoutMasterIdLst>
   <p:sldIdLst>
     <p:sldId id="260" r:id="rId5"/>
@@ -20,30 +20,28 @@
     <p:sldId id="312" r:id="rId8"/>
     <p:sldId id="314" r:id="rId9"/>
     <p:sldId id="310" r:id="rId10"/>
-    <p:sldId id="315" r:id="rId11"/>
-    <p:sldId id="316" r:id="rId12"/>
-    <p:sldId id="306" r:id="rId13"/>
-    <p:sldId id="311" r:id="rId14"/>
-    <p:sldId id="307" r:id="rId15"/>
-    <p:sldId id="313" r:id="rId16"/>
-    <p:sldId id="308" r:id="rId17"/>
-    <p:sldId id="309" r:id="rId18"/>
-    <p:sldId id="262" r:id="rId19"/>
-    <p:sldId id="302" r:id="rId20"/>
+    <p:sldId id="306" r:id="rId11"/>
+    <p:sldId id="311" r:id="rId12"/>
+    <p:sldId id="307" r:id="rId13"/>
+    <p:sldId id="313" r:id="rId14"/>
+    <p:sldId id="308" r:id="rId15"/>
+    <p:sldId id="309" r:id="rId16"/>
+    <p:sldId id="262" r:id="rId17"/>
+    <p:sldId id="302" r:id="rId18"/>
   </p:sldIdLst>
   <p:sldSz cx="24384000" cy="13716000"/>
   <p:notesSz cx="6858000" cy="9144000"/>
   <p:embeddedFontLst>
     <p:embeddedFont>
-      <p:font typeface="Quicksand Bold" panose="02000803000000000000" pitchFamily="2" charset="0"/>
-      <p:bold r:id="rId23"/>
+      <p:font typeface="Quicksand" panose="02000503000000000000" pitchFamily="2" charset="0"/>
+      <p:regular r:id="rId21"/>
+      <p:bold r:id="rId22"/>
+      <p:italic r:id="rId23"/>
+      <p:boldItalic r:id="rId24"/>
     </p:embeddedFont>
     <p:embeddedFont>
-      <p:font typeface="Quicksand" panose="02000503000000000000" pitchFamily="2" charset="0"/>
-      <p:regular r:id="rId24"/>
+      <p:font typeface="Quicksand Bold" panose="02000803000000000000" pitchFamily="2" charset="0"/>
       <p:bold r:id="rId25"/>
-      <p:italic r:id="rId26"/>
-      <p:boldItalic r:id="rId27"/>
     </p:embeddedFont>
   </p:embeddedFontLst>
   <p:defaultTextStyle>
@@ -564,7 +562,7 @@
               <a:rPr lang="pl-PL" smtClean="0">
                 <a:latin typeface="Arial" panose="020B0604020202020204" pitchFamily="34" charset="0"/>
               </a:rPr>
-              <a:t>19.04.2018</a:t>
+              <a:t>20.04.2018</a:t>
             </a:fld>
             <a:endParaRPr lang="pl-PL" dirty="0">
               <a:latin typeface="Arial" panose="020B0604020202020204" pitchFamily="34" charset="0"/>
@@ -742,7 +740,7 @@
             <a:fld id="{F2A49511-3997-4EDE-8622-AC2374502CA6}" type="datetimeFigureOut">
               <a:rPr lang="en-US" smtClean="0"/>
               <a:pPr/>
-              <a:t>4/19/18</a:t>
+              <a:t>4/20/18</a:t>
             </a:fld>
             <a:endParaRPr lang="en-US" dirty="0"/>
           </a:p>
@@ -1179,22 +1177,30 @@
           <a:bodyPr/>
           <a:lstStyle/>
           <a:p>
+            <a:pPr marL="0" lvl="0" indent="0">
+              <a:buFont typeface="Arial" panose="020B0604020202020204" pitchFamily="34" charset="0"/>
+              <a:buNone/>
+            </a:pPr>
             <a:r>
               <a:rPr lang="en-GB" b="1" dirty="0"/>
-              <a:t>State Machine Scaling – 5 minutes</a:t>
-            </a:r>
-          </a:p>
-          <a:p>
+              <a:t>Social Scaling – 5 minutes</a:t>
+            </a:r>
+          </a:p>
+          <a:p>
+            <a:pPr marL="171450" lvl="0" indent="-171450">
+              <a:buFont typeface="Arial" panose="020B0604020202020204" pitchFamily="34" charset="0"/>
+              <a:buChar char="•"/>
+            </a:pPr>
             <a:endParaRPr lang="en-GB" b="0" dirty="0"/>
           </a:p>
           <a:p>
-            <a:pPr marL="171450" indent="-171450">
+            <a:pPr marL="171450" lvl="0" indent="-171450">
               <a:buFont typeface="Arial" panose="020B0604020202020204" pitchFamily="34" charset="0"/>
               <a:buChar char="•"/>
             </a:pPr>
             <a:r>
               <a:rPr lang="en-GB" b="0" dirty="0"/>
-              <a:t>General idea is that we make the state machine much faster</a:t>
+              <a:t>Development</a:t>
             </a:r>
           </a:p>
           <a:p>
@@ -1204,22 +1210,34 @@
             </a:pPr>
             <a:r>
               <a:rPr lang="en-GB" b="0" dirty="0"/>
-              <a:t>Parity is 2.5x faster than </a:t>
-            </a:r>
-            <a:r>
-              <a:rPr lang="en-GB" b="0" dirty="0" err="1"/>
-              <a:t>Geth</a:t>
-            </a:r>
+              <a:t>Scaling the development process and the amount of people that understand and verify the protocol</a:t>
+            </a:r>
+          </a:p>
+          <a:p>
+            <a:pPr marL="628650" lvl="1" indent="-171450">
+              <a:buFont typeface="Arial" panose="020B0604020202020204" pitchFamily="34" charset="0"/>
+              <a:buChar char="•"/>
+            </a:pPr>
+            <a:r>
+              <a:rPr lang="en-GB" b="0" dirty="0"/>
+              <a:t>Being able to harness the power of many different people in developing protocols</a:t>
+            </a:r>
+          </a:p>
+          <a:p>
+            <a:pPr marL="628650" lvl="1" indent="-171450">
+              <a:buFont typeface="Arial" panose="020B0604020202020204" pitchFamily="34" charset="0"/>
+              <a:buChar char="•"/>
+            </a:pPr>
             <a:endParaRPr lang="en-GB" b="0" dirty="0"/>
           </a:p>
           <a:p>
-            <a:pPr marL="171450" indent="-171450">
+            <a:pPr marL="171450" lvl="0" indent="-171450">
               <a:buFont typeface="Arial" panose="020B0604020202020204" pitchFamily="34" charset="0"/>
               <a:buChar char="•"/>
             </a:pPr>
             <a:r>
               <a:rPr lang="en-GB" b="0" dirty="0"/>
-              <a:t>Currently everyone builds on top of the EVM</a:t>
+              <a:t>Governance</a:t>
             </a:r>
           </a:p>
           <a:p>
@@ -1229,292 +1247,21 @@
             </a:pPr>
             <a:r>
               <a:rPr lang="en-GB" b="0" dirty="0"/>
-              <a:t>Most applications don’t need to be build on top of the EVM</a:t>
-            </a:r>
-          </a:p>
-          <a:p>
-            <a:pPr marL="1085850" lvl="2" indent="-171450">
+              <a:t>Being able to effectively evolve the protocol</a:t>
+            </a:r>
+          </a:p>
+          <a:p>
+            <a:pPr marL="628650" lvl="1" indent="-171450">
               <a:buFont typeface="Arial" panose="020B0604020202020204" pitchFamily="34" charset="0"/>
               <a:buChar char="•"/>
             </a:pPr>
             <a:r>
               <a:rPr lang="en-GB" b="0" dirty="0"/>
-              <a:t>Only useful if you need user level </a:t>
-            </a:r>
-            <a:r>
-              <a:rPr lang="en-GB" b="0" dirty="0" err="1"/>
-              <a:t>turing</a:t>
-            </a:r>
-            <a:r>
-              <a:rPr lang="en-GB" b="0" dirty="0"/>
-              <a:t> completeness</a:t>
-            </a:r>
-          </a:p>
-          <a:p>
-            <a:pPr marL="1085850" lvl="2" indent="-171450">
-              <a:buFont typeface="Arial" panose="020B0604020202020204" pitchFamily="34" charset="0"/>
-              <a:buChar char="•"/>
-            </a:pPr>
-            <a:r>
-              <a:rPr lang="en-GB" b="0" dirty="0"/>
-              <a:t>If you users aren’t going to deploy their own smart contracts to interact with your </a:t>
-            </a:r>
-            <a:r>
-              <a:rPr lang="en-GB" b="0" dirty="0" err="1"/>
-              <a:t>dApp</a:t>
-            </a:r>
-            <a:r>
-              <a:rPr lang="en-GB" b="0" dirty="0"/>
-              <a:t> I have doubts whether the EVM is the right deployment environment</a:t>
-            </a:r>
-          </a:p>
-          <a:p>
-            <a:pPr marL="1085850" lvl="2" indent="-171450">
-              <a:buFont typeface="Arial" panose="020B0604020202020204" pitchFamily="34" charset="0"/>
-              <a:buChar char="•"/>
-            </a:pPr>
-            <a:r>
-              <a:rPr lang="en-GB" b="0" dirty="0"/>
-              <a:t>Not secure</a:t>
-            </a:r>
-          </a:p>
-          <a:p>
-            <a:pPr marL="1085850" lvl="2" indent="-171450">
-              <a:buFont typeface="Arial" panose="020B0604020202020204" pitchFamily="34" charset="0"/>
-              <a:buChar char="•"/>
-            </a:pPr>
-            <a:r>
-              <a:rPr lang="en-GB" b="0" dirty="0"/>
-              <a:t>Not scalable</a:t>
-            </a:r>
-          </a:p>
-          <a:p>
-            <a:pPr marL="1085850" lvl="2" indent="-171450">
-              <a:buFont typeface="Arial" panose="020B0604020202020204" pitchFamily="34" charset="0"/>
-              <a:buChar char="•"/>
-            </a:pPr>
-            <a:r>
-              <a:rPr lang="en-GB" b="0" dirty="0"/>
-              <a:t>Not easily customizable</a:t>
-            </a:r>
-          </a:p>
-          <a:p>
-            <a:pPr marL="171450" indent="-171450">
-              <a:buFont typeface="Arial" panose="020B0604020202020204" pitchFamily="34" charset="0"/>
-              <a:buChar char="•"/>
-            </a:pPr>
-            <a:r>
-              <a:rPr lang="en-GB" b="0" dirty="0" err="1"/>
-              <a:t>Ethermint</a:t>
-            </a:r>
-            <a:r>
-              <a:rPr lang="en-GB" b="0" dirty="0"/>
-              <a:t> is a state machine that takes advantage of the underlying consensus improvements</a:t>
+              <a:t>The ability to decide on changes (even to state) based on social consensus</a:t>
             </a:r>
           </a:p>
           <a:p>
             <a:pPr marL="628650" lvl="1" indent="-171450">
-              <a:buFont typeface="Arial" panose="020B0604020202020204" pitchFamily="34" charset="0"/>
-              <a:buChar char="•"/>
-            </a:pPr>
-            <a:r>
-              <a:rPr lang="en-GB" b="0" dirty="0"/>
-              <a:t>An EVM that is build as a </a:t>
-            </a:r>
-            <a:r>
-              <a:rPr lang="en-GB" b="0" dirty="0" err="1"/>
-              <a:t>blockchain</a:t>
-            </a:r>
-            <a:r>
-              <a:rPr lang="en-GB" b="0" dirty="0"/>
-              <a:t> application on top of </a:t>
-            </a:r>
-            <a:r>
-              <a:rPr lang="en-GB" b="0" dirty="0" err="1"/>
-              <a:t>Tendermint</a:t>
-            </a:r>
-            <a:r>
-              <a:rPr lang="en-GB" b="0" dirty="0"/>
-              <a:t> Core</a:t>
-            </a:r>
-          </a:p>
-          <a:p>
-            <a:pPr marL="628650" lvl="1" indent="-171450">
-              <a:buFont typeface="Arial" panose="020B0604020202020204" pitchFamily="34" charset="0"/>
-              <a:buChar char="•"/>
-            </a:pPr>
-            <a:r>
-              <a:rPr lang="en-GB" b="0" dirty="0"/>
-              <a:t>Full support for Web3</a:t>
-            </a:r>
-          </a:p>
-          <a:p>
-            <a:pPr marL="628650" lvl="1" indent="-171450">
-              <a:buFont typeface="Arial" panose="020B0604020202020204" pitchFamily="34" charset="0"/>
-              <a:buChar char="•"/>
-            </a:pPr>
-            <a:r>
-              <a:rPr lang="en-GB" b="0" dirty="0"/>
-              <a:t>Provides extremely efficient light-clients</a:t>
-            </a:r>
-          </a:p>
-          <a:p>
-            <a:pPr marL="628650" lvl="1" indent="-171450">
-              <a:buFont typeface="Arial" panose="020B0604020202020204" pitchFamily="34" charset="0"/>
-              <a:buChar char="•"/>
-            </a:pPr>
-            <a:r>
-              <a:rPr lang="en-GB" b="0" dirty="0"/>
-              <a:t>Runs 15x as fast </a:t>
-            </a:r>
-          </a:p>
-          <a:p>
-            <a:pPr marL="1085850" lvl="2" indent="-171450">
-              <a:buFont typeface="Arial" panose="020B0604020202020204" pitchFamily="34" charset="0"/>
-              <a:buChar char="•"/>
-            </a:pPr>
-            <a:r>
-              <a:rPr lang="en-GB" b="0" dirty="0"/>
-              <a:t>1 block a second which gives me 15x throughput</a:t>
-            </a:r>
-          </a:p>
-          <a:p>
-            <a:pPr marL="1085850" lvl="2" indent="-171450">
-              <a:buFont typeface="Arial" panose="020B0604020202020204" pitchFamily="34" charset="0"/>
-              <a:buChar char="•"/>
-            </a:pPr>
-            <a:r>
-              <a:rPr lang="en-GB" b="0" dirty="0"/>
-              <a:t>Could potentially increase the block gas limit to get another 4x</a:t>
-            </a:r>
-          </a:p>
-          <a:p>
-            <a:pPr marL="171450" indent="-171450">
-              <a:buFont typeface="Arial" panose="020B0604020202020204" pitchFamily="34" charset="0"/>
-              <a:buChar char="•"/>
-            </a:pPr>
-            <a:r>
-              <a:rPr lang="en-GB" b="0" dirty="0"/>
-              <a:t>Cosmos-</a:t>
-            </a:r>
-            <a:r>
-              <a:rPr lang="en-GB" b="0" dirty="0" err="1"/>
-              <a:t>Sdk</a:t>
-            </a:r>
-            <a:r>
-              <a:rPr lang="en-GB" b="0" dirty="0"/>
-              <a:t> as a framework for building your own </a:t>
-            </a:r>
-            <a:r>
-              <a:rPr lang="en-GB" b="0" dirty="0" err="1"/>
-              <a:t>blockchain</a:t>
-            </a:r>
-            <a:r>
-              <a:rPr lang="en-GB" b="0" dirty="0"/>
-              <a:t> application</a:t>
-            </a:r>
-          </a:p>
-          <a:p>
-            <a:pPr marL="628650" lvl="1" indent="-171450">
-              <a:buFont typeface="Arial" panose="020B0604020202020204" pitchFamily="34" charset="0"/>
-              <a:buChar char="•"/>
-            </a:pPr>
-            <a:r>
-              <a:rPr lang="en-GB" b="0" dirty="0"/>
-              <a:t>Everything is a module and modules can be combined</a:t>
-            </a:r>
-          </a:p>
-          <a:p>
-            <a:pPr marL="628650" lvl="1" indent="-171450">
-              <a:buFont typeface="Arial" panose="020B0604020202020204" pitchFamily="34" charset="0"/>
-              <a:buChar char="•"/>
-            </a:pPr>
-            <a:r>
-              <a:rPr lang="en-GB" b="0" dirty="0"/>
-              <a:t>It used to be very hard to build your own </a:t>
-            </a:r>
-            <a:r>
-              <a:rPr lang="en-GB" b="0" dirty="0" err="1"/>
-              <a:t>blockchain</a:t>
-            </a:r>
-            <a:r>
-              <a:rPr lang="en-GB" b="0" dirty="0"/>
-              <a:t> application, most people just forked bitcoin</a:t>
-            </a:r>
-          </a:p>
-          <a:p>
-            <a:pPr marL="628650" lvl="1" indent="-171450">
-              <a:buFont typeface="Arial" panose="020B0604020202020204" pitchFamily="34" charset="0"/>
-              <a:buChar char="•"/>
-            </a:pPr>
-            <a:r>
-              <a:rPr lang="en-GB" b="0" dirty="0"/>
-              <a:t>Allows developers to build their own version of Bitcoin in probably around 200 lines of code</a:t>
-            </a:r>
-          </a:p>
-          <a:p>
-            <a:pPr marL="628650" lvl="1" indent="-171450">
-              <a:buFont typeface="Arial" panose="020B0604020202020204" pitchFamily="34" charset="0"/>
-              <a:buChar char="•"/>
-            </a:pPr>
-            <a:r>
-              <a:rPr lang="en-GB" b="0" dirty="0"/>
-              <a:t>Future improvements:</a:t>
-            </a:r>
-          </a:p>
-          <a:p>
-            <a:pPr marL="1085850" lvl="2" indent="-171450">
-              <a:buFont typeface="Arial" panose="020B0604020202020204" pitchFamily="34" charset="0"/>
-              <a:buChar char="•"/>
-            </a:pPr>
-            <a:r>
-              <a:rPr lang="en-GB" b="0" dirty="0"/>
-              <a:t>Enabling different VMs as modules</a:t>
-            </a:r>
-          </a:p>
-          <a:p>
-            <a:pPr marL="1085850" lvl="2" indent="-171450">
-              <a:buFont typeface="Arial" panose="020B0604020202020204" pitchFamily="34" charset="0"/>
-              <a:buChar char="•"/>
-            </a:pPr>
-            <a:r>
-              <a:rPr lang="en-GB" b="0" dirty="0"/>
-              <a:t>Multi-language support</a:t>
-            </a:r>
-          </a:p>
-          <a:p>
-            <a:pPr marL="171450" indent="-171450">
-              <a:buFont typeface="Arial" panose="020B0604020202020204" pitchFamily="34" charset="0"/>
-              <a:buChar char="•"/>
-            </a:pPr>
-            <a:r>
-              <a:rPr lang="en-GB" b="0" dirty="0"/>
-              <a:t>Not the the answer to all vertical scaling needs, but it’s fully compatible with other solutions such as:</a:t>
-            </a:r>
-          </a:p>
-          <a:p>
-            <a:pPr marL="628650" lvl="1" indent="-171450">
-              <a:buFont typeface="Arial" panose="020B0604020202020204" pitchFamily="34" charset="0"/>
-              <a:buChar char="•"/>
-            </a:pPr>
-            <a:r>
-              <a:rPr lang="en-GB" b="0" dirty="0"/>
-              <a:t>State Channels</a:t>
-            </a:r>
-          </a:p>
-          <a:p>
-            <a:pPr marL="628650" lvl="1" indent="-171450">
-              <a:buFont typeface="Arial" panose="020B0604020202020204" pitchFamily="34" charset="0"/>
-              <a:buChar char="•"/>
-            </a:pPr>
-            <a:r>
-              <a:rPr lang="en-GB" b="0" dirty="0" err="1"/>
-              <a:t>Zk-Snarks</a:t>
-            </a:r>
-            <a:endParaRPr lang="en-GB" b="0" dirty="0"/>
-          </a:p>
-          <a:p>
-            <a:pPr marL="171450" indent="-171450">
               <a:buFont typeface="Arial" panose="020B0604020202020204" pitchFamily="34" charset="0"/>
               <a:buChar char="•"/>
             </a:pPr>
@@ -1549,7 +1296,7 @@
     </p:spTree>
     <p:extLst>
       <p:ext uri="{BB962C8B-B14F-4D97-AF65-F5344CB8AC3E}">
-        <p14:creationId xmlns:p14="http://schemas.microsoft.com/office/powerpoint/2010/main" val="963128696"/>
+        <p14:creationId xmlns:p14="http://schemas.microsoft.com/office/powerpoint/2010/main" val="1276292493"/>
       </p:ext>
     </p:extLst>
   </p:cSld>
@@ -1604,15 +1351,15 @@
           <a:lstStyle/>
           <a:p>
             <a:r>
-              <a:rPr lang="en-GB" b="1" dirty="0" err="1"/>
-              <a:t>Interchain</a:t>
-            </a:r>
-            <a:r>
               <a:rPr lang="en-GB" b="1" dirty="0"/>
-              <a:t> Scaling – 5 minutes</a:t>
-            </a:r>
-          </a:p>
-          <a:p>
+              <a:t>Modes of Security – 5 minutes</a:t>
+            </a:r>
+          </a:p>
+          <a:p>
+            <a:pPr marL="171450" indent="-171450">
+              <a:buFont typeface="Arial" panose="020B0604020202020204" pitchFamily="34" charset="0"/>
+              <a:buChar char="•"/>
+            </a:pPr>
             <a:endParaRPr lang="en-GB" b="0" dirty="0"/>
           </a:p>
           <a:p>
@@ -1622,8 +1369,43 @@
             </a:pPr>
             <a:r>
               <a:rPr lang="en-GB" b="0" dirty="0"/>
-              <a:t>There are limits to vertical scalability</a:t>
-            </a:r>
+              <a:t>Sovereign</a:t>
+            </a:r>
+          </a:p>
+          <a:p>
+            <a:pPr marL="628650" lvl="1" indent="-171450">
+              <a:buFont typeface="Arial" panose="020B0604020202020204" pitchFamily="34" charset="0"/>
+              <a:buChar char="•"/>
+            </a:pPr>
+            <a:r>
+              <a:rPr lang="en-GB" b="0" dirty="0"/>
+              <a:t>Own validator set</a:t>
+            </a:r>
+          </a:p>
+          <a:p>
+            <a:pPr marL="628650" lvl="1" indent="-171450">
+              <a:buFont typeface="Arial" panose="020B0604020202020204" pitchFamily="34" charset="0"/>
+              <a:buChar char="•"/>
+            </a:pPr>
+            <a:r>
+              <a:rPr lang="en-GB" b="0" dirty="0"/>
+              <a:t>Full control over the application</a:t>
+            </a:r>
+          </a:p>
+          <a:p>
+            <a:pPr marL="628650" lvl="1" indent="-171450">
+              <a:buFont typeface="Arial" panose="020B0604020202020204" pitchFamily="34" charset="0"/>
+              <a:buChar char="•"/>
+            </a:pPr>
+            <a:r>
+              <a:rPr lang="en-GB" b="0" dirty="0"/>
+              <a:t>Needs to figure out their own security model in terms of </a:t>
+            </a:r>
+            <a:r>
+              <a:rPr lang="en-GB" b="0" dirty="0" err="1"/>
+              <a:t>PoS</a:t>
+            </a:r>
+            <a:endParaRPr lang="en-GB" b="0" dirty="0"/>
           </a:p>
           <a:p>
             <a:pPr marL="171450" indent="-171450">
@@ -1631,12 +1413,63 @@
               <a:buChar char="•"/>
             </a:pPr>
             <a:r>
+              <a:rPr lang="en-GB" b="0" dirty="0"/>
+              <a:t>Hosted</a:t>
+            </a:r>
+          </a:p>
+          <a:p>
+            <a:pPr marL="628650" lvl="1" indent="-171450">
+              <a:buFont typeface="Arial" panose="020B0604020202020204" pitchFamily="34" charset="0"/>
+              <a:buChar char="•"/>
+            </a:pPr>
+            <a:r>
+              <a:rPr lang="en-GB" b="0" dirty="0"/>
+              <a:t>Akin to </a:t>
+            </a:r>
+            <a:r>
               <a:rPr lang="en-GB" b="0" dirty="0" err="1"/>
-              <a:t>Interchain</a:t>
-            </a:r>
+              <a:t>Polkadot</a:t>
+            </a:r>
+            <a:endParaRPr lang="en-GB" b="0" dirty="0"/>
+          </a:p>
+          <a:p>
+            <a:pPr marL="628650" lvl="1" indent="-171450">
+              <a:buFont typeface="Arial" panose="020B0604020202020204" pitchFamily="34" charset="0"/>
+              <a:buChar char="•"/>
+            </a:pPr>
             <a:r>
               <a:rPr lang="en-GB" b="0" dirty="0"/>
-              <a:t> scaling enables horizontal scaling and allows for heterogeneous chains to connect</a:t>
+              <a:t>Guest is validated by the same validator set as some other chain</a:t>
+            </a:r>
+          </a:p>
+          <a:p>
+            <a:pPr marL="628650" lvl="1" indent="-171450">
+              <a:buFont typeface="Arial" panose="020B0604020202020204" pitchFamily="34" charset="0"/>
+              <a:buChar char="•"/>
+            </a:pPr>
+            <a:r>
+              <a:rPr lang="en-GB" b="0" dirty="0"/>
+              <a:t>Staking and slashing happens on the host</a:t>
+            </a:r>
+          </a:p>
+          <a:p>
+            <a:pPr marL="628650" lvl="1" indent="-171450">
+              <a:buFont typeface="Arial" panose="020B0604020202020204" pitchFamily="34" charset="0"/>
+              <a:buChar char="•"/>
+            </a:pPr>
+            <a:r>
+              <a:rPr lang="en-GB" b="0" dirty="0"/>
+              <a:t>Control is given to the host validators</a:t>
+            </a:r>
+          </a:p>
+          <a:p>
+            <a:pPr marL="628650" lvl="1" indent="-171450">
+              <a:buFont typeface="Arial" panose="020B0604020202020204" pitchFamily="34" charset="0"/>
+              <a:buChar char="•"/>
+            </a:pPr>
+            <a:r>
+              <a:rPr lang="en-GB" b="0" dirty="0"/>
+              <a:t>Host validators might require a higher fee in order to run the guest zone</a:t>
             </a:r>
           </a:p>
           <a:p>
@@ -1646,7 +1479,7 @@
             </a:pPr>
             <a:r>
               <a:rPr lang="en-GB" b="0" dirty="0"/>
-              <a:t>IBC</a:t>
+              <a:t>Plasma</a:t>
             </a:r>
           </a:p>
           <a:p>
@@ -1656,7 +1489,17 @@
             </a:pPr>
             <a:r>
               <a:rPr lang="en-GB" b="0" dirty="0"/>
-              <a:t>Locks tokens to the consensus of the other chain</a:t>
+              <a:t>V1 only requires working consensus on child chain</a:t>
+            </a:r>
+          </a:p>
+          <a:p>
+            <a:pPr marL="1085850" lvl="2" indent="-171450">
+              <a:buFont typeface="Arial" panose="020B0604020202020204" pitchFamily="34" charset="0"/>
+              <a:buChar char="•"/>
+            </a:pPr>
+            <a:r>
+              <a:rPr lang="en-GB" b="0" dirty="0"/>
+              <a:t>Validators can always unbound</a:t>
             </a:r>
           </a:p>
           <a:p>
@@ -1666,7 +1509,17 @@
             </a:pPr>
             <a:r>
               <a:rPr lang="en-GB" b="0" dirty="0"/>
-              <a:t>Allows for secure transfers between implementing chains</a:t>
+              <a:t>V2 once fraud proofs for arbitrary applications are solved</a:t>
+            </a:r>
+          </a:p>
+          <a:p>
+            <a:pPr marL="1085850" lvl="2" indent="-171450">
+              <a:buFont typeface="Arial" panose="020B0604020202020204" pitchFamily="34" charset="0"/>
+              <a:buChar char="•"/>
+            </a:pPr>
+            <a:r>
+              <a:rPr lang="en-GB" b="0" dirty="0"/>
+              <a:t>Allows anyone to hard exit</a:t>
             </a:r>
           </a:p>
           <a:p>
@@ -1676,94 +1529,11 @@
             </a:pPr>
             <a:r>
               <a:rPr lang="en-GB" b="0" dirty="0"/>
-              <a:t>Starts with tokens, then NFTs, then complex objects</a:t>
-            </a:r>
-          </a:p>
-          <a:p>
-            <a:pPr marL="171450" lvl="0" indent="-171450">
-              <a:buFont typeface="Arial" panose="020B0604020202020204" pitchFamily="34" charset="0"/>
-              <a:buChar char="•"/>
-            </a:pPr>
-            <a:r>
-              <a:rPr lang="en-GB" b="0" dirty="0"/>
-              <a:t>Peggy</a:t>
+              <a:t>Limited by throughput of the root chain</a:t>
             </a:r>
           </a:p>
           <a:p>
             <a:pPr marL="628650" lvl="1" indent="-171450">
-              <a:buFont typeface="Arial" panose="020B0604020202020204" pitchFamily="34" charset="0"/>
-              <a:buChar char="•"/>
-            </a:pPr>
-            <a:r>
-              <a:rPr lang="en-GB" b="0" dirty="0"/>
-              <a:t>A way to connect non-finality chains</a:t>
-            </a:r>
-          </a:p>
-          <a:p>
-            <a:pPr marL="628650" lvl="1" indent="-171450">
-              <a:buFont typeface="Arial" panose="020B0604020202020204" pitchFamily="34" charset="0"/>
-              <a:buChar char="•"/>
-            </a:pPr>
-            <a:r>
-              <a:rPr lang="en-GB" b="0" dirty="0"/>
-              <a:t>Enforce pseudo-finality</a:t>
-            </a:r>
-          </a:p>
-          <a:p>
-            <a:pPr marL="628650" lvl="1" indent="-171450">
-              <a:buFont typeface="Arial" panose="020B0604020202020204" pitchFamily="34" charset="0"/>
-              <a:buChar char="•"/>
-            </a:pPr>
-            <a:r>
-              <a:rPr lang="en-GB" b="0" dirty="0"/>
-              <a:t>Bad things happen when a reorg happens after the finality threshold</a:t>
-            </a:r>
-          </a:p>
-          <a:p>
-            <a:pPr marL="171450" lvl="0" indent="-171450">
-              <a:buFont typeface="Arial" panose="020B0604020202020204" pitchFamily="34" charset="0"/>
-              <a:buChar char="•"/>
-            </a:pPr>
-            <a:r>
-              <a:rPr lang="en-GB" b="0" dirty="0"/>
-              <a:t>Cosmos Hub</a:t>
-            </a:r>
-          </a:p>
-          <a:p>
-            <a:pPr marL="628650" lvl="1" indent="-171450">
-              <a:buFont typeface="Arial" panose="020B0604020202020204" pitchFamily="34" charset="0"/>
-              <a:buChar char="•"/>
-            </a:pPr>
-            <a:r>
-              <a:rPr lang="en-GB" b="0" dirty="0"/>
-              <a:t>In a world of multiple chains, we need a liquidity aggregator that other chains can use</a:t>
-            </a:r>
-          </a:p>
-          <a:p>
-            <a:pPr marL="628650" lvl="1" indent="-171450">
-              <a:buFont typeface="Arial" panose="020B0604020202020204" pitchFamily="34" charset="0"/>
-              <a:buChar char="•"/>
-            </a:pPr>
-            <a:r>
-              <a:rPr lang="en-GB" b="0" dirty="0"/>
-              <a:t>Maintains the double spend protection of a normal </a:t>
-            </a:r>
-            <a:r>
-              <a:rPr lang="en-GB" b="0" dirty="0" err="1"/>
-              <a:t>blockchain</a:t>
-            </a:r>
-            <a:r>
-              <a:rPr lang="en-GB" b="0" dirty="0"/>
-              <a:t> but between multiple </a:t>
-            </a:r>
-            <a:r>
-              <a:rPr lang="en-GB" b="0" dirty="0" err="1"/>
-              <a:t>blockchains</a:t>
-            </a:r>
-            <a:endParaRPr lang="en-GB" b="0" dirty="0"/>
-          </a:p>
-          <a:p>
-            <a:pPr marL="171450" indent="-171450">
               <a:buFont typeface="Arial" panose="020B0604020202020204" pitchFamily="34" charset="0"/>
               <a:buChar char="•"/>
             </a:pPr>
@@ -1798,7 +1568,7 @@
     </p:spTree>
     <p:extLst>
       <p:ext uri="{BB962C8B-B14F-4D97-AF65-F5344CB8AC3E}">
-        <p14:creationId xmlns:p14="http://schemas.microsoft.com/office/powerpoint/2010/main" val="936098678"/>
+        <p14:creationId xmlns:p14="http://schemas.microsoft.com/office/powerpoint/2010/main" val="2995665998"/>
       </p:ext>
     </p:extLst>
   </p:cSld>
@@ -1852,87 +1622,74 @@
           <a:bodyPr/>
           <a:lstStyle/>
           <a:p>
-            <a:pPr marL="0" lvl="0" indent="0">
-              <a:buFont typeface="Arial" panose="020B0604020202020204" pitchFamily="34" charset="0"/>
-              <a:buNone/>
-            </a:pPr>
             <a:r>
               <a:rPr lang="en-GB" b="1" dirty="0"/>
-              <a:t>Social Scaling – 5 minutes</a:t>
-            </a:r>
-          </a:p>
-          <a:p>
-            <a:pPr marL="171450" lvl="0" indent="-171450">
-              <a:buFont typeface="Arial" panose="020B0604020202020204" pitchFamily="34" charset="0"/>
-              <a:buChar char="•"/>
-            </a:pPr>
+              <a:t>Goals – 1 minute</a:t>
+            </a:r>
+          </a:p>
+          <a:p>
             <a:endParaRPr lang="en-GB" b="0" dirty="0"/>
           </a:p>
           <a:p>
-            <a:pPr marL="171450" lvl="0" indent="-171450">
+            <a:pPr marL="171450" indent="-171450">
               <a:buFont typeface="Arial" panose="020B0604020202020204" pitchFamily="34" charset="0"/>
               <a:buChar char="•"/>
             </a:pPr>
             <a:r>
               <a:rPr lang="en-GB" b="0" dirty="0"/>
-              <a:t>Development</a:t>
-            </a:r>
-          </a:p>
-          <a:p>
-            <a:pPr marL="628650" lvl="1" indent="-171450">
+              <a:t>I hope that you took something away from this and that you enjoyed it – If you have any feedback, I’d welcome it later </a:t>
+            </a:r>
+            <a:r>
+              <a:rPr lang="en-GB" b="0"/>
+              <a:t>over Twitter DMs</a:t>
+            </a:r>
+          </a:p>
+          <a:p>
+            <a:pPr marL="171450" indent="-171450">
               <a:buFont typeface="Arial" panose="020B0604020202020204" pitchFamily="34" charset="0"/>
               <a:buChar char="•"/>
             </a:pPr>
             <a:r>
               <a:rPr lang="en-GB" b="0" dirty="0"/>
-              <a:t>Scaling the development process and the amount of people that understand and verify the protocol</a:t>
-            </a:r>
-          </a:p>
-          <a:p>
-            <a:pPr marL="628650" lvl="1" indent="-171450">
+              <a:t>Go through them and tell people to remember them as we go through the presentation</a:t>
+            </a:r>
+          </a:p>
+          <a:p>
+            <a:pPr marL="171450" indent="-171450">
               <a:buFont typeface="Arial" panose="020B0604020202020204" pitchFamily="34" charset="0"/>
               <a:buChar char="•"/>
             </a:pPr>
             <a:r>
               <a:rPr lang="en-GB" b="0" dirty="0"/>
-              <a:t>Being able to harness the power of many different people in developing protocols</a:t>
-            </a:r>
-          </a:p>
-          <a:p>
-            <a:pPr marL="628650" lvl="1" indent="-171450">
-              <a:buFont typeface="Arial" panose="020B0604020202020204" pitchFamily="34" charset="0"/>
-              <a:buChar char="•"/>
-            </a:pPr>
-            <a:endParaRPr lang="en-GB" b="0" dirty="0"/>
-          </a:p>
-          <a:p>
-            <a:pPr marL="171450" lvl="0" indent="-171450">
-              <a:buFont typeface="Arial" panose="020B0604020202020204" pitchFamily="34" charset="0"/>
-              <a:buChar char="•"/>
-            </a:pPr>
+              <a:t>These are the most important take-</a:t>
+            </a:r>
+            <a:r>
+              <a:rPr lang="en-GB" b="0" dirty="0" err="1"/>
+              <a:t>aways</a:t>
+            </a:r>
             <a:r>
               <a:rPr lang="en-GB" b="0" dirty="0"/>
-              <a:t>Governance</a:t>
-            </a:r>
-          </a:p>
-          <a:p>
-            <a:pPr marL="628650" lvl="1" indent="-171450">
+              <a:t> from the presentation</a:t>
+            </a:r>
+          </a:p>
+          <a:p>
+            <a:pPr marL="171450" indent="-171450">
               <a:buFont typeface="Arial" panose="020B0604020202020204" pitchFamily="34" charset="0"/>
               <a:buChar char="•"/>
             </a:pPr>
             <a:r>
               <a:rPr lang="en-GB" b="0" dirty="0"/>
-              <a:t>Being able to effectively evolve the protocol</a:t>
-            </a:r>
-          </a:p>
-          <a:p>
-            <a:pPr marL="628650" lvl="1" indent="-171450">
+              <a:t>If you remember nothing else, just remember this</a:t>
+            </a:r>
+          </a:p>
+          <a:p>
+            <a:pPr marL="171450" indent="-171450">
               <a:buFont typeface="Arial" panose="020B0604020202020204" pitchFamily="34" charset="0"/>
               <a:buChar char="•"/>
             </a:pPr>
             <a:r>
               <a:rPr lang="en-GB" b="0" dirty="0"/>
-              <a:t>The ability to decide on changes (even to state) based on social consensus</a:t>
+              <a:t>The general sentiment seems to be that everyone really wants scalability but only very few people are looking for potential solutions or are working on any</a:t>
             </a:r>
           </a:p>
           <a:p>
@@ -1971,7 +1728,7 @@
     </p:spTree>
     <p:extLst>
       <p:ext uri="{BB962C8B-B14F-4D97-AF65-F5344CB8AC3E}">
-        <p14:creationId xmlns:p14="http://schemas.microsoft.com/office/powerpoint/2010/main" val="1276292493"/>
+        <p14:creationId xmlns:p14="http://schemas.microsoft.com/office/powerpoint/2010/main" val="2378084942"/>
       </p:ext>
     </p:extLst>
   </p:cSld>
@@ -2026,193 +1783,30 @@
           <a:lstStyle/>
           <a:p>
             <a:r>
-              <a:rPr lang="en-GB" b="1" dirty="0"/>
-              <a:t>Modes of Security – 5 minutes</a:t>
-            </a:r>
+              <a:rPr lang="en-US" b="1" dirty="0"/>
+              <a:t>Call to Action - 1 minute</a:t>
+            </a:r>
+          </a:p>
+          <a:p>
+            <a:endParaRPr lang="en-US" b="0" dirty="0"/>
           </a:p>
           <a:p>
             <a:pPr marL="171450" indent="-171450">
               <a:buFont typeface="Arial" panose="020B0604020202020204" pitchFamily="34" charset="0"/>
               <a:buChar char="•"/>
             </a:pPr>
-            <a:endParaRPr lang="en-GB" b="0" dirty="0"/>
-          </a:p>
-          <a:p>
-            <a:pPr marL="171450" indent="-171450">
-              <a:buFont typeface="Arial" panose="020B0604020202020204" pitchFamily="34" charset="0"/>
-              <a:buChar char="•"/>
-            </a:pPr>
-            <a:r>
-              <a:rPr lang="en-GB" b="0" dirty="0"/>
-              <a:t>Sovereign</a:t>
-            </a:r>
-          </a:p>
-          <a:p>
-            <a:pPr marL="628650" lvl="1" indent="-171450">
-              <a:buFont typeface="Arial" panose="020B0604020202020204" pitchFamily="34" charset="0"/>
-              <a:buChar char="•"/>
-            </a:pPr>
-            <a:r>
-              <a:rPr lang="en-GB" b="0" dirty="0"/>
-              <a:t>Own validator set</a:t>
-            </a:r>
-          </a:p>
-          <a:p>
-            <a:pPr marL="628650" lvl="1" indent="-171450">
-              <a:buFont typeface="Arial" panose="020B0604020202020204" pitchFamily="34" charset="0"/>
-              <a:buChar char="•"/>
-            </a:pPr>
-            <a:r>
-              <a:rPr lang="en-GB" b="0" dirty="0"/>
-              <a:t>Full control over the application</a:t>
-            </a:r>
-          </a:p>
-          <a:p>
-            <a:pPr marL="628650" lvl="1" indent="-171450">
-              <a:buFont typeface="Arial" panose="020B0604020202020204" pitchFamily="34" charset="0"/>
-              <a:buChar char="•"/>
-            </a:pPr>
-            <a:r>
-              <a:rPr lang="en-GB" b="0" dirty="0"/>
-              <a:t>Needs to figure out their own security model in terms of </a:t>
-            </a:r>
-            <a:r>
-              <a:rPr lang="en-GB" b="0" dirty="0" err="1"/>
-              <a:t>PoS</a:t>
-            </a:r>
-            <a:endParaRPr lang="en-GB" b="0" dirty="0"/>
-          </a:p>
-          <a:p>
-            <a:pPr marL="171450" indent="-171450">
-              <a:buFont typeface="Arial" panose="020B0604020202020204" pitchFamily="34" charset="0"/>
-              <a:buChar char="•"/>
-            </a:pPr>
-            <a:r>
-              <a:rPr lang="en-GB" b="0" dirty="0"/>
-              <a:t>Hosted</a:t>
-            </a:r>
-          </a:p>
-          <a:p>
-            <a:pPr marL="628650" lvl="1" indent="-171450">
-              <a:buFont typeface="Arial" panose="020B0604020202020204" pitchFamily="34" charset="0"/>
-              <a:buChar char="•"/>
-            </a:pPr>
-            <a:r>
-              <a:rPr lang="en-GB" b="0" dirty="0"/>
-              <a:t>Akin to </a:t>
-            </a:r>
-            <a:r>
-              <a:rPr lang="en-GB" b="0" dirty="0" err="1"/>
-              <a:t>Polkadot</a:t>
-            </a:r>
-            <a:endParaRPr lang="en-GB" b="0" dirty="0"/>
-          </a:p>
-          <a:p>
-            <a:pPr marL="628650" lvl="1" indent="-171450">
-              <a:buFont typeface="Arial" panose="020B0604020202020204" pitchFamily="34" charset="0"/>
-              <a:buChar char="•"/>
-            </a:pPr>
-            <a:r>
-              <a:rPr lang="en-GB" b="0" dirty="0"/>
-              <a:t>Guest is validated by the same validator set as some other chain</a:t>
-            </a:r>
-          </a:p>
-          <a:p>
-            <a:pPr marL="628650" lvl="1" indent="-171450">
-              <a:buFont typeface="Arial" panose="020B0604020202020204" pitchFamily="34" charset="0"/>
-              <a:buChar char="•"/>
-            </a:pPr>
-            <a:r>
-              <a:rPr lang="en-GB" b="0" dirty="0"/>
-              <a:t>Staking and slashing happens on the host</a:t>
-            </a:r>
-          </a:p>
-          <a:p>
-            <a:pPr marL="628650" lvl="1" indent="-171450">
-              <a:buFont typeface="Arial" panose="020B0604020202020204" pitchFamily="34" charset="0"/>
-              <a:buChar char="•"/>
-            </a:pPr>
-            <a:r>
-              <a:rPr lang="en-GB" b="0" dirty="0"/>
-              <a:t>Control is given to the host validators</a:t>
-            </a:r>
-          </a:p>
-          <a:p>
-            <a:pPr marL="628650" lvl="1" indent="-171450">
-              <a:buFont typeface="Arial" panose="020B0604020202020204" pitchFamily="34" charset="0"/>
-              <a:buChar char="•"/>
-            </a:pPr>
-            <a:r>
-              <a:rPr lang="en-GB" b="0" dirty="0"/>
-              <a:t>Host validators might require a higher fee in order to run the guest zone</a:t>
-            </a:r>
-          </a:p>
-          <a:p>
-            <a:pPr marL="171450" indent="-171450">
-              <a:buFont typeface="Arial" panose="020B0604020202020204" pitchFamily="34" charset="0"/>
-              <a:buChar char="•"/>
-            </a:pPr>
-            <a:r>
-              <a:rPr lang="en-GB" b="0" dirty="0"/>
-              <a:t>Plasma</a:t>
-            </a:r>
-          </a:p>
-          <a:p>
-            <a:pPr marL="628650" lvl="1" indent="-171450">
-              <a:buFont typeface="Arial" panose="020B0604020202020204" pitchFamily="34" charset="0"/>
-              <a:buChar char="•"/>
-            </a:pPr>
-            <a:r>
-              <a:rPr lang="en-GB" b="0" dirty="0"/>
-              <a:t>V1 only requires working consensus on child chain</a:t>
-            </a:r>
-          </a:p>
-          <a:p>
-            <a:pPr marL="1085850" lvl="2" indent="-171450">
-              <a:buFont typeface="Arial" panose="020B0604020202020204" pitchFamily="34" charset="0"/>
-              <a:buChar char="•"/>
-            </a:pPr>
-            <a:r>
-              <a:rPr lang="en-GB" b="0" dirty="0"/>
-              <a:t>Validators can always unbound</a:t>
-            </a:r>
-          </a:p>
-          <a:p>
-            <a:pPr marL="628650" lvl="1" indent="-171450">
-              <a:buFont typeface="Arial" panose="020B0604020202020204" pitchFamily="34" charset="0"/>
-              <a:buChar char="•"/>
-            </a:pPr>
-            <a:r>
-              <a:rPr lang="en-GB" b="0" dirty="0"/>
-              <a:t>V2 once fraud proofs for arbitrary applications are solved</a:t>
-            </a:r>
-          </a:p>
-          <a:p>
-            <a:pPr marL="1085850" lvl="2" indent="-171450">
-              <a:buFont typeface="Arial" panose="020B0604020202020204" pitchFamily="34" charset="0"/>
-              <a:buChar char="•"/>
-            </a:pPr>
-            <a:r>
-              <a:rPr lang="en-GB" b="0" dirty="0"/>
-              <a:t>Allows anyone to hard exit</a:t>
-            </a:r>
-          </a:p>
-          <a:p>
-            <a:pPr marL="628650" lvl="1" indent="-171450">
-              <a:buFont typeface="Arial" panose="020B0604020202020204" pitchFamily="34" charset="0"/>
-              <a:buChar char="•"/>
-            </a:pPr>
-            <a:r>
-              <a:rPr lang="en-GB" b="0" dirty="0"/>
-              <a:t>Limited by throughput of the root chain</a:t>
-            </a:r>
-          </a:p>
-          <a:p>
-            <a:pPr marL="628650" lvl="1" indent="-171450">
-              <a:buFont typeface="Arial" panose="020B0604020202020204" pitchFamily="34" charset="0"/>
-              <a:buChar char="•"/>
-            </a:pPr>
-            <a:endParaRPr lang="en-GB" b="0" dirty="0"/>
+            <a:r>
+              <a:rPr lang="en-US" b="0" dirty="0"/>
+              <a:t>Big shout out to </a:t>
+            </a:r>
+            <a:r>
+              <a:rPr lang="en-US" b="0" dirty="0" err="1"/>
+              <a:t>FunFair</a:t>
+            </a:r>
+            <a:r>
+              <a:rPr lang="en-US" b="0" dirty="0"/>
+              <a:t> – they actually implemented their own scaling solution</a:t>
+            </a:r>
           </a:p>
         </p:txBody>
       </p:sp>
@@ -2243,7 +1837,7 @@
     </p:spTree>
     <p:extLst>
       <p:ext uri="{BB962C8B-B14F-4D97-AF65-F5344CB8AC3E}">
-        <p14:creationId xmlns:p14="http://schemas.microsoft.com/office/powerpoint/2010/main" val="2995665998"/>
+        <p14:creationId xmlns:p14="http://schemas.microsoft.com/office/powerpoint/2010/main" val="1597116758"/>
       </p:ext>
     </p:extLst>
   </p:cSld>
@@ -2299,79 +1893,10 @@
           <a:p>
             <a:r>
               <a:rPr lang="en-GB" b="1" dirty="0"/>
-              <a:t>Goals – 1 minute</a:t>
-            </a:r>
-          </a:p>
-          <a:p>
-            <a:endParaRPr lang="en-GB" b="0" dirty="0"/>
-          </a:p>
-          <a:p>
-            <a:pPr marL="171450" indent="-171450">
-              <a:buFont typeface="Arial" panose="020B0604020202020204" pitchFamily="34" charset="0"/>
-              <a:buChar char="•"/>
-            </a:pPr>
-            <a:r>
-              <a:rPr lang="en-GB" b="0" dirty="0"/>
-              <a:t>I hope that you took something away from this and that you enjoyed it – If you have any feedback, I’d welcome it later </a:t>
-            </a:r>
-            <a:r>
-              <a:rPr lang="en-GB" b="0"/>
-              <a:t>over Twitter DMs</a:t>
-            </a:r>
-          </a:p>
-          <a:p>
-            <a:pPr marL="171450" indent="-171450">
-              <a:buFont typeface="Arial" panose="020B0604020202020204" pitchFamily="34" charset="0"/>
-              <a:buChar char="•"/>
-            </a:pPr>
-            <a:r>
-              <a:rPr lang="en-GB" b="0" dirty="0"/>
-              <a:t>Go through them and tell people to remember them as we go through the presentation</a:t>
-            </a:r>
-          </a:p>
-          <a:p>
-            <a:pPr marL="171450" indent="-171450">
-              <a:buFont typeface="Arial" panose="020B0604020202020204" pitchFamily="34" charset="0"/>
-              <a:buChar char="•"/>
-            </a:pPr>
-            <a:r>
-              <a:rPr lang="en-GB" b="0" dirty="0"/>
-              <a:t>These are the most important take-</a:t>
-            </a:r>
-            <a:r>
-              <a:rPr lang="en-GB" b="0" dirty="0" err="1"/>
-              <a:t>aways</a:t>
-            </a:r>
-            <a:r>
-              <a:rPr lang="en-GB" b="0" dirty="0"/>
-              <a:t> from the presentation</a:t>
-            </a:r>
-          </a:p>
-          <a:p>
-            <a:pPr marL="171450" indent="-171450">
-              <a:buFont typeface="Arial" panose="020B0604020202020204" pitchFamily="34" charset="0"/>
-              <a:buChar char="•"/>
-            </a:pPr>
-            <a:r>
-              <a:rPr lang="en-GB" b="0" dirty="0"/>
-              <a:t>If you remember nothing else, just remember this</a:t>
-            </a:r>
-          </a:p>
-          <a:p>
-            <a:pPr marL="171450" indent="-171450">
-              <a:buFont typeface="Arial" panose="020B0604020202020204" pitchFamily="34" charset="0"/>
-              <a:buChar char="•"/>
-            </a:pPr>
-            <a:r>
-              <a:rPr lang="en-GB" b="0" dirty="0"/>
-              <a:t>The general sentiment seems to be that everyone really wants scalability but only very few people are looking for potential solutions or are working on any</a:t>
-            </a:r>
-          </a:p>
-          <a:p>
-            <a:pPr marL="628650" lvl="1" indent="-171450">
-              <a:buFont typeface="Arial" panose="020B0604020202020204" pitchFamily="34" charset="0"/>
-              <a:buChar char="•"/>
-            </a:pPr>
+              <a:t>Questions – 5 minutes</a:t>
+            </a:r>
+          </a:p>
+          <a:p>
             <a:endParaRPr lang="en-GB" b="0" dirty="0"/>
           </a:p>
         </p:txBody>
@@ -2395,206 +1920,6 @@
               <a:rPr lang="en-US" smtClean="0"/>
               <a:pPr/>
               <a:t>14</a:t>
-            </a:fld>
-            <a:endParaRPr lang="en-US" dirty="0"/>
-          </a:p>
-        </p:txBody>
-      </p:sp>
-    </p:spTree>
-    <p:extLst>
-      <p:ext uri="{BB962C8B-B14F-4D97-AF65-F5344CB8AC3E}">
-        <p14:creationId xmlns:p14="http://schemas.microsoft.com/office/powerpoint/2010/main" val="2378084942"/>
-      </p:ext>
-    </p:extLst>
-  </p:cSld>
-  <p:clrMapOvr>
-    <a:masterClrMapping/>
-  </p:clrMapOvr>
-</p:notes>
-</file>
-
-<file path=ppt/notesSlides/notesSlide15.xml><?xml version="1.0" encoding="utf-8"?>
-<p:notes xmlns:a="http://schemas.openxmlformats.org/drawingml/2006/main" xmlns:r="http://schemas.openxmlformats.org/officeDocument/2006/relationships" xmlns:p="http://schemas.openxmlformats.org/presentationml/2006/main">
-  <p:cSld>
-    <p:spTree>
-      <p:nvGrpSpPr>
-        <p:cNvPr id="1" name=""/>
-        <p:cNvGrpSpPr/>
-        <p:nvPr/>
-      </p:nvGrpSpPr>
-      <p:grpSpPr>
-        <a:xfrm>
-          <a:off x="0" y="0"/>
-          <a:ext cx="0" cy="0"/>
-          <a:chOff x="0" y="0"/>
-          <a:chExt cx="0" cy="0"/>
-        </a:xfrm>
-      </p:grpSpPr>
-      <p:sp>
-        <p:nvSpPr>
-          <p:cNvPr id="2" name="Slide Image Placeholder 1"/>
-          <p:cNvSpPr>
-            <a:spLocks noGrp="1" noRot="1" noChangeAspect="1"/>
-          </p:cNvSpPr>
-          <p:nvPr>
-            <p:ph type="sldImg"/>
-          </p:nvPr>
-        </p:nvSpPr>
-        <p:spPr/>
-      </p:sp>
-      <p:sp>
-        <p:nvSpPr>
-          <p:cNvPr id="3" name="Notes Placeholder 2"/>
-          <p:cNvSpPr>
-            <a:spLocks noGrp="1"/>
-          </p:cNvSpPr>
-          <p:nvPr>
-            <p:ph type="body" idx="1"/>
-          </p:nvPr>
-        </p:nvSpPr>
-        <p:spPr/>
-        <p:txBody>
-          <a:bodyPr/>
-          <a:lstStyle/>
-          <a:p>
-            <a:r>
-              <a:rPr lang="en-US" b="1" dirty="0"/>
-              <a:t>Call to Action - 1 minute</a:t>
-            </a:r>
-          </a:p>
-          <a:p>
-            <a:endParaRPr lang="en-US" b="0" dirty="0"/>
-          </a:p>
-          <a:p>
-            <a:pPr marL="171450" indent="-171450">
-              <a:buFont typeface="Arial" panose="020B0604020202020204" pitchFamily="34" charset="0"/>
-              <a:buChar char="•"/>
-            </a:pPr>
-            <a:r>
-              <a:rPr lang="en-US" b="0" dirty="0"/>
-              <a:t>Big shout out to </a:t>
-            </a:r>
-            <a:r>
-              <a:rPr lang="en-US" b="0" dirty="0" err="1"/>
-              <a:t>FunFair</a:t>
-            </a:r>
-            <a:r>
-              <a:rPr lang="en-US" b="0" dirty="0"/>
-              <a:t> – they actually implemented their own scaling solution</a:t>
-            </a:r>
-          </a:p>
-        </p:txBody>
-      </p:sp>
-      <p:sp>
-        <p:nvSpPr>
-          <p:cNvPr id="4" name="Slide Number Placeholder 3"/>
-          <p:cNvSpPr>
-            <a:spLocks noGrp="1"/>
-          </p:cNvSpPr>
-          <p:nvPr>
-            <p:ph type="sldNum" sz="quarter" idx="10"/>
-          </p:nvPr>
-        </p:nvSpPr>
-        <p:spPr/>
-        <p:txBody>
-          <a:bodyPr/>
-          <a:lstStyle/>
-          <a:p>
-            <a:fld id="{A0F3D57C-B218-4DAC-9BE0-23BF8380B47B}" type="slidenum">
-              <a:rPr lang="en-US" smtClean="0"/>
-              <a:pPr/>
-              <a:t>15</a:t>
-            </a:fld>
-            <a:endParaRPr lang="en-US" dirty="0"/>
-          </a:p>
-        </p:txBody>
-      </p:sp>
-    </p:spTree>
-    <p:extLst>
-      <p:ext uri="{BB962C8B-B14F-4D97-AF65-F5344CB8AC3E}">
-        <p14:creationId xmlns:p14="http://schemas.microsoft.com/office/powerpoint/2010/main" val="1597116758"/>
-      </p:ext>
-    </p:extLst>
-  </p:cSld>
-  <p:clrMapOvr>
-    <a:masterClrMapping/>
-  </p:clrMapOvr>
-</p:notes>
-</file>
-
-<file path=ppt/notesSlides/notesSlide16.xml><?xml version="1.0" encoding="utf-8"?>
-<p:notes xmlns:a="http://schemas.openxmlformats.org/drawingml/2006/main" xmlns:r="http://schemas.openxmlformats.org/officeDocument/2006/relationships" xmlns:p="http://schemas.openxmlformats.org/presentationml/2006/main">
-  <p:cSld>
-    <p:spTree>
-      <p:nvGrpSpPr>
-        <p:cNvPr id="1" name=""/>
-        <p:cNvGrpSpPr/>
-        <p:nvPr/>
-      </p:nvGrpSpPr>
-      <p:grpSpPr>
-        <a:xfrm>
-          <a:off x="0" y="0"/>
-          <a:ext cx="0" cy="0"/>
-          <a:chOff x="0" y="0"/>
-          <a:chExt cx="0" cy="0"/>
-        </a:xfrm>
-      </p:grpSpPr>
-      <p:sp>
-        <p:nvSpPr>
-          <p:cNvPr id="2" name="Slide Image Placeholder 1"/>
-          <p:cNvSpPr>
-            <a:spLocks noGrp="1" noRot="1" noChangeAspect="1"/>
-          </p:cNvSpPr>
-          <p:nvPr>
-            <p:ph type="sldImg"/>
-          </p:nvPr>
-        </p:nvSpPr>
-        <p:spPr/>
-      </p:sp>
-      <p:sp>
-        <p:nvSpPr>
-          <p:cNvPr id="3" name="Notes Placeholder 2"/>
-          <p:cNvSpPr>
-            <a:spLocks noGrp="1"/>
-          </p:cNvSpPr>
-          <p:nvPr>
-            <p:ph type="body" idx="1"/>
-          </p:nvPr>
-        </p:nvSpPr>
-        <p:spPr/>
-        <p:txBody>
-          <a:bodyPr/>
-          <a:lstStyle/>
-          <a:p>
-            <a:r>
-              <a:rPr lang="en-GB" b="1" dirty="0"/>
-              <a:t>Questions – 5 minutes</a:t>
-            </a:r>
-          </a:p>
-          <a:p>
-            <a:endParaRPr lang="en-GB" b="0" dirty="0"/>
-          </a:p>
-        </p:txBody>
-      </p:sp>
-      <p:sp>
-        <p:nvSpPr>
-          <p:cNvPr id="4" name="Slide Number Placeholder 3"/>
-          <p:cNvSpPr>
-            <a:spLocks noGrp="1"/>
-          </p:cNvSpPr>
-          <p:nvPr>
-            <p:ph type="sldNum" sz="quarter" idx="10"/>
-          </p:nvPr>
-        </p:nvSpPr>
-        <p:spPr/>
-        <p:txBody>
-          <a:bodyPr/>
-          <a:lstStyle/>
-          <a:p>
-            <a:fld id="{A0F3D57C-B218-4DAC-9BE0-23BF8380B47B}" type="slidenum">
-              <a:rPr lang="en-US" smtClean="0"/>
-              <a:pPr/>
-              <a:t>16</a:t>
             </a:fld>
             <a:endParaRPr lang="en-US" dirty="0"/>
           </a:p>
@@ -3808,7 +3133,7 @@
     </p:spTree>
     <p:extLst>
       <p:ext uri="{BB962C8B-B14F-4D97-AF65-F5344CB8AC3E}">
-        <p14:creationId xmlns:p14="http://schemas.microsoft.com/office/powerpoint/2010/main" val="1816103382"/>
+        <p14:creationId xmlns:p14="http://schemas.microsoft.com/office/powerpoint/2010/main" val="2377412554"/>
       </p:ext>
     </p:extLst>
   </p:cSld>
@@ -3862,34 +3187,163 @@
           <a:bodyPr/>
           <a:lstStyle/>
           <a:p>
-            <a:pPr marL="0" lvl="0" indent="0">
-              <a:buFont typeface="Arial" panose="020B0604020202020204" pitchFamily="34" charset="0"/>
-              <a:buNone/>
-            </a:pPr>
             <a:r>
               <a:rPr lang="en-GB" b="1" dirty="0"/>
-              <a:t>Consensus Scaling – 5 minutes</a:t>
-            </a:r>
-          </a:p>
-          <a:p>
-            <a:pPr marL="171450" lvl="0" indent="-171450">
-              <a:buFont typeface="Arial" panose="020B0604020202020204" pitchFamily="34" charset="0"/>
-              <a:buChar char="•"/>
-            </a:pPr>
+              <a:t>State Machine Scaling – 5 minutes</a:t>
+            </a:r>
+          </a:p>
+          <a:p>
             <a:endParaRPr lang="en-GB" b="0" dirty="0"/>
           </a:p>
           <a:p>
-            <a:pPr marL="171450" lvl="0" indent="-171450">
-              <a:buFont typeface="Arial" panose="020B0604020202020204" pitchFamily="34" charset="0"/>
-              <a:buChar char="•"/>
-            </a:pPr>
+            <a:pPr marL="171450" indent="-171450">
+              <a:buFont typeface="Arial" panose="020B0604020202020204" pitchFamily="34" charset="0"/>
+              <a:buChar char="•"/>
+            </a:pPr>
+            <a:r>
+              <a:rPr lang="en-GB" b="0" dirty="0"/>
+              <a:t>General idea is that we make the state machine much faster</a:t>
+            </a:r>
+          </a:p>
+          <a:p>
+            <a:pPr marL="628650" lvl="1" indent="-171450">
+              <a:buFont typeface="Arial" panose="020B0604020202020204" pitchFamily="34" charset="0"/>
+              <a:buChar char="•"/>
+            </a:pPr>
+            <a:r>
+              <a:rPr lang="en-GB" b="0" dirty="0"/>
+              <a:t>Parity is 2.5x faster than </a:t>
+            </a:r>
+            <a:r>
+              <a:rPr lang="en-GB" b="0" dirty="0" err="1"/>
+              <a:t>Geth</a:t>
+            </a:r>
+            <a:endParaRPr lang="en-GB" b="0" dirty="0"/>
+          </a:p>
+          <a:p>
+            <a:pPr marL="171450" indent="-171450">
+              <a:buFont typeface="Arial" panose="020B0604020202020204" pitchFamily="34" charset="0"/>
+              <a:buChar char="•"/>
+            </a:pPr>
+            <a:r>
+              <a:rPr lang="en-GB" b="0" dirty="0"/>
+              <a:t>Currently everyone builds on top of the EVM</a:t>
+            </a:r>
+          </a:p>
+          <a:p>
+            <a:pPr marL="628650" lvl="1" indent="-171450">
+              <a:buFont typeface="Arial" panose="020B0604020202020204" pitchFamily="34" charset="0"/>
+              <a:buChar char="•"/>
+            </a:pPr>
+            <a:r>
+              <a:rPr lang="en-GB" b="0" dirty="0"/>
+              <a:t>Most applications don’t need to be build on top of the EVM</a:t>
+            </a:r>
+          </a:p>
+          <a:p>
+            <a:pPr marL="1085850" lvl="2" indent="-171450">
+              <a:buFont typeface="Arial" panose="020B0604020202020204" pitchFamily="34" charset="0"/>
+              <a:buChar char="•"/>
+            </a:pPr>
+            <a:r>
+              <a:rPr lang="en-GB" b="0" dirty="0"/>
+              <a:t>Only useful if you need user level </a:t>
+            </a:r>
+            <a:r>
+              <a:rPr lang="en-GB" b="0" dirty="0" err="1"/>
+              <a:t>turing</a:t>
+            </a:r>
+            <a:r>
+              <a:rPr lang="en-GB" b="0" dirty="0"/>
+              <a:t> completeness</a:t>
+            </a:r>
+          </a:p>
+          <a:p>
+            <a:pPr marL="1085850" lvl="2" indent="-171450">
+              <a:buFont typeface="Arial" panose="020B0604020202020204" pitchFamily="34" charset="0"/>
+              <a:buChar char="•"/>
+            </a:pPr>
+            <a:r>
+              <a:rPr lang="en-GB" b="0" dirty="0"/>
+              <a:t>If you users aren’t going to deploy their own smart contracts to interact with your </a:t>
+            </a:r>
+            <a:r>
+              <a:rPr lang="en-GB" b="0" dirty="0" err="1"/>
+              <a:t>dApp</a:t>
+            </a:r>
+            <a:r>
+              <a:rPr lang="en-GB" b="0" dirty="0"/>
+              <a:t> I have doubts whether the EVM is the right deployment environment</a:t>
+            </a:r>
+          </a:p>
+          <a:p>
+            <a:pPr marL="1085850" lvl="2" indent="-171450">
+              <a:buFont typeface="Arial" panose="020B0604020202020204" pitchFamily="34" charset="0"/>
+              <a:buChar char="•"/>
+            </a:pPr>
+            <a:r>
+              <a:rPr lang="en-GB" b="0" dirty="0"/>
+              <a:t>Not secure</a:t>
+            </a:r>
+          </a:p>
+          <a:p>
+            <a:pPr marL="1085850" lvl="2" indent="-171450">
+              <a:buFont typeface="Arial" panose="020B0604020202020204" pitchFamily="34" charset="0"/>
+              <a:buChar char="•"/>
+            </a:pPr>
+            <a:r>
+              <a:rPr lang="en-GB" b="0" dirty="0"/>
+              <a:t>Not scalable</a:t>
+            </a:r>
+          </a:p>
+          <a:p>
+            <a:pPr marL="1085850" lvl="2" indent="-171450">
+              <a:buFont typeface="Arial" panose="020B0604020202020204" pitchFamily="34" charset="0"/>
+              <a:buChar char="•"/>
+            </a:pPr>
+            <a:r>
+              <a:rPr lang="en-GB" b="0" dirty="0"/>
+              <a:t>Not easily customizable</a:t>
+            </a:r>
+          </a:p>
+          <a:p>
+            <a:pPr marL="171450" indent="-171450">
+              <a:buFont typeface="Arial" panose="020B0604020202020204" pitchFamily="34" charset="0"/>
+              <a:buChar char="•"/>
+            </a:pPr>
+            <a:r>
+              <a:rPr lang="en-GB" b="0" dirty="0" err="1"/>
+              <a:t>Ethermint</a:t>
+            </a:r>
+            <a:r>
+              <a:rPr lang="en-GB" b="0" dirty="0"/>
+              <a:t> is a state machine that takes advantage of the underlying consensus improvements</a:t>
+            </a:r>
+          </a:p>
+          <a:p>
+            <a:pPr marL="628650" lvl="1" indent="-171450">
+              <a:buFont typeface="Arial" panose="020B0604020202020204" pitchFamily="34" charset="0"/>
+              <a:buChar char="•"/>
+            </a:pPr>
+            <a:r>
+              <a:rPr lang="en-GB" b="0" dirty="0"/>
+              <a:t>An EVM that is build as a </a:t>
+            </a:r>
+            <a:r>
+              <a:rPr lang="en-GB" b="0" dirty="0" err="1"/>
+              <a:t>blockchain</a:t>
+            </a:r>
+            <a:r>
+              <a:rPr lang="en-GB" b="0" dirty="0"/>
+              <a:t> application on top of </a:t>
+            </a:r>
             <a:r>
               <a:rPr lang="en-GB" b="0" dirty="0" err="1"/>
               <a:t>Tendermint</a:t>
             </a:r>
             <a:r>
               <a:rPr lang="en-GB" b="0" dirty="0"/>
-              <a:t> Consensus</a:t>
+              <a:t> Core</a:t>
             </a:r>
           </a:p>
           <a:p>
@@ -3899,7 +3353,27 @@
             </a:pPr>
             <a:r>
               <a:rPr lang="en-GB" b="0" dirty="0"/>
-              <a:t>Advantages</a:t>
+              <a:t>Full support for Web3</a:t>
+            </a:r>
+          </a:p>
+          <a:p>
+            <a:pPr marL="628650" lvl="1" indent="-171450">
+              <a:buFont typeface="Arial" panose="020B0604020202020204" pitchFamily="34" charset="0"/>
+              <a:buChar char="•"/>
+            </a:pPr>
+            <a:r>
+              <a:rPr lang="en-GB" b="0" dirty="0"/>
+              <a:t>Provides extremely efficient light-clients</a:t>
+            </a:r>
+          </a:p>
+          <a:p>
+            <a:pPr marL="628650" lvl="1" indent="-171450">
+              <a:buFont typeface="Arial" panose="020B0604020202020204" pitchFamily="34" charset="0"/>
+              <a:buChar char="•"/>
+            </a:pPr>
+            <a:r>
+              <a:rPr lang="en-GB" b="0" dirty="0"/>
+              <a:t>Runs 15x as fast </a:t>
             </a:r>
           </a:p>
           <a:p>
@@ -3909,7 +3383,7 @@
             </a:pPr>
             <a:r>
               <a:rPr lang="en-GB" b="0" dirty="0"/>
-              <a:t>Instant finality</a:t>
+              <a:t>1 block a second which gives me 15x throughput</a:t>
             </a:r>
           </a:p>
           <a:p>
@@ -3919,7 +3393,81 @@
             </a:pPr>
             <a:r>
               <a:rPr lang="en-GB" b="0" dirty="0"/>
-              <a:t>Efficient light client proofs – only need headers if the validator set changes &gt; 1/3</a:t>
+              <a:t>Could potentially increase the block gas limit to get another 4x</a:t>
+            </a:r>
+          </a:p>
+          <a:p>
+            <a:pPr marL="171450" indent="-171450">
+              <a:buFont typeface="Arial" panose="020B0604020202020204" pitchFamily="34" charset="0"/>
+              <a:buChar char="•"/>
+            </a:pPr>
+            <a:r>
+              <a:rPr lang="en-GB" b="0" dirty="0"/>
+              <a:t>Cosmos-</a:t>
+            </a:r>
+            <a:r>
+              <a:rPr lang="en-GB" b="0" dirty="0" err="1"/>
+              <a:t>Sdk</a:t>
+            </a:r>
+            <a:r>
+              <a:rPr lang="en-GB" b="0" dirty="0"/>
+              <a:t> as a framework for building your own </a:t>
+            </a:r>
+            <a:r>
+              <a:rPr lang="en-GB" b="0" dirty="0" err="1"/>
+              <a:t>blockchain</a:t>
+            </a:r>
+            <a:r>
+              <a:rPr lang="en-GB" b="0" dirty="0"/>
+              <a:t> application</a:t>
+            </a:r>
+          </a:p>
+          <a:p>
+            <a:pPr marL="628650" lvl="1" indent="-171450">
+              <a:buFont typeface="Arial" panose="020B0604020202020204" pitchFamily="34" charset="0"/>
+              <a:buChar char="•"/>
+            </a:pPr>
+            <a:r>
+              <a:rPr lang="en-GB" b="0" dirty="0"/>
+              <a:t>Everything is a module and modules can be combined</a:t>
+            </a:r>
+          </a:p>
+          <a:p>
+            <a:pPr marL="628650" lvl="1" indent="-171450">
+              <a:buFont typeface="Arial" panose="020B0604020202020204" pitchFamily="34" charset="0"/>
+              <a:buChar char="•"/>
+            </a:pPr>
+            <a:r>
+              <a:rPr lang="en-GB" b="0" dirty="0"/>
+              <a:t>It used to be very hard to build your own </a:t>
+            </a:r>
+            <a:r>
+              <a:rPr lang="en-GB" b="0" dirty="0" err="1"/>
+              <a:t>blockchain</a:t>
+            </a:r>
+            <a:r>
+              <a:rPr lang="en-GB" b="0" dirty="0"/>
+              <a:t> application, most people just forked bitcoin</a:t>
+            </a:r>
+          </a:p>
+          <a:p>
+            <a:pPr marL="628650" lvl="1" indent="-171450">
+              <a:buFont typeface="Arial" panose="020B0604020202020204" pitchFamily="34" charset="0"/>
+              <a:buChar char="•"/>
+            </a:pPr>
+            <a:r>
+              <a:rPr lang="en-GB" b="0" dirty="0"/>
+              <a:t>Allows developers to build their own version of Bitcoin in probably around 200 lines of code</a:t>
+            </a:r>
+          </a:p>
+          <a:p>
+            <a:pPr marL="628650" lvl="1" indent="-171450">
+              <a:buFont typeface="Arial" panose="020B0604020202020204" pitchFamily="34" charset="0"/>
+              <a:buChar char="•"/>
+            </a:pPr>
+            <a:r>
+              <a:rPr lang="en-GB" b="0" dirty="0"/>
+              <a:t>Future improvements:</a:t>
             </a:r>
           </a:p>
           <a:p>
@@ -3929,188 +3477,56 @@
             </a:pPr>
             <a:r>
               <a:rPr lang="en-GB" b="0" dirty="0"/>
-              <a:t>4,000 </a:t>
-            </a:r>
+              <a:t>Enabling different VMs as modules</a:t>
+            </a:r>
+          </a:p>
+          <a:p>
+            <a:pPr marL="1085850" lvl="2" indent="-171450">
+              <a:buFont typeface="Arial" panose="020B0604020202020204" pitchFamily="34" charset="0"/>
+              <a:buChar char="•"/>
+            </a:pPr>
+            <a:r>
+              <a:rPr lang="en-GB" b="0" dirty="0"/>
+              <a:t>Multi-language support</a:t>
+            </a:r>
+          </a:p>
+          <a:p>
+            <a:pPr marL="171450" indent="-171450">
+              <a:buFont typeface="Arial" panose="020B0604020202020204" pitchFamily="34" charset="0"/>
+              <a:buChar char="•"/>
+            </a:pPr>
+            <a:r>
+              <a:rPr lang="en-GB" b="0" dirty="0"/>
+              <a:t>Not the the answer to all vertical scaling needs, but it’s fully compatible with other solutions such as:</a:t>
+            </a:r>
+          </a:p>
+          <a:p>
+            <a:pPr marL="628650" lvl="1" indent="-171450">
+              <a:buFont typeface="Arial" panose="020B0604020202020204" pitchFamily="34" charset="0"/>
+              <a:buChar char="•"/>
+            </a:pPr>
+            <a:r>
+              <a:rPr lang="en-GB" b="0" dirty="0"/>
+              <a:t>State Channels</a:t>
+            </a:r>
+          </a:p>
+          <a:p>
+            <a:pPr marL="628650" lvl="1" indent="-171450">
+              <a:buFont typeface="Arial" panose="020B0604020202020204" pitchFamily="34" charset="0"/>
+              <a:buChar char="•"/>
+            </a:pPr>
             <a:r>
               <a:rPr lang="en-GB" b="0" dirty="0" err="1"/>
-              <a:t>tps</a:t>
-            </a:r>
-            <a:r>
-              <a:rPr lang="en-GB" b="0" dirty="0"/>
-              <a:t> on 64 validators around the world in AWS </a:t>
-            </a:r>
-            <a:r>
-              <a:rPr lang="en-GB" b="0" dirty="0" err="1"/>
-              <a:t>datacenters</a:t>
+              <a:t>Zk-Snarks</a:t>
             </a:r>
             <a:endParaRPr lang="en-GB" b="0" dirty="0"/>
           </a:p>
           <a:p>
-            <a:pPr marL="1543050" lvl="3" indent="-171450">
-              <a:buFont typeface="Arial" panose="020B0604020202020204" pitchFamily="34" charset="0"/>
-              <a:buChar char="•"/>
-            </a:pPr>
-            <a:r>
-              <a:rPr lang="en-GB" b="0" dirty="0"/>
-              <a:t>Extremely old benchmark from 3 years ago</a:t>
-            </a:r>
-          </a:p>
-          <a:p>
-            <a:pPr marL="628650" lvl="1" indent="-171450">
-              <a:buFont typeface="Arial" panose="020B0604020202020204" pitchFamily="34" charset="0"/>
-              <a:buChar char="•"/>
-            </a:pPr>
-            <a:r>
-              <a:rPr lang="en-GB" b="0" dirty="0"/>
-              <a:t>Disadvantages</a:t>
-            </a:r>
-          </a:p>
-          <a:p>
-            <a:pPr marL="1085850" lvl="2" indent="-171450">
-              <a:buFont typeface="Arial" panose="020B0604020202020204" pitchFamily="34" charset="0"/>
-              <a:buChar char="•"/>
-            </a:pPr>
-            <a:r>
-              <a:rPr lang="en-GB" b="0" dirty="0"/>
-              <a:t>High network overhead </a:t>
-            </a:r>
-          </a:p>
-          <a:p>
-            <a:pPr marL="628650" lvl="1" indent="-171450">
-              <a:buFont typeface="Arial" panose="020B0604020202020204" pitchFamily="34" charset="0"/>
-              <a:buChar char="•"/>
-            </a:pPr>
-            <a:r>
-              <a:rPr lang="en-GB" b="0" dirty="0"/>
-              <a:t>Future Improvements</a:t>
-            </a:r>
-          </a:p>
-          <a:p>
-            <a:pPr marL="1085850" lvl="2" indent="-171450">
-              <a:buFont typeface="Arial" panose="020B0604020202020204" pitchFamily="34" charset="0"/>
-              <a:buChar char="•"/>
-            </a:pPr>
-            <a:r>
-              <a:rPr lang="en-GB" b="0" dirty="0"/>
-              <a:t>BLS signatures to </a:t>
-            </a:r>
-            <a:r>
-              <a:rPr lang="en-GB" b="0" dirty="0" err="1"/>
-              <a:t>aggregrate</a:t>
-            </a:r>
-            <a:r>
-              <a:rPr lang="en-GB" b="0" dirty="0"/>
-              <a:t> votes on the P2P layer</a:t>
-            </a:r>
-          </a:p>
-          <a:p>
-            <a:pPr marL="1085850" lvl="2" indent="-171450">
-              <a:buFont typeface="Arial" panose="020B0604020202020204" pitchFamily="34" charset="0"/>
-              <a:buChar char="•"/>
-            </a:pPr>
-            <a:r>
-              <a:rPr lang="en-GB" b="0" dirty="0"/>
-              <a:t>Optimistic pipelining</a:t>
-            </a:r>
-          </a:p>
-          <a:p>
-            <a:pPr marL="1543050" lvl="3" indent="-171450">
-              <a:buFont typeface="Arial" panose="020B0604020202020204" pitchFamily="34" charset="0"/>
-              <a:buChar char="•"/>
-            </a:pPr>
-            <a:r>
-              <a:rPr lang="en-GB" b="0" dirty="0"/>
-              <a:t>Using </a:t>
-            </a:r>
-            <a:r>
-              <a:rPr lang="en-GB" b="0" dirty="0" err="1"/>
-              <a:t>prevote</a:t>
-            </a:r>
-            <a:r>
-              <a:rPr lang="en-GB" b="0" dirty="0"/>
-              <a:t> from previous block as </a:t>
-            </a:r>
-            <a:r>
-              <a:rPr lang="en-GB" b="0" dirty="0" err="1"/>
-              <a:t>precommit</a:t>
-            </a:r>
-            <a:r>
-              <a:rPr lang="en-GB" b="0" dirty="0"/>
-              <a:t> for next block</a:t>
-            </a:r>
-          </a:p>
-          <a:p>
-            <a:pPr marL="1085850" lvl="2" indent="-171450">
-              <a:buFont typeface="Arial" panose="020B0604020202020204" pitchFamily="34" charset="0"/>
-              <a:buChar char="•"/>
-            </a:pPr>
-            <a:r>
-              <a:rPr lang="en-GB" b="0" dirty="0"/>
-              <a:t>DKG extension ala </a:t>
-            </a:r>
-            <a:r>
-              <a:rPr lang="en-GB" b="0" dirty="0" err="1"/>
-              <a:t>Honeybadger</a:t>
-            </a:r>
+            <a:pPr marL="171450" indent="-171450">
+              <a:buFont typeface="Arial" panose="020B0604020202020204" pitchFamily="34" charset="0"/>
+              <a:buChar char="•"/>
+            </a:pPr>
             <a:endParaRPr lang="en-GB" b="0" dirty="0"/>
-          </a:p>
-          <a:p>
-            <a:pPr marL="1543050" lvl="3" indent="-171450">
-              <a:buFont typeface="Arial" panose="020B0604020202020204" pitchFamily="34" charset="0"/>
-              <a:buChar char="•"/>
-            </a:pPr>
-            <a:r>
-              <a:rPr lang="en-GB" b="0" dirty="0"/>
-              <a:t>Prevents validators front-running</a:t>
-            </a:r>
-          </a:p>
-          <a:p>
-            <a:pPr marL="171450" lvl="0" indent="-171450">
-              <a:buFont typeface="Arial" panose="020B0604020202020204" pitchFamily="34" charset="0"/>
-              <a:buChar char="•"/>
-            </a:pPr>
-            <a:r>
-              <a:rPr lang="en-GB" b="0" dirty="0"/>
-              <a:t>Practical Takeaways:</a:t>
-            </a:r>
-          </a:p>
-          <a:p>
-            <a:pPr marL="628650" lvl="1" indent="-171450">
-              <a:buFont typeface="Arial" panose="020B0604020202020204" pitchFamily="34" charset="0"/>
-              <a:buChar char="•"/>
-            </a:pPr>
-            <a:r>
-              <a:rPr lang="en-GB" b="0" dirty="0"/>
-              <a:t>Usable today with an implementation as </a:t>
-            </a:r>
-            <a:r>
-              <a:rPr lang="en-GB" b="0" dirty="0" err="1"/>
-              <a:t>Tendermint</a:t>
-            </a:r>
-            <a:r>
-              <a:rPr lang="en-GB" b="0" dirty="0"/>
-              <a:t> Core</a:t>
-            </a:r>
-          </a:p>
-          <a:p>
-            <a:pPr marL="628650" lvl="1" indent="-171450">
-              <a:buFont typeface="Arial" panose="020B0604020202020204" pitchFamily="34" charset="0"/>
-              <a:buChar char="•"/>
-            </a:pPr>
-            <a:r>
-              <a:rPr lang="en-GB" b="0" dirty="0"/>
-              <a:t>Parity client also includes an implementation</a:t>
-            </a:r>
-          </a:p>
-          <a:p>
-            <a:pPr marL="1085850" lvl="2" indent="-171450">
-              <a:buFont typeface="Arial" panose="020B0604020202020204" pitchFamily="34" charset="0"/>
-              <a:buChar char="•"/>
-            </a:pPr>
-            <a:r>
-              <a:rPr lang="en-GB" b="0" dirty="0"/>
-              <a:t>I haven’t looked into it too much, you should speak to Robert if you are interested in it</a:t>
-            </a:r>
           </a:p>
         </p:txBody>
       </p:sp>
@@ -4141,7 +3557,7 @@
     </p:spTree>
     <p:extLst>
       <p:ext uri="{BB962C8B-B14F-4D97-AF65-F5344CB8AC3E}">
-        <p14:creationId xmlns:p14="http://schemas.microsoft.com/office/powerpoint/2010/main" val="776713827"/>
+        <p14:creationId xmlns:p14="http://schemas.microsoft.com/office/powerpoint/2010/main" val="963128696"/>
       </p:ext>
     </p:extLst>
   </p:cSld>
@@ -4195,13 +3611,80 @@
           <a:bodyPr/>
           <a:lstStyle/>
           <a:p>
-            <a:pPr marL="0" lvl="0" indent="0">
-              <a:buFont typeface="Arial" panose="020B0604020202020204" pitchFamily="34" charset="0"/>
-              <a:buNone/>
-            </a:pPr>
+            <a:r>
+              <a:rPr lang="en-GB" b="1" dirty="0" err="1"/>
+              <a:t>Interchain</a:t>
+            </a:r>
             <a:r>
               <a:rPr lang="en-GB" b="1" dirty="0"/>
-              <a:t>Consensus Scaling – 5 minutes</a:t>
+              <a:t> Scaling – 5 minutes</a:t>
+            </a:r>
+          </a:p>
+          <a:p>
+            <a:endParaRPr lang="en-GB" b="0" dirty="0"/>
+          </a:p>
+          <a:p>
+            <a:pPr marL="171450" indent="-171450">
+              <a:buFont typeface="Arial" panose="020B0604020202020204" pitchFamily="34" charset="0"/>
+              <a:buChar char="•"/>
+            </a:pPr>
+            <a:r>
+              <a:rPr lang="en-GB" b="0" dirty="0"/>
+              <a:t>There are limits to vertical scalability</a:t>
+            </a:r>
+          </a:p>
+          <a:p>
+            <a:pPr marL="171450" indent="-171450">
+              <a:buFont typeface="Arial" panose="020B0604020202020204" pitchFamily="34" charset="0"/>
+              <a:buChar char="•"/>
+            </a:pPr>
+            <a:r>
+              <a:rPr lang="en-GB" b="0" dirty="0" err="1"/>
+              <a:t>Interchain</a:t>
+            </a:r>
+            <a:r>
+              <a:rPr lang="en-GB" b="0" dirty="0"/>
+              <a:t> scaling enables horizontal scaling and allows for heterogeneous chains to connect</a:t>
+            </a:r>
+          </a:p>
+          <a:p>
+            <a:pPr marL="171450" indent="-171450">
+              <a:buFont typeface="Arial" panose="020B0604020202020204" pitchFamily="34" charset="0"/>
+              <a:buChar char="•"/>
+            </a:pPr>
+            <a:r>
+              <a:rPr lang="en-GB" b="0" dirty="0"/>
+              <a:t>IBC</a:t>
+            </a:r>
+          </a:p>
+          <a:p>
+            <a:pPr marL="628650" lvl="1" indent="-171450">
+              <a:buFont typeface="Arial" panose="020B0604020202020204" pitchFamily="34" charset="0"/>
+              <a:buChar char="•"/>
+            </a:pPr>
+            <a:r>
+              <a:rPr lang="en-GB" b="0" dirty="0"/>
+              <a:t>Locks tokens to the consensus of the other chain</a:t>
+            </a:r>
+          </a:p>
+          <a:p>
+            <a:pPr marL="628650" lvl="1" indent="-171450">
+              <a:buFont typeface="Arial" panose="020B0604020202020204" pitchFamily="34" charset="0"/>
+              <a:buChar char="•"/>
+            </a:pPr>
+            <a:r>
+              <a:rPr lang="en-GB" b="0" dirty="0"/>
+              <a:t>Allows for secure transfers between implementing chains</a:t>
+            </a:r>
+          </a:p>
+          <a:p>
+            <a:pPr marL="628650" lvl="1" indent="-171450">
+              <a:buFont typeface="Arial" panose="020B0604020202020204" pitchFamily="34" charset="0"/>
+              <a:buChar char="•"/>
+            </a:pPr>
+            <a:r>
+              <a:rPr lang="en-GB" b="0" dirty="0"/>
+              <a:t>Starts with tokens, then NFTs, then complex objects</a:t>
             </a:r>
           </a:p>
           <a:p>
@@ -4209,241 +3692,90 @@
               <a:buFont typeface="Arial" panose="020B0604020202020204" pitchFamily="34" charset="0"/>
               <a:buChar char="•"/>
             </a:pPr>
+            <a:r>
+              <a:rPr lang="en-GB" b="0" dirty="0"/>
+              <a:t>Peggy</a:t>
+            </a:r>
+          </a:p>
+          <a:p>
+            <a:pPr marL="628650" lvl="1" indent="-171450">
+              <a:buFont typeface="Arial" panose="020B0604020202020204" pitchFamily="34" charset="0"/>
+              <a:buChar char="•"/>
+            </a:pPr>
+            <a:r>
+              <a:rPr lang="en-GB" b="0" dirty="0"/>
+              <a:t>A way to connect non-finality chains</a:t>
+            </a:r>
+          </a:p>
+          <a:p>
+            <a:pPr marL="628650" lvl="1" indent="-171450">
+              <a:buFont typeface="Arial" panose="020B0604020202020204" pitchFamily="34" charset="0"/>
+              <a:buChar char="•"/>
+            </a:pPr>
+            <a:r>
+              <a:rPr lang="en-GB" b="0" dirty="0"/>
+              <a:t>Enforce pseudo-finality</a:t>
+            </a:r>
+          </a:p>
+          <a:p>
+            <a:pPr marL="628650" lvl="1" indent="-171450">
+              <a:buFont typeface="Arial" panose="020B0604020202020204" pitchFamily="34" charset="0"/>
+              <a:buChar char="•"/>
+            </a:pPr>
+            <a:r>
+              <a:rPr lang="en-GB" b="0" dirty="0"/>
+              <a:t>Bad things happen when a reorg happens after the finality threshold</a:t>
+            </a:r>
+          </a:p>
+          <a:p>
+            <a:pPr marL="171450" lvl="0" indent="-171450">
+              <a:buFont typeface="Arial" panose="020B0604020202020204" pitchFamily="34" charset="0"/>
+              <a:buChar char="•"/>
+            </a:pPr>
+            <a:r>
+              <a:rPr lang="en-GB" b="0" dirty="0"/>
+              <a:t>Cosmos Hub</a:t>
+            </a:r>
+          </a:p>
+          <a:p>
+            <a:pPr marL="628650" lvl="1" indent="-171450">
+              <a:buFont typeface="Arial" panose="020B0604020202020204" pitchFamily="34" charset="0"/>
+              <a:buChar char="•"/>
+            </a:pPr>
+            <a:r>
+              <a:rPr lang="en-GB" b="0" dirty="0"/>
+              <a:t>In a world of multiple chains, we need a liquidity aggregator that other chains can use</a:t>
+            </a:r>
+          </a:p>
+          <a:p>
+            <a:pPr marL="628650" lvl="1" indent="-171450">
+              <a:buFont typeface="Arial" panose="020B0604020202020204" pitchFamily="34" charset="0"/>
+              <a:buChar char="•"/>
+            </a:pPr>
+            <a:r>
+              <a:rPr lang="en-GB" b="0" dirty="0"/>
+              <a:t>Maintains the double spend protection of a normal </a:t>
+            </a:r>
+            <a:r>
+              <a:rPr lang="en-GB" b="0" dirty="0" err="1"/>
+              <a:t>blockchain</a:t>
+            </a:r>
+            <a:r>
+              <a:rPr lang="en-GB" b="0" dirty="0"/>
+              <a:t> but between multiple </a:t>
+            </a:r>
+            <a:r>
+              <a:rPr lang="en-GB" b="0" dirty="0" err="1"/>
+              <a:t>blockchains</a:t>
+            </a:r>
             <a:endParaRPr lang="en-GB" b="0" dirty="0"/>
           </a:p>
           <a:p>
-            <a:pPr marL="171450" lvl="0" indent="-171450">
-              <a:buFont typeface="Arial" panose="020B0604020202020204" pitchFamily="34" charset="0"/>
-              <a:buChar char="•"/>
-            </a:pPr>
-            <a:r>
-              <a:rPr lang="en-GB" b="0" dirty="0" err="1"/>
-              <a:t>Tendermint</a:t>
-            </a:r>
-            <a:r>
-              <a:rPr lang="en-GB" b="0" dirty="0"/>
-              <a:t> Consensus</a:t>
-            </a:r>
-          </a:p>
-          <a:p>
-            <a:pPr marL="628650" lvl="1" indent="-171450">
-              <a:buFont typeface="Arial" panose="020B0604020202020204" pitchFamily="34" charset="0"/>
-              <a:buChar char="•"/>
-            </a:pPr>
-            <a:r>
-              <a:rPr lang="en-GB" b="0" dirty="0"/>
-              <a:t>Advantages</a:t>
-            </a:r>
-          </a:p>
-          <a:p>
-            <a:pPr marL="1085850" lvl="2" indent="-171450">
-              <a:buFont typeface="Arial" panose="020B0604020202020204" pitchFamily="34" charset="0"/>
-              <a:buChar char="•"/>
-            </a:pPr>
-            <a:r>
-              <a:rPr lang="en-GB" b="0" dirty="0"/>
-              <a:t>Instant finality</a:t>
-            </a:r>
-          </a:p>
-          <a:p>
-            <a:pPr marL="1085850" lvl="2" indent="-171450">
-              <a:buFont typeface="Arial" panose="020B0604020202020204" pitchFamily="34" charset="0"/>
-              <a:buChar char="•"/>
-            </a:pPr>
-            <a:r>
-              <a:rPr lang="en-GB" b="0" dirty="0"/>
-              <a:t>Efficient light client proofs – only need headers if the validator set changes &gt; 1/3</a:t>
-            </a:r>
-          </a:p>
-          <a:p>
-            <a:pPr marL="1085850" lvl="2" indent="-171450">
-              <a:buFont typeface="Arial" panose="020B0604020202020204" pitchFamily="34" charset="0"/>
-              <a:buChar char="•"/>
-            </a:pPr>
-            <a:r>
-              <a:rPr lang="en-GB" b="0" dirty="0"/>
-              <a:t>4,000 </a:t>
-            </a:r>
-            <a:r>
-              <a:rPr lang="en-GB" b="0" dirty="0" err="1"/>
-              <a:t>tps</a:t>
-            </a:r>
-            <a:r>
-              <a:rPr lang="en-GB" b="0" dirty="0"/>
-              <a:t> on 64 validators around the world in AWS </a:t>
-            </a:r>
-            <a:r>
-              <a:rPr lang="en-GB" b="0" dirty="0" err="1"/>
-              <a:t>datacenters</a:t>
-            </a:r>
+            <a:pPr marL="171450" indent="-171450">
+              <a:buFont typeface="Arial" panose="020B0604020202020204" pitchFamily="34" charset="0"/>
+              <a:buChar char="•"/>
+            </a:pPr>
             <a:endParaRPr lang="en-GB" b="0" dirty="0"/>
-          </a:p>
-          <a:p>
-            <a:pPr marL="1543050" lvl="3" indent="-171450">
-              <a:buFont typeface="Arial" panose="020B0604020202020204" pitchFamily="34" charset="0"/>
-              <a:buChar char="•"/>
-            </a:pPr>
-            <a:r>
-              <a:rPr lang="en-GB" b="0" dirty="0"/>
-              <a:t>Extremely old benchmark from 3 years ago</a:t>
-            </a:r>
-          </a:p>
-          <a:p>
-            <a:pPr marL="628650" lvl="1" indent="-171450">
-              <a:buFont typeface="Arial" panose="020B0604020202020204" pitchFamily="34" charset="0"/>
-              <a:buChar char="•"/>
-            </a:pPr>
-            <a:r>
-              <a:rPr lang="en-GB" b="0" dirty="0"/>
-              <a:t>Disadvantages</a:t>
-            </a:r>
-          </a:p>
-          <a:p>
-            <a:pPr marL="1085850" lvl="2" indent="-171450">
-              <a:buFont typeface="Arial" panose="020B0604020202020204" pitchFamily="34" charset="0"/>
-              <a:buChar char="•"/>
-            </a:pPr>
-            <a:r>
-              <a:rPr lang="en-GB" b="0" dirty="0"/>
-              <a:t>High network overhead </a:t>
-            </a:r>
-          </a:p>
-          <a:p>
-            <a:pPr marL="628650" lvl="1" indent="-171450">
-              <a:buFont typeface="Arial" panose="020B0604020202020204" pitchFamily="34" charset="0"/>
-              <a:buChar char="•"/>
-            </a:pPr>
-            <a:r>
-              <a:rPr lang="en-GB" b="0" dirty="0"/>
-              <a:t>Future Improvements</a:t>
-            </a:r>
-          </a:p>
-          <a:p>
-            <a:pPr marL="1085850" lvl="2" indent="-171450">
-              <a:buFont typeface="Arial" panose="020B0604020202020204" pitchFamily="34" charset="0"/>
-              <a:buChar char="•"/>
-            </a:pPr>
-            <a:r>
-              <a:rPr lang="en-GB" b="0" dirty="0"/>
-              <a:t>BLS signatures to </a:t>
-            </a:r>
-            <a:r>
-              <a:rPr lang="en-GB" b="0" dirty="0" err="1"/>
-              <a:t>aggregrate</a:t>
-            </a:r>
-            <a:r>
-              <a:rPr lang="en-GB" b="0" dirty="0"/>
-              <a:t> votes on the P2P layer</a:t>
-            </a:r>
-          </a:p>
-          <a:p>
-            <a:pPr marL="1085850" lvl="2" indent="-171450">
-              <a:buFont typeface="Arial" panose="020B0604020202020204" pitchFamily="34" charset="0"/>
-              <a:buChar char="•"/>
-            </a:pPr>
-            <a:r>
-              <a:rPr lang="en-GB" b="0" dirty="0"/>
-              <a:t>Optimistic pipelining</a:t>
-            </a:r>
-          </a:p>
-          <a:p>
-            <a:pPr marL="1543050" lvl="3" indent="-171450">
-              <a:buFont typeface="Arial" panose="020B0604020202020204" pitchFamily="34" charset="0"/>
-              <a:buChar char="•"/>
-            </a:pPr>
-            <a:r>
-              <a:rPr lang="en-GB" b="0" dirty="0"/>
-              <a:t>Using </a:t>
-            </a:r>
-            <a:r>
-              <a:rPr lang="en-GB" b="0" dirty="0" err="1"/>
-              <a:t>prevote</a:t>
-            </a:r>
-            <a:r>
-              <a:rPr lang="en-GB" b="0" dirty="0"/>
-              <a:t> from previous block as </a:t>
-            </a:r>
-            <a:r>
-              <a:rPr lang="en-GB" b="0" dirty="0" err="1"/>
-              <a:t>precommit</a:t>
-            </a:r>
-            <a:r>
-              <a:rPr lang="en-GB" b="0" dirty="0"/>
-              <a:t> for next block</a:t>
-            </a:r>
-          </a:p>
-          <a:p>
-            <a:pPr marL="1085850" lvl="2" indent="-171450">
-              <a:buFont typeface="Arial" panose="020B0604020202020204" pitchFamily="34" charset="0"/>
-              <a:buChar char="•"/>
-            </a:pPr>
-            <a:r>
-              <a:rPr lang="en-GB" b="0" dirty="0"/>
-              <a:t>DKG extension ala </a:t>
-            </a:r>
-            <a:r>
-              <a:rPr lang="en-GB" b="0" dirty="0" err="1"/>
-              <a:t>Honeybadger</a:t>
-            </a:r>
-            <a:endParaRPr lang="en-GB" b="0" dirty="0"/>
-          </a:p>
-          <a:p>
-            <a:pPr marL="1543050" lvl="3" indent="-171450">
-              <a:buFont typeface="Arial" panose="020B0604020202020204" pitchFamily="34" charset="0"/>
-              <a:buChar char="•"/>
-            </a:pPr>
-            <a:r>
-              <a:rPr lang="en-GB" b="0" dirty="0"/>
-              <a:t>Prevents validators front-running</a:t>
-            </a:r>
-          </a:p>
-          <a:p>
-            <a:pPr marL="171450" lvl="0" indent="-171450">
-              <a:buFont typeface="Arial" panose="020B0604020202020204" pitchFamily="34" charset="0"/>
-              <a:buChar char="•"/>
-            </a:pPr>
-            <a:r>
-              <a:rPr lang="en-GB" b="0" dirty="0"/>
-              <a:t>Practical Takeaways:</a:t>
-            </a:r>
-          </a:p>
-          <a:p>
-            <a:pPr marL="628650" lvl="1" indent="-171450">
-              <a:buFont typeface="Arial" panose="020B0604020202020204" pitchFamily="34" charset="0"/>
-              <a:buChar char="•"/>
-            </a:pPr>
-            <a:r>
-              <a:rPr lang="en-GB" b="0" dirty="0"/>
-              <a:t>Usable today with an implementation as </a:t>
-            </a:r>
-            <a:r>
-              <a:rPr lang="en-GB" b="0" dirty="0" err="1"/>
-              <a:t>Tendermint</a:t>
-            </a:r>
-            <a:r>
-              <a:rPr lang="en-GB" b="0" dirty="0"/>
-              <a:t> Core</a:t>
-            </a:r>
-          </a:p>
-          <a:p>
-            <a:pPr marL="628650" lvl="1" indent="-171450">
-              <a:buFont typeface="Arial" panose="020B0604020202020204" pitchFamily="34" charset="0"/>
-              <a:buChar char="•"/>
-            </a:pPr>
-            <a:r>
-              <a:rPr lang="en-GB" b="0" dirty="0"/>
-              <a:t>Parity client also includes an implementation</a:t>
-            </a:r>
-          </a:p>
-          <a:p>
-            <a:pPr marL="1085850" lvl="2" indent="-171450">
-              <a:buFont typeface="Arial" panose="020B0604020202020204" pitchFamily="34" charset="0"/>
-              <a:buChar char="•"/>
-            </a:pPr>
-            <a:r>
-              <a:rPr lang="en-GB" b="0" dirty="0"/>
-              <a:t>I haven’t looked into it too much, you should speak to Robert if you are interested in it</a:t>
-            </a:r>
           </a:p>
         </p:txBody>
       </p:sp>
@@ -4474,7 +3806,7 @@
     </p:spTree>
     <p:extLst>
       <p:ext uri="{BB962C8B-B14F-4D97-AF65-F5344CB8AC3E}">
-        <p14:creationId xmlns:p14="http://schemas.microsoft.com/office/powerpoint/2010/main" val="2377412554"/>
+        <p14:creationId xmlns:p14="http://schemas.microsoft.com/office/powerpoint/2010/main" val="936098678"/>
       </p:ext>
     </p:extLst>
   </p:cSld>
@@ -13703,8 +13035,8 @@
         </p:nvSpPr>
         <p:spPr>
           <a:xfrm>
-            <a:off x="10340636" y="8272192"/>
-            <a:ext cx="3702745" cy="553998"/>
+            <a:off x="9737200" y="8272192"/>
+            <a:ext cx="4909614" cy="553998"/>
           </a:xfrm>
           <a:prstGeom prst="rect">
             <a:avLst/>
@@ -13719,10 +13051,16 @@
           <a:p>
             <a:pPr algn="ctr"/>
             <a:r>
+              <a:rPr lang="en-US" sz="3000" spc="-20" dirty="0" err="1">
+                <a:latin typeface="Avenir Next" panose="020B0503020202020204" pitchFamily="34" charset="0"/>
+              </a:rPr>
+              <a:t>DappDev</a:t>
+            </a:r>
+            <a:r>
               <a:rPr lang="en-US" sz="3000" spc="-20" dirty="0">
                 <a:latin typeface="Avenir Next" panose="020B0503020202020204" pitchFamily="34" charset="0"/>
               </a:rPr>
-              <a:t>London, 2018-04-19</a:t>
+              <a:t>, Kiev, 2018-04-16</a:t>
             </a:r>
           </a:p>
         </p:txBody>
@@ -13831,896 +13169,6 @@
       </p:grpSpPr>
       <p:sp>
         <p:nvSpPr>
-          <p:cNvPr id="2" name="Title 1">
-            <a:extLst>
-              <a:ext uri="{FF2B5EF4-FFF2-40B4-BE49-F238E27FC236}">
-                <a16:creationId xmlns:a16="http://schemas.microsoft.com/office/drawing/2014/main" id="{BB5DB68C-3F5D-284C-AC2B-8E0C1980DD86}"/>
-              </a:ext>
-            </a:extLst>
-          </p:cNvPr>
-          <p:cNvSpPr>
-            <a:spLocks noGrp="1"/>
-          </p:cNvSpPr>
-          <p:nvPr>
-            <p:ph type="title"/>
-          </p:nvPr>
-        </p:nvSpPr>
-        <p:spPr>
-          <a:xfrm>
-            <a:off x="846846" y="872628"/>
-            <a:ext cx="6366565" cy="969151"/>
-          </a:xfrm>
-        </p:spPr>
-        <p:txBody>
-          <a:bodyPr/>
-          <a:lstStyle/>
-          <a:p>
-            <a:pPr algn="ctr"/>
-            <a:r>
-              <a:rPr lang="en-GB" b="1" dirty="0">
-                <a:solidFill>
-                  <a:schemeClr val="accent4"/>
-                </a:solidFill>
-                <a:latin typeface="Avenir Next" panose="020B0503020202020204" pitchFamily="34" charset="0"/>
-              </a:rPr>
-              <a:t>STATE MACHINE</a:t>
-            </a:r>
-            <a:r>
-              <a:rPr lang="en-GB" b="1" dirty="0">
-                <a:latin typeface="Avenir Next" panose="020B0503020202020204" pitchFamily="34" charset="0"/>
-              </a:rPr>
-              <a:t> SCALING</a:t>
-            </a:r>
-          </a:p>
-        </p:txBody>
-      </p:sp>
-      <p:sp>
-        <p:nvSpPr>
-          <p:cNvPr id="6" name="Text Placeholder 8">
-            <a:extLst>
-              <a:ext uri="{FF2B5EF4-FFF2-40B4-BE49-F238E27FC236}">
-                <a16:creationId xmlns:a16="http://schemas.microsoft.com/office/drawing/2014/main" id="{ABADFE56-E46C-A644-BA33-A22234BFD7DA}"/>
-              </a:ext>
-            </a:extLst>
-          </p:cNvPr>
-          <p:cNvSpPr txBox="1">
-            <a:spLocks/>
-          </p:cNvSpPr>
-          <p:nvPr/>
-        </p:nvSpPr>
-        <p:spPr>
-          <a:xfrm>
-            <a:off x="5234156" y="5030894"/>
-            <a:ext cx="5400000" cy="5400000"/>
-          </a:xfrm>
-          <a:prstGeom prst="roundRect">
-            <a:avLst>
-              <a:gd name="adj" fmla="val 7255"/>
-            </a:avLst>
-          </a:prstGeom>
-          <a:solidFill>
-            <a:schemeClr val="bg2">
-              <a:alpha val="40000"/>
-            </a:schemeClr>
-          </a:solidFill>
-          <a:ln w="25400">
-            <a:solidFill>
-              <a:schemeClr val="tx1">
-                <a:alpha val="2000"/>
-              </a:schemeClr>
-            </a:solidFill>
-            <a:round/>
-          </a:ln>
-        </p:spPr>
-        <p:style>
-          <a:lnRef idx="2">
-            <a:schemeClr val="dk1"/>
-          </a:lnRef>
-          <a:fillRef idx="1">
-            <a:schemeClr val="lt1"/>
-          </a:fillRef>
-          <a:effectRef idx="0">
-            <a:schemeClr val="dk1"/>
-          </a:effectRef>
-          <a:fontRef idx="minor">
-            <a:schemeClr val="dk1"/>
-          </a:fontRef>
-        </p:style>
-        <p:txBody>
-          <a:bodyPr anchor="ctr"/>
-          <a:lstStyle>
-            <a:lvl1pPr marL="457200" indent="-457200" algn="l" defTabSz="1828800" rtl="0" eaLnBrk="1" latinLnBrk="0" hangingPunct="1">
-              <a:lnSpc>
-                <a:spcPct val="90000"/>
-              </a:lnSpc>
-              <a:spcBef>
-                <a:spcPts val="2000"/>
-              </a:spcBef>
-              <a:buFont typeface="Arial" panose="020B0604020202020204" pitchFamily="34" charset="0"/>
-              <a:buChar char="•"/>
-              <a:defRPr sz="5600" kern="1200">
-                <a:solidFill>
-                  <a:schemeClr val="tx1"/>
-                </a:solidFill>
-                <a:latin typeface="+mn-lt"/>
-                <a:ea typeface="+mn-ea"/>
-                <a:cs typeface="+mn-cs"/>
-              </a:defRPr>
-            </a:lvl1pPr>
-            <a:lvl2pPr marL="1371600" indent="-457200" algn="l" defTabSz="1828800" rtl="0" eaLnBrk="1" latinLnBrk="0" hangingPunct="1">
-              <a:lnSpc>
-                <a:spcPct val="90000"/>
-              </a:lnSpc>
-              <a:spcBef>
-                <a:spcPts val="1000"/>
-              </a:spcBef>
-              <a:buFont typeface="Arial" panose="020B0604020202020204" pitchFamily="34" charset="0"/>
-              <a:buChar char="•"/>
-              <a:defRPr sz="4800" kern="1200">
-                <a:solidFill>
-                  <a:schemeClr val="tx1"/>
-                </a:solidFill>
-                <a:latin typeface="+mn-lt"/>
-                <a:ea typeface="+mn-ea"/>
-                <a:cs typeface="+mn-cs"/>
-              </a:defRPr>
-            </a:lvl2pPr>
-            <a:lvl3pPr marL="2286000" indent="-457200" algn="l" defTabSz="1828800" rtl="0" eaLnBrk="1" latinLnBrk="0" hangingPunct="1">
-              <a:lnSpc>
-                <a:spcPct val="90000"/>
-              </a:lnSpc>
-              <a:spcBef>
-                <a:spcPts val="1000"/>
-              </a:spcBef>
-              <a:buFont typeface="Arial" panose="020B0604020202020204" pitchFamily="34" charset="0"/>
-              <a:buChar char="•"/>
-              <a:defRPr sz="4000" kern="1200">
-                <a:solidFill>
-                  <a:schemeClr val="tx1"/>
-                </a:solidFill>
-                <a:latin typeface="+mn-lt"/>
-                <a:ea typeface="+mn-ea"/>
-                <a:cs typeface="+mn-cs"/>
-              </a:defRPr>
-            </a:lvl3pPr>
-            <a:lvl4pPr marL="3200400" indent="-457200" algn="l" defTabSz="1828800" rtl="0" eaLnBrk="1" latinLnBrk="0" hangingPunct="1">
-              <a:lnSpc>
-                <a:spcPct val="90000"/>
-              </a:lnSpc>
-              <a:spcBef>
-                <a:spcPts val="1000"/>
-              </a:spcBef>
-              <a:buFont typeface="Arial" panose="020B0604020202020204" pitchFamily="34" charset="0"/>
-              <a:buChar char="•"/>
-              <a:defRPr sz="3600" kern="1200">
-                <a:solidFill>
-                  <a:schemeClr val="tx1"/>
-                </a:solidFill>
-                <a:latin typeface="+mn-lt"/>
-                <a:ea typeface="+mn-ea"/>
-                <a:cs typeface="+mn-cs"/>
-              </a:defRPr>
-            </a:lvl4pPr>
-            <a:lvl5pPr marL="4114800" indent="-457200" algn="l" defTabSz="1828800" rtl="0" eaLnBrk="1" latinLnBrk="0" hangingPunct="1">
-              <a:lnSpc>
-                <a:spcPct val="90000"/>
-              </a:lnSpc>
-              <a:spcBef>
-                <a:spcPts val="1000"/>
-              </a:spcBef>
-              <a:buFont typeface="Arial" panose="020B0604020202020204" pitchFamily="34" charset="0"/>
-              <a:buChar char="•"/>
-              <a:defRPr sz="3600" kern="1200">
-                <a:solidFill>
-                  <a:schemeClr val="tx1"/>
-                </a:solidFill>
-                <a:latin typeface="+mn-lt"/>
-                <a:ea typeface="+mn-ea"/>
-                <a:cs typeface="+mn-cs"/>
-              </a:defRPr>
-            </a:lvl5pPr>
-            <a:lvl6pPr marL="5029200" indent="-457200" algn="l" defTabSz="1828800" rtl="0" eaLnBrk="1" latinLnBrk="0" hangingPunct="1">
-              <a:lnSpc>
-                <a:spcPct val="90000"/>
-              </a:lnSpc>
-              <a:spcBef>
-                <a:spcPts val="1000"/>
-              </a:spcBef>
-              <a:buFont typeface="Arial" panose="020B0604020202020204" pitchFamily="34" charset="0"/>
-              <a:buChar char="•"/>
-              <a:defRPr sz="3600" kern="1200">
-                <a:solidFill>
-                  <a:schemeClr val="tx1"/>
-                </a:solidFill>
-                <a:latin typeface="+mn-lt"/>
-                <a:ea typeface="+mn-ea"/>
-                <a:cs typeface="+mn-cs"/>
-              </a:defRPr>
-            </a:lvl6pPr>
-            <a:lvl7pPr marL="5943600" indent="-457200" algn="l" defTabSz="1828800" rtl="0" eaLnBrk="1" latinLnBrk="0" hangingPunct="1">
-              <a:lnSpc>
-                <a:spcPct val="90000"/>
-              </a:lnSpc>
-              <a:spcBef>
-                <a:spcPts val="1000"/>
-              </a:spcBef>
-              <a:buFont typeface="Arial" panose="020B0604020202020204" pitchFamily="34" charset="0"/>
-              <a:buChar char="•"/>
-              <a:defRPr sz="3600" kern="1200">
-                <a:solidFill>
-                  <a:schemeClr val="tx1"/>
-                </a:solidFill>
-                <a:latin typeface="+mn-lt"/>
-                <a:ea typeface="+mn-ea"/>
-                <a:cs typeface="+mn-cs"/>
-              </a:defRPr>
-            </a:lvl7pPr>
-            <a:lvl8pPr marL="6858000" indent="-457200" algn="l" defTabSz="1828800" rtl="0" eaLnBrk="1" latinLnBrk="0" hangingPunct="1">
-              <a:lnSpc>
-                <a:spcPct val="90000"/>
-              </a:lnSpc>
-              <a:spcBef>
-                <a:spcPts val="1000"/>
-              </a:spcBef>
-              <a:buFont typeface="Arial" panose="020B0604020202020204" pitchFamily="34" charset="0"/>
-              <a:buChar char="•"/>
-              <a:defRPr sz="3600" kern="1200">
-                <a:solidFill>
-                  <a:schemeClr val="tx1"/>
-                </a:solidFill>
-                <a:latin typeface="+mn-lt"/>
-                <a:ea typeface="+mn-ea"/>
-                <a:cs typeface="+mn-cs"/>
-              </a:defRPr>
-            </a:lvl8pPr>
-            <a:lvl9pPr marL="7772400" indent="-457200" algn="l" defTabSz="1828800" rtl="0" eaLnBrk="1" latinLnBrk="0" hangingPunct="1">
-              <a:lnSpc>
-                <a:spcPct val="90000"/>
-              </a:lnSpc>
-              <a:spcBef>
-                <a:spcPts val="1000"/>
-              </a:spcBef>
-              <a:buFont typeface="Arial" panose="020B0604020202020204" pitchFamily="34" charset="0"/>
-              <a:buChar char="•"/>
-              <a:defRPr sz="3600" kern="1200">
-                <a:solidFill>
-                  <a:schemeClr val="tx1"/>
-                </a:solidFill>
-                <a:latin typeface="+mn-lt"/>
-                <a:ea typeface="+mn-ea"/>
-                <a:cs typeface="+mn-cs"/>
-              </a:defRPr>
-            </a:lvl9pPr>
-          </a:lstStyle>
-          <a:p>
-            <a:pPr marL="0" indent="0" algn="ctr">
-              <a:buNone/>
-            </a:pPr>
-            <a:r>
-              <a:rPr lang="en-US" sz="3600" b="1" dirty="0">
-                <a:solidFill>
-                  <a:schemeClr val="accent1"/>
-                </a:solidFill>
-                <a:latin typeface="Avenir Next" panose="020B0503020202020204" pitchFamily="34" charset="0"/>
-              </a:rPr>
-              <a:t>ETHERMINT</a:t>
-            </a:r>
-          </a:p>
-        </p:txBody>
-      </p:sp>
-      <p:sp>
-        <p:nvSpPr>
-          <p:cNvPr id="7" name="Text Placeholder 8">
-            <a:extLst>
-              <a:ext uri="{FF2B5EF4-FFF2-40B4-BE49-F238E27FC236}">
-                <a16:creationId xmlns:a16="http://schemas.microsoft.com/office/drawing/2014/main" id="{4C9D709C-9D01-0B44-9F2A-5189EE9E3516}"/>
-              </a:ext>
-            </a:extLst>
-          </p:cNvPr>
-          <p:cNvSpPr txBox="1">
-            <a:spLocks/>
-          </p:cNvSpPr>
-          <p:nvPr/>
-        </p:nvSpPr>
-        <p:spPr>
-          <a:xfrm>
-            <a:off x="13489224" y="5030894"/>
-            <a:ext cx="5400000" cy="5400000"/>
-          </a:xfrm>
-          <a:prstGeom prst="roundRect">
-            <a:avLst>
-              <a:gd name="adj" fmla="val 7255"/>
-            </a:avLst>
-          </a:prstGeom>
-          <a:solidFill>
-            <a:schemeClr val="bg2">
-              <a:alpha val="40000"/>
-            </a:schemeClr>
-          </a:solidFill>
-          <a:ln w="25400">
-            <a:solidFill>
-              <a:schemeClr val="tx1">
-                <a:alpha val="2000"/>
-              </a:schemeClr>
-            </a:solidFill>
-            <a:round/>
-          </a:ln>
-        </p:spPr>
-        <p:style>
-          <a:lnRef idx="2">
-            <a:schemeClr val="dk1"/>
-          </a:lnRef>
-          <a:fillRef idx="1">
-            <a:schemeClr val="lt1"/>
-          </a:fillRef>
-          <a:effectRef idx="0">
-            <a:schemeClr val="dk1"/>
-          </a:effectRef>
-          <a:fontRef idx="minor">
-            <a:schemeClr val="dk1"/>
-          </a:fontRef>
-        </p:style>
-        <p:txBody>
-          <a:bodyPr anchor="ctr"/>
-          <a:lstStyle>
-            <a:lvl1pPr marL="457200" indent="-457200" algn="l" defTabSz="1828800" rtl="0" eaLnBrk="1" latinLnBrk="0" hangingPunct="1">
-              <a:lnSpc>
-                <a:spcPct val="90000"/>
-              </a:lnSpc>
-              <a:spcBef>
-                <a:spcPts val="2000"/>
-              </a:spcBef>
-              <a:buFont typeface="Arial" panose="020B0604020202020204" pitchFamily="34" charset="0"/>
-              <a:buChar char="•"/>
-              <a:defRPr sz="5600" kern="1200">
-                <a:solidFill>
-                  <a:schemeClr val="tx1"/>
-                </a:solidFill>
-                <a:latin typeface="+mn-lt"/>
-                <a:ea typeface="+mn-ea"/>
-                <a:cs typeface="+mn-cs"/>
-              </a:defRPr>
-            </a:lvl1pPr>
-            <a:lvl2pPr marL="1371600" indent="-457200" algn="l" defTabSz="1828800" rtl="0" eaLnBrk="1" latinLnBrk="0" hangingPunct="1">
-              <a:lnSpc>
-                <a:spcPct val="90000"/>
-              </a:lnSpc>
-              <a:spcBef>
-                <a:spcPts val="1000"/>
-              </a:spcBef>
-              <a:buFont typeface="Arial" panose="020B0604020202020204" pitchFamily="34" charset="0"/>
-              <a:buChar char="•"/>
-              <a:defRPr sz="4800" kern="1200">
-                <a:solidFill>
-                  <a:schemeClr val="tx1"/>
-                </a:solidFill>
-                <a:latin typeface="+mn-lt"/>
-                <a:ea typeface="+mn-ea"/>
-                <a:cs typeface="+mn-cs"/>
-              </a:defRPr>
-            </a:lvl2pPr>
-            <a:lvl3pPr marL="2286000" indent="-457200" algn="l" defTabSz="1828800" rtl="0" eaLnBrk="1" latinLnBrk="0" hangingPunct="1">
-              <a:lnSpc>
-                <a:spcPct val="90000"/>
-              </a:lnSpc>
-              <a:spcBef>
-                <a:spcPts val="1000"/>
-              </a:spcBef>
-              <a:buFont typeface="Arial" panose="020B0604020202020204" pitchFamily="34" charset="0"/>
-              <a:buChar char="•"/>
-              <a:defRPr sz="4000" kern="1200">
-                <a:solidFill>
-                  <a:schemeClr val="tx1"/>
-                </a:solidFill>
-                <a:latin typeface="+mn-lt"/>
-                <a:ea typeface="+mn-ea"/>
-                <a:cs typeface="+mn-cs"/>
-              </a:defRPr>
-            </a:lvl3pPr>
-            <a:lvl4pPr marL="3200400" indent="-457200" algn="l" defTabSz="1828800" rtl="0" eaLnBrk="1" latinLnBrk="0" hangingPunct="1">
-              <a:lnSpc>
-                <a:spcPct val="90000"/>
-              </a:lnSpc>
-              <a:spcBef>
-                <a:spcPts val="1000"/>
-              </a:spcBef>
-              <a:buFont typeface="Arial" panose="020B0604020202020204" pitchFamily="34" charset="0"/>
-              <a:buChar char="•"/>
-              <a:defRPr sz="3600" kern="1200">
-                <a:solidFill>
-                  <a:schemeClr val="tx1"/>
-                </a:solidFill>
-                <a:latin typeface="+mn-lt"/>
-                <a:ea typeface="+mn-ea"/>
-                <a:cs typeface="+mn-cs"/>
-              </a:defRPr>
-            </a:lvl4pPr>
-            <a:lvl5pPr marL="4114800" indent="-457200" algn="l" defTabSz="1828800" rtl="0" eaLnBrk="1" latinLnBrk="0" hangingPunct="1">
-              <a:lnSpc>
-                <a:spcPct val="90000"/>
-              </a:lnSpc>
-              <a:spcBef>
-                <a:spcPts val="1000"/>
-              </a:spcBef>
-              <a:buFont typeface="Arial" panose="020B0604020202020204" pitchFamily="34" charset="0"/>
-              <a:buChar char="•"/>
-              <a:defRPr sz="3600" kern="1200">
-                <a:solidFill>
-                  <a:schemeClr val="tx1"/>
-                </a:solidFill>
-                <a:latin typeface="+mn-lt"/>
-                <a:ea typeface="+mn-ea"/>
-                <a:cs typeface="+mn-cs"/>
-              </a:defRPr>
-            </a:lvl5pPr>
-            <a:lvl6pPr marL="5029200" indent="-457200" algn="l" defTabSz="1828800" rtl="0" eaLnBrk="1" latinLnBrk="0" hangingPunct="1">
-              <a:lnSpc>
-                <a:spcPct val="90000"/>
-              </a:lnSpc>
-              <a:spcBef>
-                <a:spcPts val="1000"/>
-              </a:spcBef>
-              <a:buFont typeface="Arial" panose="020B0604020202020204" pitchFamily="34" charset="0"/>
-              <a:buChar char="•"/>
-              <a:defRPr sz="3600" kern="1200">
-                <a:solidFill>
-                  <a:schemeClr val="tx1"/>
-                </a:solidFill>
-                <a:latin typeface="+mn-lt"/>
-                <a:ea typeface="+mn-ea"/>
-                <a:cs typeface="+mn-cs"/>
-              </a:defRPr>
-            </a:lvl6pPr>
-            <a:lvl7pPr marL="5943600" indent="-457200" algn="l" defTabSz="1828800" rtl="0" eaLnBrk="1" latinLnBrk="0" hangingPunct="1">
-              <a:lnSpc>
-                <a:spcPct val="90000"/>
-              </a:lnSpc>
-              <a:spcBef>
-                <a:spcPts val="1000"/>
-              </a:spcBef>
-              <a:buFont typeface="Arial" panose="020B0604020202020204" pitchFamily="34" charset="0"/>
-              <a:buChar char="•"/>
-              <a:defRPr sz="3600" kern="1200">
-                <a:solidFill>
-                  <a:schemeClr val="tx1"/>
-                </a:solidFill>
-                <a:latin typeface="+mn-lt"/>
-                <a:ea typeface="+mn-ea"/>
-                <a:cs typeface="+mn-cs"/>
-              </a:defRPr>
-            </a:lvl7pPr>
-            <a:lvl8pPr marL="6858000" indent="-457200" algn="l" defTabSz="1828800" rtl="0" eaLnBrk="1" latinLnBrk="0" hangingPunct="1">
-              <a:lnSpc>
-                <a:spcPct val="90000"/>
-              </a:lnSpc>
-              <a:spcBef>
-                <a:spcPts val="1000"/>
-              </a:spcBef>
-              <a:buFont typeface="Arial" panose="020B0604020202020204" pitchFamily="34" charset="0"/>
-              <a:buChar char="•"/>
-              <a:defRPr sz="3600" kern="1200">
-                <a:solidFill>
-                  <a:schemeClr val="tx1"/>
-                </a:solidFill>
-                <a:latin typeface="+mn-lt"/>
-                <a:ea typeface="+mn-ea"/>
-                <a:cs typeface="+mn-cs"/>
-              </a:defRPr>
-            </a:lvl8pPr>
-            <a:lvl9pPr marL="7772400" indent="-457200" algn="l" defTabSz="1828800" rtl="0" eaLnBrk="1" latinLnBrk="0" hangingPunct="1">
-              <a:lnSpc>
-                <a:spcPct val="90000"/>
-              </a:lnSpc>
-              <a:spcBef>
-                <a:spcPts val="1000"/>
-              </a:spcBef>
-              <a:buFont typeface="Arial" panose="020B0604020202020204" pitchFamily="34" charset="0"/>
-              <a:buChar char="•"/>
-              <a:defRPr sz="3600" kern="1200">
-                <a:solidFill>
-                  <a:schemeClr val="tx1"/>
-                </a:solidFill>
-                <a:latin typeface="+mn-lt"/>
-                <a:ea typeface="+mn-ea"/>
-                <a:cs typeface="+mn-cs"/>
-              </a:defRPr>
-            </a:lvl9pPr>
-          </a:lstStyle>
-          <a:p>
-            <a:pPr marL="0" indent="0" algn="ctr">
-              <a:buNone/>
-            </a:pPr>
-            <a:r>
-              <a:rPr lang="en-US" sz="3600" b="1" dirty="0">
-                <a:solidFill>
-                  <a:schemeClr val="accent1"/>
-                </a:solidFill>
-                <a:latin typeface="Avenir Next" panose="020B0503020202020204" pitchFamily="34" charset="0"/>
-              </a:rPr>
-              <a:t>COSMOS-SDK</a:t>
-            </a:r>
-          </a:p>
-        </p:txBody>
-      </p:sp>
-    </p:spTree>
-    <p:extLst>
-      <p:ext uri="{BB962C8B-B14F-4D97-AF65-F5344CB8AC3E}">
-        <p14:creationId xmlns:p14="http://schemas.microsoft.com/office/powerpoint/2010/main" val="3688145258"/>
-      </p:ext>
-    </p:extLst>
-  </p:cSld>
-  <p:clrMapOvr>
-    <a:masterClrMapping/>
-  </p:clrMapOvr>
-</p:sld>
-</file>
-
-<file path=ppt/slides/slide11.xml><?xml version="1.0" encoding="utf-8"?>
-<p:sld xmlns:a="http://schemas.openxmlformats.org/drawingml/2006/main" xmlns:r="http://schemas.openxmlformats.org/officeDocument/2006/relationships" xmlns:p="http://schemas.openxmlformats.org/presentationml/2006/main">
-  <p:cSld>
-    <p:spTree>
-      <p:nvGrpSpPr>
-        <p:cNvPr id="1" name=""/>
-        <p:cNvGrpSpPr/>
-        <p:nvPr/>
-      </p:nvGrpSpPr>
-      <p:grpSpPr>
-        <a:xfrm>
-          <a:off x="0" y="0"/>
-          <a:ext cx="0" cy="0"/>
-          <a:chOff x="0" y="0"/>
-          <a:chExt cx="0" cy="0"/>
-        </a:xfrm>
-      </p:grpSpPr>
-      <p:sp>
-        <p:nvSpPr>
-          <p:cNvPr id="2" name="Title 1">
-            <a:extLst>
-              <a:ext uri="{FF2B5EF4-FFF2-40B4-BE49-F238E27FC236}">
-                <a16:creationId xmlns:a16="http://schemas.microsoft.com/office/drawing/2014/main" id="{BB5DB68C-3F5D-284C-AC2B-8E0C1980DD86}"/>
-              </a:ext>
-            </a:extLst>
-          </p:cNvPr>
-          <p:cNvSpPr>
-            <a:spLocks noGrp="1"/>
-          </p:cNvSpPr>
-          <p:nvPr>
-            <p:ph type="title"/>
-          </p:nvPr>
-        </p:nvSpPr>
-        <p:spPr>
-          <a:xfrm>
-            <a:off x="839919" y="872628"/>
-            <a:ext cx="5533876" cy="969151"/>
-          </a:xfrm>
-        </p:spPr>
-        <p:txBody>
-          <a:bodyPr/>
-          <a:lstStyle/>
-          <a:p>
-            <a:pPr algn="ctr"/>
-            <a:r>
-              <a:rPr lang="en-GB" b="1" dirty="0">
-                <a:solidFill>
-                  <a:srgbClr val="00D4B9"/>
-                </a:solidFill>
-                <a:latin typeface="Avenir Next" panose="020B0503020202020204" pitchFamily="34" charset="0"/>
-              </a:rPr>
-              <a:t>INTERCHAIN</a:t>
-            </a:r>
-            <a:r>
-              <a:rPr lang="en-GB" b="1" dirty="0">
-                <a:latin typeface="Avenir Next" panose="020B0503020202020204" pitchFamily="34" charset="0"/>
-              </a:rPr>
-              <a:t> SCALING</a:t>
-            </a:r>
-          </a:p>
-        </p:txBody>
-      </p:sp>
-      <p:pic>
-        <p:nvPicPr>
-          <p:cNvPr id="1026" name="Picture 2" descr="https://lh5.googleusercontent.com/v6Oy1Pln1nP0zhf8bO1SQ3aOx_su67MpWIKEmWZcei2bcQ0OjE1bqvoCH_xggweHfMWYY_ETHDzkAZ2kDYPDnFqCooBFq0NThGzYGYfwUaIk2IPDL-SQ0M-euZEJvHLawrK3TFpLuXg">
-            <a:extLst>
-              <a:ext uri="{FF2B5EF4-FFF2-40B4-BE49-F238E27FC236}">
-                <a16:creationId xmlns:a16="http://schemas.microsoft.com/office/drawing/2014/main" id="{3D6EDA0D-3ECF-1A49-8174-F2EC08CBD300}"/>
-              </a:ext>
-            </a:extLst>
-          </p:cNvPr>
-          <p:cNvPicPr>
-            <a:picLocks noChangeAspect="1" noChangeArrowheads="1"/>
-          </p:cNvPicPr>
-          <p:nvPr/>
-        </p:nvPicPr>
-        <p:blipFill>
-          <a:blip r:embed="rId3">
-            <a:extLst>
-              <a:ext uri="{28A0092B-C50C-407E-A947-70E740481C1C}">
-                <a14:useLocalDpi xmlns:a14="http://schemas.microsoft.com/office/drawing/2010/main" val="0"/>
-              </a:ext>
-            </a:extLst>
-          </a:blip>
-          <a:srcRect/>
-          <a:stretch>
-            <a:fillRect/>
-          </a:stretch>
-        </p:blipFill>
-        <p:spPr bwMode="auto">
-          <a:xfrm>
-            <a:off x="8076408" y="6750050"/>
-            <a:ext cx="8304210" cy="6217778"/>
-          </a:xfrm>
-          <a:prstGeom prst="roundRect">
-            <a:avLst/>
-          </a:prstGeom>
-          <a:noFill/>
-          <a:extLst>
-            <a:ext uri="{909E8E84-426E-40DD-AFC4-6F175D3DCCD1}">
-              <a14:hiddenFill xmlns:a14="http://schemas.microsoft.com/office/drawing/2010/main">
-                <a:solidFill>
-                  <a:srgbClr val="FFFFFF"/>
-                </a:solidFill>
-              </a14:hiddenFill>
-            </a:ext>
-          </a:extLst>
-        </p:spPr>
-      </p:pic>
-      <p:sp>
-        <p:nvSpPr>
-          <p:cNvPr id="6" name="TextBox 5">
-            <a:extLst>
-              <a:ext uri="{FF2B5EF4-FFF2-40B4-BE49-F238E27FC236}">
-                <a16:creationId xmlns:a16="http://schemas.microsoft.com/office/drawing/2014/main" id="{1F74A7EF-69E2-CF41-9EAD-F0FD726FECF0}"/>
-              </a:ext>
-            </a:extLst>
-          </p:cNvPr>
-          <p:cNvSpPr txBox="1"/>
-          <p:nvPr/>
-        </p:nvSpPr>
-        <p:spPr>
-          <a:xfrm>
-            <a:off x="1584960" y="2964398"/>
-            <a:ext cx="7200000" cy="3785652"/>
-          </a:xfrm>
-          <a:prstGeom prst="rect">
-            <a:avLst/>
-          </a:prstGeom>
-          <a:noFill/>
-        </p:spPr>
-        <p:txBody>
-          <a:bodyPr wrap="square" rtlCol="0" anchor="ctr">
-            <a:spAutoFit/>
-          </a:bodyPr>
-          <a:lstStyle/>
-          <a:p>
-            <a:r>
-              <a:rPr lang="en-GB" sz="4000" b="1" dirty="0">
-                <a:latin typeface="Avenir Next" panose="020B0503020202020204" pitchFamily="34" charset="0"/>
-              </a:rPr>
-              <a:t>IBC</a:t>
-            </a:r>
-          </a:p>
-          <a:p>
-            <a:endParaRPr lang="en-GB" sz="4000" dirty="0">
-              <a:latin typeface="Avenir Next" panose="020B0503020202020204" pitchFamily="34" charset="0"/>
-            </a:endParaRPr>
-          </a:p>
-          <a:p>
-            <a:pPr marL="571500" indent="-571500">
-              <a:buFont typeface="Wingdings" pitchFamily="2" charset="2"/>
-              <a:buChar char="§"/>
-            </a:pPr>
-            <a:r>
-              <a:rPr lang="en-GB" sz="4000" dirty="0">
-                <a:latin typeface="Avenir Next" panose="020B0503020202020204" pitchFamily="34" charset="0"/>
-              </a:rPr>
-              <a:t>Secure transfers between heterogeneous </a:t>
-            </a:r>
-            <a:r>
-              <a:rPr lang="en-GB" sz="4000" dirty="0" err="1">
-                <a:latin typeface="Avenir Next" panose="020B0503020202020204" pitchFamily="34" charset="0"/>
-              </a:rPr>
-              <a:t>blockchains</a:t>
-            </a:r>
-            <a:endParaRPr lang="en-GB" sz="4000" dirty="0">
-              <a:latin typeface="Avenir Next" panose="020B0503020202020204" pitchFamily="34" charset="0"/>
-            </a:endParaRPr>
-          </a:p>
-          <a:p>
-            <a:pPr marL="571500" indent="-571500">
-              <a:buFont typeface="Wingdings" pitchFamily="2" charset="2"/>
-              <a:buChar char="§"/>
-            </a:pPr>
-            <a:r>
-              <a:rPr lang="en-GB" sz="4000" dirty="0">
-                <a:latin typeface="Avenir Next" panose="020B0503020202020204" pitchFamily="34" charset="0"/>
-              </a:rPr>
-              <a:t>Tokens -&gt; NFTs -&gt; Complex Objects</a:t>
-            </a:r>
-          </a:p>
-        </p:txBody>
-      </p:sp>
-      <p:sp>
-        <p:nvSpPr>
-          <p:cNvPr id="7" name="TextBox 6">
-            <a:extLst>
-              <a:ext uri="{FF2B5EF4-FFF2-40B4-BE49-F238E27FC236}">
-                <a16:creationId xmlns:a16="http://schemas.microsoft.com/office/drawing/2014/main" id="{37F68D02-8BD6-1A4C-9A1F-78E2BAEFD4F6}"/>
-              </a:ext>
-            </a:extLst>
-          </p:cNvPr>
-          <p:cNvSpPr txBox="1"/>
-          <p:nvPr/>
-        </p:nvSpPr>
-        <p:spPr>
-          <a:xfrm>
-            <a:off x="9384480" y="2964398"/>
-            <a:ext cx="7200000" cy="3170099"/>
-          </a:xfrm>
-          <a:prstGeom prst="rect">
-            <a:avLst/>
-          </a:prstGeom>
-          <a:noFill/>
-        </p:spPr>
-        <p:txBody>
-          <a:bodyPr wrap="square" rtlCol="0">
-            <a:spAutoFit/>
-          </a:bodyPr>
-          <a:lstStyle/>
-          <a:p>
-            <a:r>
-              <a:rPr lang="en-GB" sz="4000" b="1" dirty="0">
-                <a:latin typeface="Avenir Next" panose="020B0503020202020204" pitchFamily="34" charset="0"/>
-              </a:rPr>
-              <a:t>IBC + Adaptors</a:t>
-            </a:r>
-          </a:p>
-          <a:p>
-            <a:endParaRPr lang="en-GB" sz="4000" dirty="0">
-              <a:latin typeface="Avenir Next" panose="020B0503020202020204" pitchFamily="34" charset="0"/>
-            </a:endParaRPr>
-          </a:p>
-          <a:p>
-            <a:pPr marL="571500" indent="-571500">
-              <a:buFont typeface="Wingdings" pitchFamily="2" charset="2"/>
-              <a:buChar char="§"/>
-            </a:pPr>
-            <a:r>
-              <a:rPr lang="en-GB" sz="4000" dirty="0">
-                <a:latin typeface="Avenir Next" panose="020B0503020202020204" pitchFamily="34" charset="0"/>
-              </a:rPr>
-              <a:t>Adapter to enforce finality</a:t>
-            </a:r>
-          </a:p>
-          <a:p>
-            <a:pPr marL="571500" indent="-571500">
-              <a:buFont typeface="Wingdings" pitchFamily="2" charset="2"/>
-              <a:buChar char="§"/>
-            </a:pPr>
-            <a:r>
-              <a:rPr lang="en-GB" sz="4000" dirty="0">
-                <a:latin typeface="Avenir Next" panose="020B0503020202020204" pitchFamily="34" charset="0"/>
-              </a:rPr>
-              <a:t>Allows IBC connections to non-finality chains</a:t>
-            </a:r>
-          </a:p>
-        </p:txBody>
-      </p:sp>
-      <p:sp>
-        <p:nvSpPr>
-          <p:cNvPr id="8" name="TextBox 7">
-            <a:extLst>
-              <a:ext uri="{FF2B5EF4-FFF2-40B4-BE49-F238E27FC236}">
-                <a16:creationId xmlns:a16="http://schemas.microsoft.com/office/drawing/2014/main" id="{8B82376D-A7D4-E044-B7CF-80D2C89AFC5D}"/>
-              </a:ext>
-            </a:extLst>
-          </p:cNvPr>
-          <p:cNvSpPr txBox="1"/>
-          <p:nvPr/>
-        </p:nvSpPr>
-        <p:spPr>
-          <a:xfrm>
-            <a:off x="17184000" y="2964398"/>
-            <a:ext cx="6834240" cy="4401205"/>
-          </a:xfrm>
-          <a:prstGeom prst="rect">
-            <a:avLst/>
-          </a:prstGeom>
-          <a:noFill/>
-        </p:spPr>
-        <p:txBody>
-          <a:bodyPr wrap="square" rtlCol="0">
-            <a:spAutoFit/>
-          </a:bodyPr>
-          <a:lstStyle/>
-          <a:p>
-            <a:r>
-              <a:rPr lang="en-GB" sz="4000" b="1" dirty="0">
-                <a:latin typeface="Avenir Next" panose="020B0503020202020204" pitchFamily="34" charset="0"/>
-              </a:rPr>
-              <a:t>Cosmos Hub</a:t>
-            </a:r>
-          </a:p>
-          <a:p>
-            <a:endParaRPr lang="en-GB" sz="4000" dirty="0">
-              <a:latin typeface="Avenir Next" panose="020B0503020202020204" pitchFamily="34" charset="0"/>
-            </a:endParaRPr>
-          </a:p>
-          <a:p>
-            <a:pPr marL="571500" indent="-571500">
-              <a:buFont typeface="Wingdings" pitchFamily="2" charset="2"/>
-              <a:buChar char="§"/>
-            </a:pPr>
-            <a:r>
-              <a:rPr lang="en-GB" sz="4000" dirty="0">
-                <a:latin typeface="Avenir Next" panose="020B0503020202020204" pitchFamily="34" charset="0"/>
-              </a:rPr>
-              <a:t>Liquidity provider for all connected </a:t>
-            </a:r>
-            <a:r>
-              <a:rPr lang="en-GB" sz="4000" dirty="0" err="1">
-                <a:latin typeface="Avenir Next" panose="020B0503020202020204" pitchFamily="34" charset="0"/>
-              </a:rPr>
-              <a:t>blockchains</a:t>
-            </a:r>
-            <a:endParaRPr lang="en-GB" sz="4000" dirty="0">
-              <a:latin typeface="Avenir Next" panose="020B0503020202020204" pitchFamily="34" charset="0"/>
-            </a:endParaRPr>
-          </a:p>
-          <a:p>
-            <a:pPr marL="571500" indent="-571500">
-              <a:buFont typeface="Wingdings" pitchFamily="2" charset="2"/>
-              <a:buChar char="§"/>
-            </a:pPr>
-            <a:r>
-              <a:rPr lang="en-GB" sz="4000" dirty="0">
-                <a:latin typeface="Avenir Next" panose="020B0503020202020204" pitchFamily="34" charset="0"/>
-              </a:rPr>
-              <a:t>Maintains double-spend protection between </a:t>
-            </a:r>
-            <a:r>
-              <a:rPr lang="en-GB" sz="4000" dirty="0" err="1">
-                <a:latin typeface="Avenir Next" panose="020B0503020202020204" pitchFamily="34" charset="0"/>
-              </a:rPr>
-              <a:t>blockchains</a:t>
-            </a:r>
-            <a:endParaRPr lang="en-GB" sz="4000" dirty="0">
-              <a:latin typeface="Avenir Next" panose="020B0503020202020204" pitchFamily="34" charset="0"/>
-            </a:endParaRPr>
-          </a:p>
-        </p:txBody>
-      </p:sp>
-    </p:spTree>
-    <p:extLst>
-      <p:ext uri="{BB962C8B-B14F-4D97-AF65-F5344CB8AC3E}">
-        <p14:creationId xmlns:p14="http://schemas.microsoft.com/office/powerpoint/2010/main" val="1565826006"/>
-      </p:ext>
-    </p:extLst>
-  </p:cSld>
-  <p:clrMapOvr>
-    <a:masterClrMapping/>
-  </p:clrMapOvr>
-</p:sld>
-</file>
-
-<file path=ppt/slides/slide12.xml><?xml version="1.0" encoding="utf-8"?>
-<p:sld xmlns:a="http://schemas.openxmlformats.org/drawingml/2006/main" xmlns:r="http://schemas.openxmlformats.org/officeDocument/2006/relationships" xmlns:p="http://schemas.openxmlformats.org/presentationml/2006/main">
-  <p:cSld>
-    <p:spTree>
-      <p:nvGrpSpPr>
-        <p:cNvPr id="1" name=""/>
-        <p:cNvGrpSpPr/>
-        <p:nvPr/>
-      </p:nvGrpSpPr>
-      <p:grpSpPr>
-        <a:xfrm>
-          <a:off x="0" y="0"/>
-          <a:ext cx="0" cy="0"/>
-          <a:chOff x="0" y="0"/>
-          <a:chExt cx="0" cy="0"/>
-        </a:xfrm>
-      </p:grpSpPr>
-      <p:sp>
-        <p:nvSpPr>
           <p:cNvPr id="4" name="TextBox 3">
             <a:extLst>
               <a:ext uri="{FF2B5EF4-FFF2-40B4-BE49-F238E27FC236}">
@@ -14954,7 +13402,7 @@
 </p:sld>
 </file>
 
-<file path=ppt/slides/slide13.xml><?xml version="1.0" encoding="utf-8"?>
+<file path=ppt/slides/slide11.xml><?xml version="1.0" encoding="utf-8"?>
 <p:sld xmlns:a="http://schemas.openxmlformats.org/drawingml/2006/main" xmlns:r="http://schemas.openxmlformats.org/officeDocument/2006/relationships" xmlns:p="http://schemas.openxmlformats.org/presentationml/2006/main">
   <p:cSld>
     <p:spTree>
@@ -15722,7 +14170,7 @@
 </p:sld>
 </file>
 
-<file path=ppt/slides/slide14.xml><?xml version="1.0" encoding="utf-8"?>
+<file path=ppt/slides/slide12.xml><?xml version="1.0" encoding="utf-8"?>
 <p:sld xmlns:a="http://schemas.openxmlformats.org/drawingml/2006/main" xmlns:r="http://schemas.openxmlformats.org/officeDocument/2006/relationships" xmlns:p="http://schemas.openxmlformats.org/presentationml/2006/main">
   <p:cSld>
     <p:spTree>
@@ -16673,7 +15121,7 @@
 </p:sld>
 </file>
 
-<file path=ppt/slides/slide15.xml><?xml version="1.0" encoding="utf-8"?>
+<file path=ppt/slides/slide13.xml><?xml version="1.0" encoding="utf-8"?>
 <p:sld xmlns:a="http://schemas.openxmlformats.org/drawingml/2006/main" xmlns:r="http://schemas.openxmlformats.org/officeDocument/2006/relationships" xmlns:p="http://schemas.openxmlformats.org/presentationml/2006/main">
   <p:cSld>
     <p:spTree>
@@ -16850,7 +15298,7 @@
 </p:sld>
 </file>
 
-<file path=ppt/slides/slide16.xml><?xml version="1.0" encoding="utf-8"?>
+<file path=ppt/slides/slide14.xml><?xml version="1.0" encoding="utf-8"?>
 <p:sld xmlns:a="http://schemas.openxmlformats.org/drawingml/2006/main" xmlns:r="http://schemas.openxmlformats.org/officeDocument/2006/relationships" xmlns:p="http://schemas.openxmlformats.org/presentationml/2006/main">
   <p:cSld>
     <p:spTree>
@@ -19222,7 +17670,7 @@
         <p:spPr>
           <a:xfrm>
             <a:off x="2247667" y="6149411"/>
-            <a:ext cx="6586875" cy="3785652"/>
+            <a:ext cx="6586875" cy="5016758"/>
           </a:xfrm>
           <a:prstGeom prst="rect">
             <a:avLst/>
@@ -19244,6 +17692,27 @@
                 <a:latin typeface="Avenir Next" panose="020B0503020202020204" pitchFamily="34" charset="0"/>
               </a:rPr>
               <a:t>Throughput</a:t>
+            </a:r>
+          </a:p>
+          <a:p>
+            <a:pPr marL="571500" indent="-571500">
+              <a:buFont typeface="Wingdings" pitchFamily="2" charset="2"/>
+              <a:buChar char="§"/>
+            </a:pPr>
+            <a:endParaRPr lang="en-US" sz="4000" dirty="0">
+              <a:latin typeface="Avenir Next" panose="020B0503020202020204" pitchFamily="34" charset="0"/>
+            </a:endParaRPr>
+          </a:p>
+          <a:p>
+            <a:pPr marL="571500" indent="-571500">
+              <a:buFont typeface="Wingdings" pitchFamily="2" charset="2"/>
+              <a:buChar char="§"/>
+            </a:pPr>
+            <a:r>
+              <a:rPr lang="en-US" sz="4000" dirty="0">
+                <a:latin typeface="Avenir Next" panose="020B0503020202020204" pitchFamily="34" charset="0"/>
+              </a:rPr>
+              <a:t>Time to Finality</a:t>
             </a:r>
           </a:p>
           <a:p>
@@ -21664,6 +20133,258 @@
       </p:grpSpPr>
       <p:sp>
         <p:nvSpPr>
+          <p:cNvPr id="4" name="TextBox 3">
+            <a:extLst>
+              <a:ext uri="{FF2B5EF4-FFF2-40B4-BE49-F238E27FC236}">
+                <a16:creationId xmlns:a16="http://schemas.microsoft.com/office/drawing/2014/main" id="{DA343987-45A6-F74B-913E-9D01009C33B5}"/>
+              </a:ext>
+            </a:extLst>
+          </p:cNvPr>
+          <p:cNvSpPr txBox="1"/>
+          <p:nvPr/>
+        </p:nvSpPr>
+        <p:spPr>
+          <a:xfrm>
+            <a:off x="1399105" y="2969181"/>
+            <a:ext cx="10616048" cy="8710077"/>
+          </a:xfrm>
+          <a:prstGeom prst="rect">
+            <a:avLst/>
+          </a:prstGeom>
+          <a:noFill/>
+        </p:spPr>
+        <p:txBody>
+          <a:bodyPr wrap="none" rtlCol="0">
+            <a:spAutoFit/>
+          </a:bodyPr>
+          <a:lstStyle/>
+          <a:p>
+            <a:pPr>
+              <a:lnSpc>
+                <a:spcPct val="200000"/>
+              </a:lnSpc>
+            </a:pPr>
+            <a:r>
+              <a:rPr lang="en-GB" sz="4000" b="1" dirty="0">
+                <a:solidFill>
+                  <a:srgbClr val="00D4B9"/>
+                </a:solidFill>
+                <a:latin typeface="Avenir Next" panose="020B0503020202020204" pitchFamily="34" charset="0"/>
+              </a:rPr>
+              <a:t>Current</a:t>
+            </a:r>
+          </a:p>
+          <a:p>
+            <a:pPr marL="571500" indent="-571500">
+              <a:lnSpc>
+                <a:spcPct val="200000"/>
+              </a:lnSpc>
+              <a:buFont typeface="Wingdings" pitchFamily="2" charset="2"/>
+              <a:buChar char="§"/>
+            </a:pPr>
+            <a:r>
+              <a:rPr lang="en-GB" sz="4000" dirty="0">
+                <a:latin typeface="Avenir Next" panose="020B0503020202020204" pitchFamily="34" charset="0"/>
+              </a:rPr>
+              <a:t>Instant Finality</a:t>
+            </a:r>
+          </a:p>
+          <a:p>
+            <a:pPr marL="571500" indent="-571500">
+              <a:lnSpc>
+                <a:spcPct val="200000"/>
+              </a:lnSpc>
+              <a:buFont typeface="Wingdings" pitchFamily="2" charset="2"/>
+              <a:buChar char="§"/>
+            </a:pPr>
+            <a:r>
+              <a:rPr lang="en-GB" sz="4000" dirty="0">
+                <a:latin typeface="Avenir Next" panose="020B0503020202020204" pitchFamily="34" charset="0"/>
+              </a:rPr>
+              <a:t>Efficient light-client proofs</a:t>
+            </a:r>
+          </a:p>
+          <a:p>
+            <a:pPr marL="571500" indent="-571500">
+              <a:lnSpc>
+                <a:spcPct val="200000"/>
+              </a:lnSpc>
+              <a:buFont typeface="Wingdings" pitchFamily="2" charset="2"/>
+              <a:buChar char="§"/>
+            </a:pPr>
+            <a:r>
+              <a:rPr lang="en-GB" sz="4000" dirty="0">
+                <a:latin typeface="Avenir Next" panose="020B0503020202020204" pitchFamily="34" charset="0"/>
+              </a:rPr>
+              <a:t>Safety in asynchronous networks</a:t>
+            </a:r>
+          </a:p>
+          <a:p>
+            <a:pPr marL="571500" indent="-571500">
+              <a:lnSpc>
+                <a:spcPct val="200000"/>
+              </a:lnSpc>
+              <a:buFont typeface="Wingdings" pitchFamily="2" charset="2"/>
+              <a:buChar char="§"/>
+            </a:pPr>
+            <a:r>
+              <a:rPr lang="en-GB" sz="4000" dirty="0">
+                <a:latin typeface="Avenir Next" panose="020B0503020202020204" pitchFamily="34" charset="0"/>
+              </a:rPr>
+              <a:t>Liveness in partially synchronous networks</a:t>
+            </a:r>
+          </a:p>
+          <a:p>
+            <a:pPr marL="571500" indent="-571500">
+              <a:lnSpc>
+                <a:spcPct val="200000"/>
+              </a:lnSpc>
+              <a:buFont typeface="Wingdings" pitchFamily="2" charset="2"/>
+              <a:buChar char="§"/>
+            </a:pPr>
+            <a:r>
+              <a:rPr lang="en-GB" sz="4000" dirty="0">
+                <a:latin typeface="Avenir Next" panose="020B0503020202020204" pitchFamily="34" charset="0"/>
+              </a:rPr>
+              <a:t>4,000 </a:t>
+            </a:r>
+            <a:r>
+              <a:rPr lang="en-GB" sz="4000" dirty="0" err="1">
+                <a:latin typeface="Avenir Next" panose="020B0503020202020204" pitchFamily="34" charset="0"/>
+              </a:rPr>
+              <a:t>tps</a:t>
+            </a:r>
+            <a:r>
+              <a:rPr lang="en-GB" sz="4000" dirty="0">
+                <a:latin typeface="Avenir Next" panose="020B0503020202020204" pitchFamily="34" charset="0"/>
+              </a:rPr>
+              <a:t> on 64 validators</a:t>
+            </a:r>
+          </a:p>
+          <a:p>
+            <a:pPr marL="571500" indent="-571500">
+              <a:lnSpc>
+                <a:spcPct val="200000"/>
+              </a:lnSpc>
+              <a:buFont typeface="Wingdings" pitchFamily="2" charset="2"/>
+              <a:buChar char="§"/>
+            </a:pPr>
+            <a:r>
+              <a:rPr lang="en-GB" sz="4000" dirty="0">
+                <a:latin typeface="Avenir Next" panose="020B0503020202020204" pitchFamily="34" charset="0"/>
+              </a:rPr>
+              <a:t>High network overhead - O(N^2)</a:t>
+            </a:r>
+          </a:p>
+        </p:txBody>
+      </p:sp>
+      <p:sp>
+        <p:nvSpPr>
+          <p:cNvPr id="5" name="TextBox 4">
+            <a:extLst>
+              <a:ext uri="{FF2B5EF4-FFF2-40B4-BE49-F238E27FC236}">
+                <a16:creationId xmlns:a16="http://schemas.microsoft.com/office/drawing/2014/main" id="{29A46E92-D1C0-F843-B271-BE80061ED586}"/>
+              </a:ext>
+            </a:extLst>
+          </p:cNvPr>
+          <p:cNvSpPr txBox="1"/>
+          <p:nvPr/>
+        </p:nvSpPr>
+        <p:spPr>
+          <a:xfrm>
+            <a:off x="13572480" y="2969181"/>
+            <a:ext cx="10080000" cy="6093976"/>
+          </a:xfrm>
+          <a:prstGeom prst="rect">
+            <a:avLst/>
+          </a:prstGeom>
+          <a:noFill/>
+        </p:spPr>
+        <p:txBody>
+          <a:bodyPr wrap="square" rtlCol="0">
+            <a:spAutoFit/>
+          </a:bodyPr>
+          <a:lstStyle/>
+          <a:p>
+            <a:pPr>
+              <a:lnSpc>
+                <a:spcPct val="200000"/>
+              </a:lnSpc>
+            </a:pPr>
+            <a:r>
+              <a:rPr lang="en-GB" sz="4000" b="1" dirty="0">
+                <a:solidFill>
+                  <a:srgbClr val="00D4B9"/>
+                </a:solidFill>
+                <a:latin typeface="Avenir Next" panose="020B0503020202020204" pitchFamily="34" charset="0"/>
+              </a:rPr>
+              <a:t>Future Improvements</a:t>
+            </a:r>
+          </a:p>
+          <a:p>
+            <a:pPr marL="571500" indent="-571500">
+              <a:lnSpc>
+                <a:spcPct val="200000"/>
+              </a:lnSpc>
+              <a:buFont typeface="Wingdings" pitchFamily="2" charset="2"/>
+              <a:buChar char="§"/>
+            </a:pPr>
+            <a:r>
+              <a:rPr lang="en-GB" sz="4000" dirty="0">
+                <a:latin typeface="Avenir Next" panose="020B0503020202020204" pitchFamily="34" charset="0"/>
+              </a:rPr>
+              <a:t>BLS signatures</a:t>
+            </a:r>
+          </a:p>
+          <a:p>
+            <a:pPr marL="571500" indent="-571500">
+              <a:lnSpc>
+                <a:spcPct val="200000"/>
+              </a:lnSpc>
+              <a:buFont typeface="Wingdings" pitchFamily="2" charset="2"/>
+              <a:buChar char="§"/>
+            </a:pPr>
+            <a:r>
+              <a:rPr lang="en-GB" sz="4000" dirty="0">
+                <a:latin typeface="Avenir Next" panose="020B0503020202020204" pitchFamily="34" charset="0"/>
+              </a:rPr>
+              <a:t>Optimistic pipelining</a:t>
+            </a:r>
+          </a:p>
+          <a:p>
+            <a:pPr marL="571500" indent="-571500">
+              <a:lnSpc>
+                <a:spcPct val="200000"/>
+              </a:lnSpc>
+              <a:buFont typeface="Wingdings" pitchFamily="2" charset="2"/>
+              <a:buChar char="§"/>
+            </a:pPr>
+            <a:r>
+              <a:rPr lang="en-GB" sz="4000" dirty="0">
+                <a:latin typeface="Avenir Next" panose="020B0503020202020204" pitchFamily="34" charset="0"/>
+              </a:rPr>
+              <a:t>DKG construction</a:t>
+            </a:r>
+          </a:p>
+          <a:p>
+            <a:pPr marL="571500" indent="-571500">
+              <a:lnSpc>
+                <a:spcPct val="200000"/>
+              </a:lnSpc>
+              <a:buFont typeface="Wingdings" pitchFamily="2" charset="2"/>
+              <a:buChar char="§"/>
+            </a:pPr>
+            <a:r>
+              <a:rPr lang="en-GB" sz="4000" dirty="0">
+                <a:latin typeface="Avenir Next" panose="020B0503020202020204" pitchFamily="34" charset="0"/>
+              </a:rPr>
+              <a:t>Liveness through synchrony assumption</a:t>
+            </a:r>
+          </a:p>
+        </p:txBody>
+      </p:sp>
+      <p:sp>
+        <p:nvSpPr>
           <p:cNvPr id="8" name="Title 1">
             <a:extLst>
               <a:ext uri="{FF2B5EF4-FFF2-40B4-BE49-F238E27FC236}">
@@ -21707,45 +20428,10 @@
           </a:p>
         </p:txBody>
       </p:sp>
-      <p:pic>
-        <p:nvPicPr>
-          <p:cNvPr id="6" name="Picture 2" descr="Picture 2">
-            <a:extLst>
-              <a:ext uri="{FF2B5EF4-FFF2-40B4-BE49-F238E27FC236}">
-                <a16:creationId xmlns:a16="http://schemas.microsoft.com/office/drawing/2014/main" id="{28F7C231-039D-8540-A02E-5F59E7180BA8}"/>
-              </a:ext>
-            </a:extLst>
-          </p:cNvPr>
-          <p:cNvPicPr>
-            <a:picLocks noChangeAspect="1"/>
-          </p:cNvPicPr>
-          <p:nvPr/>
-        </p:nvPicPr>
-        <p:blipFill>
-          <a:blip r:embed="rId3">
-            <a:extLst/>
-          </a:blip>
-          <a:stretch>
-            <a:fillRect/>
-          </a:stretch>
-        </p:blipFill>
-        <p:spPr>
-          <a:xfrm>
-            <a:off x="3576914" y="2920132"/>
-            <a:ext cx="16955803" cy="10427818"/>
-          </a:xfrm>
-          <a:prstGeom prst="rect">
-            <a:avLst/>
-          </a:prstGeom>
-          <a:ln w="12700">
-            <a:miter lim="400000"/>
-          </a:ln>
-        </p:spPr>
-      </p:pic>
     </p:spTree>
     <p:extLst>
       <p:ext uri="{BB962C8B-B14F-4D97-AF65-F5344CB8AC3E}">
-        <p14:creationId xmlns:p14="http://schemas.microsoft.com/office/powerpoint/2010/main" val="942968974"/>
+        <p14:creationId xmlns:p14="http://schemas.microsoft.com/office/powerpoint/2010/main" val="4009093969"/>
       </p:ext>
     </p:extLst>
   </p:cSld>
@@ -21774,10 +20460,10 @@
       </p:grpSpPr>
       <p:sp>
         <p:nvSpPr>
-          <p:cNvPr id="8" name="Title 1">
+          <p:cNvPr id="2" name="Title 1">
             <a:extLst>
               <a:ext uri="{FF2B5EF4-FFF2-40B4-BE49-F238E27FC236}">
-                <a16:creationId xmlns:a16="http://schemas.microsoft.com/office/drawing/2014/main" id="{E3639C17-E47E-E243-BD66-4B3D29B18E42}"/>
+                <a16:creationId xmlns:a16="http://schemas.microsoft.com/office/drawing/2014/main" id="{BB5DB68C-3F5D-284C-AC2B-8E0C1980DD86}"/>
               </a:ext>
             </a:extLst>
           </p:cNvPr>
@@ -21790,8 +20476,8 @@
         </p:nvSpPr>
         <p:spPr>
           <a:xfrm>
-            <a:off x="813213" y="872628"/>
-            <a:ext cx="5527402" cy="969151"/>
+            <a:off x="846846" y="872628"/>
+            <a:ext cx="6366565" cy="969151"/>
           </a:xfrm>
         </p:spPr>
         <p:txBody>
@@ -21802,11 +20488,11 @@
             <a:r>
               <a:rPr lang="en-GB" b="1" dirty="0">
                 <a:solidFill>
-                  <a:schemeClr val="accent2"/>
+                  <a:schemeClr val="accent4"/>
                 </a:solidFill>
                 <a:latin typeface="Avenir Next" panose="020B0503020202020204" pitchFamily="34" charset="0"/>
               </a:rPr>
-              <a:t>CONSENSUS</a:t>
+              <a:t>STATE MACHINE</a:t>
             </a:r>
             <a:r>
               <a:rPr lang="en-GB" b="1" dirty="0">
@@ -21817,80 +20503,478 @@
           </a:p>
         </p:txBody>
       </p:sp>
-      <p:pic>
-        <p:nvPicPr>
-          <p:cNvPr id="4" name="Picture 2" descr="Picture 2">
+      <p:sp>
+        <p:nvSpPr>
+          <p:cNvPr id="6" name="Text Placeholder 8">
             <a:extLst>
               <a:ext uri="{FF2B5EF4-FFF2-40B4-BE49-F238E27FC236}">
-                <a16:creationId xmlns:a16="http://schemas.microsoft.com/office/drawing/2014/main" id="{2217214A-5B93-1945-9FC3-4D24BBBB760C}"/>
+                <a16:creationId xmlns:a16="http://schemas.microsoft.com/office/drawing/2014/main" id="{ABADFE56-E46C-A644-BA33-A22234BFD7DA}"/>
               </a:ext>
             </a:extLst>
           </p:cNvPr>
-          <p:cNvPicPr>
-            <a:picLocks noChangeAspect="1"/>
-          </p:cNvPicPr>
+          <p:cNvSpPr txBox="1">
+            <a:spLocks/>
+          </p:cNvSpPr>
           <p:nvPr/>
-        </p:nvPicPr>
-        <p:blipFill>
-          <a:blip r:embed="rId3">
-            <a:extLst/>
-          </a:blip>
-          <a:stretch>
-            <a:fillRect/>
-          </a:stretch>
-        </p:blipFill>
+        </p:nvSpPr>
         <p:spPr>
           <a:xfrm>
-            <a:off x="821699" y="3345307"/>
-            <a:ext cx="11037831" cy="8278374"/>
+            <a:off x="5234156" y="5030894"/>
+            <a:ext cx="5400000" cy="5400000"/>
           </a:xfrm>
-          <a:prstGeom prst="rect">
-            <a:avLst/>
+          <a:prstGeom prst="roundRect">
+            <a:avLst>
+              <a:gd name="adj" fmla="val 7255"/>
+            </a:avLst>
           </a:prstGeom>
-          <a:ln w="12700">
-            <a:miter lim="400000"/>
+          <a:solidFill>
+            <a:schemeClr val="bg2">
+              <a:alpha val="40000"/>
+            </a:schemeClr>
+          </a:solidFill>
+          <a:ln w="25400">
+            <a:solidFill>
+              <a:schemeClr val="tx1">
+                <a:alpha val="2000"/>
+              </a:schemeClr>
+            </a:solidFill>
+            <a:round/>
           </a:ln>
         </p:spPr>
-      </p:pic>
-      <p:pic>
-        <p:nvPicPr>
-          <p:cNvPr id="5" name="Picture 6" descr="Picture 6">
+        <p:style>
+          <a:lnRef idx="2">
+            <a:schemeClr val="dk1"/>
+          </a:lnRef>
+          <a:fillRef idx="1">
+            <a:schemeClr val="lt1"/>
+          </a:fillRef>
+          <a:effectRef idx="0">
+            <a:schemeClr val="dk1"/>
+          </a:effectRef>
+          <a:fontRef idx="minor">
+            <a:schemeClr val="dk1"/>
+          </a:fontRef>
+        </p:style>
+        <p:txBody>
+          <a:bodyPr anchor="ctr"/>
+          <a:lstStyle>
+            <a:lvl1pPr marL="457200" indent="-457200" algn="l" defTabSz="1828800" rtl="0" eaLnBrk="1" latinLnBrk="0" hangingPunct="1">
+              <a:lnSpc>
+                <a:spcPct val="90000"/>
+              </a:lnSpc>
+              <a:spcBef>
+                <a:spcPts val="2000"/>
+              </a:spcBef>
+              <a:buFont typeface="Arial" panose="020B0604020202020204" pitchFamily="34" charset="0"/>
+              <a:buChar char="•"/>
+              <a:defRPr sz="5600" kern="1200">
+                <a:solidFill>
+                  <a:schemeClr val="tx1"/>
+                </a:solidFill>
+                <a:latin typeface="+mn-lt"/>
+                <a:ea typeface="+mn-ea"/>
+                <a:cs typeface="+mn-cs"/>
+              </a:defRPr>
+            </a:lvl1pPr>
+            <a:lvl2pPr marL="1371600" indent="-457200" algn="l" defTabSz="1828800" rtl="0" eaLnBrk="1" latinLnBrk="0" hangingPunct="1">
+              <a:lnSpc>
+                <a:spcPct val="90000"/>
+              </a:lnSpc>
+              <a:spcBef>
+                <a:spcPts val="1000"/>
+              </a:spcBef>
+              <a:buFont typeface="Arial" panose="020B0604020202020204" pitchFamily="34" charset="0"/>
+              <a:buChar char="•"/>
+              <a:defRPr sz="4800" kern="1200">
+                <a:solidFill>
+                  <a:schemeClr val="tx1"/>
+                </a:solidFill>
+                <a:latin typeface="+mn-lt"/>
+                <a:ea typeface="+mn-ea"/>
+                <a:cs typeface="+mn-cs"/>
+              </a:defRPr>
+            </a:lvl2pPr>
+            <a:lvl3pPr marL="2286000" indent="-457200" algn="l" defTabSz="1828800" rtl="0" eaLnBrk="1" latinLnBrk="0" hangingPunct="1">
+              <a:lnSpc>
+                <a:spcPct val="90000"/>
+              </a:lnSpc>
+              <a:spcBef>
+                <a:spcPts val="1000"/>
+              </a:spcBef>
+              <a:buFont typeface="Arial" panose="020B0604020202020204" pitchFamily="34" charset="0"/>
+              <a:buChar char="•"/>
+              <a:defRPr sz="4000" kern="1200">
+                <a:solidFill>
+                  <a:schemeClr val="tx1"/>
+                </a:solidFill>
+                <a:latin typeface="+mn-lt"/>
+                <a:ea typeface="+mn-ea"/>
+                <a:cs typeface="+mn-cs"/>
+              </a:defRPr>
+            </a:lvl3pPr>
+            <a:lvl4pPr marL="3200400" indent="-457200" algn="l" defTabSz="1828800" rtl="0" eaLnBrk="1" latinLnBrk="0" hangingPunct="1">
+              <a:lnSpc>
+                <a:spcPct val="90000"/>
+              </a:lnSpc>
+              <a:spcBef>
+                <a:spcPts val="1000"/>
+              </a:spcBef>
+              <a:buFont typeface="Arial" panose="020B0604020202020204" pitchFamily="34" charset="0"/>
+              <a:buChar char="•"/>
+              <a:defRPr sz="3600" kern="1200">
+                <a:solidFill>
+                  <a:schemeClr val="tx1"/>
+                </a:solidFill>
+                <a:latin typeface="+mn-lt"/>
+                <a:ea typeface="+mn-ea"/>
+                <a:cs typeface="+mn-cs"/>
+              </a:defRPr>
+            </a:lvl4pPr>
+            <a:lvl5pPr marL="4114800" indent="-457200" algn="l" defTabSz="1828800" rtl="0" eaLnBrk="1" latinLnBrk="0" hangingPunct="1">
+              <a:lnSpc>
+                <a:spcPct val="90000"/>
+              </a:lnSpc>
+              <a:spcBef>
+                <a:spcPts val="1000"/>
+              </a:spcBef>
+              <a:buFont typeface="Arial" panose="020B0604020202020204" pitchFamily="34" charset="0"/>
+              <a:buChar char="•"/>
+              <a:defRPr sz="3600" kern="1200">
+                <a:solidFill>
+                  <a:schemeClr val="tx1"/>
+                </a:solidFill>
+                <a:latin typeface="+mn-lt"/>
+                <a:ea typeface="+mn-ea"/>
+                <a:cs typeface="+mn-cs"/>
+              </a:defRPr>
+            </a:lvl5pPr>
+            <a:lvl6pPr marL="5029200" indent="-457200" algn="l" defTabSz="1828800" rtl="0" eaLnBrk="1" latinLnBrk="0" hangingPunct="1">
+              <a:lnSpc>
+                <a:spcPct val="90000"/>
+              </a:lnSpc>
+              <a:spcBef>
+                <a:spcPts val="1000"/>
+              </a:spcBef>
+              <a:buFont typeface="Arial" panose="020B0604020202020204" pitchFamily="34" charset="0"/>
+              <a:buChar char="•"/>
+              <a:defRPr sz="3600" kern="1200">
+                <a:solidFill>
+                  <a:schemeClr val="tx1"/>
+                </a:solidFill>
+                <a:latin typeface="+mn-lt"/>
+                <a:ea typeface="+mn-ea"/>
+                <a:cs typeface="+mn-cs"/>
+              </a:defRPr>
+            </a:lvl6pPr>
+            <a:lvl7pPr marL="5943600" indent="-457200" algn="l" defTabSz="1828800" rtl="0" eaLnBrk="1" latinLnBrk="0" hangingPunct="1">
+              <a:lnSpc>
+                <a:spcPct val="90000"/>
+              </a:lnSpc>
+              <a:spcBef>
+                <a:spcPts val="1000"/>
+              </a:spcBef>
+              <a:buFont typeface="Arial" panose="020B0604020202020204" pitchFamily="34" charset="0"/>
+              <a:buChar char="•"/>
+              <a:defRPr sz="3600" kern="1200">
+                <a:solidFill>
+                  <a:schemeClr val="tx1"/>
+                </a:solidFill>
+                <a:latin typeface="+mn-lt"/>
+                <a:ea typeface="+mn-ea"/>
+                <a:cs typeface="+mn-cs"/>
+              </a:defRPr>
+            </a:lvl7pPr>
+            <a:lvl8pPr marL="6858000" indent="-457200" algn="l" defTabSz="1828800" rtl="0" eaLnBrk="1" latinLnBrk="0" hangingPunct="1">
+              <a:lnSpc>
+                <a:spcPct val="90000"/>
+              </a:lnSpc>
+              <a:spcBef>
+                <a:spcPts val="1000"/>
+              </a:spcBef>
+              <a:buFont typeface="Arial" panose="020B0604020202020204" pitchFamily="34" charset="0"/>
+              <a:buChar char="•"/>
+              <a:defRPr sz="3600" kern="1200">
+                <a:solidFill>
+                  <a:schemeClr val="tx1"/>
+                </a:solidFill>
+                <a:latin typeface="+mn-lt"/>
+                <a:ea typeface="+mn-ea"/>
+                <a:cs typeface="+mn-cs"/>
+              </a:defRPr>
+            </a:lvl8pPr>
+            <a:lvl9pPr marL="7772400" indent="-457200" algn="l" defTabSz="1828800" rtl="0" eaLnBrk="1" latinLnBrk="0" hangingPunct="1">
+              <a:lnSpc>
+                <a:spcPct val="90000"/>
+              </a:lnSpc>
+              <a:spcBef>
+                <a:spcPts val="1000"/>
+              </a:spcBef>
+              <a:buFont typeface="Arial" panose="020B0604020202020204" pitchFamily="34" charset="0"/>
+              <a:buChar char="•"/>
+              <a:defRPr sz="3600" kern="1200">
+                <a:solidFill>
+                  <a:schemeClr val="tx1"/>
+                </a:solidFill>
+                <a:latin typeface="+mn-lt"/>
+                <a:ea typeface="+mn-ea"/>
+                <a:cs typeface="+mn-cs"/>
+              </a:defRPr>
+            </a:lvl9pPr>
+          </a:lstStyle>
+          <a:p>
+            <a:pPr marL="0" indent="0" algn="ctr">
+              <a:buNone/>
+            </a:pPr>
+            <a:r>
+              <a:rPr lang="en-US" sz="3600" b="1" dirty="0">
+                <a:solidFill>
+                  <a:schemeClr val="accent1"/>
+                </a:solidFill>
+                <a:latin typeface="Avenir Next" panose="020B0503020202020204" pitchFamily="34" charset="0"/>
+              </a:rPr>
+              <a:t>ETHERMINT</a:t>
+            </a:r>
+          </a:p>
+        </p:txBody>
+      </p:sp>
+      <p:sp>
+        <p:nvSpPr>
+          <p:cNvPr id="7" name="Text Placeholder 8">
             <a:extLst>
               <a:ext uri="{FF2B5EF4-FFF2-40B4-BE49-F238E27FC236}">
-                <a16:creationId xmlns:a16="http://schemas.microsoft.com/office/drawing/2014/main" id="{1A9E842C-41F7-304E-B56C-F93B10CA9D56}"/>
+                <a16:creationId xmlns:a16="http://schemas.microsoft.com/office/drawing/2014/main" id="{4C9D709C-9D01-0B44-9F2A-5189EE9E3516}"/>
               </a:ext>
             </a:extLst>
           </p:cNvPr>
-          <p:cNvPicPr>
-            <a:picLocks noChangeAspect="1"/>
-          </p:cNvPicPr>
+          <p:cNvSpPr txBox="1">
+            <a:spLocks/>
+          </p:cNvSpPr>
           <p:nvPr/>
-        </p:nvPicPr>
-        <p:blipFill>
-          <a:blip r:embed="rId4">
-            <a:extLst/>
-          </a:blip>
-          <a:stretch>
-            <a:fillRect/>
-          </a:stretch>
-        </p:blipFill>
+        </p:nvSpPr>
         <p:spPr>
           <a:xfrm>
-            <a:off x="12489434" y="3345307"/>
-            <a:ext cx="11037831" cy="8278374"/>
+            <a:off x="13489224" y="5030894"/>
+            <a:ext cx="5400000" cy="5400000"/>
           </a:xfrm>
-          <a:prstGeom prst="rect">
-            <a:avLst/>
+          <a:prstGeom prst="roundRect">
+            <a:avLst>
+              <a:gd name="adj" fmla="val 7255"/>
+            </a:avLst>
           </a:prstGeom>
-          <a:ln w="12700">
-            <a:miter lim="400000"/>
+          <a:solidFill>
+            <a:schemeClr val="bg2">
+              <a:alpha val="40000"/>
+            </a:schemeClr>
+          </a:solidFill>
+          <a:ln w="25400">
+            <a:solidFill>
+              <a:schemeClr val="tx1">
+                <a:alpha val="2000"/>
+              </a:schemeClr>
+            </a:solidFill>
+            <a:round/>
           </a:ln>
         </p:spPr>
-      </p:pic>
+        <p:style>
+          <a:lnRef idx="2">
+            <a:schemeClr val="dk1"/>
+          </a:lnRef>
+          <a:fillRef idx="1">
+            <a:schemeClr val="lt1"/>
+          </a:fillRef>
+          <a:effectRef idx="0">
+            <a:schemeClr val="dk1"/>
+          </a:effectRef>
+          <a:fontRef idx="minor">
+            <a:schemeClr val="dk1"/>
+          </a:fontRef>
+        </p:style>
+        <p:txBody>
+          <a:bodyPr anchor="ctr"/>
+          <a:lstStyle>
+            <a:lvl1pPr marL="457200" indent="-457200" algn="l" defTabSz="1828800" rtl="0" eaLnBrk="1" latinLnBrk="0" hangingPunct="1">
+              <a:lnSpc>
+                <a:spcPct val="90000"/>
+              </a:lnSpc>
+              <a:spcBef>
+                <a:spcPts val="2000"/>
+              </a:spcBef>
+              <a:buFont typeface="Arial" panose="020B0604020202020204" pitchFamily="34" charset="0"/>
+              <a:buChar char="•"/>
+              <a:defRPr sz="5600" kern="1200">
+                <a:solidFill>
+                  <a:schemeClr val="tx1"/>
+                </a:solidFill>
+                <a:latin typeface="+mn-lt"/>
+                <a:ea typeface="+mn-ea"/>
+                <a:cs typeface="+mn-cs"/>
+              </a:defRPr>
+            </a:lvl1pPr>
+            <a:lvl2pPr marL="1371600" indent="-457200" algn="l" defTabSz="1828800" rtl="0" eaLnBrk="1" latinLnBrk="0" hangingPunct="1">
+              <a:lnSpc>
+                <a:spcPct val="90000"/>
+              </a:lnSpc>
+              <a:spcBef>
+                <a:spcPts val="1000"/>
+              </a:spcBef>
+              <a:buFont typeface="Arial" panose="020B0604020202020204" pitchFamily="34" charset="0"/>
+              <a:buChar char="•"/>
+              <a:defRPr sz="4800" kern="1200">
+                <a:solidFill>
+                  <a:schemeClr val="tx1"/>
+                </a:solidFill>
+                <a:latin typeface="+mn-lt"/>
+                <a:ea typeface="+mn-ea"/>
+                <a:cs typeface="+mn-cs"/>
+              </a:defRPr>
+            </a:lvl2pPr>
+            <a:lvl3pPr marL="2286000" indent="-457200" algn="l" defTabSz="1828800" rtl="0" eaLnBrk="1" latinLnBrk="0" hangingPunct="1">
+              <a:lnSpc>
+                <a:spcPct val="90000"/>
+              </a:lnSpc>
+              <a:spcBef>
+                <a:spcPts val="1000"/>
+              </a:spcBef>
+              <a:buFont typeface="Arial" panose="020B0604020202020204" pitchFamily="34" charset="0"/>
+              <a:buChar char="•"/>
+              <a:defRPr sz="4000" kern="1200">
+                <a:solidFill>
+                  <a:schemeClr val="tx1"/>
+                </a:solidFill>
+                <a:latin typeface="+mn-lt"/>
+                <a:ea typeface="+mn-ea"/>
+                <a:cs typeface="+mn-cs"/>
+              </a:defRPr>
+            </a:lvl3pPr>
+            <a:lvl4pPr marL="3200400" indent="-457200" algn="l" defTabSz="1828800" rtl="0" eaLnBrk="1" latinLnBrk="0" hangingPunct="1">
+              <a:lnSpc>
+                <a:spcPct val="90000"/>
+              </a:lnSpc>
+              <a:spcBef>
+                <a:spcPts val="1000"/>
+              </a:spcBef>
+              <a:buFont typeface="Arial" panose="020B0604020202020204" pitchFamily="34" charset="0"/>
+              <a:buChar char="•"/>
+              <a:defRPr sz="3600" kern="1200">
+                <a:solidFill>
+                  <a:schemeClr val="tx1"/>
+                </a:solidFill>
+                <a:latin typeface="+mn-lt"/>
+                <a:ea typeface="+mn-ea"/>
+                <a:cs typeface="+mn-cs"/>
+              </a:defRPr>
+            </a:lvl4pPr>
+            <a:lvl5pPr marL="4114800" indent="-457200" algn="l" defTabSz="1828800" rtl="0" eaLnBrk="1" latinLnBrk="0" hangingPunct="1">
+              <a:lnSpc>
+                <a:spcPct val="90000"/>
+              </a:lnSpc>
+              <a:spcBef>
+                <a:spcPts val="1000"/>
+              </a:spcBef>
+              <a:buFont typeface="Arial" panose="020B0604020202020204" pitchFamily="34" charset="0"/>
+              <a:buChar char="•"/>
+              <a:defRPr sz="3600" kern="1200">
+                <a:solidFill>
+                  <a:schemeClr val="tx1"/>
+                </a:solidFill>
+                <a:latin typeface="+mn-lt"/>
+                <a:ea typeface="+mn-ea"/>
+                <a:cs typeface="+mn-cs"/>
+              </a:defRPr>
+            </a:lvl5pPr>
+            <a:lvl6pPr marL="5029200" indent="-457200" algn="l" defTabSz="1828800" rtl="0" eaLnBrk="1" latinLnBrk="0" hangingPunct="1">
+              <a:lnSpc>
+                <a:spcPct val="90000"/>
+              </a:lnSpc>
+              <a:spcBef>
+                <a:spcPts val="1000"/>
+              </a:spcBef>
+              <a:buFont typeface="Arial" panose="020B0604020202020204" pitchFamily="34" charset="0"/>
+              <a:buChar char="•"/>
+              <a:defRPr sz="3600" kern="1200">
+                <a:solidFill>
+                  <a:schemeClr val="tx1"/>
+                </a:solidFill>
+                <a:latin typeface="+mn-lt"/>
+                <a:ea typeface="+mn-ea"/>
+                <a:cs typeface="+mn-cs"/>
+              </a:defRPr>
+            </a:lvl6pPr>
+            <a:lvl7pPr marL="5943600" indent="-457200" algn="l" defTabSz="1828800" rtl="0" eaLnBrk="1" latinLnBrk="0" hangingPunct="1">
+              <a:lnSpc>
+                <a:spcPct val="90000"/>
+              </a:lnSpc>
+              <a:spcBef>
+                <a:spcPts val="1000"/>
+              </a:spcBef>
+              <a:buFont typeface="Arial" panose="020B0604020202020204" pitchFamily="34" charset="0"/>
+              <a:buChar char="•"/>
+              <a:defRPr sz="3600" kern="1200">
+                <a:solidFill>
+                  <a:schemeClr val="tx1"/>
+                </a:solidFill>
+                <a:latin typeface="+mn-lt"/>
+                <a:ea typeface="+mn-ea"/>
+                <a:cs typeface="+mn-cs"/>
+              </a:defRPr>
+            </a:lvl7pPr>
+            <a:lvl8pPr marL="6858000" indent="-457200" algn="l" defTabSz="1828800" rtl="0" eaLnBrk="1" latinLnBrk="0" hangingPunct="1">
+              <a:lnSpc>
+                <a:spcPct val="90000"/>
+              </a:lnSpc>
+              <a:spcBef>
+                <a:spcPts val="1000"/>
+              </a:spcBef>
+              <a:buFont typeface="Arial" panose="020B0604020202020204" pitchFamily="34" charset="0"/>
+              <a:buChar char="•"/>
+              <a:defRPr sz="3600" kern="1200">
+                <a:solidFill>
+                  <a:schemeClr val="tx1"/>
+                </a:solidFill>
+                <a:latin typeface="+mn-lt"/>
+                <a:ea typeface="+mn-ea"/>
+                <a:cs typeface="+mn-cs"/>
+              </a:defRPr>
+            </a:lvl8pPr>
+            <a:lvl9pPr marL="7772400" indent="-457200" algn="l" defTabSz="1828800" rtl="0" eaLnBrk="1" latinLnBrk="0" hangingPunct="1">
+              <a:lnSpc>
+                <a:spcPct val="90000"/>
+              </a:lnSpc>
+              <a:spcBef>
+                <a:spcPts val="1000"/>
+              </a:spcBef>
+              <a:buFont typeface="Arial" panose="020B0604020202020204" pitchFamily="34" charset="0"/>
+              <a:buChar char="•"/>
+              <a:defRPr sz="3600" kern="1200">
+                <a:solidFill>
+                  <a:schemeClr val="tx1"/>
+                </a:solidFill>
+                <a:latin typeface="+mn-lt"/>
+                <a:ea typeface="+mn-ea"/>
+                <a:cs typeface="+mn-cs"/>
+              </a:defRPr>
+            </a:lvl9pPr>
+          </a:lstStyle>
+          <a:p>
+            <a:pPr marL="0" indent="0" algn="ctr">
+              <a:buNone/>
+            </a:pPr>
+            <a:r>
+              <a:rPr lang="en-US" sz="3600" b="1" dirty="0">
+                <a:solidFill>
+                  <a:schemeClr val="accent1"/>
+                </a:solidFill>
+                <a:latin typeface="Avenir Next" panose="020B0503020202020204" pitchFamily="34" charset="0"/>
+              </a:rPr>
+              <a:t>COSMOS-SDK</a:t>
+            </a:r>
+          </a:p>
+        </p:txBody>
+      </p:sp>
     </p:spTree>
     <p:extLst>
       <p:ext uri="{BB962C8B-B14F-4D97-AF65-F5344CB8AC3E}">
-        <p14:creationId xmlns:p14="http://schemas.microsoft.com/office/powerpoint/2010/main" val="2506049230"/>
+        <p14:creationId xmlns:p14="http://schemas.microsoft.com/office/powerpoint/2010/main" val="3688145258"/>
       </p:ext>
     </p:extLst>
   </p:cSld>
@@ -21919,10 +21003,102 @@
       </p:grpSpPr>
       <p:sp>
         <p:nvSpPr>
-          <p:cNvPr id="4" name="TextBox 3">
+          <p:cNvPr id="2" name="Title 1">
             <a:extLst>
               <a:ext uri="{FF2B5EF4-FFF2-40B4-BE49-F238E27FC236}">
-                <a16:creationId xmlns:a16="http://schemas.microsoft.com/office/drawing/2014/main" id="{DA343987-45A6-F74B-913E-9D01009C33B5}"/>
+                <a16:creationId xmlns:a16="http://schemas.microsoft.com/office/drawing/2014/main" id="{BB5DB68C-3F5D-284C-AC2B-8E0C1980DD86}"/>
+              </a:ext>
+            </a:extLst>
+          </p:cNvPr>
+          <p:cNvSpPr>
+            <a:spLocks noGrp="1"/>
+          </p:cNvSpPr>
+          <p:nvPr>
+            <p:ph type="title"/>
+          </p:nvPr>
+        </p:nvSpPr>
+        <p:spPr>
+          <a:xfrm>
+            <a:off x="839919" y="872628"/>
+            <a:ext cx="5533876" cy="969151"/>
+          </a:xfrm>
+        </p:spPr>
+        <p:txBody>
+          <a:bodyPr/>
+          <a:lstStyle/>
+          <a:p>
+            <a:pPr algn="ctr"/>
+            <a:r>
+              <a:rPr lang="en-GB" b="1" dirty="0">
+                <a:solidFill>
+                  <a:srgbClr val="00D4B9"/>
+                </a:solidFill>
+                <a:latin typeface="Avenir Next" panose="020B0503020202020204" pitchFamily="34" charset="0"/>
+              </a:rPr>
+              <a:t>INTERCHAIN</a:t>
+            </a:r>
+            <a:r>
+              <a:rPr lang="en-GB" b="1" dirty="0">
+                <a:latin typeface="Avenir Next" panose="020B0503020202020204" pitchFamily="34" charset="0"/>
+              </a:rPr>
+              <a:t> SCALING</a:t>
+            </a:r>
+          </a:p>
+        </p:txBody>
+      </p:sp>
+      <p:pic>
+        <p:nvPicPr>
+          <p:cNvPr id="1026" name="Picture 2" descr="https://lh5.googleusercontent.com/v6Oy1Pln1nP0zhf8bO1SQ3aOx_su67MpWIKEmWZcei2bcQ0OjE1bqvoCH_xggweHfMWYY_ETHDzkAZ2kDYPDnFqCooBFq0NThGzYGYfwUaIk2IPDL-SQ0M-euZEJvHLawrK3TFpLuXg">
+            <a:extLst>
+              <a:ext uri="{FF2B5EF4-FFF2-40B4-BE49-F238E27FC236}">
+                <a16:creationId xmlns:a16="http://schemas.microsoft.com/office/drawing/2014/main" id="{3D6EDA0D-3ECF-1A49-8174-F2EC08CBD300}"/>
+              </a:ext>
+            </a:extLst>
+          </p:cNvPr>
+          <p:cNvPicPr>
+            <a:picLocks noChangeAspect="1" noChangeArrowheads="1"/>
+          </p:cNvPicPr>
+          <p:nvPr/>
+        </p:nvPicPr>
+        <p:blipFill>
+          <a:blip r:embed="rId3">
+            <a:extLst>
+              <a:ext uri="{28A0092B-C50C-407E-A947-70E740481C1C}">
+                <a14:useLocalDpi xmlns:a14="http://schemas.microsoft.com/office/drawing/2010/main" val="0"/>
+              </a:ext>
+            </a:extLst>
+          </a:blip>
+          <a:srcRect/>
+          <a:stretch>
+            <a:fillRect/>
+          </a:stretch>
+        </p:blipFill>
+        <p:spPr bwMode="auto">
+          <a:xfrm>
+            <a:off x="8076408" y="6750050"/>
+            <a:ext cx="8304210" cy="6217778"/>
+          </a:xfrm>
+          <a:prstGeom prst="roundRect">
+            <a:avLst/>
+          </a:prstGeom>
+          <a:noFill/>
+          <a:extLst>
+            <a:ext uri="{909E8E84-426E-40DD-AFC4-6F175D3DCCD1}">
+              <a14:hiddenFill xmlns:a14="http://schemas.microsoft.com/office/drawing/2010/main">
+                <a:solidFill>
+                  <a:srgbClr val="FFFFFF"/>
+                </a:solidFill>
+              </a14:hiddenFill>
+            </a:ext>
+          </a:extLst>
+        </p:spPr>
+      </p:pic>
+      <p:sp>
+        <p:nvSpPr>
+          <p:cNvPr id="6" name="TextBox 5">
+            <a:extLst>
+              <a:ext uri="{FF2B5EF4-FFF2-40B4-BE49-F238E27FC236}">
+                <a16:creationId xmlns:a16="http://schemas.microsoft.com/office/drawing/2014/main" id="{1F74A7EF-69E2-CF41-9EAD-F0FD726FECF0}"/>
               </a:ext>
             </a:extLst>
           </p:cNvPr>
@@ -21931,8 +21107,8 @@
         </p:nvSpPr>
         <p:spPr>
           <a:xfrm>
-            <a:off x="1399105" y="2969181"/>
-            <a:ext cx="10616048" cy="8710077"/>
+            <a:off x="1584960" y="2964398"/>
+            <a:ext cx="7200000" cy="3785652"/>
           </a:xfrm>
           <a:prstGeom prst="rect">
             <a:avLst/>
@@ -21940,31 +21116,25 @@
           <a:noFill/>
         </p:spPr>
         <p:txBody>
-          <a:bodyPr wrap="none" rtlCol="0">
+          <a:bodyPr wrap="square" rtlCol="0" anchor="ctr">
             <a:spAutoFit/>
           </a:bodyPr>
           <a:lstStyle/>
           <a:p>
-            <a:pPr>
-              <a:lnSpc>
-                <a:spcPct val="200000"/>
-              </a:lnSpc>
-            </a:pPr>
             <a:r>
               <a:rPr lang="en-GB" sz="4000" b="1" dirty="0">
-                <a:solidFill>
-                  <a:srgbClr val="00D4B9"/>
-                </a:solidFill>
                 <a:latin typeface="Avenir Next" panose="020B0503020202020204" pitchFamily="34" charset="0"/>
               </a:rPr>
-              <a:t>Current</a:t>
-            </a:r>
+              <a:t>IBC</a:t>
+            </a:r>
+          </a:p>
+          <a:p>
+            <a:endParaRPr lang="en-GB" sz="4000" dirty="0">
+              <a:latin typeface="Avenir Next" panose="020B0503020202020204" pitchFamily="34" charset="0"/>
+            </a:endParaRPr>
           </a:p>
           <a:p>
             <a:pPr marL="571500" indent="-571500">
-              <a:lnSpc>
-                <a:spcPct val="200000"/>
-              </a:lnSpc>
               <a:buFont typeface="Wingdings" pitchFamily="2" charset="2"/>
               <a:buChar char="§"/>
             </a:pPr>
@@ -21972,14 +21142,20 @@
               <a:rPr lang="en-GB" sz="4000" dirty="0">
                 <a:latin typeface="Avenir Next" panose="020B0503020202020204" pitchFamily="34" charset="0"/>
               </a:rPr>
-              <a:t>Instant Finality</a:t>
-            </a:r>
+              <a:t>Secure transfers between heterogeneous </a:t>
+            </a:r>
+            <a:r>
+              <a:rPr lang="en-GB" sz="4000" dirty="0" err="1">
+                <a:latin typeface="Avenir Next" panose="020B0503020202020204" pitchFamily="34" charset="0"/>
+              </a:rPr>
+              <a:t>blockchains</a:t>
+            </a:r>
+            <a:endParaRPr lang="en-GB" sz="4000" dirty="0">
+              <a:latin typeface="Avenir Next" panose="020B0503020202020204" pitchFamily="34" charset="0"/>
+            </a:endParaRPr>
           </a:p>
           <a:p>
             <a:pPr marL="571500" indent="-571500">
-              <a:lnSpc>
-                <a:spcPct val="200000"/>
-              </a:lnSpc>
               <a:buFont typeface="Wingdings" pitchFamily="2" charset="2"/>
               <a:buChar char="§"/>
             </a:pPr>
@@ -21987,89 +21163,17 @@
               <a:rPr lang="en-GB" sz="4000" dirty="0">
                 <a:latin typeface="Avenir Next" panose="020B0503020202020204" pitchFamily="34" charset="0"/>
               </a:rPr>
-              <a:t>Efficient light-client proofs</a:t>
-            </a:r>
-          </a:p>
-          <a:p>
-            <a:pPr marL="571500" indent="-571500">
-              <a:lnSpc>
-                <a:spcPct val="200000"/>
-              </a:lnSpc>
-              <a:buFont typeface="Wingdings" pitchFamily="2" charset="2"/>
-              <a:buChar char="§"/>
-            </a:pPr>
-            <a:r>
-              <a:rPr lang="en-GB" sz="4000" dirty="0">
-                <a:latin typeface="Avenir Next" panose="020B0503020202020204" pitchFamily="34" charset="0"/>
-              </a:rPr>
-              <a:t>Safety in asynchronous networks</a:t>
-            </a:r>
-          </a:p>
-          <a:p>
-            <a:pPr marL="571500" indent="-571500">
-              <a:lnSpc>
-                <a:spcPct val="200000"/>
-              </a:lnSpc>
-              <a:buFont typeface="Wingdings" pitchFamily="2" charset="2"/>
-              <a:buChar char="§"/>
-            </a:pPr>
-            <a:r>
-              <a:rPr lang="en-GB" sz="4000" dirty="0">
-                <a:latin typeface="Avenir Next" panose="020B0503020202020204" pitchFamily="34" charset="0"/>
-              </a:rPr>
-              <a:t>Liveness in partially synchronous networks</a:t>
-            </a:r>
-          </a:p>
-          <a:p>
-            <a:pPr marL="571500" indent="-571500">
-              <a:lnSpc>
-                <a:spcPct val="200000"/>
-              </a:lnSpc>
-              <a:buFont typeface="Wingdings" pitchFamily="2" charset="2"/>
-              <a:buChar char="§"/>
-            </a:pPr>
-            <a:r>
-              <a:rPr lang="en-GB" sz="4000" dirty="0">
-                <a:latin typeface="Avenir Next" panose="020B0503020202020204" pitchFamily="34" charset="0"/>
-              </a:rPr>
-              <a:t>4,000 </a:t>
-            </a:r>
-            <a:r>
-              <a:rPr lang="en-GB" sz="4000" dirty="0" err="1">
-                <a:latin typeface="Avenir Next" panose="020B0503020202020204" pitchFamily="34" charset="0"/>
-              </a:rPr>
-              <a:t>tps</a:t>
-            </a:r>
-            <a:r>
-              <a:rPr lang="en-GB" sz="4000" dirty="0">
-                <a:latin typeface="Avenir Next" panose="020B0503020202020204" pitchFamily="34" charset="0"/>
-              </a:rPr>
-              <a:t> on 64 validators</a:t>
-            </a:r>
-          </a:p>
-          <a:p>
-            <a:pPr marL="571500" indent="-571500">
-              <a:lnSpc>
-                <a:spcPct val="200000"/>
-              </a:lnSpc>
-              <a:buFont typeface="Wingdings" pitchFamily="2" charset="2"/>
-              <a:buChar char="§"/>
-            </a:pPr>
-            <a:r>
-              <a:rPr lang="en-GB" sz="4000" dirty="0">
-                <a:latin typeface="Avenir Next" panose="020B0503020202020204" pitchFamily="34" charset="0"/>
-              </a:rPr>
-              <a:t>High network overhead - O(N^2)</a:t>
+              <a:t>Tokens -&gt; NFAs -&gt; Complex Objects</a:t>
             </a:r>
           </a:p>
         </p:txBody>
       </p:sp>
       <p:sp>
         <p:nvSpPr>
-          <p:cNvPr id="5" name="TextBox 4">
+          <p:cNvPr id="7" name="TextBox 6">
             <a:extLst>
               <a:ext uri="{FF2B5EF4-FFF2-40B4-BE49-F238E27FC236}">
-                <a16:creationId xmlns:a16="http://schemas.microsoft.com/office/drawing/2014/main" id="{29A46E92-D1C0-F843-B271-BE80061ED586}"/>
+                <a16:creationId xmlns:a16="http://schemas.microsoft.com/office/drawing/2014/main" id="{37F68D02-8BD6-1A4C-9A1F-78E2BAEFD4F6}"/>
               </a:ext>
             </a:extLst>
           </p:cNvPr>
@@ -22078,8 +21182,8 @@
         </p:nvSpPr>
         <p:spPr>
           <a:xfrm>
-            <a:off x="13572480" y="2969181"/>
-            <a:ext cx="10080000" cy="6093976"/>
+            <a:off x="9384480" y="2964398"/>
+            <a:ext cx="7200000" cy="3170099"/>
           </a:xfrm>
           <a:prstGeom prst="rect">
             <a:avLst/>
@@ -22092,26 +21196,20 @@
           </a:bodyPr>
           <a:lstStyle/>
           <a:p>
-            <a:pPr>
-              <a:lnSpc>
-                <a:spcPct val="200000"/>
-              </a:lnSpc>
-            </a:pPr>
             <a:r>
               <a:rPr lang="en-GB" sz="4000" b="1" dirty="0">
-                <a:solidFill>
-                  <a:srgbClr val="00D4B9"/>
-                </a:solidFill>
                 <a:latin typeface="Avenir Next" panose="020B0503020202020204" pitchFamily="34" charset="0"/>
               </a:rPr>
-              <a:t>Future Improvements</a:t>
-            </a:r>
+              <a:t>IBC + Adaptors</a:t>
+            </a:r>
+          </a:p>
+          <a:p>
+            <a:endParaRPr lang="en-GB" sz="4000" dirty="0">
+              <a:latin typeface="Avenir Next" panose="020B0503020202020204" pitchFamily="34" charset="0"/>
+            </a:endParaRPr>
           </a:p>
           <a:p>
             <a:pPr marL="571500" indent="-571500">
-              <a:lnSpc>
-                <a:spcPct val="200000"/>
-              </a:lnSpc>
               <a:buFont typeface="Wingdings" pitchFamily="2" charset="2"/>
               <a:buChar char="§"/>
             </a:pPr>
@@ -22119,14 +21217,11 @@
               <a:rPr lang="en-GB" sz="4000" dirty="0">
                 <a:latin typeface="Avenir Next" panose="020B0503020202020204" pitchFamily="34" charset="0"/>
               </a:rPr>
-              <a:t>BLS signatures</a:t>
+              <a:t>Adapter to enforce finality</a:t>
             </a:r>
           </a:p>
           <a:p>
             <a:pPr marL="571500" indent="-571500">
-              <a:lnSpc>
-                <a:spcPct val="200000"/>
-              </a:lnSpc>
               <a:buFont typeface="Wingdings" pitchFamily="2" charset="2"/>
               <a:buChar char="§"/>
             </a:pPr>
@@ -22134,14 +21229,53 @@
               <a:rPr lang="en-GB" sz="4000" dirty="0">
                 <a:latin typeface="Avenir Next" panose="020B0503020202020204" pitchFamily="34" charset="0"/>
               </a:rPr>
-              <a:t>Optimistic pipelining</a:t>
-            </a:r>
+              <a:t>Allows IBC connections to non-finality chains</a:t>
+            </a:r>
+          </a:p>
+        </p:txBody>
+      </p:sp>
+      <p:sp>
+        <p:nvSpPr>
+          <p:cNvPr id="8" name="TextBox 7">
+            <a:extLst>
+              <a:ext uri="{FF2B5EF4-FFF2-40B4-BE49-F238E27FC236}">
+                <a16:creationId xmlns:a16="http://schemas.microsoft.com/office/drawing/2014/main" id="{8B82376D-A7D4-E044-B7CF-80D2C89AFC5D}"/>
+              </a:ext>
+            </a:extLst>
+          </p:cNvPr>
+          <p:cNvSpPr txBox="1"/>
+          <p:nvPr/>
+        </p:nvSpPr>
+        <p:spPr>
+          <a:xfrm>
+            <a:off x="17184000" y="2964398"/>
+            <a:ext cx="6834240" cy="4401205"/>
+          </a:xfrm>
+          <a:prstGeom prst="rect">
+            <a:avLst/>
+          </a:prstGeom>
+          <a:noFill/>
+        </p:spPr>
+        <p:txBody>
+          <a:bodyPr wrap="square" rtlCol="0">
+            <a:spAutoFit/>
+          </a:bodyPr>
+          <a:lstStyle/>
+          <a:p>
+            <a:r>
+              <a:rPr lang="en-GB" sz="4000" b="1" dirty="0">
+                <a:latin typeface="Avenir Next" panose="020B0503020202020204" pitchFamily="34" charset="0"/>
+              </a:rPr>
+              <a:t>Cosmos Hub</a:t>
+            </a:r>
+          </a:p>
+          <a:p>
+            <a:endParaRPr lang="en-GB" sz="4000" dirty="0">
+              <a:latin typeface="Avenir Next" panose="020B0503020202020204" pitchFamily="34" charset="0"/>
+            </a:endParaRPr>
           </a:p>
           <a:p>
             <a:pPr marL="571500" indent="-571500">
-              <a:lnSpc>
-                <a:spcPct val="200000"/>
-              </a:lnSpc>
               <a:buFont typeface="Wingdings" pitchFamily="2" charset="2"/>
               <a:buChar char="§"/>
             </a:pPr>
@@ -22149,14 +21283,20 @@
               <a:rPr lang="en-GB" sz="4000" dirty="0">
                 <a:latin typeface="Avenir Next" panose="020B0503020202020204" pitchFamily="34" charset="0"/>
               </a:rPr>
-              <a:t>DKG construction</a:t>
-            </a:r>
+              <a:t>Liquidity provider for all connected </a:t>
+            </a:r>
+            <a:r>
+              <a:rPr lang="en-GB" sz="4000" dirty="0" err="1">
+                <a:latin typeface="Avenir Next" panose="020B0503020202020204" pitchFamily="34" charset="0"/>
+              </a:rPr>
+              <a:t>blockchains</a:t>
+            </a:r>
+            <a:endParaRPr lang="en-GB" sz="4000" dirty="0">
+              <a:latin typeface="Avenir Next" panose="020B0503020202020204" pitchFamily="34" charset="0"/>
+            </a:endParaRPr>
           </a:p>
           <a:p>
             <a:pPr marL="571500" indent="-571500">
-              <a:lnSpc>
-                <a:spcPct val="200000"/>
-              </a:lnSpc>
               <a:buFont typeface="Wingdings" pitchFamily="2" charset="2"/>
               <a:buChar char="§"/>
             </a:pPr>
@@ -22164,60 +21304,24 @@
               <a:rPr lang="en-GB" sz="4000" dirty="0">
                 <a:latin typeface="Avenir Next" panose="020B0503020202020204" pitchFamily="34" charset="0"/>
               </a:rPr>
-              <a:t>Liveness through synchrony assumption</a:t>
-            </a:r>
-          </a:p>
-        </p:txBody>
-      </p:sp>
-      <p:sp>
-        <p:nvSpPr>
-          <p:cNvPr id="8" name="Title 1">
-            <a:extLst>
-              <a:ext uri="{FF2B5EF4-FFF2-40B4-BE49-F238E27FC236}">
-                <a16:creationId xmlns:a16="http://schemas.microsoft.com/office/drawing/2014/main" id="{E3639C17-E47E-E243-BD66-4B3D29B18E42}"/>
-              </a:ext>
-            </a:extLst>
-          </p:cNvPr>
-          <p:cNvSpPr>
-            <a:spLocks noGrp="1"/>
-          </p:cNvSpPr>
-          <p:nvPr>
-            <p:ph type="title"/>
-          </p:nvPr>
-        </p:nvSpPr>
-        <p:spPr>
-          <a:xfrm>
-            <a:off x="813213" y="872628"/>
-            <a:ext cx="5527402" cy="969151"/>
-          </a:xfrm>
-        </p:spPr>
-        <p:txBody>
-          <a:bodyPr/>
-          <a:lstStyle/>
-          <a:p>
-            <a:pPr algn="ctr"/>
-            <a:r>
-              <a:rPr lang="en-GB" b="1" dirty="0">
-                <a:solidFill>
-                  <a:schemeClr val="accent2"/>
-                </a:solidFill>
+              <a:t>Maintains double-spend protection between </a:t>
+            </a:r>
+            <a:r>
+              <a:rPr lang="en-GB" sz="4000" dirty="0" err="1">
                 <a:latin typeface="Avenir Next" panose="020B0503020202020204" pitchFamily="34" charset="0"/>
               </a:rPr>
-              <a:t>CONSENSUS</a:t>
-            </a:r>
-            <a:r>
-              <a:rPr lang="en-GB" b="1" dirty="0">
-                <a:latin typeface="Avenir Next" panose="020B0503020202020204" pitchFamily="34" charset="0"/>
-              </a:rPr>
-              <a:t> SCALING</a:t>
-            </a:r>
+              <a:t>blockchains</a:t>
+            </a:r>
+            <a:endParaRPr lang="en-GB" sz="4000" dirty="0">
+              <a:latin typeface="Avenir Next" panose="020B0503020202020204" pitchFamily="34" charset="0"/>
+            </a:endParaRPr>
           </a:p>
         </p:txBody>
       </p:sp>
     </p:spTree>
     <p:extLst>
       <p:ext uri="{BB962C8B-B14F-4D97-AF65-F5344CB8AC3E}">
-        <p14:creationId xmlns:p14="http://schemas.microsoft.com/office/powerpoint/2010/main" val="4009093969"/>
+        <p14:creationId xmlns:p14="http://schemas.microsoft.com/office/powerpoint/2010/main" val="1565826006"/>
       </p:ext>
     </p:extLst>
   </p:cSld>
